--- a/Econ/PPT/S13_Lecture_24.pptx
+++ b/Econ/PPT/S13_Lecture_24.pptx
@@ -4,30 +4,29 @@
   <p:sldMasterIdLst>
     <p:sldMasterId id="2147483648" r:id="rId2"/>
     <p:sldMasterId id="2147483661" r:id="rId3"/>
-    <p:sldMasterId id="2147483674" r:id="rId4"/>
   </p:sldMasterIdLst>
   <p:notesMasterIdLst>
-    <p:notesMasterId r:id="rId5"/>
+    <p:notesMasterId r:id="rId4"/>
   </p:notesMasterIdLst>
   <p:sldIdLst>
-    <p:sldId id="256" r:id="rId6"/>
-    <p:sldId id="257" r:id="rId7"/>
-    <p:sldId id="258" r:id="rId8"/>
-    <p:sldId id="259" r:id="rId9"/>
-    <p:sldId id="260" r:id="rId10"/>
-    <p:sldId id="261" r:id="rId11"/>
-    <p:sldId id="262" r:id="rId12"/>
-    <p:sldId id="263" r:id="rId13"/>
-    <p:sldId id="264" r:id="rId14"/>
-    <p:sldId id="265" r:id="rId15"/>
-    <p:sldId id="266" r:id="rId16"/>
-    <p:sldId id="267" r:id="rId17"/>
-    <p:sldId id="268" r:id="rId18"/>
-    <p:sldId id="269" r:id="rId19"/>
-    <p:sldId id="270" r:id="rId20"/>
-    <p:sldId id="271" r:id="rId21"/>
-    <p:sldId id="272" r:id="rId22"/>
-    <p:sldId id="273" r:id="rId23"/>
+    <p:sldId id="256" r:id="rId5"/>
+    <p:sldId id="257" r:id="rId6"/>
+    <p:sldId id="258" r:id="rId7"/>
+    <p:sldId id="259" r:id="rId8"/>
+    <p:sldId id="260" r:id="rId9"/>
+    <p:sldId id="261" r:id="rId10"/>
+    <p:sldId id="262" r:id="rId11"/>
+    <p:sldId id="263" r:id="rId12"/>
+    <p:sldId id="264" r:id="rId13"/>
+    <p:sldId id="265" r:id="rId14"/>
+    <p:sldId id="266" r:id="rId15"/>
+    <p:sldId id="267" r:id="rId16"/>
+    <p:sldId id="268" r:id="rId17"/>
+    <p:sldId id="269" r:id="rId18"/>
+    <p:sldId id="270" r:id="rId19"/>
+    <p:sldId id="271" r:id="rId20"/>
+    <p:sldId id="272" r:id="rId21"/>
+    <p:sldId id="273" r:id="rId22"/>
   </p:sldIdLst>
   <p:sldSz cx="9144000" cy="6858000"/>
   <p:notesSz cx="6858000" cy="9144000"/>
@@ -53,7 +52,7 @@
       </p:grpSpPr>
       <p:sp>
         <p:nvSpPr>
-          <p:cNvPr id="119" name="PlaceHolder 1"/>
+          <p:cNvPr id="68" name="PlaceHolder 1"/>
           <p:cNvSpPr>
             <a:spLocks noGrp="1"/>
           </p:cNvSpPr>
@@ -63,8 +62,8 @@
         </p:nvSpPr>
         <p:spPr>
           <a:xfrm>
-            <a:off x="685800" y="4343040"/>
-            <a:ext cx="5486040" cy="4114440"/>
+            <a:off x="777240" y="4777560"/>
+            <a:ext cx="6217560" cy="4525920"/>
           </a:xfrm>
           <a:prstGeom prst="rect">
             <a:avLst/>
@@ -83,7 +82,7 @@
       </p:sp>
       <p:sp>
         <p:nvSpPr>
-          <p:cNvPr id="120" name="PlaceHolder 2"/>
+          <p:cNvPr id="69" name="PlaceHolder 2"/>
           <p:cNvSpPr>
             <a:spLocks noGrp="1"/>
           </p:cNvSpPr>
@@ -94,7 +93,7 @@
         <p:spPr>
           <a:xfrm>
             <a:off x="0" y="0"/>
-            <a:ext cx="2976120" cy="456840"/>
+            <a:ext cx="3372840" cy="502560"/>
           </a:xfrm>
           <a:prstGeom prst="rect">
             <a:avLst/>
@@ -113,7 +112,7 @@
       </p:sp>
       <p:sp>
         <p:nvSpPr>
-          <p:cNvPr id="121" name="PlaceHolder 3"/>
+          <p:cNvPr id="70" name="PlaceHolder 3"/>
           <p:cNvSpPr>
             <a:spLocks noGrp="1"/>
           </p:cNvSpPr>
@@ -123,8 +122,8 @@
         </p:nvSpPr>
         <p:spPr>
           <a:xfrm>
-            <a:off x="3881520" y="0"/>
-            <a:ext cx="2976120" cy="456840"/>
+            <a:off x="4399200" y="0"/>
+            <a:ext cx="3372840" cy="502560"/>
           </a:xfrm>
           <a:prstGeom prst="rect">
             <a:avLst/>
@@ -144,7 +143,7 @@
       </p:sp>
       <p:sp>
         <p:nvSpPr>
-          <p:cNvPr id="122" name="PlaceHolder 4"/>
+          <p:cNvPr id="71" name="PlaceHolder 4"/>
           <p:cNvSpPr>
             <a:spLocks noGrp="1"/>
           </p:cNvSpPr>
@@ -154,8 +153,8 @@
         </p:nvSpPr>
         <p:spPr>
           <a:xfrm>
-            <a:off x="0" y="8686800"/>
-            <a:ext cx="2976120" cy="456840"/>
+            <a:off x="0" y="9555480"/>
+            <a:ext cx="3372840" cy="502560"/>
           </a:xfrm>
           <a:prstGeom prst="rect">
             <a:avLst/>
@@ -174,7 +173,7 @@
       </p:sp>
       <p:sp>
         <p:nvSpPr>
-          <p:cNvPr id="123" name="PlaceHolder 5"/>
+          <p:cNvPr id="72" name="PlaceHolder 5"/>
           <p:cNvSpPr>
             <a:spLocks noGrp="1"/>
           </p:cNvSpPr>
@@ -184,8 +183,8 @@
         </p:nvSpPr>
         <p:spPr>
           <a:xfrm>
-            <a:off x="3881520" y="8686800"/>
-            <a:ext cx="2976120" cy="456840"/>
+            <a:off x="4399200" y="9555480"/>
+            <a:ext cx="3372840" cy="502560"/>
           </a:xfrm>
           <a:prstGeom prst="rect">
             <a:avLst/>
@@ -195,7 +194,7 @@
           <a:bodyPr anchor="b" bIns="0" lIns="0" rIns="0" tIns="0" wrap="none"/>
           <a:p>
             <a:pPr algn="r"/>
-            <a:fld id="{5E9C3673-0EE4-4A80-975E-EA883DA12EEE}" type="slidenum">
+            <a:fld id="{7C60DB23-6675-4502-BD3E-8085A5CE1C31}" type="slidenum">
               <a:rPr lang="en-US"/>
               <a:t>&lt;number&gt;</a:t>
             </a:fld>
@@ -228,28 +227,28 @@
       </p:grpSpPr>
       <p:sp>
         <p:nvSpPr>
-          <p:cNvPr id="163" name="TextShape 1"/>
-          <p:cNvSpPr txBox="1"/>
+          <p:cNvPr id="112" name="CustomShape 1"/>
+          <p:cNvSpPr/>
           <p:nvPr/>
         </p:nvSpPr>
         <p:spPr>
           <a:xfrm>
             <a:off x="3884760" y="8685360"/>
-            <a:ext cx="2971440" cy="456840"/>
+            <a:ext cx="2971080" cy="456480"/>
           </a:xfrm>
           <a:prstGeom prst="rect">
             <a:avLst/>
           </a:prstGeom>
         </p:spPr>
         <p:txBody>
-          <a:bodyPr anchor="b"/>
+          <a:bodyPr anchor="b" bIns="45000" lIns="90000" rIns="90000" tIns="45000"/>
           <a:p>
             <a:pPr>
               <a:lnSpc>
                 <a:spcPct val="100000"/>
               </a:lnSpc>
             </a:pPr>
-            <a:fld id="{580C3DD9-8B00-45B6-85D6-6F13F4AE1A31}" type="slidenum">
+            <a:fld id="{25B31977-E8FE-40E4-ADC0-6562F211EF81}" type="slidenum">
               <a:rPr lang="en-US" sz="1200">
                 <a:latin typeface="+mn-lt"/>
               </a:rPr>
@@ -261,7 +260,7 @@
       </p:sp>
       <p:sp>
         <p:nvSpPr>
-          <p:cNvPr id="164" name="PlaceHolder 2"/>
+          <p:cNvPr id="113" name="PlaceHolder 2"/>
           <p:cNvSpPr>
             <a:spLocks noGrp="1"/>
           </p:cNvSpPr>
@@ -272,14 +271,14 @@
         <p:spPr>
           <a:xfrm>
             <a:off x="685800" y="4343400"/>
-            <a:ext cx="5486040" cy="4114440"/>
+            <a:ext cx="5485680" cy="4114080"/>
           </a:xfrm>
           <a:prstGeom prst="rect">
             <a:avLst/>
           </a:prstGeom>
         </p:spPr>
         <p:txBody>
-          <a:bodyPr/>
+          <a:bodyPr bIns="0" lIns="0" rIns="0" tIns="0"/>
           <a:p>
             <a:endParaRPr/>
           </a:p>
@@ -331,7 +330,7 @@
       </p:grpSpPr>
       <p:sp>
         <p:nvSpPr>
-          <p:cNvPr id="30" name="PlaceHolder 1"/>
+          <p:cNvPr id="23" name="PlaceHolder 1"/>
           <p:cNvSpPr>
             <a:spLocks noGrp="1"/>
           </p:cNvSpPr>
@@ -341,7 +340,7 @@
         </p:nvSpPr>
         <p:spPr>
           <a:xfrm>
-            <a:off x="457200" y="273240"/>
+            <a:off x="457200" y="273600"/>
             <a:ext cx="8229240" cy="1145160"/>
           </a:xfrm>
           <a:prstGeom prst="rect">
@@ -358,7 +357,7 @@
       </p:sp>
       <p:sp>
         <p:nvSpPr>
-          <p:cNvPr id="31" name="PlaceHolder 2"/>
+          <p:cNvPr id="24" name="PlaceHolder 2"/>
           <p:cNvSpPr>
             <a:spLocks noGrp="1"/>
           </p:cNvSpPr>
@@ -384,7 +383,7 @@
       </p:sp>
       <p:sp>
         <p:nvSpPr>
-          <p:cNvPr id="32" name="PlaceHolder 3"/>
+          <p:cNvPr id="25" name="PlaceHolder 3"/>
           <p:cNvSpPr>
             <a:spLocks noGrp="1"/>
           </p:cNvSpPr>
@@ -432,7 +431,7 @@
       </p:grpSpPr>
       <p:sp>
         <p:nvSpPr>
-          <p:cNvPr id="33" name="PlaceHolder 1"/>
+          <p:cNvPr id="26" name="PlaceHolder 1"/>
           <p:cNvSpPr>
             <a:spLocks noGrp="1"/>
           </p:cNvSpPr>
@@ -442,7 +441,7 @@
         </p:nvSpPr>
         <p:spPr>
           <a:xfrm>
-            <a:off x="457200" y="273240"/>
+            <a:off x="457200" y="273600"/>
             <a:ext cx="8229240" cy="1145160"/>
           </a:xfrm>
           <a:prstGeom prst="rect">
@@ -459,7 +458,7 @@
       </p:sp>
       <p:sp>
         <p:nvSpPr>
-          <p:cNvPr id="34" name="PlaceHolder 2"/>
+          <p:cNvPr id="27" name="PlaceHolder 2"/>
           <p:cNvSpPr>
             <a:spLocks noGrp="1"/>
           </p:cNvSpPr>
@@ -485,7 +484,7 @@
       </p:sp>
       <p:sp>
         <p:nvSpPr>
-          <p:cNvPr id="35" name="PlaceHolder 3"/>
+          <p:cNvPr id="28" name="PlaceHolder 3"/>
           <p:cNvSpPr>
             <a:spLocks noGrp="1"/>
           </p:cNvSpPr>
@@ -511,7 +510,7 @@
       </p:sp>
       <p:sp>
         <p:nvSpPr>
-          <p:cNvPr id="36" name="PlaceHolder 4"/>
+          <p:cNvPr id="29" name="PlaceHolder 4"/>
           <p:cNvSpPr>
             <a:spLocks noGrp="1"/>
           </p:cNvSpPr>
@@ -537,7 +536,7 @@
       </p:sp>
       <p:sp>
         <p:nvSpPr>
-          <p:cNvPr id="37" name="PlaceHolder 5"/>
+          <p:cNvPr id="30" name="PlaceHolder 5"/>
           <p:cNvSpPr>
             <a:spLocks noGrp="1"/>
           </p:cNvSpPr>
@@ -585,7 +584,7 @@
       </p:grpSpPr>
       <p:sp>
         <p:nvSpPr>
-          <p:cNvPr id="38" name="PlaceHolder 1"/>
+          <p:cNvPr id="31" name="PlaceHolder 1"/>
           <p:cNvSpPr>
             <a:spLocks noGrp="1"/>
           </p:cNvSpPr>
@@ -595,7 +594,7 @@
         </p:nvSpPr>
         <p:spPr>
           <a:xfrm>
-            <a:off x="457200" y="273240"/>
+            <a:off x="457200" y="273600"/>
             <a:ext cx="8229240" cy="1145160"/>
           </a:xfrm>
           <a:prstGeom prst="rect">
@@ -612,7 +611,7 @@
       </p:sp>
       <p:sp>
         <p:nvSpPr>
-          <p:cNvPr id="39" name="PlaceHolder 2"/>
+          <p:cNvPr id="32" name="PlaceHolder 2"/>
           <p:cNvSpPr>
             <a:spLocks noGrp="1"/>
           </p:cNvSpPr>
@@ -638,7 +637,7 @@
       </p:sp>
       <p:sp>
         <p:nvSpPr>
-          <p:cNvPr id="40" name="PlaceHolder 3"/>
+          <p:cNvPr id="33" name="PlaceHolder 3"/>
           <p:cNvSpPr>
             <a:spLocks noGrp="1"/>
           </p:cNvSpPr>
@@ -708,7 +707,7 @@
       </p:grpSpPr>
       <p:sp>
         <p:nvSpPr>
-          <p:cNvPr id="50" name="PlaceHolder 1"/>
+          <p:cNvPr id="36" name="PlaceHolder 1"/>
           <p:cNvSpPr>
             <a:spLocks noGrp="1"/>
           </p:cNvSpPr>
@@ -718,7 +717,7 @@
         </p:nvSpPr>
         <p:spPr>
           <a:xfrm>
-            <a:off x="457200" y="273240"/>
+            <a:off x="457200" y="273600"/>
             <a:ext cx="8229240" cy="1145160"/>
           </a:xfrm>
           <a:prstGeom prst="rect">
@@ -735,7 +734,7 @@
       </p:sp>
       <p:sp>
         <p:nvSpPr>
-          <p:cNvPr id="51" name="PlaceHolder 2"/>
+          <p:cNvPr id="37" name="PlaceHolder 2"/>
           <p:cNvSpPr>
             <a:spLocks noGrp="1"/>
           </p:cNvSpPr>
@@ -784,7 +783,7 @@
       </p:grpSpPr>
       <p:sp>
         <p:nvSpPr>
-          <p:cNvPr id="52" name="PlaceHolder 1"/>
+          <p:cNvPr id="38" name="PlaceHolder 1"/>
           <p:cNvSpPr>
             <a:spLocks noGrp="1"/>
           </p:cNvSpPr>
@@ -794,7 +793,7 @@
         </p:nvSpPr>
         <p:spPr>
           <a:xfrm>
-            <a:off x="457200" y="273240"/>
+            <a:off x="457200" y="273600"/>
             <a:ext cx="8229240" cy="1145160"/>
           </a:xfrm>
           <a:prstGeom prst="rect">
@@ -811,7 +810,7 @@
       </p:sp>
       <p:sp>
         <p:nvSpPr>
-          <p:cNvPr id="53" name="PlaceHolder 2"/>
+          <p:cNvPr id="39" name="PlaceHolder 2"/>
           <p:cNvSpPr>
             <a:spLocks noGrp="1"/>
           </p:cNvSpPr>
@@ -859,7 +858,7 @@
       </p:grpSpPr>
       <p:sp>
         <p:nvSpPr>
-          <p:cNvPr id="54" name="PlaceHolder 1"/>
+          <p:cNvPr id="40" name="PlaceHolder 1"/>
           <p:cNvSpPr>
             <a:spLocks noGrp="1"/>
           </p:cNvSpPr>
@@ -869,7 +868,7 @@
         </p:nvSpPr>
         <p:spPr>
           <a:xfrm>
-            <a:off x="457200" y="273240"/>
+            <a:off x="457200" y="273600"/>
             <a:ext cx="8229240" cy="1145160"/>
           </a:xfrm>
           <a:prstGeom prst="rect">
@@ -886,7 +885,7 @@
       </p:sp>
       <p:sp>
         <p:nvSpPr>
-          <p:cNvPr id="55" name="PlaceHolder 2"/>
+          <p:cNvPr id="41" name="PlaceHolder 2"/>
           <p:cNvSpPr>
             <a:spLocks noGrp="1"/>
           </p:cNvSpPr>
@@ -912,7 +911,7 @@
       </p:sp>
       <p:sp>
         <p:nvSpPr>
-          <p:cNvPr id="56" name="PlaceHolder 3"/>
+          <p:cNvPr id="42" name="PlaceHolder 3"/>
           <p:cNvSpPr>
             <a:spLocks noGrp="1"/>
           </p:cNvSpPr>
@@ -960,7 +959,7 @@
       </p:grpSpPr>
       <p:sp>
         <p:nvSpPr>
-          <p:cNvPr id="57" name="PlaceHolder 1"/>
+          <p:cNvPr id="43" name="PlaceHolder 1"/>
           <p:cNvSpPr>
             <a:spLocks noGrp="1"/>
           </p:cNvSpPr>
@@ -970,7 +969,7 @@
         </p:nvSpPr>
         <p:spPr>
           <a:xfrm>
-            <a:off x="457200" y="273240"/>
+            <a:off x="457200" y="273600"/>
             <a:ext cx="8229240" cy="1145160"/>
           </a:xfrm>
           <a:prstGeom prst="rect">
@@ -1009,7 +1008,7 @@
       </p:grpSpPr>
       <p:sp>
         <p:nvSpPr>
-          <p:cNvPr id="58" name="PlaceHolder 1"/>
+          <p:cNvPr id="44" name="PlaceHolder 1"/>
           <p:cNvSpPr>
             <a:spLocks noGrp="1"/>
           </p:cNvSpPr>
@@ -1019,8 +1018,8 @@
         </p:nvSpPr>
         <p:spPr>
           <a:xfrm>
-            <a:off x="457200" y="273240"/>
-            <a:ext cx="8229240" cy="5308560"/>
+            <a:off x="457200" y="273600"/>
+            <a:ext cx="8229240" cy="5308200"/>
           </a:xfrm>
           <a:prstGeom prst="rect">
             <a:avLst/>
@@ -1058,7 +1057,7 @@
       </p:grpSpPr>
       <p:sp>
         <p:nvSpPr>
-          <p:cNvPr id="59" name="PlaceHolder 1"/>
+          <p:cNvPr id="45" name="PlaceHolder 1"/>
           <p:cNvSpPr>
             <a:spLocks noGrp="1"/>
           </p:cNvSpPr>
@@ -1068,7 +1067,7 @@
         </p:nvSpPr>
         <p:spPr>
           <a:xfrm>
-            <a:off x="457200" y="273240"/>
+            <a:off x="457200" y="273600"/>
             <a:ext cx="8229240" cy="1145160"/>
           </a:xfrm>
           <a:prstGeom prst="rect">
@@ -1085,7 +1084,7 @@
       </p:sp>
       <p:sp>
         <p:nvSpPr>
-          <p:cNvPr id="60" name="PlaceHolder 2"/>
+          <p:cNvPr id="46" name="PlaceHolder 2"/>
           <p:cNvSpPr>
             <a:spLocks noGrp="1"/>
           </p:cNvSpPr>
@@ -1111,7 +1110,7 @@
       </p:sp>
       <p:sp>
         <p:nvSpPr>
-          <p:cNvPr id="61" name="PlaceHolder 3"/>
+          <p:cNvPr id="47" name="PlaceHolder 3"/>
           <p:cNvSpPr>
             <a:spLocks noGrp="1"/>
           </p:cNvSpPr>
@@ -1137,7 +1136,7 @@
       </p:sp>
       <p:sp>
         <p:nvSpPr>
-          <p:cNvPr id="62" name="PlaceHolder 4"/>
+          <p:cNvPr id="48" name="PlaceHolder 4"/>
           <p:cNvSpPr>
             <a:spLocks noGrp="1"/>
           </p:cNvSpPr>
@@ -1185,7 +1184,7 @@
       </p:grpSpPr>
       <p:sp>
         <p:nvSpPr>
-          <p:cNvPr id="9" name="PlaceHolder 1"/>
+          <p:cNvPr id="2" name="PlaceHolder 1"/>
           <p:cNvSpPr>
             <a:spLocks noGrp="1"/>
           </p:cNvSpPr>
@@ -1195,7 +1194,7 @@
         </p:nvSpPr>
         <p:spPr>
           <a:xfrm>
-            <a:off x="457200" y="273240"/>
+            <a:off x="457200" y="273600"/>
             <a:ext cx="8229240" cy="1145160"/>
           </a:xfrm>
           <a:prstGeom prst="rect">
@@ -1212,7 +1211,7 @@
       </p:sp>
       <p:sp>
         <p:nvSpPr>
-          <p:cNvPr id="10" name="PlaceHolder 2"/>
+          <p:cNvPr id="3" name="PlaceHolder 2"/>
           <p:cNvSpPr>
             <a:spLocks noGrp="1"/>
           </p:cNvSpPr>
@@ -1261,7 +1260,7 @@
       </p:grpSpPr>
       <p:sp>
         <p:nvSpPr>
-          <p:cNvPr id="63" name="PlaceHolder 1"/>
+          <p:cNvPr id="49" name="PlaceHolder 1"/>
           <p:cNvSpPr>
             <a:spLocks noGrp="1"/>
           </p:cNvSpPr>
@@ -1271,7 +1270,7 @@
         </p:nvSpPr>
         <p:spPr>
           <a:xfrm>
-            <a:off x="457200" y="273240"/>
+            <a:off x="457200" y="273600"/>
             <a:ext cx="8229240" cy="1145160"/>
           </a:xfrm>
           <a:prstGeom prst="rect">
@@ -1288,7 +1287,7 @@
       </p:sp>
       <p:sp>
         <p:nvSpPr>
-          <p:cNvPr id="64" name="PlaceHolder 2"/>
+          <p:cNvPr id="50" name="PlaceHolder 2"/>
           <p:cNvSpPr>
             <a:spLocks noGrp="1"/>
           </p:cNvSpPr>
@@ -1314,7 +1313,7 @@
       </p:sp>
       <p:sp>
         <p:nvSpPr>
-          <p:cNvPr id="65" name="PlaceHolder 3"/>
+          <p:cNvPr id="51" name="PlaceHolder 3"/>
           <p:cNvSpPr>
             <a:spLocks noGrp="1"/>
           </p:cNvSpPr>
@@ -1340,7 +1339,7 @@
       </p:sp>
       <p:sp>
         <p:nvSpPr>
-          <p:cNvPr id="66" name="PlaceHolder 4"/>
+          <p:cNvPr id="52" name="PlaceHolder 4"/>
           <p:cNvSpPr>
             <a:spLocks noGrp="1"/>
           </p:cNvSpPr>
@@ -1388,7 +1387,7 @@
       </p:grpSpPr>
       <p:sp>
         <p:nvSpPr>
-          <p:cNvPr id="67" name="PlaceHolder 1"/>
+          <p:cNvPr id="53" name="PlaceHolder 1"/>
           <p:cNvSpPr>
             <a:spLocks noGrp="1"/>
           </p:cNvSpPr>
@@ -1398,7 +1397,7 @@
         </p:nvSpPr>
         <p:spPr>
           <a:xfrm>
-            <a:off x="457200" y="273240"/>
+            <a:off x="457200" y="273600"/>
             <a:ext cx="8229240" cy="1145160"/>
           </a:xfrm>
           <a:prstGeom prst="rect">
@@ -1415,7 +1414,7 @@
       </p:sp>
       <p:sp>
         <p:nvSpPr>
-          <p:cNvPr id="68" name="PlaceHolder 2"/>
+          <p:cNvPr id="54" name="PlaceHolder 2"/>
           <p:cNvSpPr>
             <a:spLocks noGrp="1"/>
           </p:cNvSpPr>
@@ -1441,7 +1440,7 @@
       </p:sp>
       <p:sp>
         <p:nvSpPr>
-          <p:cNvPr id="69" name="PlaceHolder 3"/>
+          <p:cNvPr id="55" name="PlaceHolder 3"/>
           <p:cNvSpPr>
             <a:spLocks noGrp="1"/>
           </p:cNvSpPr>
@@ -1467,7 +1466,7 @@
       </p:sp>
       <p:sp>
         <p:nvSpPr>
-          <p:cNvPr id="70" name="PlaceHolder 4"/>
+          <p:cNvPr id="56" name="PlaceHolder 4"/>
           <p:cNvSpPr>
             <a:spLocks noGrp="1"/>
           </p:cNvSpPr>
@@ -1515,7 +1514,7 @@
       </p:grpSpPr>
       <p:sp>
         <p:nvSpPr>
-          <p:cNvPr id="71" name="PlaceHolder 1"/>
+          <p:cNvPr id="57" name="PlaceHolder 1"/>
           <p:cNvSpPr>
             <a:spLocks noGrp="1"/>
           </p:cNvSpPr>
@@ -1525,7 +1524,7 @@
         </p:nvSpPr>
         <p:spPr>
           <a:xfrm>
-            <a:off x="457200" y="273240"/>
+            <a:off x="457200" y="273600"/>
             <a:ext cx="8229240" cy="1145160"/>
           </a:xfrm>
           <a:prstGeom prst="rect">
@@ -1542,7 +1541,7 @@
       </p:sp>
       <p:sp>
         <p:nvSpPr>
-          <p:cNvPr id="72" name="PlaceHolder 2"/>
+          <p:cNvPr id="58" name="PlaceHolder 2"/>
           <p:cNvSpPr>
             <a:spLocks noGrp="1"/>
           </p:cNvSpPr>
@@ -1568,7 +1567,7 @@
       </p:sp>
       <p:sp>
         <p:nvSpPr>
-          <p:cNvPr id="73" name="PlaceHolder 3"/>
+          <p:cNvPr id="59" name="PlaceHolder 3"/>
           <p:cNvSpPr>
             <a:spLocks noGrp="1"/>
           </p:cNvSpPr>
@@ -1616,7 +1615,7 @@
       </p:grpSpPr>
       <p:sp>
         <p:nvSpPr>
-          <p:cNvPr id="74" name="PlaceHolder 1"/>
+          <p:cNvPr id="60" name="PlaceHolder 1"/>
           <p:cNvSpPr>
             <a:spLocks noGrp="1"/>
           </p:cNvSpPr>
@@ -1626,7 +1625,7 @@
         </p:nvSpPr>
         <p:spPr>
           <a:xfrm>
-            <a:off x="457200" y="273240"/>
+            <a:off x="457200" y="273600"/>
             <a:ext cx="8229240" cy="1145160"/>
           </a:xfrm>
           <a:prstGeom prst="rect">
@@ -1643,7 +1642,7 @@
       </p:sp>
       <p:sp>
         <p:nvSpPr>
-          <p:cNvPr id="75" name="PlaceHolder 2"/>
+          <p:cNvPr id="61" name="PlaceHolder 2"/>
           <p:cNvSpPr>
             <a:spLocks noGrp="1"/>
           </p:cNvSpPr>
@@ -1669,7 +1668,7 @@
       </p:sp>
       <p:sp>
         <p:nvSpPr>
-          <p:cNvPr id="76" name="PlaceHolder 3"/>
+          <p:cNvPr id="62" name="PlaceHolder 3"/>
           <p:cNvSpPr>
             <a:spLocks noGrp="1"/>
           </p:cNvSpPr>
@@ -1695,7 +1694,7 @@
       </p:sp>
       <p:sp>
         <p:nvSpPr>
-          <p:cNvPr id="77" name="PlaceHolder 4"/>
+          <p:cNvPr id="63" name="PlaceHolder 4"/>
           <p:cNvSpPr>
             <a:spLocks noGrp="1"/>
           </p:cNvSpPr>
@@ -1721,7 +1720,7 @@
       </p:sp>
       <p:sp>
         <p:nvSpPr>
-          <p:cNvPr id="78" name="PlaceHolder 5"/>
+          <p:cNvPr id="64" name="PlaceHolder 5"/>
           <p:cNvSpPr>
             <a:spLocks noGrp="1"/>
           </p:cNvSpPr>
@@ -1769,7 +1768,7 @@
       </p:grpSpPr>
       <p:sp>
         <p:nvSpPr>
-          <p:cNvPr id="79" name="PlaceHolder 1"/>
+          <p:cNvPr id="65" name="PlaceHolder 1"/>
           <p:cNvSpPr>
             <a:spLocks noGrp="1"/>
           </p:cNvSpPr>
@@ -1779,7 +1778,7 @@
         </p:nvSpPr>
         <p:spPr>
           <a:xfrm>
-            <a:off x="457200" y="273240"/>
+            <a:off x="457200" y="273600"/>
             <a:ext cx="8229240" cy="1145160"/>
           </a:xfrm>
           <a:prstGeom prst="rect">
@@ -1796,7 +1795,7 @@
       </p:sp>
       <p:sp>
         <p:nvSpPr>
-          <p:cNvPr id="80" name="PlaceHolder 2"/>
+          <p:cNvPr id="66" name="PlaceHolder 2"/>
           <p:cNvSpPr>
             <a:spLocks noGrp="1"/>
           </p:cNvSpPr>
@@ -1822,7 +1821,7 @@
       </p:sp>
       <p:sp>
         <p:nvSpPr>
-          <p:cNvPr id="81" name="PlaceHolder 3"/>
+          <p:cNvPr id="67" name="PlaceHolder 3"/>
           <p:cNvSpPr>
             <a:spLocks noGrp="1"/>
           </p:cNvSpPr>
@@ -1842,329 +1841,6 @@
         <p:txBody>
           <a:bodyPr bIns="0" lIns="0" rIns="0" tIns="0" wrap="none"/>
           <a:p>
-            <a:endParaRPr/>
-          </a:p>
-        </p:txBody>
-      </p:sp>
-    </p:spTree>
-  </p:cSld>
-</p:sldLayout>
-</file>
-
-<file path=ppt/slideLayouts/slideLayout25.xml><?xml version="1.0" encoding="utf-8"?>
-<p:sldLayout xmlns:a="http://schemas.openxmlformats.org/drawingml/2006/main" xmlns:p="http://schemas.openxmlformats.org/presentationml/2006/main" xmlns:r="http://schemas.openxmlformats.org/officeDocument/2006/relationships" preserve="1" type="blank">
-  <p:cSld name="Blank Slide">
-    <p:spTree>
-      <p:nvGrpSpPr>
-        <p:cNvPr id="1" name=""/>
-        <p:cNvGrpSpPr/>
-        <p:nvPr/>
-      </p:nvGrpSpPr>
-      <p:grpSpPr>
-        <a:xfrm>
-          <a:off x="0" y="0"/>
-          <a:ext cx="0" cy="0"/>
-          <a:chOff x="0" y="0"/>
-          <a:chExt cx="0" cy="0"/>
-        </a:xfrm>
-      </p:grpSpPr>
-    </p:spTree>
-  </p:cSld>
-</p:sldLayout>
-</file>
-
-<file path=ppt/slideLayouts/slideLayout26.xml><?xml version="1.0" encoding="utf-8"?>
-<p:sldLayout xmlns:a="http://schemas.openxmlformats.org/drawingml/2006/main" xmlns:p="http://schemas.openxmlformats.org/presentationml/2006/main" xmlns:r="http://schemas.openxmlformats.org/officeDocument/2006/relationships" preserve="1" type="tx">
-  <p:cSld name="Title Slide">
-    <p:spTree>
-      <p:nvGrpSpPr>
-        <p:cNvPr id="1" name=""/>
-        <p:cNvGrpSpPr/>
-        <p:nvPr/>
-      </p:nvGrpSpPr>
-      <p:grpSpPr>
-        <a:xfrm>
-          <a:off x="0" y="0"/>
-          <a:ext cx="0" cy="0"/>
-          <a:chOff x="0" y="0"/>
-          <a:chExt cx="0" cy="0"/>
-        </a:xfrm>
-      </p:grpSpPr>
-      <p:sp>
-        <p:nvSpPr>
-          <p:cNvPr id="87" name="PlaceHolder 1"/>
-          <p:cNvSpPr>
-            <a:spLocks noGrp="1"/>
-          </p:cNvSpPr>
-          <p:nvPr>
-            <p:ph type="title"/>
-          </p:nvPr>
-        </p:nvSpPr>
-        <p:spPr>
-          <a:xfrm>
-            <a:off x="457200" y="273240"/>
-            <a:ext cx="8229240" cy="1145160"/>
-          </a:xfrm>
-          <a:prstGeom prst="rect">
-            <a:avLst/>
-          </a:prstGeom>
-        </p:spPr>
-        <p:txBody>
-          <a:bodyPr anchor="ctr" bIns="0" lIns="0" rIns="0" tIns="0" wrap="none"/>
-          <a:p>
-            <a:pPr algn="ctr"/>
-            <a:endParaRPr/>
-          </a:p>
-        </p:txBody>
-      </p:sp>
-      <p:sp>
-        <p:nvSpPr>
-          <p:cNvPr id="88" name="PlaceHolder 2"/>
-          <p:cNvSpPr>
-            <a:spLocks noGrp="1"/>
-          </p:cNvSpPr>
-          <p:nvPr>
-            <p:ph type="subTitle"/>
-          </p:nvPr>
-        </p:nvSpPr>
-        <p:spPr>
-          <a:xfrm>
-            <a:off x="457200" y="1604520"/>
-            <a:ext cx="8229240" cy="3977640"/>
-          </a:xfrm>
-          <a:prstGeom prst="rect">
-            <a:avLst/>
-          </a:prstGeom>
-        </p:spPr>
-        <p:txBody>
-          <a:bodyPr anchor="ctr" bIns="0" lIns="0" rIns="0" tIns="0" wrap="none"/>
-          <a:p>
-            <a:pPr algn="ctr"/>
-            <a:endParaRPr/>
-          </a:p>
-        </p:txBody>
-      </p:sp>
-    </p:spTree>
-  </p:cSld>
-</p:sldLayout>
-</file>
-
-<file path=ppt/slideLayouts/slideLayout27.xml><?xml version="1.0" encoding="utf-8"?>
-<p:sldLayout xmlns:a="http://schemas.openxmlformats.org/drawingml/2006/main" xmlns:p="http://schemas.openxmlformats.org/presentationml/2006/main" xmlns:r="http://schemas.openxmlformats.org/officeDocument/2006/relationships" preserve="1" type="obj">
-  <p:cSld name="Title, Content">
-    <p:spTree>
-      <p:nvGrpSpPr>
-        <p:cNvPr id="1" name=""/>
-        <p:cNvGrpSpPr/>
-        <p:nvPr/>
-      </p:nvGrpSpPr>
-      <p:grpSpPr>
-        <a:xfrm>
-          <a:off x="0" y="0"/>
-          <a:ext cx="0" cy="0"/>
-          <a:chOff x="0" y="0"/>
-          <a:chExt cx="0" cy="0"/>
-        </a:xfrm>
-      </p:grpSpPr>
-      <p:sp>
-        <p:nvSpPr>
-          <p:cNvPr id="89" name="PlaceHolder 1"/>
-          <p:cNvSpPr>
-            <a:spLocks noGrp="1"/>
-          </p:cNvSpPr>
-          <p:nvPr>
-            <p:ph type="title"/>
-          </p:nvPr>
-        </p:nvSpPr>
-        <p:spPr>
-          <a:xfrm>
-            <a:off x="457200" y="273240"/>
-            <a:ext cx="8229240" cy="1145160"/>
-          </a:xfrm>
-          <a:prstGeom prst="rect">
-            <a:avLst/>
-          </a:prstGeom>
-        </p:spPr>
-        <p:txBody>
-          <a:bodyPr anchor="ctr" bIns="0" lIns="0" rIns="0" tIns="0" wrap="none"/>
-          <a:p>
-            <a:pPr algn="ctr"/>
-            <a:endParaRPr/>
-          </a:p>
-        </p:txBody>
-      </p:sp>
-      <p:sp>
-        <p:nvSpPr>
-          <p:cNvPr id="90" name="PlaceHolder 2"/>
-          <p:cNvSpPr>
-            <a:spLocks noGrp="1"/>
-          </p:cNvSpPr>
-          <p:nvPr>
-            <p:ph type="body"/>
-          </p:nvPr>
-        </p:nvSpPr>
-        <p:spPr>
-          <a:xfrm>
-            <a:off x="457200" y="1604520"/>
-            <a:ext cx="8229240" cy="3977280"/>
-          </a:xfrm>
-          <a:prstGeom prst="rect">
-            <a:avLst/>
-          </a:prstGeom>
-        </p:spPr>
-        <p:txBody>
-          <a:bodyPr bIns="0" lIns="0" rIns="0" tIns="0" wrap="none"/>
-          <a:p>
-            <a:endParaRPr/>
-          </a:p>
-        </p:txBody>
-      </p:sp>
-    </p:spTree>
-  </p:cSld>
-</p:sldLayout>
-</file>
-
-<file path=ppt/slideLayouts/slideLayout28.xml><?xml version="1.0" encoding="utf-8"?>
-<p:sldLayout xmlns:a="http://schemas.openxmlformats.org/drawingml/2006/main" xmlns:p="http://schemas.openxmlformats.org/presentationml/2006/main" xmlns:r="http://schemas.openxmlformats.org/officeDocument/2006/relationships" preserve="1" type="twoObj">
-  <p:cSld name="Title, 2 Content">
-    <p:spTree>
-      <p:nvGrpSpPr>
-        <p:cNvPr id="1" name=""/>
-        <p:cNvGrpSpPr/>
-        <p:nvPr/>
-      </p:nvGrpSpPr>
-      <p:grpSpPr>
-        <a:xfrm>
-          <a:off x="0" y="0"/>
-          <a:ext cx="0" cy="0"/>
-          <a:chOff x="0" y="0"/>
-          <a:chExt cx="0" cy="0"/>
-        </a:xfrm>
-      </p:grpSpPr>
-      <p:sp>
-        <p:nvSpPr>
-          <p:cNvPr id="91" name="PlaceHolder 1"/>
-          <p:cNvSpPr>
-            <a:spLocks noGrp="1"/>
-          </p:cNvSpPr>
-          <p:nvPr>
-            <p:ph type="title"/>
-          </p:nvPr>
-        </p:nvSpPr>
-        <p:spPr>
-          <a:xfrm>
-            <a:off x="457200" y="273240"/>
-            <a:ext cx="8229240" cy="1145160"/>
-          </a:xfrm>
-          <a:prstGeom prst="rect">
-            <a:avLst/>
-          </a:prstGeom>
-        </p:spPr>
-        <p:txBody>
-          <a:bodyPr anchor="ctr" bIns="0" lIns="0" rIns="0" tIns="0" wrap="none"/>
-          <a:p>
-            <a:pPr algn="ctr"/>
-            <a:endParaRPr/>
-          </a:p>
-        </p:txBody>
-      </p:sp>
-      <p:sp>
-        <p:nvSpPr>
-          <p:cNvPr id="92" name="PlaceHolder 2"/>
-          <p:cNvSpPr>
-            <a:spLocks noGrp="1"/>
-          </p:cNvSpPr>
-          <p:nvPr>
-            <p:ph type="body"/>
-          </p:nvPr>
-        </p:nvSpPr>
-        <p:spPr>
-          <a:xfrm>
-            <a:off x="457200" y="1604520"/>
-            <a:ext cx="4015440" cy="3977280"/>
-          </a:xfrm>
-          <a:prstGeom prst="rect">
-            <a:avLst/>
-          </a:prstGeom>
-        </p:spPr>
-        <p:txBody>
-          <a:bodyPr bIns="0" lIns="0" rIns="0" tIns="0" wrap="none"/>
-          <a:p>
-            <a:endParaRPr/>
-          </a:p>
-        </p:txBody>
-      </p:sp>
-      <p:sp>
-        <p:nvSpPr>
-          <p:cNvPr id="93" name="PlaceHolder 3"/>
-          <p:cNvSpPr>
-            <a:spLocks noGrp="1"/>
-          </p:cNvSpPr>
-          <p:nvPr>
-            <p:ph type="body"/>
-          </p:nvPr>
-        </p:nvSpPr>
-        <p:spPr>
-          <a:xfrm>
-            <a:off x="4673520" y="1604520"/>
-            <a:ext cx="4015440" cy="3977280"/>
-          </a:xfrm>
-          <a:prstGeom prst="rect">
-            <a:avLst/>
-          </a:prstGeom>
-        </p:spPr>
-        <p:txBody>
-          <a:bodyPr bIns="0" lIns="0" rIns="0" tIns="0" wrap="none"/>
-          <a:p>
-            <a:endParaRPr/>
-          </a:p>
-        </p:txBody>
-      </p:sp>
-    </p:spTree>
-  </p:cSld>
-</p:sldLayout>
-</file>
-
-<file path=ppt/slideLayouts/slideLayout29.xml><?xml version="1.0" encoding="utf-8"?>
-<p:sldLayout xmlns:a="http://schemas.openxmlformats.org/drawingml/2006/main" xmlns:p="http://schemas.openxmlformats.org/presentationml/2006/main" xmlns:r="http://schemas.openxmlformats.org/officeDocument/2006/relationships" preserve="1" type="titleOnly">
-  <p:cSld name="Title Only">
-    <p:spTree>
-      <p:nvGrpSpPr>
-        <p:cNvPr id="1" name=""/>
-        <p:cNvGrpSpPr/>
-        <p:nvPr/>
-      </p:nvGrpSpPr>
-      <p:grpSpPr>
-        <a:xfrm>
-          <a:off x="0" y="0"/>
-          <a:ext cx="0" cy="0"/>
-          <a:chOff x="0" y="0"/>
-          <a:chExt cx="0" cy="0"/>
-        </a:xfrm>
-      </p:grpSpPr>
-      <p:sp>
-        <p:nvSpPr>
-          <p:cNvPr id="94" name="PlaceHolder 1"/>
-          <p:cNvSpPr>
-            <a:spLocks noGrp="1"/>
-          </p:cNvSpPr>
-          <p:nvPr>
-            <p:ph type="title"/>
-          </p:nvPr>
-        </p:nvSpPr>
-        <p:spPr>
-          <a:xfrm>
-            <a:off x="457200" y="273240"/>
-            <a:ext cx="8229240" cy="1145160"/>
-          </a:xfrm>
-          <a:prstGeom prst="rect">
-            <a:avLst/>
-          </a:prstGeom>
-        </p:spPr>
-        <p:txBody>
-          <a:bodyPr anchor="ctr" bIns="0" lIns="0" rIns="0" tIns="0" wrap="none"/>
-          <a:p>
-            <a:pPr algn="ctr"/>
             <a:endParaRPr/>
           </a:p>
         </p:txBody>
@@ -2193,7 +1869,7 @@
       </p:grpSpPr>
       <p:sp>
         <p:nvSpPr>
-          <p:cNvPr id="11" name="PlaceHolder 1"/>
+          <p:cNvPr id="4" name="PlaceHolder 1"/>
           <p:cNvSpPr>
             <a:spLocks noGrp="1"/>
           </p:cNvSpPr>
@@ -2203,7 +1879,7 @@
         </p:nvSpPr>
         <p:spPr>
           <a:xfrm>
-            <a:off x="457200" y="273240"/>
+            <a:off x="457200" y="273600"/>
             <a:ext cx="8229240" cy="1145160"/>
           </a:xfrm>
           <a:prstGeom prst="rect">
@@ -2220,7 +1896,7 @@
       </p:sp>
       <p:sp>
         <p:nvSpPr>
-          <p:cNvPr id="12" name="PlaceHolder 2"/>
+          <p:cNvPr id="5" name="PlaceHolder 2"/>
           <p:cNvSpPr>
             <a:spLocks noGrp="1"/>
           </p:cNvSpPr>
@@ -2232,791 +1908,6 @@
           <a:xfrm>
             <a:off x="457200" y="1604520"/>
             <a:ext cx="8229240" cy="3977280"/>
-          </a:xfrm>
-          <a:prstGeom prst="rect">
-            <a:avLst/>
-          </a:prstGeom>
-        </p:spPr>
-        <p:txBody>
-          <a:bodyPr bIns="0" lIns="0" rIns="0" tIns="0" wrap="none"/>
-          <a:p>
-            <a:endParaRPr/>
-          </a:p>
-        </p:txBody>
-      </p:sp>
-    </p:spTree>
-  </p:cSld>
-</p:sldLayout>
-</file>
-
-<file path=ppt/slideLayouts/slideLayout30.xml><?xml version="1.0" encoding="utf-8"?>
-<p:sldLayout xmlns:a="http://schemas.openxmlformats.org/drawingml/2006/main" xmlns:p="http://schemas.openxmlformats.org/presentationml/2006/main" xmlns:r="http://schemas.openxmlformats.org/officeDocument/2006/relationships" preserve="1" type="objOnly">
-  <p:cSld name="Centered Text">
-    <p:spTree>
-      <p:nvGrpSpPr>
-        <p:cNvPr id="1" name=""/>
-        <p:cNvGrpSpPr/>
-        <p:nvPr/>
-      </p:nvGrpSpPr>
-      <p:grpSpPr>
-        <a:xfrm>
-          <a:off x="0" y="0"/>
-          <a:ext cx="0" cy="0"/>
-          <a:chOff x="0" y="0"/>
-          <a:chExt cx="0" cy="0"/>
-        </a:xfrm>
-      </p:grpSpPr>
-      <p:sp>
-        <p:nvSpPr>
-          <p:cNvPr id="95" name="PlaceHolder 1"/>
-          <p:cNvSpPr>
-            <a:spLocks noGrp="1"/>
-          </p:cNvSpPr>
-          <p:nvPr>
-            <p:ph type="subTitle"/>
-          </p:nvPr>
-        </p:nvSpPr>
-        <p:spPr>
-          <a:xfrm>
-            <a:off x="457200" y="273240"/>
-            <a:ext cx="8229240" cy="5308560"/>
-          </a:xfrm>
-          <a:prstGeom prst="rect">
-            <a:avLst/>
-          </a:prstGeom>
-        </p:spPr>
-        <p:txBody>
-          <a:bodyPr anchor="ctr" bIns="0" lIns="0" rIns="0" tIns="0" wrap="none"/>
-          <a:p>
-            <a:pPr algn="ctr"/>
-            <a:endParaRPr/>
-          </a:p>
-        </p:txBody>
-      </p:sp>
-    </p:spTree>
-  </p:cSld>
-</p:sldLayout>
-</file>
-
-<file path=ppt/slideLayouts/slideLayout31.xml><?xml version="1.0" encoding="utf-8"?>
-<p:sldLayout xmlns:a="http://schemas.openxmlformats.org/drawingml/2006/main" xmlns:p="http://schemas.openxmlformats.org/presentationml/2006/main" xmlns:r="http://schemas.openxmlformats.org/officeDocument/2006/relationships" preserve="1" type="twoObjAndObj">
-  <p:cSld name="Title, 2 Content and Content">
-    <p:spTree>
-      <p:nvGrpSpPr>
-        <p:cNvPr id="1" name=""/>
-        <p:cNvGrpSpPr/>
-        <p:nvPr/>
-      </p:nvGrpSpPr>
-      <p:grpSpPr>
-        <a:xfrm>
-          <a:off x="0" y="0"/>
-          <a:ext cx="0" cy="0"/>
-          <a:chOff x="0" y="0"/>
-          <a:chExt cx="0" cy="0"/>
-        </a:xfrm>
-      </p:grpSpPr>
-      <p:sp>
-        <p:nvSpPr>
-          <p:cNvPr id="96" name="PlaceHolder 1"/>
-          <p:cNvSpPr>
-            <a:spLocks noGrp="1"/>
-          </p:cNvSpPr>
-          <p:nvPr>
-            <p:ph type="title"/>
-          </p:nvPr>
-        </p:nvSpPr>
-        <p:spPr>
-          <a:xfrm>
-            <a:off x="457200" y="273240"/>
-            <a:ext cx="8229240" cy="1145160"/>
-          </a:xfrm>
-          <a:prstGeom prst="rect">
-            <a:avLst/>
-          </a:prstGeom>
-        </p:spPr>
-        <p:txBody>
-          <a:bodyPr anchor="ctr" bIns="0" lIns="0" rIns="0" tIns="0" wrap="none"/>
-          <a:p>
-            <a:pPr algn="ctr"/>
-            <a:endParaRPr/>
-          </a:p>
-        </p:txBody>
-      </p:sp>
-      <p:sp>
-        <p:nvSpPr>
-          <p:cNvPr id="97" name="PlaceHolder 2"/>
-          <p:cNvSpPr>
-            <a:spLocks noGrp="1"/>
-          </p:cNvSpPr>
-          <p:nvPr>
-            <p:ph type="body"/>
-          </p:nvPr>
-        </p:nvSpPr>
-        <p:spPr>
-          <a:xfrm>
-            <a:off x="457200" y="1604520"/>
-            <a:ext cx="4015440" cy="1896840"/>
-          </a:xfrm>
-          <a:prstGeom prst="rect">
-            <a:avLst/>
-          </a:prstGeom>
-        </p:spPr>
-        <p:txBody>
-          <a:bodyPr bIns="0" lIns="0" rIns="0" tIns="0" wrap="none"/>
-          <a:p>
-            <a:endParaRPr/>
-          </a:p>
-        </p:txBody>
-      </p:sp>
-      <p:sp>
-        <p:nvSpPr>
-          <p:cNvPr id="98" name="PlaceHolder 3"/>
-          <p:cNvSpPr>
-            <a:spLocks noGrp="1"/>
-          </p:cNvSpPr>
-          <p:nvPr>
-            <p:ph type="body"/>
-          </p:nvPr>
-        </p:nvSpPr>
-        <p:spPr>
-          <a:xfrm>
-            <a:off x="457200" y="3681720"/>
-            <a:ext cx="4015440" cy="1896840"/>
-          </a:xfrm>
-          <a:prstGeom prst="rect">
-            <a:avLst/>
-          </a:prstGeom>
-        </p:spPr>
-        <p:txBody>
-          <a:bodyPr bIns="0" lIns="0" rIns="0" tIns="0" wrap="none"/>
-          <a:p>
-            <a:endParaRPr/>
-          </a:p>
-        </p:txBody>
-      </p:sp>
-      <p:sp>
-        <p:nvSpPr>
-          <p:cNvPr id="99" name="PlaceHolder 4"/>
-          <p:cNvSpPr>
-            <a:spLocks noGrp="1"/>
-          </p:cNvSpPr>
-          <p:nvPr>
-            <p:ph type="body"/>
-          </p:nvPr>
-        </p:nvSpPr>
-        <p:spPr>
-          <a:xfrm>
-            <a:off x="4673520" y="1604520"/>
-            <a:ext cx="4015440" cy="3977280"/>
-          </a:xfrm>
-          <a:prstGeom prst="rect">
-            <a:avLst/>
-          </a:prstGeom>
-        </p:spPr>
-        <p:txBody>
-          <a:bodyPr bIns="0" lIns="0" rIns="0" tIns="0" wrap="none"/>
-          <a:p>
-            <a:endParaRPr/>
-          </a:p>
-        </p:txBody>
-      </p:sp>
-    </p:spTree>
-  </p:cSld>
-</p:sldLayout>
-</file>
-
-<file path=ppt/slideLayouts/slideLayout32.xml><?xml version="1.0" encoding="utf-8"?>
-<p:sldLayout xmlns:a="http://schemas.openxmlformats.org/drawingml/2006/main" xmlns:p="http://schemas.openxmlformats.org/presentationml/2006/main" xmlns:r="http://schemas.openxmlformats.org/officeDocument/2006/relationships" preserve="1" type="objAndTwoObj">
-  <p:cSld name="Title Content and 2 Content">
-    <p:spTree>
-      <p:nvGrpSpPr>
-        <p:cNvPr id="1" name=""/>
-        <p:cNvGrpSpPr/>
-        <p:nvPr/>
-      </p:nvGrpSpPr>
-      <p:grpSpPr>
-        <a:xfrm>
-          <a:off x="0" y="0"/>
-          <a:ext cx="0" cy="0"/>
-          <a:chOff x="0" y="0"/>
-          <a:chExt cx="0" cy="0"/>
-        </a:xfrm>
-      </p:grpSpPr>
-      <p:sp>
-        <p:nvSpPr>
-          <p:cNvPr id="100" name="PlaceHolder 1"/>
-          <p:cNvSpPr>
-            <a:spLocks noGrp="1"/>
-          </p:cNvSpPr>
-          <p:nvPr>
-            <p:ph type="title"/>
-          </p:nvPr>
-        </p:nvSpPr>
-        <p:spPr>
-          <a:xfrm>
-            <a:off x="457200" y="273240"/>
-            <a:ext cx="8229240" cy="1145160"/>
-          </a:xfrm>
-          <a:prstGeom prst="rect">
-            <a:avLst/>
-          </a:prstGeom>
-        </p:spPr>
-        <p:txBody>
-          <a:bodyPr anchor="ctr" bIns="0" lIns="0" rIns="0" tIns="0" wrap="none"/>
-          <a:p>
-            <a:pPr algn="ctr"/>
-            <a:endParaRPr/>
-          </a:p>
-        </p:txBody>
-      </p:sp>
-      <p:sp>
-        <p:nvSpPr>
-          <p:cNvPr id="101" name="PlaceHolder 2"/>
-          <p:cNvSpPr>
-            <a:spLocks noGrp="1"/>
-          </p:cNvSpPr>
-          <p:nvPr>
-            <p:ph type="body"/>
-          </p:nvPr>
-        </p:nvSpPr>
-        <p:spPr>
-          <a:xfrm>
-            <a:off x="457200" y="1604520"/>
-            <a:ext cx="4015440" cy="3977280"/>
-          </a:xfrm>
-          <a:prstGeom prst="rect">
-            <a:avLst/>
-          </a:prstGeom>
-        </p:spPr>
-        <p:txBody>
-          <a:bodyPr bIns="0" lIns="0" rIns="0" tIns="0" wrap="none"/>
-          <a:p>
-            <a:endParaRPr/>
-          </a:p>
-        </p:txBody>
-      </p:sp>
-      <p:sp>
-        <p:nvSpPr>
-          <p:cNvPr id="102" name="PlaceHolder 3"/>
-          <p:cNvSpPr>
-            <a:spLocks noGrp="1"/>
-          </p:cNvSpPr>
-          <p:nvPr>
-            <p:ph type="body"/>
-          </p:nvPr>
-        </p:nvSpPr>
-        <p:spPr>
-          <a:xfrm>
-            <a:off x="4673520" y="1604520"/>
-            <a:ext cx="4015440" cy="1896840"/>
-          </a:xfrm>
-          <a:prstGeom prst="rect">
-            <a:avLst/>
-          </a:prstGeom>
-        </p:spPr>
-        <p:txBody>
-          <a:bodyPr bIns="0" lIns="0" rIns="0" tIns="0" wrap="none"/>
-          <a:p>
-            <a:endParaRPr/>
-          </a:p>
-        </p:txBody>
-      </p:sp>
-      <p:sp>
-        <p:nvSpPr>
-          <p:cNvPr id="103" name="PlaceHolder 4"/>
-          <p:cNvSpPr>
-            <a:spLocks noGrp="1"/>
-          </p:cNvSpPr>
-          <p:nvPr>
-            <p:ph type="body"/>
-          </p:nvPr>
-        </p:nvSpPr>
-        <p:spPr>
-          <a:xfrm>
-            <a:off x="4673520" y="3681720"/>
-            <a:ext cx="4015440" cy="1896840"/>
-          </a:xfrm>
-          <a:prstGeom prst="rect">
-            <a:avLst/>
-          </a:prstGeom>
-        </p:spPr>
-        <p:txBody>
-          <a:bodyPr bIns="0" lIns="0" rIns="0" tIns="0" wrap="none"/>
-          <a:p>
-            <a:endParaRPr/>
-          </a:p>
-        </p:txBody>
-      </p:sp>
-    </p:spTree>
-  </p:cSld>
-</p:sldLayout>
-</file>
-
-<file path=ppt/slideLayouts/slideLayout33.xml><?xml version="1.0" encoding="utf-8"?>
-<p:sldLayout xmlns:a="http://schemas.openxmlformats.org/drawingml/2006/main" xmlns:p="http://schemas.openxmlformats.org/presentationml/2006/main" xmlns:r="http://schemas.openxmlformats.org/officeDocument/2006/relationships" preserve="1" type="twoObjOverTx">
-  <p:cSld name="Title, 2 Content over Content">
-    <p:spTree>
-      <p:nvGrpSpPr>
-        <p:cNvPr id="1" name=""/>
-        <p:cNvGrpSpPr/>
-        <p:nvPr/>
-      </p:nvGrpSpPr>
-      <p:grpSpPr>
-        <a:xfrm>
-          <a:off x="0" y="0"/>
-          <a:ext cx="0" cy="0"/>
-          <a:chOff x="0" y="0"/>
-          <a:chExt cx="0" cy="0"/>
-        </a:xfrm>
-      </p:grpSpPr>
-      <p:sp>
-        <p:nvSpPr>
-          <p:cNvPr id="104" name="PlaceHolder 1"/>
-          <p:cNvSpPr>
-            <a:spLocks noGrp="1"/>
-          </p:cNvSpPr>
-          <p:nvPr>
-            <p:ph type="title"/>
-          </p:nvPr>
-        </p:nvSpPr>
-        <p:spPr>
-          <a:xfrm>
-            <a:off x="457200" y="273240"/>
-            <a:ext cx="8229240" cy="1145160"/>
-          </a:xfrm>
-          <a:prstGeom prst="rect">
-            <a:avLst/>
-          </a:prstGeom>
-        </p:spPr>
-        <p:txBody>
-          <a:bodyPr anchor="ctr" bIns="0" lIns="0" rIns="0" tIns="0" wrap="none"/>
-          <a:p>
-            <a:pPr algn="ctr"/>
-            <a:endParaRPr/>
-          </a:p>
-        </p:txBody>
-      </p:sp>
-      <p:sp>
-        <p:nvSpPr>
-          <p:cNvPr id="105" name="PlaceHolder 2"/>
-          <p:cNvSpPr>
-            <a:spLocks noGrp="1"/>
-          </p:cNvSpPr>
-          <p:nvPr>
-            <p:ph type="body"/>
-          </p:nvPr>
-        </p:nvSpPr>
-        <p:spPr>
-          <a:xfrm>
-            <a:off x="457200" y="1604520"/>
-            <a:ext cx="4015440" cy="1896840"/>
-          </a:xfrm>
-          <a:prstGeom prst="rect">
-            <a:avLst/>
-          </a:prstGeom>
-        </p:spPr>
-        <p:txBody>
-          <a:bodyPr bIns="0" lIns="0" rIns="0" tIns="0" wrap="none"/>
-          <a:p>
-            <a:endParaRPr/>
-          </a:p>
-        </p:txBody>
-      </p:sp>
-      <p:sp>
-        <p:nvSpPr>
-          <p:cNvPr id="106" name="PlaceHolder 3"/>
-          <p:cNvSpPr>
-            <a:spLocks noGrp="1"/>
-          </p:cNvSpPr>
-          <p:nvPr>
-            <p:ph type="body"/>
-          </p:nvPr>
-        </p:nvSpPr>
-        <p:spPr>
-          <a:xfrm>
-            <a:off x="4673520" y="1604520"/>
-            <a:ext cx="4015440" cy="1896840"/>
-          </a:xfrm>
-          <a:prstGeom prst="rect">
-            <a:avLst/>
-          </a:prstGeom>
-        </p:spPr>
-        <p:txBody>
-          <a:bodyPr bIns="0" lIns="0" rIns="0" tIns="0" wrap="none"/>
-          <a:p>
-            <a:endParaRPr/>
-          </a:p>
-        </p:txBody>
-      </p:sp>
-      <p:sp>
-        <p:nvSpPr>
-          <p:cNvPr id="107" name="PlaceHolder 4"/>
-          <p:cNvSpPr>
-            <a:spLocks noGrp="1"/>
-          </p:cNvSpPr>
-          <p:nvPr>
-            <p:ph type="body"/>
-          </p:nvPr>
-        </p:nvSpPr>
-        <p:spPr>
-          <a:xfrm>
-            <a:off x="457200" y="3681720"/>
-            <a:ext cx="8228520" cy="1896840"/>
-          </a:xfrm>
-          <a:prstGeom prst="rect">
-            <a:avLst/>
-          </a:prstGeom>
-        </p:spPr>
-        <p:txBody>
-          <a:bodyPr bIns="0" lIns="0" rIns="0" tIns="0" wrap="none"/>
-          <a:p>
-            <a:endParaRPr/>
-          </a:p>
-        </p:txBody>
-      </p:sp>
-    </p:spTree>
-  </p:cSld>
-</p:sldLayout>
-</file>
-
-<file path=ppt/slideLayouts/slideLayout34.xml><?xml version="1.0" encoding="utf-8"?>
-<p:sldLayout xmlns:a="http://schemas.openxmlformats.org/drawingml/2006/main" xmlns:p="http://schemas.openxmlformats.org/presentationml/2006/main" xmlns:r="http://schemas.openxmlformats.org/officeDocument/2006/relationships" preserve="1" type="objOverTx">
-  <p:cSld name="Title, Content over Content">
-    <p:spTree>
-      <p:nvGrpSpPr>
-        <p:cNvPr id="1" name=""/>
-        <p:cNvGrpSpPr/>
-        <p:nvPr/>
-      </p:nvGrpSpPr>
-      <p:grpSpPr>
-        <a:xfrm>
-          <a:off x="0" y="0"/>
-          <a:ext cx="0" cy="0"/>
-          <a:chOff x="0" y="0"/>
-          <a:chExt cx="0" cy="0"/>
-        </a:xfrm>
-      </p:grpSpPr>
-      <p:sp>
-        <p:nvSpPr>
-          <p:cNvPr id="108" name="PlaceHolder 1"/>
-          <p:cNvSpPr>
-            <a:spLocks noGrp="1"/>
-          </p:cNvSpPr>
-          <p:nvPr>
-            <p:ph type="title"/>
-          </p:nvPr>
-        </p:nvSpPr>
-        <p:spPr>
-          <a:xfrm>
-            <a:off x="457200" y="273240"/>
-            <a:ext cx="8229240" cy="1145160"/>
-          </a:xfrm>
-          <a:prstGeom prst="rect">
-            <a:avLst/>
-          </a:prstGeom>
-        </p:spPr>
-        <p:txBody>
-          <a:bodyPr anchor="ctr" bIns="0" lIns="0" rIns="0" tIns="0" wrap="none"/>
-          <a:p>
-            <a:pPr algn="ctr"/>
-            <a:endParaRPr/>
-          </a:p>
-        </p:txBody>
-      </p:sp>
-      <p:sp>
-        <p:nvSpPr>
-          <p:cNvPr id="109" name="PlaceHolder 2"/>
-          <p:cNvSpPr>
-            <a:spLocks noGrp="1"/>
-          </p:cNvSpPr>
-          <p:nvPr>
-            <p:ph type="body"/>
-          </p:nvPr>
-        </p:nvSpPr>
-        <p:spPr>
-          <a:xfrm>
-            <a:off x="457200" y="1604520"/>
-            <a:ext cx="8229240" cy="1896840"/>
-          </a:xfrm>
-          <a:prstGeom prst="rect">
-            <a:avLst/>
-          </a:prstGeom>
-        </p:spPr>
-        <p:txBody>
-          <a:bodyPr bIns="0" lIns="0" rIns="0" tIns="0" wrap="none"/>
-          <a:p>
-            <a:endParaRPr/>
-          </a:p>
-        </p:txBody>
-      </p:sp>
-      <p:sp>
-        <p:nvSpPr>
-          <p:cNvPr id="110" name="PlaceHolder 3"/>
-          <p:cNvSpPr>
-            <a:spLocks noGrp="1"/>
-          </p:cNvSpPr>
-          <p:nvPr>
-            <p:ph type="body"/>
-          </p:nvPr>
-        </p:nvSpPr>
-        <p:spPr>
-          <a:xfrm>
-            <a:off x="457200" y="3681720"/>
-            <a:ext cx="8229240" cy="1896840"/>
-          </a:xfrm>
-          <a:prstGeom prst="rect">
-            <a:avLst/>
-          </a:prstGeom>
-        </p:spPr>
-        <p:txBody>
-          <a:bodyPr bIns="0" lIns="0" rIns="0" tIns="0" wrap="none"/>
-          <a:p>
-            <a:endParaRPr/>
-          </a:p>
-        </p:txBody>
-      </p:sp>
-    </p:spTree>
-  </p:cSld>
-</p:sldLayout>
-</file>
-
-<file path=ppt/slideLayouts/slideLayout35.xml><?xml version="1.0" encoding="utf-8"?>
-<p:sldLayout xmlns:a="http://schemas.openxmlformats.org/drawingml/2006/main" xmlns:p="http://schemas.openxmlformats.org/presentationml/2006/main" xmlns:r="http://schemas.openxmlformats.org/officeDocument/2006/relationships" preserve="1" type="fourObj">
-  <p:cSld name="Title, 4 Content">
-    <p:spTree>
-      <p:nvGrpSpPr>
-        <p:cNvPr id="1" name=""/>
-        <p:cNvGrpSpPr/>
-        <p:nvPr/>
-      </p:nvGrpSpPr>
-      <p:grpSpPr>
-        <a:xfrm>
-          <a:off x="0" y="0"/>
-          <a:ext cx="0" cy="0"/>
-          <a:chOff x="0" y="0"/>
-          <a:chExt cx="0" cy="0"/>
-        </a:xfrm>
-      </p:grpSpPr>
-      <p:sp>
-        <p:nvSpPr>
-          <p:cNvPr id="111" name="PlaceHolder 1"/>
-          <p:cNvSpPr>
-            <a:spLocks noGrp="1"/>
-          </p:cNvSpPr>
-          <p:nvPr>
-            <p:ph type="title"/>
-          </p:nvPr>
-        </p:nvSpPr>
-        <p:spPr>
-          <a:xfrm>
-            <a:off x="457200" y="273240"/>
-            <a:ext cx="8229240" cy="1145160"/>
-          </a:xfrm>
-          <a:prstGeom prst="rect">
-            <a:avLst/>
-          </a:prstGeom>
-        </p:spPr>
-        <p:txBody>
-          <a:bodyPr anchor="ctr" bIns="0" lIns="0" rIns="0" tIns="0" wrap="none"/>
-          <a:p>
-            <a:pPr algn="ctr"/>
-            <a:endParaRPr/>
-          </a:p>
-        </p:txBody>
-      </p:sp>
-      <p:sp>
-        <p:nvSpPr>
-          <p:cNvPr id="112" name="PlaceHolder 2"/>
-          <p:cNvSpPr>
-            <a:spLocks noGrp="1"/>
-          </p:cNvSpPr>
-          <p:nvPr>
-            <p:ph type="body"/>
-          </p:nvPr>
-        </p:nvSpPr>
-        <p:spPr>
-          <a:xfrm>
-            <a:off x="457200" y="1604520"/>
-            <a:ext cx="4015440" cy="1896840"/>
-          </a:xfrm>
-          <a:prstGeom prst="rect">
-            <a:avLst/>
-          </a:prstGeom>
-        </p:spPr>
-        <p:txBody>
-          <a:bodyPr bIns="0" lIns="0" rIns="0" tIns="0" wrap="none"/>
-          <a:p>
-            <a:endParaRPr/>
-          </a:p>
-        </p:txBody>
-      </p:sp>
-      <p:sp>
-        <p:nvSpPr>
-          <p:cNvPr id="113" name="PlaceHolder 3"/>
-          <p:cNvSpPr>
-            <a:spLocks noGrp="1"/>
-          </p:cNvSpPr>
-          <p:nvPr>
-            <p:ph type="body"/>
-          </p:nvPr>
-        </p:nvSpPr>
-        <p:spPr>
-          <a:xfrm>
-            <a:off x="4673520" y="1604520"/>
-            <a:ext cx="4015440" cy="1896840"/>
-          </a:xfrm>
-          <a:prstGeom prst="rect">
-            <a:avLst/>
-          </a:prstGeom>
-        </p:spPr>
-        <p:txBody>
-          <a:bodyPr bIns="0" lIns="0" rIns="0" tIns="0" wrap="none"/>
-          <a:p>
-            <a:endParaRPr/>
-          </a:p>
-        </p:txBody>
-      </p:sp>
-      <p:sp>
-        <p:nvSpPr>
-          <p:cNvPr id="114" name="PlaceHolder 4"/>
-          <p:cNvSpPr>
-            <a:spLocks noGrp="1"/>
-          </p:cNvSpPr>
-          <p:nvPr>
-            <p:ph type="body"/>
-          </p:nvPr>
-        </p:nvSpPr>
-        <p:spPr>
-          <a:xfrm>
-            <a:off x="4673520" y="3681720"/>
-            <a:ext cx="4015440" cy="1896840"/>
-          </a:xfrm>
-          <a:prstGeom prst="rect">
-            <a:avLst/>
-          </a:prstGeom>
-        </p:spPr>
-        <p:txBody>
-          <a:bodyPr bIns="0" lIns="0" rIns="0" tIns="0" wrap="none"/>
-          <a:p>
-            <a:endParaRPr/>
-          </a:p>
-        </p:txBody>
-      </p:sp>
-      <p:sp>
-        <p:nvSpPr>
-          <p:cNvPr id="115" name="PlaceHolder 5"/>
-          <p:cNvSpPr>
-            <a:spLocks noGrp="1"/>
-          </p:cNvSpPr>
-          <p:nvPr>
-            <p:ph type="body"/>
-          </p:nvPr>
-        </p:nvSpPr>
-        <p:spPr>
-          <a:xfrm>
-            <a:off x="457200" y="3681720"/>
-            <a:ext cx="4015440" cy="1896840"/>
-          </a:xfrm>
-          <a:prstGeom prst="rect">
-            <a:avLst/>
-          </a:prstGeom>
-        </p:spPr>
-        <p:txBody>
-          <a:bodyPr bIns="0" lIns="0" rIns="0" tIns="0" wrap="none"/>
-          <a:p>
-            <a:endParaRPr/>
-          </a:p>
-        </p:txBody>
-      </p:sp>
-    </p:spTree>
-  </p:cSld>
-</p:sldLayout>
-</file>
-
-<file path=ppt/slideLayouts/slideLayout36.xml><?xml version="1.0" encoding="utf-8"?>
-<p:sldLayout xmlns:a="http://schemas.openxmlformats.org/drawingml/2006/main" xmlns:p="http://schemas.openxmlformats.org/presentationml/2006/main" xmlns:r="http://schemas.openxmlformats.org/officeDocument/2006/relationships" preserve="1" type="blank">
-  <p:cSld name="Title, 6 Content">
-    <p:spTree>
-      <p:nvGrpSpPr>
-        <p:cNvPr id="1" name=""/>
-        <p:cNvGrpSpPr/>
-        <p:nvPr/>
-      </p:nvGrpSpPr>
-      <p:grpSpPr>
-        <a:xfrm>
-          <a:off x="0" y="0"/>
-          <a:ext cx="0" cy="0"/>
-          <a:chOff x="0" y="0"/>
-          <a:chExt cx="0" cy="0"/>
-        </a:xfrm>
-      </p:grpSpPr>
-      <p:sp>
-        <p:nvSpPr>
-          <p:cNvPr id="116" name="PlaceHolder 1"/>
-          <p:cNvSpPr>
-            <a:spLocks noGrp="1"/>
-          </p:cNvSpPr>
-          <p:nvPr>
-            <p:ph type="title"/>
-          </p:nvPr>
-        </p:nvSpPr>
-        <p:spPr>
-          <a:xfrm>
-            <a:off x="457200" y="273240"/>
-            <a:ext cx="8229240" cy="1145160"/>
-          </a:xfrm>
-          <a:prstGeom prst="rect">
-            <a:avLst/>
-          </a:prstGeom>
-        </p:spPr>
-        <p:txBody>
-          <a:bodyPr anchor="ctr" bIns="0" lIns="0" rIns="0" tIns="0" wrap="none"/>
-          <a:p>
-            <a:pPr algn="ctr"/>
-            <a:endParaRPr/>
-          </a:p>
-        </p:txBody>
-      </p:sp>
-      <p:sp>
-        <p:nvSpPr>
-          <p:cNvPr id="117" name="PlaceHolder 2"/>
-          <p:cNvSpPr>
-            <a:spLocks noGrp="1"/>
-          </p:cNvSpPr>
-          <p:nvPr>
-            <p:ph type="body"/>
-          </p:nvPr>
-        </p:nvSpPr>
-        <p:spPr>
-          <a:xfrm>
-            <a:off x="457200" y="1604520"/>
-            <a:ext cx="4015440" cy="1896840"/>
-          </a:xfrm>
-          <a:prstGeom prst="rect">
-            <a:avLst/>
-          </a:prstGeom>
-        </p:spPr>
-        <p:txBody>
-          <a:bodyPr bIns="0" lIns="0" rIns="0" tIns="0" wrap="none"/>
-          <a:p>
-            <a:endParaRPr/>
-          </a:p>
-        </p:txBody>
-      </p:sp>
-      <p:sp>
-        <p:nvSpPr>
-          <p:cNvPr id="118" name="PlaceHolder 3"/>
-          <p:cNvSpPr>
-            <a:spLocks noGrp="1"/>
-          </p:cNvSpPr>
-          <p:nvPr>
-            <p:ph type="body"/>
-          </p:nvPr>
-        </p:nvSpPr>
-        <p:spPr>
-          <a:xfrm>
-            <a:off x="4673520" y="1604520"/>
-            <a:ext cx="4015440" cy="1896840"/>
           </a:xfrm>
           <a:prstGeom prst="rect">
             <a:avLst/>
@@ -3053,7 +1944,7 @@
       </p:grpSpPr>
       <p:sp>
         <p:nvSpPr>
-          <p:cNvPr id="13" name="PlaceHolder 1"/>
+          <p:cNvPr id="6" name="PlaceHolder 1"/>
           <p:cNvSpPr>
             <a:spLocks noGrp="1"/>
           </p:cNvSpPr>
@@ -3063,7 +1954,7 @@
         </p:nvSpPr>
         <p:spPr>
           <a:xfrm>
-            <a:off x="457200" y="273240"/>
+            <a:off x="457200" y="273600"/>
             <a:ext cx="8229240" cy="1145160"/>
           </a:xfrm>
           <a:prstGeom prst="rect">
@@ -3080,7 +1971,7 @@
       </p:sp>
       <p:sp>
         <p:nvSpPr>
-          <p:cNvPr id="14" name="PlaceHolder 2"/>
+          <p:cNvPr id="7" name="PlaceHolder 2"/>
           <p:cNvSpPr>
             <a:spLocks noGrp="1"/>
           </p:cNvSpPr>
@@ -3106,7 +1997,7 @@
       </p:sp>
       <p:sp>
         <p:nvSpPr>
-          <p:cNvPr id="15" name="PlaceHolder 3"/>
+          <p:cNvPr id="8" name="PlaceHolder 3"/>
           <p:cNvSpPr>
             <a:spLocks noGrp="1"/>
           </p:cNvSpPr>
@@ -3154,7 +2045,7 @@
       </p:grpSpPr>
       <p:sp>
         <p:nvSpPr>
-          <p:cNvPr id="16" name="PlaceHolder 1"/>
+          <p:cNvPr id="9" name="PlaceHolder 1"/>
           <p:cNvSpPr>
             <a:spLocks noGrp="1"/>
           </p:cNvSpPr>
@@ -3164,7 +2055,7 @@
         </p:nvSpPr>
         <p:spPr>
           <a:xfrm>
-            <a:off x="457200" y="273240"/>
+            <a:off x="457200" y="273600"/>
             <a:ext cx="8229240" cy="1145160"/>
           </a:xfrm>
           <a:prstGeom prst="rect">
@@ -3203,7 +2094,7 @@
       </p:grpSpPr>
       <p:sp>
         <p:nvSpPr>
-          <p:cNvPr id="17" name="PlaceHolder 1"/>
+          <p:cNvPr id="10" name="PlaceHolder 1"/>
           <p:cNvSpPr>
             <a:spLocks noGrp="1"/>
           </p:cNvSpPr>
@@ -3213,8 +2104,8 @@
         </p:nvSpPr>
         <p:spPr>
           <a:xfrm>
-            <a:off x="457200" y="273240"/>
-            <a:ext cx="8229240" cy="5308560"/>
+            <a:off x="457200" y="273600"/>
+            <a:ext cx="8229240" cy="5308200"/>
           </a:xfrm>
           <a:prstGeom prst="rect">
             <a:avLst/>
@@ -3252,7 +2143,7 @@
       </p:grpSpPr>
       <p:sp>
         <p:nvSpPr>
-          <p:cNvPr id="18" name="PlaceHolder 1"/>
+          <p:cNvPr id="11" name="PlaceHolder 1"/>
           <p:cNvSpPr>
             <a:spLocks noGrp="1"/>
           </p:cNvSpPr>
@@ -3262,7 +2153,7 @@
         </p:nvSpPr>
         <p:spPr>
           <a:xfrm>
-            <a:off x="457200" y="273240"/>
+            <a:off x="457200" y="273600"/>
             <a:ext cx="8229240" cy="1145160"/>
           </a:xfrm>
           <a:prstGeom prst="rect">
@@ -3279,7 +2170,7 @@
       </p:sp>
       <p:sp>
         <p:nvSpPr>
-          <p:cNvPr id="19" name="PlaceHolder 2"/>
+          <p:cNvPr id="12" name="PlaceHolder 2"/>
           <p:cNvSpPr>
             <a:spLocks noGrp="1"/>
           </p:cNvSpPr>
@@ -3305,7 +2196,7 @@
       </p:sp>
       <p:sp>
         <p:nvSpPr>
-          <p:cNvPr id="20" name="PlaceHolder 3"/>
+          <p:cNvPr id="13" name="PlaceHolder 3"/>
           <p:cNvSpPr>
             <a:spLocks noGrp="1"/>
           </p:cNvSpPr>
@@ -3331,7 +2222,7 @@
       </p:sp>
       <p:sp>
         <p:nvSpPr>
-          <p:cNvPr id="21" name="PlaceHolder 4"/>
+          <p:cNvPr id="14" name="PlaceHolder 4"/>
           <p:cNvSpPr>
             <a:spLocks noGrp="1"/>
           </p:cNvSpPr>
@@ -3379,7 +2270,7 @@
       </p:grpSpPr>
       <p:sp>
         <p:nvSpPr>
-          <p:cNvPr id="22" name="PlaceHolder 1"/>
+          <p:cNvPr id="15" name="PlaceHolder 1"/>
           <p:cNvSpPr>
             <a:spLocks noGrp="1"/>
           </p:cNvSpPr>
@@ -3389,7 +2280,7 @@
         </p:nvSpPr>
         <p:spPr>
           <a:xfrm>
-            <a:off x="457200" y="273240"/>
+            <a:off x="457200" y="273600"/>
             <a:ext cx="8229240" cy="1145160"/>
           </a:xfrm>
           <a:prstGeom prst="rect">
@@ -3406,7 +2297,7 @@
       </p:sp>
       <p:sp>
         <p:nvSpPr>
-          <p:cNvPr id="23" name="PlaceHolder 2"/>
+          <p:cNvPr id="16" name="PlaceHolder 2"/>
           <p:cNvSpPr>
             <a:spLocks noGrp="1"/>
           </p:cNvSpPr>
@@ -3432,7 +2323,7 @@
       </p:sp>
       <p:sp>
         <p:nvSpPr>
-          <p:cNvPr id="24" name="PlaceHolder 3"/>
+          <p:cNvPr id="17" name="PlaceHolder 3"/>
           <p:cNvSpPr>
             <a:spLocks noGrp="1"/>
           </p:cNvSpPr>
@@ -3458,7 +2349,7 @@
       </p:sp>
       <p:sp>
         <p:nvSpPr>
-          <p:cNvPr id="25" name="PlaceHolder 4"/>
+          <p:cNvPr id="18" name="PlaceHolder 4"/>
           <p:cNvSpPr>
             <a:spLocks noGrp="1"/>
           </p:cNvSpPr>
@@ -3506,7 +2397,7 @@
       </p:grpSpPr>
       <p:sp>
         <p:nvSpPr>
-          <p:cNvPr id="26" name="PlaceHolder 1"/>
+          <p:cNvPr id="19" name="PlaceHolder 1"/>
           <p:cNvSpPr>
             <a:spLocks noGrp="1"/>
           </p:cNvSpPr>
@@ -3516,7 +2407,7 @@
         </p:nvSpPr>
         <p:spPr>
           <a:xfrm>
-            <a:off x="457200" y="273240"/>
+            <a:off x="457200" y="273600"/>
             <a:ext cx="8229240" cy="1145160"/>
           </a:xfrm>
           <a:prstGeom prst="rect">
@@ -3533,7 +2424,7 @@
       </p:sp>
       <p:sp>
         <p:nvSpPr>
-          <p:cNvPr id="27" name="PlaceHolder 2"/>
+          <p:cNvPr id="20" name="PlaceHolder 2"/>
           <p:cNvSpPr>
             <a:spLocks noGrp="1"/>
           </p:cNvSpPr>
@@ -3559,7 +2450,7 @@
       </p:sp>
       <p:sp>
         <p:nvSpPr>
-          <p:cNvPr id="28" name="PlaceHolder 3"/>
+          <p:cNvPr id="21" name="PlaceHolder 3"/>
           <p:cNvSpPr>
             <a:spLocks noGrp="1"/>
           </p:cNvSpPr>
@@ -3585,7 +2476,7 @@
       </p:sp>
       <p:sp>
         <p:nvSpPr>
-          <p:cNvPr id="29" name="PlaceHolder 4"/>
+          <p:cNvPr id="22" name="PlaceHolder 4"/>
           <p:cNvSpPr>
             <a:spLocks noGrp="1"/>
           </p:cNvSpPr>
@@ -3633,141 +2524,7 @@
       </p:grpSpPr>
       <p:sp>
         <p:nvSpPr>
-          <p:cNvPr id="0" name="CustomShape 1"/>
-          <p:cNvSpPr/>
-          <p:nvPr/>
-        </p:nvSpPr>
-        <p:spPr>
-          <a:xfrm>
-            <a:off x="-9360" y="-7200"/>
-            <a:ext cx="9162720" cy="1041120"/>
-          </a:xfrm>
-          <a:prstGeom prst="rect">
-            <a:avLst>
-              <a:gd fmla="val 0" name="A1"/>
-              <a:gd fmla="val 0" name="A2"/>
-              <a:gd fmla="val 0" name="A3"/>
-              <a:gd fmla="val 0" name="A4"/>
-              <a:gd fmla="val 0" name="A5"/>
-              <a:gd fmla="val 0" name="A6"/>
-              <a:gd fmla="val 0" name="A7"/>
-              <a:gd fmla="val 0" name="A8"/>
-            </a:avLst>
-          </a:prstGeom>
-          <a:gradFill>
-            <a:gsLst>
-              <a:gs pos="0">
-                <a:srgbClr val="0074a0"/>
-              </a:gs>
-              <a:gs pos="100000">
-                <a:srgbClr val="00c4cd"/>
-              </a:gs>
-            </a:gsLst>
-            <a:lin ang="5400000"/>
-          </a:gradFill>
-        </p:spPr>
-      </p:sp>
-      <p:sp>
-        <p:nvSpPr>
-          <p:cNvPr id="1" name="CustomShape 2"/>
-          <p:cNvSpPr/>
-          <p:nvPr/>
-        </p:nvSpPr>
-        <p:spPr>
-          <a:xfrm>
-            <a:off x="4381560" y="-7200"/>
-            <a:ext cx="4762080" cy="637920"/>
-          </a:xfrm>
-          <a:prstGeom prst="rect">
-            <a:avLst>
-              <a:gd fmla="val 0" name="A1"/>
-              <a:gd fmla="val 0" name="A2"/>
-              <a:gd fmla="val 0" name="A3"/>
-              <a:gd fmla="val 0" name="A4"/>
-              <a:gd fmla="val 0" name="A5"/>
-              <a:gd fmla="val 0" name="A6"/>
-              <a:gd fmla="val 0" name="A7"/>
-              <a:gd fmla="val 0" name="A8"/>
-            </a:avLst>
-          </a:prstGeom>
-          <a:gradFill>
-            <a:gsLst>
-              <a:gs pos="0">
-                <a:srgbClr val="00a0a8"/>
-              </a:gs>
-              <a:gs pos="100000">
-                <a:srgbClr val="008abf"/>
-              </a:gs>
-            </a:gsLst>
-            <a:lin ang="5400000"/>
-          </a:gradFill>
-        </p:spPr>
-      </p:sp>
-      <p:sp>
-        <p:nvSpPr>
-          <p:cNvPr id="2" name="CustomShape 3"/>
-          <p:cNvSpPr/>
-          <p:nvPr/>
-        </p:nvSpPr>
-        <p:spPr>
-          <a:xfrm rot="21435600">
-            <a:off x="-18720" y="201960"/>
-            <a:ext cx="9162720" cy="648720"/>
-          </a:xfrm>
-          <a:prstGeom prst="rect">
-            <a:avLst>
-              <a:gd fmla="val 0" name="A1"/>
-              <a:gd fmla="val 0" name="A2"/>
-              <a:gd fmla="val 0" name="A3"/>
-              <a:gd fmla="val 0" name="A4"/>
-              <a:gd fmla="val 0" name="A5"/>
-              <a:gd fmla="val 0" name="A6"/>
-              <a:gd fmla="val 0" name="A7"/>
-              <a:gd fmla="val 0" name="A8"/>
-            </a:avLst>
-          </a:prstGeom>
-          <a:ln w="10800">
-            <a:solidFill>
-              <a:srgbClr val="008abf"/>
-            </a:solidFill>
-            <a:round/>
-          </a:ln>
-        </p:spPr>
-      </p:sp>
-      <p:sp>
-        <p:nvSpPr>
-          <p:cNvPr id="3" name="CustomShape 4"/>
-          <p:cNvSpPr/>
-          <p:nvPr/>
-        </p:nvSpPr>
-        <p:spPr>
-          <a:xfrm rot="21435600">
-            <a:off x="-14040" y="275400"/>
-            <a:ext cx="9175320" cy="529920"/>
-          </a:xfrm>
-          <a:prstGeom prst="rect">
-            <a:avLst>
-              <a:gd fmla="val 0" name="A1"/>
-              <a:gd fmla="val 0" name="A2"/>
-              <a:gd fmla="val 0" name="A3"/>
-              <a:gd fmla="val 0" name="A4"/>
-              <a:gd fmla="val 0" name="A5"/>
-              <a:gd fmla="val 0" name="A6"/>
-              <a:gd fmla="val 0" name="A7"/>
-              <a:gd fmla="val 0" name="A8"/>
-            </a:avLst>
-          </a:prstGeom>
-          <a:ln w="9360">
-            <a:solidFill>
-              <a:srgbClr val="009dd9"/>
-            </a:solidFill>
-            <a:round/>
-          </a:ln>
-        </p:spPr>
-      </p:sp>
-      <p:sp>
-        <p:nvSpPr>
-          <p:cNvPr id="4" name="PlaceHolder 5"/>
+          <p:cNvPr id="0" name="PlaceHolder 1"/>
           <p:cNvSpPr>
             <a:spLocks noGrp="1"/>
           </p:cNvSpPr>
@@ -3777,29 +2534,19 @@
         </p:nvSpPr>
         <p:spPr>
           <a:xfrm>
-            <a:off x="533520" y="1371600"/>
-            <a:ext cx="7851240" cy="1828440"/>
+            <a:off x="457200" y="273240"/>
+            <a:ext cx="8228880" cy="1144800"/>
           </a:xfrm>
           <a:prstGeom prst="rect">
             <a:avLst/>
           </a:prstGeom>
         </p:spPr>
         <p:txBody>
-          <a:bodyPr anchor="b" bIns="0" lIns="0" rIns="18360" tIns="0"/>
-          <a:p>
-            <a:pPr algn="r">
-              <a:lnSpc>
-                <a:spcPct val="100000"/>
-              </a:lnSpc>
-            </a:pPr>
-            <a:r>
-              <a:rPr b="1" lang="en-US" sz="5600">
-                <a:solidFill>
-                  <a:srgbClr val="50e0ea"/>
-                </a:solidFill>
-                <a:latin typeface="Calibri"/>
-              </a:rPr>
-              <a:t>Click to edit the title text formatClick to edit Master title style</a:t>
+          <a:bodyPr anchor="ctr" bIns="0" lIns="0" rIns="0" tIns="0" wrap="none"/>
+          <a:p>
+            <a:r>
+              <a:rPr lang="en-US"/>
+              <a:t>Click to edit the title text format</a:t>
             </a:r>
             <a:endParaRPr/>
           </a:p>
@@ -3807,113 +2554,7 @@
       </p:sp>
       <p:sp>
         <p:nvSpPr>
-          <p:cNvPr id="5" name="PlaceHolder 6"/>
-          <p:cNvSpPr>
-            <a:spLocks noGrp="1"/>
-          </p:cNvSpPr>
-          <p:nvPr>
-            <p:ph type="dt"/>
-          </p:nvPr>
-        </p:nvSpPr>
-        <p:spPr>
-          <a:xfrm>
-            <a:off x="457200" y="6356520"/>
-            <a:ext cx="2133360" cy="364680"/>
-          </a:xfrm>
-          <a:prstGeom prst="rect">
-            <a:avLst/>
-          </a:prstGeom>
-        </p:spPr>
-        <p:txBody>
-          <a:bodyPr anchor="b" bIns="0" lIns="0" rIns="0" tIns="0"/>
-          <a:p>
-            <a:pPr>
-              <a:lnSpc>
-                <a:spcPct val="100000"/>
-              </a:lnSpc>
-            </a:pPr>
-            <a:r>
-              <a:rPr lang="en-US" sz="1200">
-                <a:solidFill>
-                  <a:srgbClr val="d1eaed"/>
-                </a:solidFill>
-                <a:latin typeface="Arial"/>
-              </a:rPr>
-              <a:t>5/6/13</a:t>
-            </a:r>
-            <a:endParaRPr/>
-          </a:p>
-        </p:txBody>
-      </p:sp>
-      <p:sp>
-        <p:nvSpPr>
-          <p:cNvPr id="6" name="PlaceHolder 7"/>
-          <p:cNvSpPr>
-            <a:spLocks noGrp="1"/>
-          </p:cNvSpPr>
-          <p:nvPr>
-            <p:ph type="ftr"/>
-          </p:nvPr>
-        </p:nvSpPr>
-        <p:spPr>
-          <a:xfrm>
-            <a:off x="2666880" y="6356520"/>
-            <a:ext cx="3352320" cy="364680"/>
-          </a:xfrm>
-          <a:prstGeom prst="rect">
-            <a:avLst/>
-          </a:prstGeom>
-        </p:spPr>
-        <p:txBody>
-          <a:bodyPr anchor="b" bIns="0" lIns="0" rIns="0" tIns="0"/>
-          <a:p>
-            <a:endParaRPr/>
-          </a:p>
-        </p:txBody>
-      </p:sp>
-      <p:sp>
-        <p:nvSpPr>
-          <p:cNvPr id="7" name="PlaceHolder 8"/>
-          <p:cNvSpPr>
-            <a:spLocks noGrp="1"/>
-          </p:cNvSpPr>
-          <p:nvPr>
-            <p:ph type="sldNum"/>
-          </p:nvPr>
-        </p:nvSpPr>
-        <p:spPr>
-          <a:xfrm>
-            <a:off x="7924680" y="6356520"/>
-            <a:ext cx="761760" cy="364680"/>
-          </a:xfrm>
-          <a:prstGeom prst="rect">
-            <a:avLst/>
-          </a:prstGeom>
-        </p:spPr>
-        <p:txBody>
-          <a:bodyPr anchor="b" bIns="0" lIns="0" rIns="0" tIns="0"/>
-          <a:p>
-            <a:pPr>
-              <a:lnSpc>
-                <a:spcPct val="100000"/>
-              </a:lnSpc>
-            </a:pPr>
-            <a:fld id="{DBC7F267-923E-46D2-9EA2-5D39BB613F83}" type="slidenum">
-              <a:rPr lang="en-US" sz="1200">
-                <a:solidFill>
-                  <a:srgbClr val="d1eaed"/>
-                </a:solidFill>
-                <a:latin typeface="Arial"/>
-              </a:rPr>
-              <a:t>&lt;number&gt;</a:t>
-            </a:fld>
-            <a:endParaRPr/>
-          </a:p>
-        </p:txBody>
-      </p:sp>
-      <p:sp>
-        <p:nvSpPr>
-          <p:cNvPr id="8" name="PlaceHolder 9"/>
+          <p:cNvPr id="1" name="PlaceHolder 2"/>
           <p:cNvSpPr>
             <a:spLocks noGrp="1"/>
           </p:cNvSpPr>
@@ -4041,14 +2682,6 @@
 <file path=ppt/slideMasters/slideMaster2.xml><?xml version="1.0" encoding="utf-8"?>
 <p:sldMaster xmlns:a="http://schemas.openxmlformats.org/drawingml/2006/main" xmlns:p="http://schemas.openxmlformats.org/presentationml/2006/main" xmlns:r="http://schemas.openxmlformats.org/officeDocument/2006/relationships">
   <p:cSld>
-    <p:bg>
-      <p:bgPr>
-        <a:blipFill>
-          <a:blip r:embed="rId2"/>
-          <a:tile/>
-        </a:blipFill>
-      </p:bgPr>
-    </p:bg>
     <p:spTree>
       <p:nvGrpSpPr>
         <p:cNvPr id="1" name=""/>
@@ -4065,141 +2698,7 @@
       </p:grpSpPr>
       <p:sp>
         <p:nvSpPr>
-          <p:cNvPr id="41" name="CustomShape 1"/>
-          <p:cNvSpPr/>
-          <p:nvPr/>
-        </p:nvSpPr>
-        <p:spPr>
-          <a:xfrm>
-            <a:off x="-9360" y="-7200"/>
-            <a:ext cx="9162720" cy="1041120"/>
-          </a:xfrm>
-          <a:prstGeom prst="rect">
-            <a:avLst>
-              <a:gd fmla="val 0" name="A1"/>
-              <a:gd fmla="val 0" name="A2"/>
-              <a:gd fmla="val 0" name="A3"/>
-              <a:gd fmla="val 0" name="A4"/>
-              <a:gd fmla="val 0" name="A5"/>
-              <a:gd fmla="val 0" name="A6"/>
-              <a:gd fmla="val 0" name="A7"/>
-              <a:gd fmla="val 0" name="A8"/>
-            </a:avLst>
-          </a:prstGeom>
-          <a:gradFill>
-            <a:gsLst>
-              <a:gs pos="0">
-                <a:srgbClr val="0074a0"/>
-              </a:gs>
-              <a:gs pos="100000">
-                <a:srgbClr val="00c4cd"/>
-              </a:gs>
-            </a:gsLst>
-            <a:lin ang="5400000"/>
-          </a:gradFill>
-        </p:spPr>
-      </p:sp>
-      <p:sp>
-        <p:nvSpPr>
-          <p:cNvPr id="42" name="CustomShape 2"/>
-          <p:cNvSpPr/>
-          <p:nvPr/>
-        </p:nvSpPr>
-        <p:spPr>
-          <a:xfrm>
-            <a:off x="4381560" y="-7200"/>
-            <a:ext cx="4762080" cy="637920"/>
-          </a:xfrm>
-          <a:prstGeom prst="rect">
-            <a:avLst>
-              <a:gd fmla="val 0" name="A1"/>
-              <a:gd fmla="val 0" name="A2"/>
-              <a:gd fmla="val 0" name="A3"/>
-              <a:gd fmla="val 0" name="A4"/>
-              <a:gd fmla="val 0" name="A5"/>
-              <a:gd fmla="val 0" name="A6"/>
-              <a:gd fmla="val 0" name="A7"/>
-              <a:gd fmla="val 0" name="A8"/>
-            </a:avLst>
-          </a:prstGeom>
-          <a:gradFill>
-            <a:gsLst>
-              <a:gs pos="0">
-                <a:srgbClr val="00a0a8"/>
-              </a:gs>
-              <a:gs pos="100000">
-                <a:srgbClr val="008abf"/>
-              </a:gs>
-            </a:gsLst>
-            <a:lin ang="5400000"/>
-          </a:gradFill>
-        </p:spPr>
-      </p:sp>
-      <p:sp>
-        <p:nvSpPr>
-          <p:cNvPr id="43" name="CustomShape 3"/>
-          <p:cNvSpPr/>
-          <p:nvPr/>
-        </p:nvSpPr>
-        <p:spPr>
-          <a:xfrm rot="21435600">
-            <a:off x="-18720" y="201960"/>
-            <a:ext cx="9162720" cy="648720"/>
-          </a:xfrm>
-          <a:prstGeom prst="rect">
-            <a:avLst>
-              <a:gd fmla="val 0" name="A1"/>
-              <a:gd fmla="val 0" name="A2"/>
-              <a:gd fmla="val 0" name="A3"/>
-              <a:gd fmla="val 0" name="A4"/>
-              <a:gd fmla="val 0" name="A5"/>
-              <a:gd fmla="val 0" name="A6"/>
-              <a:gd fmla="val 0" name="A7"/>
-              <a:gd fmla="val 0" name="A8"/>
-            </a:avLst>
-          </a:prstGeom>
-          <a:ln w="10800">
-            <a:solidFill>
-              <a:srgbClr val="008abf"/>
-            </a:solidFill>
-            <a:round/>
-          </a:ln>
-        </p:spPr>
-      </p:sp>
-      <p:sp>
-        <p:nvSpPr>
-          <p:cNvPr id="44" name="CustomShape 4"/>
-          <p:cNvSpPr/>
-          <p:nvPr/>
-        </p:nvSpPr>
-        <p:spPr>
-          <a:xfrm rot="21435600">
-            <a:off x="-14040" y="275400"/>
-            <a:ext cx="9175320" cy="529920"/>
-          </a:xfrm>
-          <a:prstGeom prst="rect">
-            <a:avLst>
-              <a:gd fmla="val 0" name="A1"/>
-              <a:gd fmla="val 0" name="A2"/>
-              <a:gd fmla="val 0" name="A3"/>
-              <a:gd fmla="val 0" name="A4"/>
-              <a:gd fmla="val 0" name="A5"/>
-              <a:gd fmla="val 0" name="A6"/>
-              <a:gd fmla="val 0" name="A7"/>
-              <a:gd fmla="val 0" name="A8"/>
-            </a:avLst>
-          </a:prstGeom>
-          <a:ln w="9360">
-            <a:solidFill>
-              <a:srgbClr val="009dd9"/>
-            </a:solidFill>
-            <a:round/>
-          </a:ln>
-        </p:spPr>
-      </p:sp>
-      <p:sp>
-        <p:nvSpPr>
-          <p:cNvPr id="45" name="PlaceHolder 5"/>
+          <p:cNvPr id="34" name="PlaceHolder 1"/>
           <p:cNvSpPr>
             <a:spLocks noGrp="1"/>
           </p:cNvSpPr>
@@ -4209,29 +2708,20 @@
         </p:nvSpPr>
         <p:spPr>
           <a:xfrm>
-            <a:off x="457200" y="704160"/>
-            <a:ext cx="8229240" cy="1142640"/>
+            <a:off x="457200" y="273600"/>
+            <a:ext cx="8229240" cy="1144800"/>
           </a:xfrm>
           <a:prstGeom prst="rect">
             <a:avLst/>
           </a:prstGeom>
         </p:spPr>
         <p:txBody>
-          <a:bodyPr anchor="b" bIns="0" lIns="0" rIns="0" tIns="45000"/>
-          <a:p>
-            <a:pPr>
-              <a:lnSpc>
-                <a:spcPct val="100000"/>
-              </a:lnSpc>
-            </a:pPr>
-            <a:r>
-              <a:rPr lang="en-US" sz="5000">
-                <a:solidFill>
-                  <a:srgbClr val="04617b"/>
-                </a:solidFill>
-                <a:latin typeface="Calibri"/>
-              </a:rPr>
-              <a:t>Click to edit the title text formatClick to edit Master title style</a:t>
+          <a:bodyPr anchor="ctr" bIns="0" lIns="0" rIns="0" tIns="0" wrap="none"/>
+          <a:p>
+            <a:pPr algn="ctr"/>
+            <a:r>
+              <a:rPr lang="en-US"/>
+              <a:t>Click to edit the title text format</a:t>
             </a:r>
             <a:endParaRPr/>
           </a:p>
@@ -4239,7 +2729,7 @@
       </p:sp>
       <p:sp>
         <p:nvSpPr>
-          <p:cNvPr id="46" name="PlaceHolder 6"/>
+          <p:cNvPr id="35" name="PlaceHolder 2"/>
           <p:cNvSpPr>
             <a:spLocks noGrp="1"/>
           </p:cNvSpPr>
@@ -4249,15 +2739,15 @@
         </p:nvSpPr>
         <p:spPr>
           <a:xfrm>
-            <a:off x="457200" y="1935360"/>
-            <a:ext cx="8229240" cy="4388760"/>
+            <a:off x="457200" y="1604520"/>
+            <a:ext cx="8229240" cy="3977280"/>
           </a:xfrm>
           <a:prstGeom prst="rect">
             <a:avLst/>
           </a:prstGeom>
         </p:spPr>
         <p:txBody>
-          <a:bodyPr bIns="45000" lIns="90000" rIns="90000" tIns="45000"/>
+          <a:bodyPr bIns="0" lIns="0" rIns="0" tIns="0" wrap="none"/>
           <a:p>
             <a:pPr>
               <a:buSzPct val="25000"/>
@@ -4265,12 +2755,7 @@
               <a:buChar char=""/>
             </a:pPr>
             <a:r>
-              <a:rPr lang="en-US" sz="2600">
-                <a:solidFill>
-                  <a:srgbClr val="000000"/>
-                </a:solidFill>
-                <a:latin typeface="Constantia"/>
-              </a:rPr>
+              <a:rPr lang="en-US"/>
               <a:t>Click to edit the outline text format</a:t>
             </a:r>
             <a:endParaRPr/>
@@ -4282,12 +2767,7 @@
               <a:buChar char=""/>
             </a:pPr>
             <a:r>
-              <a:rPr lang="en-US" sz="2600">
-                <a:solidFill>
-                  <a:srgbClr val="000000"/>
-                </a:solidFill>
-                <a:latin typeface="Constantia"/>
-              </a:rPr>
+              <a:rPr lang="en-US"/>
               <a:t>Second Outline Level</a:t>
             </a:r>
             <a:endParaRPr/>
@@ -4299,12 +2779,7 @@
               <a:buChar char=""/>
             </a:pPr>
             <a:r>
-              <a:rPr lang="en-US" sz="2600">
-                <a:solidFill>
-                  <a:srgbClr val="000000"/>
-                </a:solidFill>
-                <a:latin typeface="Constantia"/>
-              </a:rPr>
+              <a:rPr lang="en-US"/>
               <a:t>Third Outline Level</a:t>
             </a:r>
             <a:endParaRPr/>
@@ -4316,12 +2791,7 @@
               <a:buChar char=""/>
             </a:pPr>
             <a:r>
-              <a:rPr lang="en-US" sz="2600">
-                <a:solidFill>
-                  <a:srgbClr val="000000"/>
-                </a:solidFill>
-                <a:latin typeface="Constantia"/>
-              </a:rPr>
+              <a:rPr lang="en-US"/>
               <a:t>Fourth Outline Level</a:t>
             </a:r>
             <a:endParaRPr/>
@@ -4333,12 +2803,7 @@
               <a:buChar char=""/>
             </a:pPr>
             <a:r>
-              <a:rPr lang="en-US" sz="2600">
-                <a:solidFill>
-                  <a:srgbClr val="000000"/>
-                </a:solidFill>
-                <a:latin typeface="Constantia"/>
-              </a:rPr>
+              <a:rPr lang="en-US"/>
               <a:t>Fifth Outline Level</a:t>
             </a:r>
             <a:endParaRPr/>
@@ -4350,220 +2815,21 @@
               <a:buChar char=""/>
             </a:pPr>
             <a:r>
-              <a:rPr lang="en-US" sz="2600">
-                <a:solidFill>
-                  <a:srgbClr val="000000"/>
-                </a:solidFill>
-                <a:latin typeface="Constantia"/>
-              </a:rPr>
+              <a:rPr lang="en-US"/>
               <a:t>Sixth Outline Level</a:t>
             </a:r>
             <a:endParaRPr/>
           </a:p>
           <a:p>
-            <a:pPr>
-              <a:lnSpc>
-                <a:spcPct val="100000"/>
-              </a:lnSpc>
-              <a:buSzPct val="25000"/>
-              <a:buFont charset="2" typeface="Wingdings 2"/>
-              <a:buChar char=""/>
-            </a:pPr>
-            <a:r>
-              <a:rPr lang="en-US" sz="2600">
-                <a:solidFill>
-                  <a:srgbClr val="000000"/>
-                </a:solidFill>
-                <a:latin typeface="Constantia"/>
-              </a:rPr>
-              <a:t>Seventh Outline LevelClick to edit Master text styles</a:t>
-            </a:r>
-            <a:endParaRPr/>
-          </a:p>
-          <a:p>
-            <a:pPr lvl="1">
-              <a:lnSpc>
-                <a:spcPct val="100000"/>
-              </a:lnSpc>
-              <a:buSzPct val="25000"/>
-              <a:buFont typeface="StarSymbol"/>
-              <a:buChar char=""/>
-            </a:pPr>
-            <a:r>
-              <a:rPr lang="en-US" sz="2400">
-                <a:solidFill>
-                  <a:srgbClr val="000000"/>
-                </a:solidFill>
-                <a:latin typeface="Constantia"/>
-              </a:rPr>
-              <a:t>Second level</a:t>
-            </a:r>
-            <a:endParaRPr/>
-          </a:p>
-          <a:p>
-            <a:pPr lvl="2">
-              <a:lnSpc>
-                <a:spcPct val="100000"/>
-              </a:lnSpc>
+            <a:pPr lvl="6">
               <a:buSzPct val="25000"/>
               <a:buFont typeface="StarSymbol"/>
               <a:buChar char=""/>
             </a:pPr>
             <a:r>
-              <a:rPr lang="en-US" sz="2100">
-                <a:solidFill>
-                  <a:srgbClr val="000000"/>
-                </a:solidFill>
-                <a:latin typeface="Constantia"/>
-              </a:rPr>
-              <a:t>Third level</a:t>
-            </a:r>
-            <a:endParaRPr/>
-          </a:p>
-          <a:p>
-            <a:pPr lvl="3">
-              <a:lnSpc>
-                <a:spcPct val="100000"/>
-              </a:lnSpc>
-              <a:buSzPct val="25000"/>
-              <a:buFont typeface="StarSymbol"/>
-              <a:buChar char=""/>
-            </a:pPr>
-            <a:r>
-              <a:rPr lang="en-US" sz="2000">
-                <a:solidFill>
-                  <a:srgbClr val="000000"/>
-                </a:solidFill>
-                <a:latin typeface="Constantia"/>
-              </a:rPr>
-              <a:t>Fourth level</a:t>
-            </a:r>
-            <a:endParaRPr/>
-          </a:p>
-          <a:p>
-            <a:pPr lvl="4">
-              <a:lnSpc>
-                <a:spcPct val="100000"/>
-              </a:lnSpc>
-              <a:buSzPct val="25000"/>
-              <a:buFont typeface="StarSymbol"/>
-              <a:buChar char=""/>
-            </a:pPr>
-            <a:r>
-              <a:rPr lang="en-US" sz="2000">
-                <a:solidFill>
-                  <a:srgbClr val="000000"/>
-                </a:solidFill>
-                <a:latin typeface="Constantia"/>
-              </a:rPr>
-              <a:t>Fifth level</a:t>
-            </a:r>
-            <a:endParaRPr/>
-          </a:p>
-        </p:txBody>
-      </p:sp>
-      <p:sp>
-        <p:nvSpPr>
-          <p:cNvPr id="47" name="PlaceHolder 7"/>
-          <p:cNvSpPr>
-            <a:spLocks noGrp="1"/>
-          </p:cNvSpPr>
-          <p:nvPr>
-            <p:ph type="dt"/>
-          </p:nvPr>
-        </p:nvSpPr>
-        <p:spPr>
-          <a:xfrm>
-            <a:off x="457200" y="6356520"/>
-            <a:ext cx="2133360" cy="364680"/>
-          </a:xfrm>
-          <a:prstGeom prst="rect">
-            <a:avLst/>
-          </a:prstGeom>
-        </p:spPr>
-        <p:txBody>
-          <a:bodyPr anchor="b" bIns="0" lIns="0" rIns="0" tIns="0"/>
-          <a:p>
-            <a:pPr>
-              <a:lnSpc>
-                <a:spcPct val="100000"/>
-              </a:lnSpc>
-            </a:pPr>
-            <a:r>
-              <a:rPr lang="en-US" sz="1200">
-                <a:solidFill>
-                  <a:srgbClr val="035c75"/>
-                </a:solidFill>
-                <a:latin typeface="Arial"/>
-              </a:rPr>
-              <a:t>5/6/13</a:t>
-            </a:r>
-            <a:endParaRPr/>
-          </a:p>
-        </p:txBody>
-      </p:sp>
-      <p:sp>
-        <p:nvSpPr>
-          <p:cNvPr id="48" name="PlaceHolder 8"/>
-          <p:cNvSpPr>
-            <a:spLocks noGrp="1"/>
-          </p:cNvSpPr>
-          <p:nvPr>
-            <p:ph type="ftr"/>
-          </p:nvPr>
-        </p:nvSpPr>
-        <p:spPr>
-          <a:xfrm>
-            <a:off x="2666880" y="6356520"/>
-            <a:ext cx="3352320" cy="364680"/>
-          </a:xfrm>
-          <a:prstGeom prst="rect">
-            <a:avLst/>
-          </a:prstGeom>
-        </p:spPr>
-        <p:txBody>
-          <a:bodyPr anchor="b" bIns="0" lIns="0" rIns="0" tIns="0"/>
-          <a:p>
-            <a:endParaRPr/>
-          </a:p>
-        </p:txBody>
-      </p:sp>
-      <p:sp>
-        <p:nvSpPr>
-          <p:cNvPr id="49" name="PlaceHolder 9"/>
-          <p:cNvSpPr>
-            <a:spLocks noGrp="1"/>
-          </p:cNvSpPr>
-          <p:nvPr>
-            <p:ph type="sldNum"/>
-          </p:nvPr>
-        </p:nvSpPr>
-        <p:spPr>
-          <a:xfrm>
-            <a:off x="7924680" y="6356520"/>
-            <a:ext cx="761760" cy="364680"/>
-          </a:xfrm>
-          <a:prstGeom prst="rect">
-            <a:avLst/>
-          </a:prstGeom>
-        </p:spPr>
-        <p:txBody>
-          <a:bodyPr anchor="b" bIns="0" lIns="0" rIns="0" tIns="0"/>
-          <a:p>
-            <a:pPr>
-              <a:lnSpc>
-                <a:spcPct val="100000"/>
-              </a:lnSpc>
-            </a:pPr>
-            <a:fld id="{344FDE3A-09AA-4A91-BD29-2A1CC6E35503}" type="slidenum">
-              <a:rPr lang="en-US" sz="1200">
-                <a:solidFill>
-                  <a:srgbClr val="035c75"/>
-                </a:solidFill>
-                <a:latin typeface="Arial"/>
-              </a:rPr>
-              <a:t>&lt;number&gt;</a:t>
-            </a:fld>
+              <a:rPr lang="en-US"/>
+              <a:t>Seventh Outline Level</a:t>
+            </a:r>
             <a:endParaRPr/>
           </a:p>
         </p:txBody>
@@ -4572,285 +2838,18 @@
   </p:cSld>
   <p:clrMap accent1="accent1" accent2="accent2" accent3="accent3" accent4="accent4" accent5="accent5" accent6="accent6" bg1="lt1" bg2="lt2" folHlink="folHlink" hlink="hlink" tx1="dk1" tx2="dk2"/>
   <p:sldLayoutIdLst>
-    <p:sldLayoutId id="2147483662" r:id="rId3"/>
-    <p:sldLayoutId id="2147483663" r:id="rId4"/>
-    <p:sldLayoutId id="2147483664" r:id="rId5"/>
-    <p:sldLayoutId id="2147483665" r:id="rId6"/>
-    <p:sldLayoutId id="2147483666" r:id="rId7"/>
-    <p:sldLayoutId id="2147483667" r:id="rId8"/>
-    <p:sldLayoutId id="2147483668" r:id="rId9"/>
-    <p:sldLayoutId id="2147483669" r:id="rId10"/>
-    <p:sldLayoutId id="2147483670" r:id="rId11"/>
-    <p:sldLayoutId id="2147483671" r:id="rId12"/>
-    <p:sldLayoutId id="2147483672" r:id="rId13"/>
-    <p:sldLayoutId id="2147483673" r:id="rId14"/>
-  </p:sldLayoutIdLst>
-</p:sldMaster>
-</file>
-
-<file path=ppt/slideMasters/slideMaster3.xml><?xml version="1.0" encoding="utf-8"?>
-<p:sldMaster xmlns:a="http://schemas.openxmlformats.org/drawingml/2006/main" xmlns:p="http://schemas.openxmlformats.org/presentationml/2006/main" xmlns:r="http://schemas.openxmlformats.org/officeDocument/2006/relationships">
-  <p:cSld>
-    <p:spTree>
-      <p:nvGrpSpPr>
-        <p:cNvPr id="1" name=""/>
-        <p:cNvGrpSpPr/>
-        <p:nvPr/>
-      </p:nvGrpSpPr>
-      <p:grpSpPr>
-        <a:xfrm>
-          <a:off x="0" y="0"/>
-          <a:ext cx="0" cy="0"/>
-          <a:chOff x="0" y="0"/>
-          <a:chExt cx="0" cy="0"/>
-        </a:xfrm>
-      </p:grpSpPr>
-      <p:sp>
-        <p:nvSpPr>
-          <p:cNvPr id="82" name="PlaceHolder 1"/>
-          <p:cNvSpPr>
-            <a:spLocks noGrp="1"/>
-          </p:cNvSpPr>
-          <p:nvPr>
-            <p:ph type="title"/>
-          </p:nvPr>
-        </p:nvSpPr>
-        <p:spPr>
-          <a:xfrm>
-            <a:off x="457200" y="273240"/>
-            <a:ext cx="8229240" cy="1144800"/>
-          </a:xfrm>
-          <a:prstGeom prst="rect">
-            <a:avLst/>
-          </a:prstGeom>
-        </p:spPr>
-        <p:txBody>
-          <a:bodyPr anchor="ctr" bIns="0" lIns="0" rIns="0" tIns="0" wrap="none"/>
-          <a:p>
-            <a:pPr algn="ctr"/>
-            <a:r>
-              <a:rPr lang="en-US"/>
-              <a:t>Click to edit the title text format</a:t>
-            </a:r>
-            <a:endParaRPr/>
-          </a:p>
-        </p:txBody>
-      </p:sp>
-      <p:sp>
-        <p:nvSpPr>
-          <p:cNvPr id="83" name="PlaceHolder 2"/>
-          <p:cNvSpPr>
-            <a:spLocks noGrp="1"/>
-          </p:cNvSpPr>
-          <p:nvPr>
-            <p:ph type="body"/>
-          </p:nvPr>
-        </p:nvSpPr>
-        <p:spPr>
-          <a:xfrm>
-            <a:off x="457200" y="1604520"/>
-            <a:ext cx="8229240" cy="3977280"/>
-          </a:xfrm>
-          <a:prstGeom prst="rect">
-            <a:avLst/>
-          </a:prstGeom>
-        </p:spPr>
-        <p:txBody>
-          <a:bodyPr bIns="0" lIns="0" rIns="0" tIns="0" wrap="none"/>
-          <a:p>
-            <a:pPr>
-              <a:buSzPct val="25000"/>
-              <a:buFont typeface="StarSymbol"/>
-              <a:buChar char=""/>
-            </a:pPr>
-            <a:r>
-              <a:rPr lang="en-US"/>
-              <a:t>Click to edit the outline text format</a:t>
-            </a:r>
-            <a:endParaRPr/>
-          </a:p>
-          <a:p>
-            <a:pPr lvl="1">
-              <a:buSzPct val="25000"/>
-              <a:buFont typeface="StarSymbol"/>
-              <a:buChar char=""/>
-            </a:pPr>
-            <a:r>
-              <a:rPr lang="en-US"/>
-              <a:t>Second Outline Level</a:t>
-            </a:r>
-            <a:endParaRPr/>
-          </a:p>
-          <a:p>
-            <a:pPr lvl="2">
-              <a:buSzPct val="25000"/>
-              <a:buFont typeface="StarSymbol"/>
-              <a:buChar char=""/>
-            </a:pPr>
-            <a:r>
-              <a:rPr lang="en-US"/>
-              <a:t>Third Outline Level</a:t>
-            </a:r>
-            <a:endParaRPr/>
-          </a:p>
-          <a:p>
-            <a:pPr lvl="3">
-              <a:buSzPct val="25000"/>
-              <a:buFont typeface="StarSymbol"/>
-              <a:buChar char=""/>
-            </a:pPr>
-            <a:r>
-              <a:rPr lang="en-US"/>
-              <a:t>Fourth Outline Level</a:t>
-            </a:r>
-            <a:endParaRPr/>
-          </a:p>
-          <a:p>
-            <a:pPr lvl="4">
-              <a:buSzPct val="25000"/>
-              <a:buFont typeface="StarSymbol"/>
-              <a:buChar char=""/>
-            </a:pPr>
-            <a:r>
-              <a:rPr lang="en-US"/>
-              <a:t>Fifth Outline Level</a:t>
-            </a:r>
-            <a:endParaRPr/>
-          </a:p>
-          <a:p>
-            <a:pPr lvl="5">
-              <a:buSzPct val="25000"/>
-              <a:buFont typeface="StarSymbol"/>
-              <a:buChar char=""/>
-            </a:pPr>
-            <a:r>
-              <a:rPr lang="en-US"/>
-              <a:t>Sixth Outline Level</a:t>
-            </a:r>
-            <a:endParaRPr/>
-          </a:p>
-          <a:p>
-            <a:pPr lvl="6">
-              <a:buSzPct val="25000"/>
-              <a:buFont typeface="StarSymbol"/>
-              <a:buChar char=""/>
-            </a:pPr>
-            <a:r>
-              <a:rPr lang="en-US"/>
-              <a:t>Seventh Outline Level</a:t>
-            </a:r>
-            <a:endParaRPr/>
-          </a:p>
-        </p:txBody>
-      </p:sp>
-      <p:sp>
-        <p:nvSpPr>
-          <p:cNvPr id="84" name="PlaceHolder 3"/>
-          <p:cNvSpPr>
-            <a:spLocks noGrp="1"/>
-          </p:cNvSpPr>
-          <p:nvPr>
-            <p:ph type="dt"/>
-          </p:nvPr>
-        </p:nvSpPr>
-        <p:spPr>
-          <a:xfrm>
-            <a:off x="457200" y="6247440"/>
-            <a:ext cx="2130120" cy="473040"/>
-          </a:xfrm>
-          <a:prstGeom prst="rect">
-            <a:avLst/>
-          </a:prstGeom>
-        </p:spPr>
-        <p:txBody>
-          <a:bodyPr bIns="0" lIns="0" rIns="0" tIns="0" wrap="none"/>
-          <a:p>
-            <a:r>
-              <a:rPr lang="en-US"/>
-              <a:t>&lt;date/time&gt;</a:t>
-            </a:r>
-            <a:endParaRPr/>
-          </a:p>
-        </p:txBody>
-      </p:sp>
-      <p:sp>
-        <p:nvSpPr>
-          <p:cNvPr id="85" name="PlaceHolder 4"/>
-          <p:cNvSpPr>
-            <a:spLocks noGrp="1"/>
-          </p:cNvSpPr>
-          <p:nvPr>
-            <p:ph type="ftr"/>
-          </p:nvPr>
-        </p:nvSpPr>
-        <p:spPr>
-          <a:xfrm>
-            <a:off x="3126960" y="6247440"/>
-            <a:ext cx="2898360" cy="473040"/>
-          </a:xfrm>
-          <a:prstGeom prst="rect">
-            <a:avLst/>
-          </a:prstGeom>
-        </p:spPr>
-        <p:txBody>
-          <a:bodyPr bIns="0" lIns="0" rIns="0" tIns="0" wrap="none"/>
-          <a:p>
-            <a:pPr algn="ctr"/>
-            <a:r>
-              <a:rPr lang="en-US"/>
-              <a:t>&lt;footer&gt;</a:t>
-            </a:r>
-            <a:endParaRPr/>
-          </a:p>
-        </p:txBody>
-      </p:sp>
-      <p:sp>
-        <p:nvSpPr>
-          <p:cNvPr id="86" name="PlaceHolder 5"/>
-          <p:cNvSpPr>
-            <a:spLocks noGrp="1"/>
-          </p:cNvSpPr>
-          <p:nvPr>
-            <p:ph type="sldNum"/>
-          </p:nvPr>
-        </p:nvSpPr>
-        <p:spPr>
-          <a:xfrm>
-            <a:off x="6555960" y="6247440"/>
-            <a:ext cx="2130120" cy="473040"/>
-          </a:xfrm>
-          <a:prstGeom prst="rect">
-            <a:avLst/>
-          </a:prstGeom>
-        </p:spPr>
-        <p:txBody>
-          <a:bodyPr bIns="0" lIns="0" rIns="0" tIns="0" wrap="none"/>
-          <a:p>
-            <a:pPr algn="r"/>
-            <a:fld id="{7C702C64-2D19-4E3F-B407-ED6772212740}" type="slidenum">
-              <a:rPr lang="en-US"/>
-              <a:t>&lt;number&gt;</a:t>
-            </a:fld>
-            <a:endParaRPr/>
-          </a:p>
-        </p:txBody>
-      </p:sp>
-    </p:spTree>
-  </p:cSld>
-  <p:clrMap accent1="accent1" accent2="accent2" accent3="accent3" accent4="accent4" accent5="accent5" accent6="accent6" bg1="lt1" bg2="lt2" folHlink="folHlink" hlink="hlink" tx1="dk1" tx2="dk2"/>
-  <p:sldLayoutIdLst>
-    <p:sldLayoutId id="2147483675" r:id="rId2"/>
-    <p:sldLayoutId id="2147483676" r:id="rId3"/>
-    <p:sldLayoutId id="2147483677" r:id="rId4"/>
-    <p:sldLayoutId id="2147483678" r:id="rId5"/>
-    <p:sldLayoutId id="2147483679" r:id="rId6"/>
-    <p:sldLayoutId id="2147483680" r:id="rId7"/>
-    <p:sldLayoutId id="2147483681" r:id="rId8"/>
-    <p:sldLayoutId id="2147483682" r:id="rId9"/>
-    <p:sldLayoutId id="2147483683" r:id="rId10"/>
-    <p:sldLayoutId id="2147483684" r:id="rId11"/>
-    <p:sldLayoutId id="2147483685" r:id="rId12"/>
-    <p:sldLayoutId id="2147483686" r:id="rId13"/>
+    <p:sldLayoutId id="2147483662" r:id="rId2"/>
+    <p:sldLayoutId id="2147483663" r:id="rId3"/>
+    <p:sldLayoutId id="2147483664" r:id="rId4"/>
+    <p:sldLayoutId id="2147483665" r:id="rId5"/>
+    <p:sldLayoutId id="2147483666" r:id="rId6"/>
+    <p:sldLayoutId id="2147483667" r:id="rId7"/>
+    <p:sldLayoutId id="2147483668" r:id="rId8"/>
+    <p:sldLayoutId id="2147483669" r:id="rId9"/>
+    <p:sldLayoutId id="2147483670" r:id="rId10"/>
+    <p:sldLayoutId id="2147483671" r:id="rId11"/>
+    <p:sldLayoutId id="2147483672" r:id="rId12"/>
+    <p:sldLayoutId id="2147483673" r:id="rId13"/>
   </p:sldLayoutIdLst>
 </p:sldMaster>
 </file>
@@ -4874,14 +2873,14 @@
       </p:grpSpPr>
       <p:sp>
         <p:nvSpPr>
-          <p:cNvPr id="124" name="TextShape 1"/>
-          <p:cNvSpPr txBox="1"/>
+          <p:cNvPr id="73" name="CustomShape 1"/>
+          <p:cNvSpPr/>
           <p:nvPr/>
         </p:nvSpPr>
         <p:spPr>
           <a:xfrm>
             <a:off x="533520" y="1371600"/>
-            <a:ext cx="7851240" cy="1828440"/>
+            <a:ext cx="7850880" cy="1828080"/>
           </a:xfrm>
           <a:prstGeom prst="rect">
             <a:avLst/>
@@ -4910,14 +2909,14 @@
       </p:sp>
       <p:sp>
         <p:nvSpPr>
-          <p:cNvPr id="125" name="TextShape 2"/>
-          <p:cNvSpPr txBox="1"/>
+          <p:cNvPr id="74" name="CustomShape 2"/>
+          <p:cNvSpPr/>
           <p:nvPr/>
         </p:nvSpPr>
         <p:spPr>
           <a:xfrm>
             <a:off x="539640" y="3213000"/>
-            <a:ext cx="7854480" cy="1752120"/>
+            <a:ext cx="7854120" cy="1751760"/>
           </a:xfrm>
           <a:prstGeom prst="rect">
             <a:avLst/>
@@ -4934,7 +2933,7 @@
             <a:r>
               <a:rPr lang="en-US" sz="2600">
                 <a:solidFill>
-                  <a:srgbClr val="ffffff"/>
+                  <a:srgbClr val="000000"/>
                 </a:solidFill>
                 <a:latin typeface="Constantia"/>
               </a:rPr>
@@ -4951,7 +2950,7 @@
             <a:r>
               <a:rPr lang="en-US" sz="2600">
                 <a:solidFill>
-                  <a:srgbClr val="ffffff"/>
+                  <a:srgbClr val="000000"/>
                 </a:solidFill>
                 <a:latin typeface="Constantia"/>
               </a:rPr>
@@ -4963,6 +2962,33 @@
       </p:sp>
     </p:spTree>
   </p:cSld>
+  <p:timing>
+    <p:tnLst>
+      <p:par>
+        <p:cTn dur="indefinite" id="1" nodeType="tmRoot" restart="never">
+          <p:childTnLst>
+            <p:seq>
+              <p:cTn id="2" nodeType="mainSeq"/>
+              <p:prevCondLst>
+                <p:cond delay="0" evt="onPrev">
+                  <p:tgtEl>
+                    <p:sldTgt/>
+                  </p:tgtEl>
+                </p:cond>
+              </p:prevCondLst>
+              <p:nextCondLst>
+                <p:cond delay="0" evt="onNext">
+                  <p:tgtEl>
+                    <p:sldTgt/>
+                  </p:tgtEl>
+                </p:cond>
+              </p:nextCondLst>
+            </p:seq>
+          </p:childTnLst>
+        </p:cTn>
+      </p:par>
+    </p:tnLst>
+  </p:timing>
 </p:sld>
 </file>
 
@@ -4985,14 +3011,14 @@
       </p:grpSpPr>
       <p:sp>
         <p:nvSpPr>
-          <p:cNvPr id="142" name="TextShape 1"/>
-          <p:cNvSpPr txBox="1"/>
+          <p:cNvPr id="91" name="CustomShape 1"/>
+          <p:cNvSpPr/>
           <p:nvPr/>
         </p:nvSpPr>
         <p:spPr>
           <a:xfrm>
             <a:off x="457200" y="704160"/>
-            <a:ext cx="8229240" cy="636480"/>
+            <a:ext cx="8228880" cy="636120"/>
           </a:xfrm>
           <a:prstGeom prst="rect">
             <a:avLst/>
@@ -5021,14 +3047,14 @@
       </p:sp>
       <p:sp>
         <p:nvSpPr>
-          <p:cNvPr id="143" name="TextShape 2"/>
-          <p:cNvSpPr txBox="1"/>
+          <p:cNvPr id="92" name="CustomShape 2"/>
+          <p:cNvSpPr/>
           <p:nvPr/>
         </p:nvSpPr>
         <p:spPr>
           <a:xfrm>
             <a:off x="457200" y="1556640"/>
-            <a:ext cx="8229240" cy="4767480"/>
+            <a:ext cx="8228880" cy="4767120"/>
           </a:xfrm>
           <a:prstGeom prst="rect">
             <a:avLst/>
@@ -5054,6 +3080,11 @@
             <a:endParaRPr/>
           </a:p>
           <a:p>
+            <a:pPr>
+              <a:lnSpc>
+                <a:spcPct val="100000"/>
+              </a:lnSpc>
+            </a:pPr>
             <a:r>
               <a:rPr lang="en-US" sz="2400">
                 <a:solidFill>
@@ -5066,6 +3097,11 @@
             <a:endParaRPr/>
           </a:p>
           <a:p>
+            <a:pPr>
+              <a:lnSpc>
+                <a:spcPct val="100000"/>
+              </a:lnSpc>
+            </a:pPr>
             <a:r>
               <a:rPr b="1" lang="en-US" sz="2400">
                 <a:solidFill>
@@ -5078,6 +3114,11 @@
             <a:endParaRPr/>
           </a:p>
           <a:p>
+            <a:pPr>
+              <a:lnSpc>
+                <a:spcPct val="100000"/>
+              </a:lnSpc>
+            </a:pPr>
             <a:r>
               <a:rPr lang="en-US" sz="2400">
                 <a:solidFill>
@@ -5107,6 +3148,11 @@
             <a:endParaRPr/>
           </a:p>
           <a:p>
+            <a:pPr>
+              <a:lnSpc>
+                <a:spcPct val="100000"/>
+              </a:lnSpc>
+            </a:pPr>
             <a:r>
               <a:rPr lang="en-US" sz="2400">
                 <a:solidFill>
@@ -5119,6 +3165,11 @@
             <a:endParaRPr/>
           </a:p>
           <a:p>
+            <a:pPr>
+              <a:lnSpc>
+                <a:spcPct val="100000"/>
+              </a:lnSpc>
+            </a:pPr>
             <a:r>
               <a:rPr b="1" lang="en-US" sz="2400">
                 <a:solidFill>
@@ -5131,6 +3182,11 @@
             <a:endParaRPr/>
           </a:p>
           <a:p>
+            <a:pPr>
+              <a:lnSpc>
+                <a:spcPct val="100000"/>
+              </a:lnSpc>
+            </a:pPr>
             <a:r>
               <a:rPr lang="en-US" sz="2400">
                 <a:solidFill>
@@ -5149,38 +3205,38 @@
   <p:timing>
     <p:tnLst>
       <p:par>
-        <p:cTn dur="indefinite" id="97" nodeType="tmRoot" restart="never">
+        <p:cTn dur="indefinite" id="99" nodeType="tmRoot" restart="never">
           <p:childTnLst>
             <p:seq>
-              <p:cTn dur="indefinite" id="98" nodeType="mainSeq">
+              <p:cTn dur="indefinite" id="100" nodeType="mainSeq">
                 <p:childTnLst>
                   <p:par>
-                    <p:cTn fill="hold" id="99">
+                    <p:cTn fill="hold" id="101">
                       <p:stCondLst>
                         <p:cond delay="indefinite"/>
                       </p:stCondLst>
                       <p:childTnLst>
                         <p:par>
-                          <p:cTn fill="hold" id="100">
+                          <p:cTn fill="hold" id="102">
                             <p:stCondLst>
                               <p:cond delay="0"/>
                             </p:stCondLst>
                             <p:childTnLst>
                               <p:par>
-                                <p:cTn fill="hold" id="101" nodeType="clickEffect" presetClass="entr" presetID="1">
+                                <p:cTn fill="hold" id="103" nodeType="clickEffect" presetClass="entr" presetID="1">
                                   <p:stCondLst>
                                     <p:cond delay="0"/>
                                   </p:stCondLst>
                                   <p:childTnLst>
                                     <p:set>
                                       <p:cBhvr>
-                                        <p:cTn dur="1" fill="hold" id="102">
+                                        <p:cTn dur="1" fill="hold" id="104">
                                           <p:stCondLst>
                                             <p:cond delay="0"/>
                                           </p:stCondLst>
                                         </p:cTn>
                                         <p:tgtEl>
-                                          <p:spTgt spid="143">
+                                          <p:spTgt spid="92">
                                             <p:txEl>
                                               <p:pRg end="6" st="0"/>
                                             </p:txEl>
@@ -5204,277 +3260,32 @@
                     </p:cTn>
                   </p:par>
                   <p:par>
-                    <p:cTn fill="hold" id="103">
+                    <p:cTn fill="hold" id="105">
                       <p:stCondLst>
                         <p:cond delay="indefinite"/>
                       </p:stCondLst>
                       <p:childTnLst>
                         <p:par>
-                          <p:cTn fill="hold" id="104">
+                          <p:cTn fill="hold" id="106">
                             <p:stCondLst>
                               <p:cond delay="0"/>
                             </p:stCondLst>
                             <p:childTnLst>
                               <p:par>
-                                <p:cTn fill="hold" id="105" nodeType="clickEffect" presetClass="entr" presetID="1">
+                                <p:cTn fill="hold" id="107" nodeType="clickEffect" presetClass="entr" presetID="1">
                                   <p:stCondLst>
                                     <p:cond delay="0"/>
                                   </p:stCondLst>
                                   <p:childTnLst>
                                     <p:set>
                                       <p:cBhvr>
-                                        <p:cTn dur="1" fill="hold" id="106">
+                                        <p:cTn dur="1" fill="hold" id="108">
                                           <p:stCondLst>
                                             <p:cond delay="0"/>
                                           </p:stCondLst>
                                         </p:cTn>
                                         <p:tgtEl>
-                                          <p:spTgt spid="143">
-                                            <p:txEl>
-                                              <p:pRg end="120" st="6"/>
-                                            </p:txEl>
-                                          </p:spTgt>
-                                        </p:tgtEl>
-                                        <p:attrNameLst>
-                                          <p:attrName>style.visibility</p:attrName>
-                                        </p:attrNameLst>
-                                      </p:cBhvr>
-                                      <p:to>
-                                        <p:strVal val="visible"/>
-                                      </p:to>
-                                    </p:set>
-                                  </p:childTnLst>
-                                </p:cTn>
-                              </p:par>
-                            </p:childTnLst>
-                          </p:cTn>
-                        </p:par>
-                      </p:childTnLst>
-                    </p:cTn>
-                  </p:par>
-                  <p:par>
-                    <p:cTn fill="hold" id="107">
-                      <p:stCondLst>
-                        <p:cond delay="indefinite"/>
-                      </p:stCondLst>
-                      <p:childTnLst>
-                        <p:par>
-                          <p:cTn fill="hold" id="108">
-                            <p:stCondLst>
-                              <p:cond delay="0"/>
-                            </p:stCondLst>
-                            <p:childTnLst>
-                              <p:par>
-                                <p:cTn fill="hold" id="109" nodeType="clickEffect" presetClass="entr" presetID="1">
-                                  <p:stCondLst>
-                                    <p:cond delay="0"/>
-                                  </p:stCondLst>
-                                  <p:childTnLst>
-                                    <p:set>
-                                      <p:cBhvr>
-                                        <p:cTn dur="1" fill="hold" id="110">
-                                          <p:stCondLst>
-                                            <p:cond delay="0"/>
-                                          </p:stCondLst>
-                                        </p:cTn>
-                                        <p:tgtEl>
-                                          <p:spTgt spid="143">
-                                            <p:txEl>
-                                              <p:pRg end="125" st="120"/>
-                                            </p:txEl>
-                                          </p:spTgt>
-                                        </p:tgtEl>
-                                        <p:attrNameLst>
-                                          <p:attrName>style.visibility</p:attrName>
-                                        </p:attrNameLst>
-                                      </p:cBhvr>
-                                      <p:to>
-                                        <p:strVal val="visible"/>
-                                      </p:to>
-                                    </p:set>
-                                  </p:childTnLst>
-                                </p:cTn>
-                              </p:par>
-                            </p:childTnLst>
-                          </p:cTn>
-                        </p:par>
-                      </p:childTnLst>
-                    </p:cTn>
-                  </p:par>
-                  <p:par>
-                    <p:cTn fill="hold" id="111">
-                      <p:stCondLst>
-                        <p:cond delay="indefinite"/>
-                      </p:stCondLst>
-                      <p:childTnLst>
-                        <p:par>
-                          <p:cTn fill="hold" id="112">
-                            <p:stCondLst>
-                              <p:cond delay="0"/>
-                            </p:stCondLst>
-                            <p:childTnLst>
-                              <p:par>
-                                <p:cTn fill="hold" id="113" nodeType="clickEffect" presetClass="entr" presetID="1">
-                                  <p:stCondLst>
-                                    <p:cond delay="0"/>
-                                  </p:stCondLst>
-                                  <p:childTnLst>
-                                    <p:set>
-                                      <p:cBhvr>
-                                        <p:cTn dur="1" fill="hold" id="114">
-                                          <p:stCondLst>
-                                            <p:cond delay="0"/>
-                                          </p:stCondLst>
-                                        </p:cTn>
-                                        <p:tgtEl>
-                                          <p:spTgt spid="143">
-                                            <p:txEl>
-                                              <p:pRg end="241" st="125"/>
-                                            </p:txEl>
-                                          </p:spTgt>
-                                        </p:tgtEl>
-                                        <p:attrNameLst>
-                                          <p:attrName>style.visibility</p:attrName>
-                                        </p:attrNameLst>
-                                      </p:cBhvr>
-                                      <p:to>
-                                        <p:strVal val="visible"/>
-                                      </p:to>
-                                    </p:set>
-                                  </p:childTnLst>
-                                </p:cTn>
-                              </p:par>
-                            </p:childTnLst>
-                          </p:cTn>
-                        </p:par>
-                      </p:childTnLst>
-                    </p:cTn>
-                  </p:par>
-                  <p:par>
-                    <p:cTn fill="hold" id="115">
-                      <p:stCondLst>
-                        <p:cond delay="indefinite"/>
-                      </p:stCondLst>
-                      <p:childTnLst>
-                        <p:par>
-                          <p:cTn fill="hold" id="116">
-                            <p:stCondLst>
-                              <p:cond delay="0"/>
-                            </p:stCondLst>
-                            <p:childTnLst>
-                              <p:par>
-                                <p:cTn fill="hold" id="117" nodeType="clickEffect" presetClass="entr" presetID="1">
-                                  <p:stCondLst>
-                                    <p:cond delay="0"/>
-                                  </p:stCondLst>
-                                  <p:childTnLst>
-                                    <p:set>
-                                      <p:cBhvr>
-                                        <p:cTn dur="1" fill="hold" id="118">
-                                          <p:stCondLst>
-                                            <p:cond delay="0"/>
-                                          </p:stCondLst>
-                                        </p:cTn>
-                                        <p:tgtEl>
-                                          <p:spTgt spid="143">
-                                            <p:txEl>
-                                              <p:pRg end="273" st="241"/>
-                                            </p:txEl>
-                                          </p:spTgt>
-                                        </p:tgtEl>
-                                        <p:attrNameLst>
-                                          <p:attrName>style.visibility</p:attrName>
-                                        </p:attrNameLst>
-                                      </p:cBhvr>
-                                      <p:to>
-                                        <p:strVal val="visible"/>
-                                      </p:to>
-                                    </p:set>
-                                  </p:childTnLst>
-                                </p:cTn>
-                              </p:par>
-                            </p:childTnLst>
-                          </p:cTn>
-                        </p:par>
-                      </p:childTnLst>
-                    </p:cTn>
-                  </p:par>
-                  <p:par>
-                    <p:cTn fill="hold" id="119">
-                      <p:stCondLst>
-                        <p:cond delay="indefinite"/>
-                      </p:stCondLst>
-                      <p:childTnLst>
-                        <p:par>
-                          <p:cTn fill="hold" id="120">
-                            <p:stCondLst>
-                              <p:cond delay="0"/>
-                            </p:stCondLst>
-                            <p:childTnLst>
-                              <p:par>
-                                <p:cTn fill="hold" id="121" nodeType="clickEffect" presetClass="entr" presetID="1">
-                                  <p:stCondLst>
-                                    <p:cond delay="0"/>
-                                  </p:stCondLst>
-                                  <p:childTnLst>
-                                    <p:set>
-                                      <p:cBhvr>
-                                        <p:cTn dur="1" fill="hold" id="122">
-                                          <p:stCondLst>
-                                            <p:cond delay="0"/>
-                                          </p:stCondLst>
-                                        </p:cTn>
-                                        <p:tgtEl>
-                                          <p:spTgt spid="143">
-                                            <p:txEl>
-                                              <p:pRg end="385" st="273"/>
-                                            </p:txEl>
-                                          </p:spTgt>
-                                        </p:tgtEl>
-                                        <p:attrNameLst>
-                                          <p:attrName>style.visibility</p:attrName>
-                                        </p:attrNameLst>
-                                      </p:cBhvr>
-                                      <p:to>
-                                        <p:strVal val="visible"/>
-                                      </p:to>
-                                    </p:set>
-                                  </p:childTnLst>
-                                </p:cTn>
-                              </p:par>
-                            </p:childTnLst>
-                          </p:cTn>
-                        </p:par>
-                      </p:childTnLst>
-                    </p:cTn>
-                  </p:par>
-                  <p:par>
-                    <p:cTn fill="hold" id="123">
-                      <p:stCondLst>
-                        <p:cond delay="indefinite"/>
-                      </p:stCondLst>
-                      <p:childTnLst>
-                        <p:par>
-                          <p:cTn fill="hold" id="124">
-                            <p:stCondLst>
-                              <p:cond delay="0"/>
-                            </p:stCondLst>
-                            <p:childTnLst>
-                              <p:par>
-                                <p:cTn fill="hold" id="125" nodeType="clickEffect" presetClass="entr" presetID="1">
-                                  <p:stCondLst>
-                                    <p:cond delay="0"/>
-                                  </p:stCondLst>
-                                  <p:childTnLst>
-                                    <p:set>
-                                      <p:cBhvr>
-                                        <p:cTn dur="1" fill="hold" id="126">
-                                          <p:stCondLst>
-                                            <p:cond delay="0"/>
-                                          </p:stCondLst>
-                                        </p:cTn>
-                                        <p:tgtEl>
-                                          <p:spTgt spid="143">
+                                          <p:spTgt spid="92">
                                             <p:txEl>
                                               <p:pRg end="390" st="385"/>
                                             </p:txEl>
@@ -5498,34 +3309,279 @@
                     </p:cTn>
                   </p:par>
                   <p:par>
-                    <p:cTn fill="hold" id="127">
+                    <p:cTn fill="hold" id="109">
                       <p:stCondLst>
                         <p:cond delay="indefinite"/>
                       </p:stCondLst>
                       <p:childTnLst>
                         <p:par>
-                          <p:cTn fill="hold" id="128">
+                          <p:cTn fill="hold" id="110">
                             <p:stCondLst>
                               <p:cond delay="0"/>
                             </p:stCondLst>
                             <p:childTnLst>
                               <p:par>
-                                <p:cTn fill="hold" id="129" nodeType="clickEffect" presetClass="entr" presetID="1">
+                                <p:cTn fill="hold" id="111" nodeType="clickEffect" presetClass="entr" presetID="1">
                                   <p:stCondLst>
                                     <p:cond delay="0"/>
                                   </p:stCondLst>
                                   <p:childTnLst>
                                     <p:set>
                                       <p:cBhvr>
-                                        <p:cTn dur="1" fill="hold" id="130">
+                                        <p:cTn dur="1" fill="hold" id="112">
                                           <p:stCondLst>
                                             <p:cond delay="0"/>
                                           </p:stCondLst>
                                         </p:cTn>
                                         <p:tgtEl>
-                                          <p:spTgt spid="143">
+                                          <p:spTgt spid="92">
                                             <p:txEl>
-                                              <p:pRg end="484" st="390"/>
+                                              <p:pRg end="484" st="484"/>
+                                            </p:txEl>
+                                          </p:spTgt>
+                                        </p:tgtEl>
+                                        <p:attrNameLst>
+                                          <p:attrName>style.visibility</p:attrName>
+                                        </p:attrNameLst>
+                                      </p:cBhvr>
+                                      <p:to>
+                                        <p:strVal val="visible"/>
+                                      </p:to>
+                                    </p:set>
+                                  </p:childTnLst>
+                                </p:cTn>
+                              </p:par>
+                            </p:childTnLst>
+                          </p:cTn>
+                        </p:par>
+                      </p:childTnLst>
+                    </p:cTn>
+                  </p:par>
+                  <p:par>
+                    <p:cTn fill="hold" id="113">
+                      <p:stCondLst>
+                        <p:cond delay="indefinite"/>
+                      </p:stCondLst>
+                      <p:childTnLst>
+                        <p:par>
+                          <p:cTn fill="hold" id="114">
+                            <p:stCondLst>
+                              <p:cond delay="0"/>
+                            </p:stCondLst>
+                            <p:childTnLst>
+                              <p:par>
+                                <p:cTn fill="hold" id="115" nodeType="clickEffect" presetClass="entr" presetID="1">
+                                  <p:stCondLst>
+                                    <p:cond delay="0"/>
+                                  </p:stCondLst>
+                                  <p:childTnLst>
+                                    <p:set>
+                                      <p:cBhvr>
+                                        <p:cTn dur="1" fill="hold" id="116">
+                                          <p:stCondLst>
+                                            <p:cond delay="0"/>
+                                          </p:stCondLst>
+                                        </p:cTn>
+                                        <p:tgtEl>
+                                          <p:spTgt spid="92">
+                                            <p:txEl>
+                                              <p:pRg end="484" st="484"/>
+                                            </p:txEl>
+                                          </p:spTgt>
+                                        </p:tgtEl>
+                                        <p:attrNameLst>
+                                          <p:attrName>style.visibility</p:attrName>
+                                        </p:attrNameLst>
+                                      </p:cBhvr>
+                                      <p:to>
+                                        <p:strVal val="visible"/>
+                                      </p:to>
+                                    </p:set>
+                                  </p:childTnLst>
+                                </p:cTn>
+                              </p:par>
+                            </p:childTnLst>
+                          </p:cTn>
+                        </p:par>
+                      </p:childTnLst>
+                    </p:cTn>
+                  </p:par>
+                  <p:par>
+                    <p:cTn fill="hold" id="117">
+                      <p:stCondLst>
+                        <p:cond delay="indefinite"/>
+                      </p:stCondLst>
+                      <p:childTnLst>
+                        <p:par>
+                          <p:cTn fill="hold" id="118">
+                            <p:stCondLst>
+                              <p:cond delay="0"/>
+                            </p:stCondLst>
+                            <p:childTnLst>
+                              <p:par>
+                                <p:cTn fill="hold" id="119" nodeType="clickEffect" presetClass="entr" presetID="1">
+                                  <p:stCondLst>
+                                    <p:cond delay="0"/>
+                                  </p:stCondLst>
+                                  <p:childTnLst>
+                                    <p:set>
+                                      <p:cBhvr>
+                                        <p:cTn dur="1" fill="hold" id="120">
+                                          <p:stCondLst>
+                                            <p:cond delay="0"/>
+                                          </p:stCondLst>
+                                        </p:cTn>
+                                        <p:tgtEl>
+                                          <p:spTgt spid="92">
+                                            <p:txEl>
+                                              <p:pRg end="484" st="484"/>
+                                            </p:txEl>
+                                          </p:spTgt>
+                                        </p:tgtEl>
+                                        <p:attrNameLst>
+                                          <p:attrName>style.visibility</p:attrName>
+                                        </p:attrNameLst>
+                                      </p:cBhvr>
+                                      <p:to>
+                                        <p:strVal val="visible"/>
+                                      </p:to>
+                                    </p:set>
+                                  </p:childTnLst>
+                                </p:cTn>
+                              </p:par>
+                            </p:childTnLst>
+                          </p:cTn>
+                        </p:par>
+                      </p:childTnLst>
+                    </p:cTn>
+                  </p:par>
+                  <p:par>
+                    <p:cTn fill="hold" id="121">
+                      <p:stCondLst>
+                        <p:cond delay="indefinite"/>
+                      </p:stCondLst>
+                      <p:childTnLst>
+                        <p:par>
+                          <p:cTn fill="hold" id="122">
+                            <p:stCondLst>
+                              <p:cond delay="0"/>
+                            </p:stCondLst>
+                            <p:childTnLst>
+                              <p:par>
+                                <p:cTn fill="hold" id="123" nodeType="clickEffect" presetClass="entr" presetID="1">
+                                  <p:stCondLst>
+                                    <p:cond delay="0"/>
+                                  </p:stCondLst>
+                                  <p:childTnLst>
+                                    <p:set>
+                                      <p:cBhvr>
+                                        <p:cTn dur="1" fill="hold" id="124">
+                                          <p:stCondLst>
+                                            <p:cond delay="0"/>
+                                          </p:stCondLst>
+                                        </p:cTn>
+                                        <p:tgtEl>
+                                          <p:spTgt spid="92">
+                                            <p:txEl>
+                                              <p:pRg end="484" st="484"/>
+                                            </p:txEl>
+                                          </p:spTgt>
+                                        </p:tgtEl>
+                                        <p:attrNameLst>
+                                          <p:attrName>style.visibility</p:attrName>
+                                        </p:attrNameLst>
+                                      </p:cBhvr>
+                                      <p:to>
+                                        <p:strVal val="visible"/>
+                                      </p:to>
+                                    </p:set>
+                                  </p:childTnLst>
+                                </p:cTn>
+                              </p:par>
+                            </p:childTnLst>
+                          </p:cTn>
+                        </p:par>
+                      </p:childTnLst>
+                    </p:cTn>
+                  </p:par>
+                  <p:par>
+                    <p:cTn fill="hold" id="125">
+                      <p:stCondLst>
+                        <p:cond delay="indefinite"/>
+                      </p:stCondLst>
+                      <p:childTnLst>
+                        <p:par>
+                          <p:cTn fill="hold" id="126">
+                            <p:stCondLst>
+                              <p:cond delay="0"/>
+                            </p:stCondLst>
+                            <p:childTnLst>
+                              <p:par>
+                                <p:cTn fill="hold" id="127" nodeType="clickEffect" presetClass="entr" presetID="1">
+                                  <p:stCondLst>
+                                    <p:cond delay="0"/>
+                                  </p:stCondLst>
+                                  <p:childTnLst>
+                                    <p:set>
+                                      <p:cBhvr>
+                                        <p:cTn dur="1" fill="hold" id="128">
+                                          <p:stCondLst>
+                                            <p:cond delay="0"/>
+                                          </p:stCondLst>
+                                        </p:cTn>
+                                        <p:tgtEl>
+                                          <p:spTgt spid="92">
+                                            <p:txEl>
+                                              <p:pRg end="484" st="484"/>
+                                            </p:txEl>
+                                          </p:spTgt>
+                                        </p:tgtEl>
+                                        <p:attrNameLst>
+                                          <p:attrName>style.visibility</p:attrName>
+                                        </p:attrNameLst>
+                                      </p:cBhvr>
+                                      <p:to>
+                                        <p:strVal val="visible"/>
+                                      </p:to>
+                                    </p:set>
+                                  </p:childTnLst>
+                                </p:cTn>
+                              </p:par>
+                            </p:childTnLst>
+                          </p:cTn>
+                        </p:par>
+                      </p:childTnLst>
+                    </p:cTn>
+                  </p:par>
+                  <p:par>
+                    <p:cTn fill="hold" id="129">
+                      <p:stCondLst>
+                        <p:cond delay="indefinite"/>
+                      </p:stCondLst>
+                      <p:childTnLst>
+                        <p:par>
+                          <p:cTn fill="hold" id="130">
+                            <p:stCondLst>
+                              <p:cond delay="0"/>
+                            </p:stCondLst>
+                            <p:childTnLst>
+                              <p:par>
+                                <p:cTn fill="hold" id="131" nodeType="clickEffect" presetClass="entr" presetID="1">
+                                  <p:stCondLst>
+                                    <p:cond delay="0"/>
+                                  </p:stCondLst>
+                                  <p:childTnLst>
+                                    <p:set>
+                                      <p:cBhvr>
+                                        <p:cTn dur="1" fill="hold" id="132">
+                                          <p:stCondLst>
+                                            <p:cond delay="0"/>
+                                          </p:stCondLst>
+                                        </p:cTn>
+                                        <p:tgtEl>
+                                          <p:spTgt spid="92">
+                                            <p:txEl>
+                                              <p:pRg end="484" st="484"/>
                                             </p:txEl>
                                           </p:spTgt>
                                         </p:tgtEl>
@@ -5590,14 +3646,14 @@
       </p:grpSpPr>
       <p:sp>
         <p:nvSpPr>
-          <p:cNvPr id="144" name="TextShape 1"/>
-          <p:cNvSpPr txBox="1"/>
+          <p:cNvPr id="93" name="CustomShape 1"/>
+          <p:cNvSpPr/>
           <p:nvPr/>
         </p:nvSpPr>
         <p:spPr>
           <a:xfrm>
             <a:off x="457200" y="704160"/>
-            <a:ext cx="8229240" cy="780480"/>
+            <a:ext cx="8228880" cy="780120"/>
           </a:xfrm>
           <a:prstGeom prst="rect">
             <a:avLst/>
@@ -5626,14 +3682,14 @@
       </p:sp>
       <p:sp>
         <p:nvSpPr>
-          <p:cNvPr id="145" name="TextShape 2"/>
-          <p:cNvSpPr txBox="1"/>
+          <p:cNvPr id="94" name="CustomShape 2"/>
+          <p:cNvSpPr/>
           <p:nvPr/>
         </p:nvSpPr>
         <p:spPr>
           <a:xfrm>
             <a:off x="457200" y="1628640"/>
-            <a:ext cx="8229240" cy="4695480"/>
+            <a:ext cx="8228880" cy="4695120"/>
           </a:xfrm>
           <a:prstGeom prst="rect">
             <a:avLst/>
@@ -5746,38 +3802,38 @@
   <p:timing>
     <p:tnLst>
       <p:par>
-        <p:cTn dur="indefinite" id="131" nodeType="tmRoot" restart="never">
+        <p:cTn dur="indefinite" id="133" nodeType="tmRoot" restart="never">
           <p:childTnLst>
             <p:seq>
-              <p:cTn dur="indefinite" id="132" nodeType="mainSeq">
+              <p:cTn dur="indefinite" id="134" nodeType="mainSeq">
                 <p:childTnLst>
                   <p:par>
-                    <p:cTn fill="hold" id="133">
+                    <p:cTn fill="hold" id="135">
                       <p:stCondLst>
                         <p:cond delay="indefinite"/>
                       </p:stCondLst>
                       <p:childTnLst>
                         <p:par>
-                          <p:cTn fill="hold" id="134">
+                          <p:cTn fill="hold" id="136">
                             <p:stCondLst>
                               <p:cond delay="0"/>
                             </p:stCondLst>
                             <p:childTnLst>
                               <p:par>
-                                <p:cTn fill="hold" id="135" nodeType="clickEffect" presetClass="entr" presetID="1">
+                                <p:cTn fill="hold" id="137" nodeType="clickEffect" presetClass="entr" presetID="1">
                                   <p:stCondLst>
                                     <p:cond delay="0"/>
                                   </p:stCondLst>
                                   <p:childTnLst>
                                     <p:set>
                                       <p:cBhvr>
-                                        <p:cTn dur="1" fill="hold" id="136">
+                                        <p:cTn dur="1" fill="hold" id="138">
                                           <p:stCondLst>
                                             <p:cond delay="0"/>
                                           </p:stCondLst>
                                         </p:cTn>
                                         <p:tgtEl>
-                                          <p:spTgt spid="145">
+                                          <p:spTgt spid="94">
                                             <p:txEl>
                                               <p:pRg end="116" st="0"/>
                                             </p:txEl>
@@ -5801,34 +3857,34 @@
                     </p:cTn>
                   </p:par>
                   <p:par>
-                    <p:cTn fill="hold" id="137">
+                    <p:cTn fill="hold" id="139">
                       <p:stCondLst>
                         <p:cond delay="indefinite"/>
                       </p:stCondLst>
                       <p:childTnLst>
                         <p:par>
-                          <p:cTn fill="hold" id="138">
+                          <p:cTn fill="hold" id="140">
                             <p:stCondLst>
                               <p:cond delay="0"/>
                             </p:stCondLst>
                             <p:childTnLst>
                               <p:par>
-                                <p:cTn fill="hold" id="139" nodeType="clickEffect" presetClass="entr" presetID="1">
+                                <p:cTn fill="hold" id="141" nodeType="clickEffect" presetClass="entr" presetID="1">
                                   <p:stCondLst>
                                     <p:cond delay="0"/>
                                   </p:stCondLst>
                                   <p:childTnLst>
                                     <p:set>
                                       <p:cBhvr>
-                                        <p:cTn dur="1" fill="hold" id="140">
+                                        <p:cTn dur="1" fill="hold" id="142">
                                           <p:stCondLst>
                                             <p:cond delay="0"/>
                                           </p:stCondLst>
                                         </p:cTn>
                                         <p:tgtEl>
-                                          <p:spTgt spid="145">
+                                          <p:spTgt spid="94">
                                             <p:txEl>
-                                              <p:pRg end="281" st="116"/>
+                                              <p:pRg end="579" st="579"/>
                                             </p:txEl>
                                           </p:spTgt>
                                         </p:tgtEl>
@@ -5850,34 +3906,34 @@
                     </p:cTn>
                   </p:par>
                   <p:par>
-                    <p:cTn fill="hold" id="141">
+                    <p:cTn fill="hold" id="143">
                       <p:stCondLst>
                         <p:cond delay="indefinite"/>
                       </p:stCondLst>
                       <p:childTnLst>
                         <p:par>
-                          <p:cTn fill="hold" id="142">
+                          <p:cTn fill="hold" id="144">
                             <p:stCondLst>
                               <p:cond delay="0"/>
                             </p:stCondLst>
                             <p:childTnLst>
                               <p:par>
-                                <p:cTn fill="hold" id="143" nodeType="clickEffect" presetClass="entr" presetID="1">
+                                <p:cTn fill="hold" id="145" nodeType="clickEffect" presetClass="entr" presetID="1">
                                   <p:stCondLst>
                                     <p:cond delay="0"/>
                                   </p:stCondLst>
                                   <p:childTnLst>
                                     <p:set>
                                       <p:cBhvr>
-                                        <p:cTn dur="1" fill="hold" id="144">
+                                        <p:cTn dur="1" fill="hold" id="146">
                                           <p:stCondLst>
                                             <p:cond delay="0"/>
                                           </p:stCondLst>
                                         </p:cTn>
                                         <p:tgtEl>
-                                          <p:spTgt spid="145">
+                                          <p:spTgt spid="94">
                                             <p:txEl>
-                                              <p:pRg end="416" st="281"/>
+                                              <p:pRg end="579" st="579"/>
                                             </p:txEl>
                                           </p:spTgt>
                                         </p:tgtEl>
@@ -5899,34 +3955,34 @@
                     </p:cTn>
                   </p:par>
                   <p:par>
-                    <p:cTn fill="hold" id="145">
+                    <p:cTn fill="hold" id="147">
                       <p:stCondLst>
                         <p:cond delay="indefinite"/>
                       </p:stCondLst>
                       <p:childTnLst>
                         <p:par>
-                          <p:cTn fill="hold" id="146">
+                          <p:cTn fill="hold" id="148">
                             <p:stCondLst>
                               <p:cond delay="0"/>
                             </p:stCondLst>
                             <p:childTnLst>
                               <p:par>
-                                <p:cTn fill="hold" id="147" nodeType="clickEffect" presetClass="entr" presetID="1">
+                                <p:cTn fill="hold" id="149" nodeType="clickEffect" presetClass="entr" presetID="1">
                                   <p:stCondLst>
                                     <p:cond delay="0"/>
                                   </p:stCondLst>
                                   <p:childTnLst>
                                     <p:set>
                                       <p:cBhvr>
-                                        <p:cTn dur="1" fill="hold" id="148">
+                                        <p:cTn dur="1" fill="hold" id="150">
                                           <p:stCondLst>
                                             <p:cond delay="0"/>
                                           </p:stCondLst>
                                         </p:cTn>
                                         <p:tgtEl>
-                                          <p:spTgt spid="145">
+                                          <p:spTgt spid="94">
                                             <p:txEl>
-                                              <p:pRg end="579" st="416"/>
+                                              <p:pRg end="579" st="579"/>
                                             </p:txEl>
                                           </p:spTgt>
                                         </p:tgtEl>
@@ -5991,14 +4047,14 @@
       </p:grpSpPr>
       <p:sp>
         <p:nvSpPr>
-          <p:cNvPr id="146" name="TextShape 1"/>
-          <p:cNvSpPr txBox="1"/>
+          <p:cNvPr id="95" name="CustomShape 1"/>
+          <p:cNvSpPr/>
           <p:nvPr/>
         </p:nvSpPr>
         <p:spPr>
           <a:xfrm>
             <a:off x="467640" y="476640"/>
-            <a:ext cx="8229240" cy="791640"/>
+            <a:ext cx="8228880" cy="791280"/>
           </a:xfrm>
           <a:prstGeom prst="rect">
             <a:avLst/>
@@ -6027,14 +4083,14 @@
       </p:sp>
       <p:sp>
         <p:nvSpPr>
-          <p:cNvPr id="147" name="TextShape 2"/>
-          <p:cNvSpPr txBox="1"/>
+          <p:cNvPr id="96" name="CustomShape 2"/>
+          <p:cNvSpPr/>
           <p:nvPr/>
         </p:nvSpPr>
         <p:spPr>
           <a:xfrm>
             <a:off x="457200" y="1340640"/>
-            <a:ext cx="8229240" cy="4983480"/>
+            <a:ext cx="8228880" cy="4983120"/>
           </a:xfrm>
           <a:prstGeom prst="rect">
             <a:avLst/>
@@ -6176,7 +4232,7 @@
               </a:lnSpc>
               <a:buSzPct val="25000"/>
               <a:buFont typeface="StarSymbol"/>
-              <a:buChar char=""/>
+              <a:buChar char=""/>
             </a:pPr>
             <a:r>
               <a:rPr lang="en-US" sz="2400">
@@ -6196,7 +4252,7 @@
               </a:lnSpc>
               <a:buSzPct val="25000"/>
               <a:buFont typeface="StarSymbol"/>
-              <a:buChar char=""/>
+              <a:buChar char=""/>
             </a:pPr>
             <a:r>
               <a:rPr lang="en-US" sz="2400">
@@ -6216,38 +4272,38 @@
   <p:timing>
     <p:tnLst>
       <p:par>
-        <p:cTn dur="indefinite" id="149" nodeType="tmRoot" restart="never">
+        <p:cTn dur="indefinite" id="151" nodeType="tmRoot" restart="never">
           <p:childTnLst>
             <p:seq>
-              <p:cTn dur="indefinite" id="150" nodeType="mainSeq">
+              <p:cTn dur="indefinite" id="152" nodeType="mainSeq">
                 <p:childTnLst>
                   <p:par>
-                    <p:cTn fill="hold" id="151">
+                    <p:cTn fill="hold" id="153">
                       <p:stCondLst>
                         <p:cond delay="indefinite"/>
                       </p:stCondLst>
                       <p:childTnLst>
                         <p:par>
-                          <p:cTn fill="hold" id="152">
+                          <p:cTn fill="hold" id="154">
                             <p:stCondLst>
                               <p:cond delay="0"/>
                             </p:stCondLst>
                             <p:childTnLst>
                               <p:par>
-                                <p:cTn fill="hold" id="153" nodeType="clickEffect" presetClass="entr" presetID="1">
+                                <p:cTn fill="hold" id="155" nodeType="clickEffect" presetClass="entr" presetID="1">
                                   <p:stCondLst>
                                     <p:cond delay="0"/>
                                   </p:stCondLst>
                                   <p:childTnLst>
                                     <p:set>
                                       <p:cBhvr>
-                                        <p:cTn dur="1" fill="hold" id="154">
+                                        <p:cTn dur="1" fill="hold" id="156">
                                           <p:stCondLst>
                                             <p:cond delay="0"/>
                                           </p:stCondLst>
                                         </p:cTn>
                                         <p:tgtEl>
-                                          <p:spTgt spid="147">
+                                          <p:spTgt spid="96">
                                             <p:txEl>
                                               <p:pRg end="75" st="0"/>
                                             </p:txEl>
@@ -6271,34 +4327,34 @@
                     </p:cTn>
                   </p:par>
                   <p:par>
-                    <p:cTn fill="hold" id="155">
+                    <p:cTn fill="hold" id="157">
                       <p:stCondLst>
                         <p:cond delay="indefinite"/>
                       </p:stCondLst>
                       <p:childTnLst>
                         <p:par>
-                          <p:cTn fill="hold" id="156">
+                          <p:cTn fill="hold" id="158">
                             <p:stCondLst>
                               <p:cond delay="0"/>
                             </p:stCondLst>
                             <p:childTnLst>
                               <p:par>
-                                <p:cTn fill="hold" id="157" nodeType="clickEffect" presetClass="entr" presetID="1">
+                                <p:cTn fill="hold" id="159" nodeType="clickEffect" presetClass="entr" presetID="1">
                                   <p:stCondLst>
                                     <p:cond delay="0"/>
                                   </p:stCondLst>
                                   <p:childTnLst>
                                     <p:set>
                                       <p:cBhvr>
-                                        <p:cTn dur="1" fill="hold" id="158">
+                                        <p:cTn dur="1" fill="hold" id="160">
                                           <p:stCondLst>
                                             <p:cond delay="0"/>
                                           </p:stCondLst>
                                         </p:cTn>
                                         <p:tgtEl>
-                                          <p:spTgt spid="147">
+                                          <p:spTgt spid="96">
                                             <p:txEl>
-                                              <p:pRg end="97" st="76"/>
+                                              <p:pRg end="487" st="487"/>
                                             </p:txEl>
                                           </p:spTgt>
                                         </p:tgtEl>
@@ -6320,34 +4376,34 @@
                     </p:cTn>
                   </p:par>
                   <p:par>
-                    <p:cTn fill="hold" id="159">
+                    <p:cTn fill="hold" id="161">
                       <p:stCondLst>
                         <p:cond delay="indefinite"/>
                       </p:stCondLst>
                       <p:childTnLst>
                         <p:par>
-                          <p:cTn fill="hold" id="160">
+                          <p:cTn fill="hold" id="162">
                             <p:stCondLst>
                               <p:cond delay="0"/>
                             </p:stCondLst>
                             <p:childTnLst>
                               <p:par>
-                                <p:cTn fill="hold" id="161" nodeType="clickEffect" presetClass="entr" presetID="1">
+                                <p:cTn fill="hold" id="163" nodeType="clickEffect" presetClass="entr" presetID="1">
                                   <p:stCondLst>
                                     <p:cond delay="0"/>
                                   </p:stCondLst>
                                   <p:childTnLst>
                                     <p:set>
                                       <p:cBhvr>
-                                        <p:cTn dur="1" fill="hold" id="162">
+                                        <p:cTn dur="1" fill="hold" id="164">
                                           <p:stCondLst>
                                             <p:cond delay="0"/>
                                           </p:stCondLst>
                                         </p:cTn>
                                         <p:tgtEl>
-                                          <p:spTgt spid="147">
+                                          <p:spTgt spid="96">
                                             <p:txEl>
-                                              <p:pRg end="163" st="97"/>
+                                              <p:pRg end="487" st="487"/>
                                             </p:txEl>
                                           </p:spTgt>
                                         </p:tgtEl>
@@ -6369,34 +4425,34 @@
                     </p:cTn>
                   </p:par>
                   <p:par>
-                    <p:cTn fill="hold" id="163">
+                    <p:cTn fill="hold" id="165">
                       <p:stCondLst>
                         <p:cond delay="indefinite"/>
                       </p:stCondLst>
                       <p:childTnLst>
                         <p:par>
-                          <p:cTn fill="hold" id="164">
+                          <p:cTn fill="hold" id="166">
                             <p:stCondLst>
                               <p:cond delay="0"/>
                             </p:stCondLst>
                             <p:childTnLst>
                               <p:par>
-                                <p:cTn fill="hold" id="165" nodeType="clickEffect" presetClass="entr" presetID="1">
+                                <p:cTn fill="hold" id="167" nodeType="clickEffect" presetClass="entr" presetID="1">
                                   <p:stCondLst>
                                     <p:cond delay="0"/>
                                   </p:stCondLst>
                                   <p:childTnLst>
                                     <p:set>
                                       <p:cBhvr>
-                                        <p:cTn dur="1" fill="hold" id="166">
+                                        <p:cTn dur="1" fill="hold" id="168">
                                           <p:stCondLst>
                                             <p:cond delay="0"/>
                                           </p:stCondLst>
                                         </p:cTn>
                                         <p:tgtEl>
-                                          <p:spTgt spid="147">
+                                          <p:spTgt spid="96">
                                             <p:txEl>
-                                              <p:pRg end="194" st="163"/>
+                                              <p:pRg end="487" st="487"/>
                                             </p:txEl>
                                           </p:spTgt>
                                         </p:tgtEl>
@@ -6418,34 +4474,34 @@
                     </p:cTn>
                   </p:par>
                   <p:par>
-                    <p:cTn fill="hold" id="167">
+                    <p:cTn fill="hold" id="169">
                       <p:stCondLst>
                         <p:cond delay="indefinite"/>
                       </p:stCondLst>
                       <p:childTnLst>
                         <p:par>
-                          <p:cTn fill="hold" id="168">
+                          <p:cTn fill="hold" id="170">
                             <p:stCondLst>
                               <p:cond delay="0"/>
                             </p:stCondLst>
                             <p:childTnLst>
                               <p:par>
-                                <p:cTn fill="hold" id="169" nodeType="clickEffect" presetClass="entr" presetID="1">
+                                <p:cTn fill="hold" id="171" nodeType="clickEffect" presetClass="entr" presetID="1">
                                   <p:stCondLst>
                                     <p:cond delay="0"/>
                                   </p:stCondLst>
                                   <p:childTnLst>
                                     <p:set>
                                       <p:cBhvr>
-                                        <p:cTn dur="1" fill="hold" id="170">
+                                        <p:cTn dur="1" fill="hold" id="172">
                                           <p:stCondLst>
                                             <p:cond delay="0"/>
                                           </p:stCondLst>
                                         </p:cTn>
                                         <p:tgtEl>
-                                          <p:spTgt spid="147">
+                                          <p:spTgt spid="96">
                                             <p:txEl>
-                                              <p:pRg end="274" st="194"/>
+                                              <p:pRg end="487" st="487"/>
                                             </p:txEl>
                                           </p:spTgt>
                                         </p:tgtEl>
@@ -6467,50 +4523,19 @@
                     </p:cTn>
                   </p:par>
                   <p:par>
-                    <p:cTn fill="hold" id="171">
+                    <p:cTn fill="hold" id="173">
                       <p:stCondLst>
                         <p:cond delay="indefinite"/>
                       </p:stCondLst>
                       <p:childTnLst>
                         <p:par>
-                          <p:cTn fill="hold" id="172">
+                          <p:cTn fill="hold" id="174">
                             <p:stCondLst>
                               <p:cond delay="0"/>
                             </p:stCondLst>
                             <p:childTnLst>
                               <p:par>
-                                <p:cTn fill="hold" id="173" nodeType="clickEffect" presetClass="entr" presetID="1">
-                                  <p:stCondLst>
-                                    <p:cond delay="0"/>
-                                  </p:stCondLst>
-                                  <p:childTnLst>
-                                    <p:set>
-                                      <p:cBhvr>
-                                        <p:cTn dur="1" fill="hold" id="174">
-                                          <p:stCondLst>
-                                            <p:cond delay="0"/>
-                                          </p:stCondLst>
-                                        </p:cTn>
-                                        <p:tgtEl>
-                                          <p:spTgt spid="147">
-                                            <p:txEl>
-                                              <p:pRg end="376" st="275"/>
-                                            </p:txEl>
-                                          </p:spTgt>
-                                        </p:tgtEl>
-                                        <p:attrNameLst>
-                                          <p:attrName>style.visibility</p:attrName>
-                                        </p:attrNameLst>
-                                      </p:cBhvr>
-                                      <p:to>
-                                        <p:strVal val="visible"/>
-                                      </p:to>
-                                    </p:set>
-                                  </p:childTnLst>
-                                </p:cTn>
-                              </p:par>
-                              <p:par>
-                                <p:cTn fill="hold" id="175" nodeType="withEffect" presetClass="entr" presetID="1">
+                                <p:cTn fill="hold" id="175" nodeType="clickEffect" presetClass="entr" presetID="1">
                                   <p:stCondLst>
                                     <p:cond delay="0"/>
                                   </p:stCondLst>
@@ -6523,9 +4548,9 @@
                                           </p:stCondLst>
                                         </p:cTn>
                                         <p:tgtEl>
-                                          <p:spTgt spid="147">
+                                          <p:spTgt spid="96">
                                             <p:txEl>
-                                              <p:pRg end="438" st="376"/>
+                                              <p:pRg end="487" st="487"/>
                                             </p:txEl>
                                           </p:spTgt>
                                         </p:tgtEl>
@@ -6554,9 +4579,40 @@
                                           </p:stCondLst>
                                         </p:cTn>
                                         <p:tgtEl>
-                                          <p:spTgt spid="147">
+                                          <p:spTgt spid="96">
                                             <p:txEl>
-                                              <p:pRg end="487" st="438"/>
+                                              <p:pRg end="487" st="487"/>
+                                            </p:txEl>
+                                          </p:spTgt>
+                                        </p:tgtEl>
+                                        <p:attrNameLst>
+                                          <p:attrName>style.visibility</p:attrName>
+                                        </p:attrNameLst>
+                                      </p:cBhvr>
+                                      <p:to>
+                                        <p:strVal val="visible"/>
+                                      </p:to>
+                                    </p:set>
+                                  </p:childTnLst>
+                                </p:cTn>
+                              </p:par>
+                              <p:par>
+                                <p:cTn fill="hold" id="179" nodeType="withEffect" presetClass="entr" presetID="1">
+                                  <p:stCondLst>
+                                    <p:cond delay="0"/>
+                                  </p:stCondLst>
+                                  <p:childTnLst>
+                                    <p:set>
+                                      <p:cBhvr>
+                                        <p:cTn dur="1" fill="hold" id="180">
+                                          <p:stCondLst>
+                                            <p:cond delay="0"/>
+                                          </p:stCondLst>
+                                        </p:cTn>
+                                        <p:tgtEl>
+                                          <p:spTgt spid="96">
+                                            <p:txEl>
+                                              <p:pRg end="487" st="487"/>
                                             </p:txEl>
                                           </p:spTgt>
                                         </p:tgtEl>
@@ -6621,14 +4677,14 @@
       </p:grpSpPr>
       <p:sp>
         <p:nvSpPr>
-          <p:cNvPr id="148" name="TextShape 1"/>
-          <p:cNvSpPr txBox="1"/>
+          <p:cNvPr id="97" name="CustomShape 1"/>
+          <p:cNvSpPr/>
           <p:nvPr/>
         </p:nvSpPr>
         <p:spPr>
           <a:xfrm>
             <a:off x="467640" y="476640"/>
-            <a:ext cx="8229240" cy="719640"/>
+            <a:ext cx="8228880" cy="719280"/>
           </a:xfrm>
           <a:prstGeom prst="rect">
             <a:avLst/>
@@ -6657,14 +4713,14 @@
       </p:sp>
       <p:sp>
         <p:nvSpPr>
-          <p:cNvPr id="149" name="TextShape 2"/>
-          <p:cNvSpPr txBox="1"/>
+          <p:cNvPr id="98" name="CustomShape 2"/>
+          <p:cNvSpPr/>
           <p:nvPr/>
         </p:nvSpPr>
         <p:spPr>
           <a:xfrm>
             <a:off x="457200" y="1484640"/>
-            <a:ext cx="8229240" cy="4839480"/>
+            <a:ext cx="8228880" cy="4839120"/>
           </a:xfrm>
           <a:prstGeom prst="rect">
             <a:avLst/>
@@ -6721,7 +4777,7 @@
               </a:lnSpc>
               <a:buSzPct val="25000"/>
               <a:buFont typeface="StarSymbol"/>
-              <a:buChar char=""/>
+              <a:buChar char=""/>
             </a:pPr>
             <a:r>
               <a:rPr lang="en-US" sz="2400">
@@ -6741,7 +4797,7 @@
               </a:lnSpc>
               <a:buSzPct val="25000"/>
               <a:buFont typeface="StarSymbol"/>
-              <a:buChar char=""/>
+              <a:buChar char=""/>
             </a:pPr>
             <a:r>
               <a:rPr lang="en-US" sz="2400">
@@ -6769,38 +4825,38 @@
   <p:timing>
     <p:tnLst>
       <p:par>
-        <p:cTn dur="indefinite" id="179" nodeType="tmRoot" restart="never">
+        <p:cTn dur="indefinite" id="181" nodeType="tmRoot" restart="never">
           <p:childTnLst>
             <p:seq>
-              <p:cTn dur="indefinite" id="180" nodeType="mainSeq">
+              <p:cTn dur="indefinite" id="182" nodeType="mainSeq">
                 <p:childTnLst>
                   <p:par>
-                    <p:cTn fill="hold" id="181">
+                    <p:cTn fill="hold" id="183">
                       <p:stCondLst>
                         <p:cond delay="indefinite"/>
                       </p:stCondLst>
                       <p:childTnLst>
                         <p:par>
-                          <p:cTn fill="hold" id="182">
+                          <p:cTn fill="hold" id="184">
                             <p:stCondLst>
                               <p:cond delay="0"/>
                             </p:stCondLst>
                             <p:childTnLst>
                               <p:par>
-                                <p:cTn fill="hold" id="183" nodeType="clickEffect" presetClass="entr" presetID="1">
+                                <p:cTn fill="hold" id="185" nodeType="clickEffect" presetClass="entr" presetID="1">
                                   <p:stCondLst>
                                     <p:cond delay="0"/>
                                   </p:stCondLst>
                                   <p:childTnLst>
                                     <p:set>
                                       <p:cBhvr>
-                                        <p:cTn dur="1" fill="hold" id="184">
+                                        <p:cTn dur="1" fill="hold" id="186">
                                           <p:stCondLst>
                                             <p:cond delay="0"/>
                                           </p:stCondLst>
                                         </p:cTn>
                                         <p:tgtEl>
-                                          <p:spTgt spid="149">
+                                          <p:spTgt spid="98">
                                             <p:txEl>
                                               <p:pRg end="96" st="0"/>
                                             </p:txEl>
@@ -6824,34 +4880,34 @@
                     </p:cTn>
                   </p:par>
                   <p:par>
-                    <p:cTn fill="hold" id="185">
+                    <p:cTn fill="hold" id="187">
                       <p:stCondLst>
                         <p:cond delay="indefinite"/>
                       </p:stCondLst>
                       <p:childTnLst>
                         <p:par>
-                          <p:cTn fill="hold" id="186">
+                          <p:cTn fill="hold" id="188">
                             <p:stCondLst>
                               <p:cond delay="0"/>
                             </p:stCondLst>
                             <p:childTnLst>
                               <p:par>
-                                <p:cTn fill="hold" id="187" nodeType="clickEffect" presetClass="entr" presetID="1">
+                                <p:cTn fill="hold" id="189" nodeType="clickEffect" presetClass="entr" presetID="1">
                                   <p:stCondLst>
                                     <p:cond delay="0"/>
                                   </p:stCondLst>
                                   <p:childTnLst>
                                     <p:set>
                                       <p:cBhvr>
-                                        <p:cTn dur="1" fill="hold" id="188">
+                                        <p:cTn dur="1" fill="hold" id="190">
                                           <p:stCondLst>
                                             <p:cond delay="0"/>
                                           </p:stCondLst>
                                         </p:cTn>
                                         <p:tgtEl>
-                                          <p:spTgt spid="149">
+                                          <p:spTgt spid="98">
                                             <p:txEl>
-                                              <p:pRg end="205" st="97"/>
+                                              <p:pRg end="560" st="560"/>
                                             </p:txEl>
                                           </p:spTgt>
                                         </p:tgtEl>
@@ -6873,34 +4929,34 @@
                     </p:cTn>
                   </p:par>
                   <p:par>
-                    <p:cTn fill="hold" id="189">
+                    <p:cTn fill="hold" id="191">
                       <p:stCondLst>
                         <p:cond delay="indefinite"/>
                       </p:stCondLst>
                       <p:childTnLst>
                         <p:par>
-                          <p:cTn fill="hold" id="190">
+                          <p:cTn fill="hold" id="192">
                             <p:stCondLst>
                               <p:cond delay="0"/>
                             </p:stCondLst>
                             <p:childTnLst>
                               <p:par>
-                                <p:cTn fill="hold" id="191" nodeType="clickEffect" presetClass="entr" presetID="1">
+                                <p:cTn fill="hold" id="193" nodeType="clickEffect" presetClass="entr" presetID="1">
                                   <p:stCondLst>
                                     <p:cond delay="0"/>
                                   </p:stCondLst>
                                   <p:childTnLst>
                                     <p:set>
                                       <p:cBhvr>
-                                        <p:cTn dur="1" fill="hold" id="192">
+                                        <p:cTn dur="1" fill="hold" id="194">
                                           <p:stCondLst>
                                             <p:cond delay="0"/>
                                           </p:stCondLst>
                                         </p:cTn>
                                         <p:tgtEl>
-                                          <p:spTgt spid="149">
+                                          <p:spTgt spid="98">
                                             <p:txEl>
-                                              <p:pRg end="374" st="205"/>
+                                              <p:pRg end="560" st="560"/>
                                             </p:txEl>
                                           </p:spTgt>
                                         </p:tgtEl>
@@ -6922,34 +4978,34 @@
                     </p:cTn>
                   </p:par>
                   <p:par>
-                    <p:cTn fill="hold" id="193">
+                    <p:cTn fill="hold" id="195">
                       <p:stCondLst>
                         <p:cond delay="indefinite"/>
                       </p:stCondLst>
                       <p:childTnLst>
                         <p:par>
-                          <p:cTn fill="hold" id="194">
+                          <p:cTn fill="hold" id="196">
                             <p:stCondLst>
                               <p:cond delay="0"/>
                             </p:stCondLst>
                             <p:childTnLst>
                               <p:par>
-                                <p:cTn fill="hold" id="195" nodeType="clickEffect" presetClass="entr" presetID="1">
+                                <p:cTn fill="hold" id="197" nodeType="clickEffect" presetClass="entr" presetID="1">
                                   <p:stCondLst>
                                     <p:cond delay="0"/>
                                   </p:stCondLst>
                                   <p:childTnLst>
                                     <p:set>
                                       <p:cBhvr>
-                                        <p:cTn dur="1" fill="hold" id="196">
+                                        <p:cTn dur="1" fill="hold" id="198">
                                           <p:stCondLst>
                                             <p:cond delay="0"/>
                                           </p:stCondLst>
                                         </p:cTn>
                                         <p:tgtEl>
-                                          <p:spTgt spid="149">
+                                          <p:spTgt spid="98">
                                             <p:txEl>
-                                              <p:pRg end="559" st="374"/>
+                                              <p:pRg end="560" st="560"/>
                                             </p:txEl>
                                           </p:spTgt>
                                         </p:tgtEl>
@@ -7014,14 +5070,14 @@
       </p:grpSpPr>
       <p:sp>
         <p:nvSpPr>
-          <p:cNvPr id="150" name="TextShape 1"/>
-          <p:cNvSpPr txBox="1"/>
+          <p:cNvPr id="99" name="CustomShape 1"/>
+          <p:cNvSpPr/>
           <p:nvPr/>
         </p:nvSpPr>
         <p:spPr>
           <a:xfrm>
             <a:off x="457200" y="704160"/>
-            <a:ext cx="8229240" cy="996480"/>
+            <a:ext cx="8228880" cy="996120"/>
           </a:xfrm>
           <a:prstGeom prst="rect">
             <a:avLst/>
@@ -7050,14 +5106,14 @@
       </p:sp>
       <p:sp>
         <p:nvSpPr>
-          <p:cNvPr id="151" name="TextShape 2"/>
-          <p:cNvSpPr txBox="1"/>
+          <p:cNvPr id="100" name="CustomShape 2"/>
+          <p:cNvSpPr/>
           <p:nvPr/>
         </p:nvSpPr>
         <p:spPr>
           <a:xfrm>
             <a:off x="457200" y="1700640"/>
-            <a:ext cx="8229240" cy="4623480"/>
+            <a:ext cx="8228880" cy="4623120"/>
           </a:xfrm>
           <a:prstGeom prst="rect">
             <a:avLst/>
@@ -7092,7 +5148,7 @@
               </a:lnSpc>
               <a:buSzPct val="25000"/>
               <a:buFont typeface="StarSymbol"/>
-              <a:buChar char=""/>
+              <a:buChar char=""/>
             </a:pPr>
             <a:r>
               <a:rPr lang="en-US" sz="2400">
@@ -7245,38 +5301,38 @@
   <p:timing>
     <p:tnLst>
       <p:par>
-        <p:cTn dur="indefinite" id="197" nodeType="tmRoot" restart="never">
+        <p:cTn dur="indefinite" id="199" nodeType="tmRoot" restart="never">
           <p:childTnLst>
             <p:seq>
-              <p:cTn dur="indefinite" id="198" nodeType="mainSeq">
+              <p:cTn dur="indefinite" id="200" nodeType="mainSeq">
                 <p:childTnLst>
                   <p:par>
-                    <p:cTn fill="hold" id="199">
+                    <p:cTn fill="hold" id="201">
                       <p:stCondLst>
                         <p:cond delay="indefinite"/>
                       </p:stCondLst>
                       <p:childTnLst>
                         <p:par>
-                          <p:cTn fill="hold" id="200">
+                          <p:cTn fill="hold" id="202">
                             <p:stCondLst>
                               <p:cond delay="0"/>
                             </p:stCondLst>
                             <p:childTnLst>
                               <p:par>
-                                <p:cTn fill="hold" id="201" nodeType="clickEffect" presetClass="entr" presetID="1">
+                                <p:cTn fill="hold" id="203" nodeType="clickEffect" presetClass="entr" presetID="1">
                                   <p:stCondLst>
                                     <p:cond delay="0"/>
                                   </p:stCondLst>
                                   <p:childTnLst>
                                     <p:set>
                                       <p:cBhvr>
-                                        <p:cTn dur="1" fill="hold" id="202">
+                                        <p:cTn dur="1" fill="hold" id="204">
                                           <p:stCondLst>
                                             <p:cond delay="0"/>
                                           </p:stCondLst>
                                         </p:cTn>
                                         <p:tgtEl>
-                                          <p:spTgt spid="151">
+                                          <p:spTgt spid="100">
                                             <p:txEl>
                                               <p:pRg end="172" st="0"/>
                                             </p:txEl>
@@ -7294,22 +5350,22 @@
                                 </p:cTn>
                               </p:par>
                               <p:par>
-                                <p:cTn fill="hold" id="203" nodeType="withEffect" presetClass="entr" presetID="1">
+                                <p:cTn fill="hold" id="205" nodeType="withEffect" presetClass="entr" presetID="1">
                                   <p:stCondLst>
                                     <p:cond delay="0"/>
                                   </p:stCondLst>
                                   <p:childTnLst>
                                     <p:set>
                                       <p:cBhvr>
-                                        <p:cTn dur="1" fill="hold" id="204">
+                                        <p:cTn dur="1" fill="hold" id="206">
                                           <p:stCondLst>
                                             <p:cond delay="0"/>
                                           </p:stCondLst>
                                         </p:cTn>
                                         <p:tgtEl>
-                                          <p:spTgt spid="151">
+                                          <p:spTgt spid="100">
                                             <p:txEl>
-                                              <p:pRg end="284" st="172"/>
+                                              <p:pRg end="786" st="786"/>
                                             </p:txEl>
                                           </p:spTgt>
                                         </p:tgtEl>
@@ -7331,34 +5387,34 @@
                     </p:cTn>
                   </p:par>
                   <p:par>
-                    <p:cTn fill="hold" id="205">
+                    <p:cTn fill="hold" id="207">
                       <p:stCondLst>
                         <p:cond delay="indefinite"/>
                       </p:stCondLst>
                       <p:childTnLst>
                         <p:par>
-                          <p:cTn fill="hold" id="206">
+                          <p:cTn fill="hold" id="208">
                             <p:stCondLst>
                               <p:cond delay="0"/>
                             </p:stCondLst>
                             <p:childTnLst>
                               <p:par>
-                                <p:cTn fill="hold" id="207" nodeType="clickEffect" presetClass="entr" presetID="1">
+                                <p:cTn fill="hold" id="209" nodeType="clickEffect" presetClass="entr" presetID="1">
                                   <p:stCondLst>
                                     <p:cond delay="0"/>
                                   </p:stCondLst>
                                   <p:childTnLst>
                                     <p:set>
                                       <p:cBhvr>
-                                        <p:cTn dur="1" fill="hold" id="208">
+                                        <p:cTn dur="1" fill="hold" id="210">
                                           <p:stCondLst>
                                             <p:cond delay="0"/>
                                           </p:stCondLst>
                                         </p:cTn>
                                         <p:tgtEl>
-                                          <p:spTgt spid="151">
+                                          <p:spTgt spid="100">
                                             <p:txEl>
-                                              <p:pRg end="321" st="284"/>
+                                              <p:pRg end="786" st="786"/>
                                             </p:txEl>
                                           </p:spTgt>
                                         </p:tgtEl>
@@ -7380,34 +5436,34 @@
                     </p:cTn>
                   </p:par>
                   <p:par>
-                    <p:cTn fill="hold" id="209">
+                    <p:cTn fill="hold" id="211">
                       <p:stCondLst>
                         <p:cond delay="indefinite"/>
                       </p:stCondLst>
                       <p:childTnLst>
                         <p:par>
-                          <p:cTn fill="hold" id="210">
+                          <p:cTn fill="hold" id="212">
                             <p:stCondLst>
                               <p:cond delay="0"/>
                             </p:stCondLst>
                             <p:childTnLst>
                               <p:par>
-                                <p:cTn fill="hold" id="211" nodeType="clickEffect" presetClass="entr" presetID="1">
+                                <p:cTn fill="hold" id="213" nodeType="clickEffect" presetClass="entr" presetID="1">
                                   <p:stCondLst>
                                     <p:cond delay="0"/>
                                   </p:stCondLst>
                                   <p:childTnLst>
                                     <p:set>
                                       <p:cBhvr>
-                                        <p:cTn dur="1" fill="hold" id="212">
+                                        <p:cTn dur="1" fill="hold" id="214">
                                           <p:stCondLst>
                                             <p:cond delay="0"/>
                                           </p:stCondLst>
                                         </p:cTn>
                                         <p:tgtEl>
-                                          <p:spTgt spid="151">
+                                          <p:spTgt spid="100">
                                             <p:txEl>
-                                              <p:pRg end="436" st="321"/>
+                                              <p:pRg end="786" st="786"/>
                                             </p:txEl>
                                           </p:spTgt>
                                         </p:tgtEl>
@@ -7429,34 +5485,34 @@
                     </p:cTn>
                   </p:par>
                   <p:par>
-                    <p:cTn fill="hold" id="213">
+                    <p:cTn fill="hold" id="215">
                       <p:stCondLst>
                         <p:cond delay="indefinite"/>
                       </p:stCondLst>
                       <p:childTnLst>
                         <p:par>
-                          <p:cTn fill="hold" id="214">
+                          <p:cTn fill="hold" id="216">
                             <p:stCondLst>
                               <p:cond delay="0"/>
                             </p:stCondLst>
                             <p:childTnLst>
                               <p:par>
-                                <p:cTn fill="hold" id="215" nodeType="clickEffect" presetClass="entr" presetID="1">
+                                <p:cTn fill="hold" id="217" nodeType="clickEffect" presetClass="entr" presetID="1">
                                   <p:stCondLst>
                                     <p:cond delay="0"/>
                                   </p:stCondLst>
                                   <p:childTnLst>
                                     <p:set>
                                       <p:cBhvr>
-                                        <p:cTn dur="1" fill="hold" id="216">
+                                        <p:cTn dur="1" fill="hold" id="218">
                                           <p:stCondLst>
                                             <p:cond delay="0"/>
                                           </p:stCondLst>
                                         </p:cTn>
                                         <p:tgtEl>
-                                          <p:spTgt spid="151">
+                                          <p:spTgt spid="100">
                                             <p:txEl>
-                                              <p:pRg end="544" st="436"/>
+                                              <p:pRg end="786" st="786"/>
                                             </p:txEl>
                                           </p:spTgt>
                                         </p:tgtEl>
@@ -7478,34 +5534,34 @@
                     </p:cTn>
                   </p:par>
                   <p:par>
-                    <p:cTn fill="hold" id="217">
+                    <p:cTn fill="hold" id="219">
                       <p:stCondLst>
                         <p:cond delay="indefinite"/>
                       </p:stCondLst>
                       <p:childTnLst>
                         <p:par>
-                          <p:cTn fill="hold" id="218">
+                          <p:cTn fill="hold" id="220">
                             <p:stCondLst>
                               <p:cond delay="0"/>
                             </p:stCondLst>
                             <p:childTnLst>
                               <p:par>
-                                <p:cTn fill="hold" id="219" nodeType="clickEffect" presetClass="entr" presetID="1">
+                                <p:cTn fill="hold" id="221" nodeType="clickEffect" presetClass="entr" presetID="1">
                                   <p:stCondLst>
                                     <p:cond delay="0"/>
                                   </p:stCondLst>
                                   <p:childTnLst>
                                     <p:set>
                                       <p:cBhvr>
-                                        <p:cTn dur="1" fill="hold" id="220">
+                                        <p:cTn dur="1" fill="hold" id="222">
                                           <p:stCondLst>
                                             <p:cond delay="0"/>
                                           </p:stCondLst>
                                         </p:cTn>
                                         <p:tgtEl>
-                                          <p:spTgt spid="151">
+                                          <p:spTgt spid="100">
                                             <p:txEl>
-                                              <p:pRg end="668" st="544"/>
+                                              <p:pRg end="786" st="786"/>
                                             </p:txEl>
                                           </p:spTgt>
                                         </p:tgtEl>
@@ -7527,34 +5583,34 @@
                     </p:cTn>
                   </p:par>
                   <p:par>
-                    <p:cTn fill="hold" id="221">
+                    <p:cTn fill="hold" id="223">
                       <p:stCondLst>
                         <p:cond delay="indefinite"/>
                       </p:stCondLst>
                       <p:childTnLst>
                         <p:par>
-                          <p:cTn fill="hold" id="222">
+                          <p:cTn fill="hold" id="224">
                             <p:stCondLst>
                               <p:cond delay="0"/>
                             </p:stCondLst>
                             <p:childTnLst>
                               <p:par>
-                                <p:cTn fill="hold" id="223" nodeType="clickEffect" presetClass="entr" presetID="1">
+                                <p:cTn fill="hold" id="225" nodeType="clickEffect" presetClass="entr" presetID="1">
                                   <p:stCondLst>
                                     <p:cond delay="0"/>
                                   </p:stCondLst>
                                   <p:childTnLst>
                                     <p:set>
                                       <p:cBhvr>
-                                        <p:cTn dur="1" fill="hold" id="224">
+                                        <p:cTn dur="1" fill="hold" id="226">
                                           <p:stCondLst>
                                             <p:cond delay="0"/>
                                           </p:stCondLst>
                                         </p:cTn>
                                         <p:tgtEl>
-                                          <p:spTgt spid="151">
+                                          <p:spTgt spid="100">
                                             <p:txEl>
-                                              <p:pRg end="786" st="668"/>
+                                              <p:pRg end="786" st="786"/>
                                             </p:txEl>
                                           </p:spTgt>
                                         </p:tgtEl>
@@ -7619,14 +5675,14 @@
       </p:grpSpPr>
       <p:sp>
         <p:nvSpPr>
-          <p:cNvPr id="152" name="TextShape 1"/>
-          <p:cNvSpPr txBox="1"/>
+          <p:cNvPr id="101" name="CustomShape 1"/>
+          <p:cNvSpPr/>
           <p:nvPr/>
         </p:nvSpPr>
         <p:spPr>
           <a:xfrm>
             <a:off x="457200" y="704160"/>
-            <a:ext cx="8229240" cy="636480"/>
+            <a:ext cx="8228880" cy="636120"/>
           </a:xfrm>
           <a:prstGeom prst="rect">
             <a:avLst/>
@@ -7655,14 +5711,14 @@
       </p:sp>
       <p:sp>
         <p:nvSpPr>
-          <p:cNvPr id="153" name="TextShape 2"/>
-          <p:cNvSpPr txBox="1"/>
+          <p:cNvPr id="102" name="CustomShape 2"/>
+          <p:cNvSpPr/>
           <p:nvPr/>
         </p:nvSpPr>
         <p:spPr>
           <a:xfrm>
             <a:off x="457200" y="1484640"/>
-            <a:ext cx="8229240" cy="4839480"/>
+            <a:ext cx="8228880" cy="4839120"/>
           </a:xfrm>
           <a:prstGeom prst="rect">
             <a:avLst/>
@@ -7783,7 +5839,7 @@
               </a:lnSpc>
               <a:buSzPct val="25000"/>
               <a:buFont typeface="StarSymbol"/>
-              <a:buChar char=""/>
+              <a:buChar char=""/>
             </a:pPr>
             <a:r>
               <a:rPr b="1" lang="en-US" sz="2400">
@@ -7812,7 +5868,7 @@
               </a:lnSpc>
               <a:buSzPct val="25000"/>
               <a:buFont typeface="StarSymbol"/>
-              <a:buChar char=""/>
+              <a:buChar char=""/>
             </a:pPr>
             <a:r>
               <a:rPr b="1" lang="en-US" sz="2400">
@@ -7855,7 +5911,7 @@
       </p:sp>
       <p:pic>
         <p:nvPicPr>
-          <p:cNvPr descr="" id="154" name="Picture 2"/>
+          <p:cNvPr descr="" id="103" name="Picture 2"/>
           <p:cNvPicPr/>
           <p:nvPr/>
         </p:nvPicPr>
@@ -7868,7 +5924,7 @@
         <p:spPr>
           <a:xfrm>
             <a:off x="6444360" y="31320"/>
-            <a:ext cx="2376000" cy="1745640"/>
+            <a:ext cx="2375640" cy="1745280"/>
           </a:xfrm>
           <a:prstGeom prst="rect">
             <a:avLst/>
@@ -7880,38 +5936,38 @@
   <p:timing>
     <p:tnLst>
       <p:par>
-        <p:cTn dur="indefinite" id="225" nodeType="tmRoot" restart="never">
+        <p:cTn dur="indefinite" id="227" nodeType="tmRoot" restart="never">
           <p:childTnLst>
             <p:seq>
-              <p:cTn dur="indefinite" id="226" nodeType="mainSeq">
+              <p:cTn dur="indefinite" id="228" nodeType="mainSeq">
                 <p:childTnLst>
                   <p:par>
-                    <p:cTn fill="hold" id="227">
+                    <p:cTn fill="hold" id="229">
                       <p:stCondLst>
                         <p:cond delay="indefinite"/>
                       </p:stCondLst>
                       <p:childTnLst>
                         <p:par>
-                          <p:cTn fill="hold" id="228">
+                          <p:cTn fill="hold" id="230">
                             <p:stCondLst>
                               <p:cond delay="0"/>
                             </p:stCondLst>
                             <p:childTnLst>
                               <p:par>
-                                <p:cTn fill="hold" id="229" nodeType="clickEffect" presetClass="entr" presetID="1">
+                                <p:cTn fill="hold" id="231" nodeType="clickEffect" presetClass="entr" presetID="1">
                                   <p:stCondLst>
                                     <p:cond delay="0"/>
                                   </p:stCondLst>
                                   <p:childTnLst>
                                     <p:set>
                                       <p:cBhvr>
-                                        <p:cTn dur="1" fill="hold" id="230">
+                                        <p:cTn dur="1" fill="hold" id="232">
                                           <p:stCondLst>
                                             <p:cond delay="0"/>
                                           </p:stCondLst>
                                         </p:cTn>
                                         <p:tgtEl>
-                                          <p:spTgt spid="153">
+                                          <p:spTgt spid="102">
                                             <p:txEl>
                                               <p:pRg end="56" st="1"/>
                                             </p:txEl>
@@ -7935,34 +5991,34 @@
                     </p:cTn>
                   </p:par>
                   <p:par>
-                    <p:cTn fill="hold" id="231">
+                    <p:cTn fill="hold" id="233">
                       <p:stCondLst>
                         <p:cond delay="indefinite"/>
                       </p:stCondLst>
                       <p:childTnLst>
                         <p:par>
-                          <p:cTn fill="hold" id="232">
+                          <p:cTn fill="hold" id="234">
                             <p:stCondLst>
                               <p:cond delay="0"/>
                             </p:stCondLst>
                             <p:childTnLst>
                               <p:par>
-                                <p:cTn fill="hold" id="233" nodeType="clickEffect" presetClass="entr" presetID="1">
+                                <p:cTn fill="hold" id="235" nodeType="clickEffect" presetClass="entr" presetID="1">
                                   <p:stCondLst>
                                     <p:cond delay="0"/>
                                   </p:stCondLst>
                                   <p:childTnLst>
                                     <p:set>
                                       <p:cBhvr>
-                                        <p:cTn dur="1" fill="hold" id="234">
+                                        <p:cTn dur="1" fill="hold" id="236">
                                           <p:stCondLst>
                                             <p:cond delay="0"/>
                                           </p:stCondLst>
                                         </p:cTn>
                                         <p:tgtEl>
-                                          <p:spTgt spid="153">
+                                          <p:spTgt spid="102">
                                             <p:txEl>
-                                              <p:pRg end="256" st="56"/>
+                                              <p:pRg end="677" st="677"/>
                                             </p:txEl>
                                           </p:spTgt>
                                         </p:tgtEl>
@@ -7984,50 +6040,19 @@
                     </p:cTn>
                   </p:par>
                   <p:par>
-                    <p:cTn fill="hold" id="235">
+                    <p:cTn fill="hold" id="237">
                       <p:stCondLst>
                         <p:cond delay="indefinite"/>
                       </p:stCondLst>
                       <p:childTnLst>
                         <p:par>
-                          <p:cTn fill="hold" id="236">
+                          <p:cTn fill="hold" id="238">
                             <p:stCondLst>
                               <p:cond delay="0"/>
                             </p:stCondLst>
                             <p:childTnLst>
                               <p:par>
-                                <p:cTn fill="hold" id="237" nodeType="clickEffect" presetClass="entr" presetID="1">
-                                  <p:stCondLst>
-                                    <p:cond delay="0"/>
-                                  </p:stCondLst>
-                                  <p:childTnLst>
-                                    <p:set>
-                                      <p:cBhvr>
-                                        <p:cTn dur="1" fill="hold" id="238">
-                                          <p:stCondLst>
-                                            <p:cond delay="0"/>
-                                          </p:stCondLst>
-                                        </p:cTn>
-                                        <p:tgtEl>
-                                          <p:spTgt spid="153">
-                                            <p:txEl>
-                                              <p:pRg end="355" st="257"/>
-                                            </p:txEl>
-                                          </p:spTgt>
-                                        </p:tgtEl>
-                                        <p:attrNameLst>
-                                          <p:attrName>style.visibility</p:attrName>
-                                        </p:attrNameLst>
-                                      </p:cBhvr>
-                                      <p:to>
-                                        <p:strVal val="visible"/>
-                                      </p:to>
-                                    </p:set>
-                                  </p:childTnLst>
-                                </p:cTn>
-                              </p:par>
-                              <p:par>
-                                <p:cTn fill="hold" id="239" nodeType="withEffect" presetClass="entr" presetID="1">
+                                <p:cTn fill="hold" id="239" nodeType="clickEffect" presetClass="entr" presetID="1">
                                   <p:stCondLst>
                                     <p:cond delay="0"/>
                                   </p:stCondLst>
@@ -8040,9 +6065,9 @@
                                           </p:stCondLst>
                                         </p:cTn>
                                         <p:tgtEl>
-                                          <p:spTgt spid="153">
+                                          <p:spTgt spid="102">
                                             <p:txEl>
-                                              <p:pRg end="476" st="355"/>
+                                              <p:pRg end="677" st="677"/>
                                             </p:txEl>
                                           </p:spTgt>
                                         </p:tgtEl>
@@ -8071,9 +6096,40 @@
                                           </p:stCondLst>
                                         </p:cTn>
                                         <p:tgtEl>
-                                          <p:spTgt spid="153">
+                                          <p:spTgt spid="102">
                                             <p:txEl>
-                                              <p:pRg end="602" st="476"/>
+                                              <p:pRg end="677" st="677"/>
+                                            </p:txEl>
+                                          </p:spTgt>
+                                        </p:tgtEl>
+                                        <p:attrNameLst>
+                                          <p:attrName>style.visibility</p:attrName>
+                                        </p:attrNameLst>
+                                      </p:cBhvr>
+                                      <p:to>
+                                        <p:strVal val="visible"/>
+                                      </p:to>
+                                    </p:set>
+                                  </p:childTnLst>
+                                </p:cTn>
+                              </p:par>
+                              <p:par>
+                                <p:cTn fill="hold" id="243" nodeType="withEffect" presetClass="entr" presetID="1">
+                                  <p:stCondLst>
+                                    <p:cond delay="0"/>
+                                  </p:stCondLst>
+                                  <p:childTnLst>
+                                    <p:set>
+                                      <p:cBhvr>
+                                        <p:cTn dur="1" fill="hold" id="244">
+                                          <p:stCondLst>
+                                            <p:cond delay="0"/>
+                                          </p:stCondLst>
+                                        </p:cTn>
+                                        <p:tgtEl>
+                                          <p:spTgt spid="102">
+                                            <p:txEl>
+                                              <p:pRg end="677" st="677"/>
                                             </p:txEl>
                                           </p:spTgt>
                                         </p:tgtEl>
@@ -8095,34 +6151,34 @@
                     </p:cTn>
                   </p:par>
                   <p:par>
-                    <p:cTn fill="hold" id="243">
+                    <p:cTn fill="hold" id="245">
                       <p:stCondLst>
                         <p:cond delay="indefinite"/>
                       </p:stCondLst>
                       <p:childTnLst>
                         <p:par>
-                          <p:cTn fill="hold" id="244">
+                          <p:cTn fill="hold" id="246">
                             <p:stCondLst>
                               <p:cond delay="0"/>
                             </p:stCondLst>
                             <p:childTnLst>
                               <p:par>
-                                <p:cTn fill="hold" id="245" nodeType="clickEffect" presetClass="entr" presetID="1">
+                                <p:cTn fill="hold" id="247" nodeType="clickEffect" presetClass="entr" presetID="1">
                                   <p:stCondLst>
                                     <p:cond delay="0"/>
                                   </p:stCondLst>
                                   <p:childTnLst>
                                     <p:set>
                                       <p:cBhvr>
-                                        <p:cTn dur="1" fill="hold" id="246">
+                                        <p:cTn dur="1" fill="hold" id="248">
                                           <p:stCondLst>
                                             <p:cond delay="0"/>
                                           </p:stCondLst>
                                         </p:cTn>
                                         <p:tgtEl>
-                                          <p:spTgt spid="153">
+                                          <p:spTgt spid="102">
                                             <p:txEl>
-                                              <p:pRg end="677" st="602"/>
+                                              <p:pRg end="677" st="677"/>
                                             </p:txEl>
                                           </p:spTgt>
                                         </p:tgtEl>
@@ -8187,14 +6243,14 @@
       </p:grpSpPr>
       <p:sp>
         <p:nvSpPr>
-          <p:cNvPr id="155" name="TextShape 1"/>
-          <p:cNvSpPr txBox="1"/>
+          <p:cNvPr id="104" name="CustomShape 1"/>
+          <p:cNvSpPr/>
           <p:nvPr/>
         </p:nvSpPr>
         <p:spPr>
           <a:xfrm>
             <a:off x="457200" y="704160"/>
-            <a:ext cx="8229240" cy="420120"/>
+            <a:ext cx="8228880" cy="419760"/>
           </a:xfrm>
           <a:prstGeom prst="rect">
             <a:avLst/>
@@ -8223,14 +6279,14 @@
       </p:sp>
       <p:sp>
         <p:nvSpPr>
-          <p:cNvPr id="156" name="TextShape 2"/>
-          <p:cNvSpPr txBox="1"/>
+          <p:cNvPr id="105" name="CustomShape 2"/>
+          <p:cNvSpPr/>
           <p:nvPr/>
         </p:nvSpPr>
         <p:spPr>
           <a:xfrm>
             <a:off x="457200" y="1340640"/>
-            <a:ext cx="8229240" cy="4983480"/>
+            <a:ext cx="8228880" cy="4983120"/>
           </a:xfrm>
           <a:prstGeom prst="rect">
             <a:avLst/>
@@ -8257,106 +6313,6 @@
           </a:p>
           <a:p>
             <a:pPr lvl="1">
-              <a:lnSpc>
-                <a:spcPct val="100000"/>
-              </a:lnSpc>
-              <a:buSzPct val="25000"/>
-              <a:buFont typeface="StarSymbol"/>
-              <a:buChar char=""/>
-            </a:pPr>
-            <a:r>
-              <a:rPr lang="en-US" sz="2400">
-                <a:solidFill>
-                  <a:srgbClr val="000000"/>
-                </a:solidFill>
-                <a:latin typeface="Constantia"/>
-              </a:rPr>
-              <a:t>Evidence demonstrates spillovers between rich countries</a:t>
-            </a:r>
-            <a:endParaRPr/>
-          </a:p>
-          <a:p>
-            <a:pPr lvl="1">
-              <a:lnSpc>
-                <a:spcPct val="100000"/>
-              </a:lnSpc>
-              <a:buSzPct val="25000"/>
-              <a:buFont typeface="StarSymbol"/>
-              <a:buChar char=""/>
-            </a:pPr>
-            <a:r>
-              <a:rPr lang="en-US" sz="2400">
-                <a:solidFill>
-                  <a:srgbClr val="000000"/>
-                </a:solidFill>
-                <a:latin typeface="Constantia"/>
-              </a:rPr>
-              <a:t>Absorptive capacity is enhanced by trade and by presence of highly educated populations</a:t>
-            </a:r>
-            <a:endParaRPr/>
-          </a:p>
-          <a:p>
-            <a:endParaRPr/>
-          </a:p>
-          <a:p>
-            <a:pPr>
-              <a:lnSpc>
-                <a:spcPct val="100000"/>
-              </a:lnSpc>
-            </a:pPr>
-            <a:r>
-              <a:rPr b="1" lang="en-US" sz="2600">
-                <a:solidFill>
-                  <a:srgbClr val="000000"/>
-                </a:solidFill>
-                <a:latin typeface="Constantia"/>
-              </a:rPr>
-              <a:t>The globalization of the innovation process</a:t>
-            </a:r>
-            <a:endParaRPr/>
-          </a:p>
-          <a:p>
-            <a:pPr lvl="1">
-              <a:lnSpc>
-                <a:spcPct val="100000"/>
-              </a:lnSpc>
-              <a:buSzPct val="25000"/>
-              <a:buFont typeface="StarSymbol"/>
-              <a:buChar char=""/>
-            </a:pPr>
-            <a:r>
-              <a:rPr lang="en-US" sz="2400">
-                <a:solidFill>
-                  <a:srgbClr val="000000"/>
-                </a:solidFill>
-                <a:latin typeface="Constantia"/>
-              </a:rPr>
-              <a:t>Since 1950s/60s the emergence of trans-national corporations (TNCs) has led to spreading of R&amp;D facilities across rich countries</a:t>
-            </a:r>
-            <a:endParaRPr/>
-          </a:p>
-          <a:p>
-            <a:pPr lvl="1">
-              <a:lnSpc>
-                <a:spcPct val="100000"/>
-              </a:lnSpc>
-              <a:buSzPct val="25000"/>
-              <a:buFont typeface="StarSymbol"/>
-              <a:buChar char=""/>
-            </a:pPr>
-            <a:r>
-              <a:rPr lang="en-US" sz="2400">
-                <a:solidFill>
-                  <a:srgbClr val="000000"/>
-                </a:solidFill>
-                <a:latin typeface="Constantia"/>
-              </a:rPr>
-              <a:t>UNCTAD (2005) study contains a mass of information and background to this and also shows new trends</a:t>
-            </a:r>
-            <a:endParaRPr/>
-          </a:p>
-          <a:p>
-            <a:pPr lvl="2">
               <a:lnSpc>
                 <a:spcPct val="100000"/>
               </a:lnSpc>
@@ -8365,107 +6321,18 @@
               <a:buChar char=""/>
             </a:pPr>
             <a:r>
-              <a:rPr lang="en-US" sz="2100">
-                <a:solidFill>
-                  <a:srgbClr val="000000"/>
-                </a:solidFill>
-                <a:latin typeface="Constantia"/>
-              </a:rPr>
-              <a:t>Worlds largest R&amp;D firms do 28% R&amp;D overseas</a:t>
-            </a:r>
-            <a:endParaRPr/>
-          </a:p>
-          <a:p>
-            <a:pPr lvl="3">
-              <a:lnSpc>
-                <a:spcPct val="100000"/>
-              </a:lnSpc>
-              <a:buSzPct val="25000"/>
-              <a:buFont typeface="StarSymbol"/>
-              <a:buChar char=""/>
-            </a:pPr>
-            <a:r>
-              <a:rPr lang="en-US" sz="2000">
-                <a:solidFill>
-                  <a:srgbClr val="000000"/>
-                </a:solidFill>
-                <a:latin typeface="Constantia"/>
-              </a:rPr>
-              <a:t>Euro firms 41%, US firms 24%, Japanese firms 15%</a:t>
+              <a:rPr lang="en-US" sz="2400">
+                <a:solidFill>
+                  <a:srgbClr val="000000"/>
+                </a:solidFill>
+                <a:latin typeface="Constantia"/>
+              </a:rPr>
+              <a:t>Evidence demonstrates spillovers between rich countries</a:t>
             </a:r>
             <a:endParaRPr/>
           </a:p>
           <a:p>
             <a:pPr lvl="1">
-              <a:lnSpc>
-                <a:spcPct val="100000"/>
-              </a:lnSpc>
-              <a:buSzPct val="25000"/>
-              <a:buFont typeface="StarSymbol"/>
-              <a:buChar char=""/>
-            </a:pPr>
-            <a:r>
-              <a:rPr lang="en-US" sz="2400">
-                <a:solidFill>
-                  <a:srgbClr val="000000"/>
-                </a:solidFill>
-                <a:latin typeface="Constantia"/>
-              </a:rPr>
-              <a:t>24 hour R&amp;D advantage!</a:t>
-            </a:r>
-            <a:endParaRPr/>
-          </a:p>
-          <a:p>
-            <a:endParaRPr/>
-          </a:p>
-          <a:p>
-            <a:pPr>
-              <a:lnSpc>
-                <a:spcPct val="100000"/>
-              </a:lnSpc>
-            </a:pPr>
-            <a:r>
-              <a:rPr b="1" lang="en-US" sz="2600">
-                <a:solidFill>
-                  <a:srgbClr val="000000"/>
-                </a:solidFill>
-                <a:latin typeface="Constantia"/>
-              </a:rPr>
-              <a:t>Globalisation of R&amp;D to China and India:</a:t>
-            </a:r>
-            <a:r>
-              <a:rPr lang="en-US" sz="2600">
-                <a:solidFill>
-                  <a:srgbClr val="000000"/>
-                </a:solidFill>
-                <a:latin typeface="Constantia"/>
-              </a:rPr>
-              <a:t>	</a:t>
-            </a:r>
-            <a:endParaRPr/>
-          </a:p>
-          <a:p>
-            <a:pPr lvl="1">
-              <a:lnSpc>
-                <a:spcPct val="100000"/>
-              </a:lnSpc>
-              <a:buSzPct val="25000"/>
-              <a:buFont typeface="StarSymbol"/>
-              <a:buChar char=""/>
-            </a:pPr>
-            <a:r>
-              <a:rPr lang="en-US" sz="2400">
-                <a:solidFill>
-                  <a:srgbClr val="000000"/>
-                </a:solidFill>
-                <a:latin typeface="Constantia"/>
-              </a:rPr>
-              <a:t>China: rising R&amp;D in Beijing, Shanghai, Guangzhou </a:t>
-            </a:r>
-            <a:endParaRPr/>
-          </a:p>
-          <a:p>
-            <a:pPr lvl="2">
               <a:lnSpc>
                 <a:spcPct val="100000"/>
               </a:lnSpc>
@@ -8474,13 +6341,38 @@
               <a:buChar char=""/>
             </a:pPr>
             <a:r>
-              <a:rPr lang="en-US" sz="2100">
-                <a:solidFill>
-                  <a:srgbClr val="000000"/>
-                </a:solidFill>
-                <a:latin typeface="Constantia"/>
-              </a:rPr>
-              <a:t>R&amp;D US firms: $7 million (1994) -&gt; $646 million (2002)</a:t>
+              <a:rPr lang="en-US" sz="2400">
+                <a:solidFill>
+                  <a:srgbClr val="000000"/>
+                </a:solidFill>
+                <a:latin typeface="Constantia"/>
+              </a:rPr>
+              <a:t>Absorptive capacity is enhanced by trade and by presence of highly educated populations</a:t>
+            </a:r>
+            <a:endParaRPr/>
+          </a:p>
+          <a:p>
+            <a:pPr>
+              <a:lnSpc>
+                <a:spcPct val="100000"/>
+              </a:lnSpc>
+            </a:pPr>
+            <a:endParaRPr/>
+          </a:p>
+          <a:p>
+            <a:pPr>
+              <a:lnSpc>
+                <a:spcPct val="100000"/>
+              </a:lnSpc>
+            </a:pPr>
+            <a:r>
+              <a:rPr b="1" lang="en-US" sz="2600">
+                <a:solidFill>
+                  <a:srgbClr val="000000"/>
+                </a:solidFill>
+                <a:latin typeface="Constantia"/>
+              </a:rPr>
+              <a:t>The globalization of the innovation process</a:t>
             </a:r>
             <a:endParaRPr/>
           </a:p>
@@ -8491,7 +6383,181 @@
               </a:lnSpc>
               <a:buSzPct val="25000"/>
               <a:buFont typeface="StarSymbol"/>
-              <a:buChar char=""/>
+              <a:buChar char=""/>
+            </a:pPr>
+            <a:r>
+              <a:rPr lang="en-US" sz="2400">
+                <a:solidFill>
+                  <a:srgbClr val="000000"/>
+                </a:solidFill>
+                <a:latin typeface="Constantia"/>
+              </a:rPr>
+              <a:t>Since 1950s/60s the emergence of trans-national corporations (TNCs) has led to spreading of R&amp;D facilities across rich countries</a:t>
+            </a:r>
+            <a:endParaRPr/>
+          </a:p>
+          <a:p>
+            <a:pPr lvl="1">
+              <a:lnSpc>
+                <a:spcPct val="100000"/>
+              </a:lnSpc>
+              <a:buSzPct val="25000"/>
+              <a:buFont typeface="StarSymbol"/>
+              <a:buChar char=""/>
+            </a:pPr>
+            <a:r>
+              <a:rPr lang="en-US" sz="2400">
+                <a:solidFill>
+                  <a:srgbClr val="000000"/>
+                </a:solidFill>
+                <a:latin typeface="Constantia"/>
+              </a:rPr>
+              <a:t>UNCTAD (2005) study contains a mass of information and background to this and also shows new trends</a:t>
+            </a:r>
+            <a:endParaRPr/>
+          </a:p>
+          <a:p>
+            <a:pPr lvl="2">
+              <a:lnSpc>
+                <a:spcPct val="100000"/>
+              </a:lnSpc>
+              <a:buSzPct val="25000"/>
+              <a:buFont typeface="StarSymbol"/>
+              <a:buChar char=""/>
+            </a:pPr>
+            <a:r>
+              <a:rPr lang="en-US" sz="2100">
+                <a:solidFill>
+                  <a:srgbClr val="000000"/>
+                </a:solidFill>
+                <a:latin typeface="Constantia"/>
+              </a:rPr>
+              <a:t>Worlds largest R&amp;D firms do 28% R&amp;D overseas</a:t>
+            </a:r>
+            <a:endParaRPr/>
+          </a:p>
+          <a:p>
+            <a:pPr lvl="3">
+              <a:lnSpc>
+                <a:spcPct val="100000"/>
+              </a:lnSpc>
+              <a:buSzPct val="25000"/>
+              <a:buFont typeface="StarSymbol"/>
+              <a:buChar char=""/>
+            </a:pPr>
+            <a:r>
+              <a:rPr lang="en-US" sz="2000">
+                <a:solidFill>
+                  <a:srgbClr val="000000"/>
+                </a:solidFill>
+                <a:latin typeface="Constantia"/>
+              </a:rPr>
+              <a:t>Euro firms 41%, US firms 24%, Japanese firms 15%</a:t>
+            </a:r>
+            <a:endParaRPr/>
+          </a:p>
+          <a:p>
+            <a:pPr lvl="1">
+              <a:lnSpc>
+                <a:spcPct val="100000"/>
+              </a:lnSpc>
+              <a:buSzPct val="25000"/>
+              <a:buFont typeface="StarSymbol"/>
+              <a:buChar char=""/>
+            </a:pPr>
+            <a:r>
+              <a:rPr lang="en-US" sz="2400">
+                <a:solidFill>
+                  <a:srgbClr val="000000"/>
+                </a:solidFill>
+                <a:latin typeface="Constantia"/>
+              </a:rPr>
+              <a:t>24 hour R&amp;D advantage!</a:t>
+            </a:r>
+            <a:endParaRPr/>
+          </a:p>
+          <a:p>
+            <a:pPr>
+              <a:lnSpc>
+                <a:spcPct val="100000"/>
+              </a:lnSpc>
+            </a:pPr>
+            <a:endParaRPr/>
+          </a:p>
+          <a:p>
+            <a:pPr>
+              <a:lnSpc>
+                <a:spcPct val="100000"/>
+              </a:lnSpc>
+            </a:pPr>
+            <a:r>
+              <a:rPr b="1" lang="en-US" sz="2600">
+                <a:solidFill>
+                  <a:srgbClr val="000000"/>
+                </a:solidFill>
+                <a:latin typeface="Constantia"/>
+              </a:rPr>
+              <a:t>Globalisation of R&amp;D to China and India:</a:t>
+            </a:r>
+            <a:r>
+              <a:rPr lang="en-US" sz="2600">
+                <a:solidFill>
+                  <a:srgbClr val="000000"/>
+                </a:solidFill>
+                <a:latin typeface="Constantia"/>
+              </a:rPr>
+              <a:t>	</a:t>
+            </a:r>
+            <a:endParaRPr/>
+          </a:p>
+          <a:p>
+            <a:pPr lvl="1">
+              <a:lnSpc>
+                <a:spcPct val="100000"/>
+              </a:lnSpc>
+              <a:buSzPct val="25000"/>
+              <a:buFont typeface="StarSymbol"/>
+              <a:buChar char=""/>
+            </a:pPr>
+            <a:r>
+              <a:rPr lang="en-US" sz="2400">
+                <a:solidFill>
+                  <a:srgbClr val="000000"/>
+                </a:solidFill>
+                <a:latin typeface="Constantia"/>
+              </a:rPr>
+              <a:t>China: rising R&amp;D in Beijing, Shanghai, Guangzhou </a:t>
+            </a:r>
+            <a:endParaRPr/>
+          </a:p>
+          <a:p>
+            <a:pPr lvl="2">
+              <a:lnSpc>
+                <a:spcPct val="100000"/>
+              </a:lnSpc>
+              <a:buSzPct val="25000"/>
+              <a:buFont typeface="StarSymbol"/>
+              <a:buChar char=""/>
+            </a:pPr>
+            <a:r>
+              <a:rPr lang="en-US" sz="2100">
+                <a:solidFill>
+                  <a:srgbClr val="000000"/>
+                </a:solidFill>
+                <a:latin typeface="Constantia"/>
+              </a:rPr>
+              <a:t>R&amp;D US firms: $7 million (1994) -&gt; $646 million (2002)</a:t>
+            </a:r>
+            <a:endParaRPr/>
+          </a:p>
+          <a:p>
+            <a:pPr lvl="1">
+              <a:lnSpc>
+                <a:spcPct val="100000"/>
+              </a:lnSpc>
+              <a:buSzPct val="25000"/>
+              <a:buFont typeface="StarSymbol"/>
+              <a:buChar char=""/>
             </a:pPr>
             <a:r>
               <a:rPr lang="en-US" sz="2400">
@@ -8531,56 +6597,25 @@
   <p:timing>
     <p:tnLst>
       <p:par>
-        <p:cTn dur="indefinite" id="247" nodeType="tmRoot" restart="never">
+        <p:cTn dur="indefinite" id="249" nodeType="tmRoot" restart="never">
           <p:childTnLst>
             <p:seq>
-              <p:cTn dur="indefinite" id="248" nodeType="mainSeq">
+              <p:cTn dur="indefinite" id="250" nodeType="mainSeq">
                 <p:childTnLst>
                   <p:par>
-                    <p:cTn fill="hold" id="249">
+                    <p:cTn fill="hold" id="251">
                       <p:stCondLst>
                         <p:cond delay="indefinite"/>
                       </p:stCondLst>
                       <p:childTnLst>
                         <p:par>
-                          <p:cTn fill="hold" id="250">
+                          <p:cTn fill="hold" id="252">
                             <p:stCondLst>
                               <p:cond delay="0"/>
                             </p:stCondLst>
                             <p:childTnLst>
                               <p:par>
-                                <p:cTn fill="hold" id="251" nodeType="clickEffect" presetClass="entr" presetID="1">
-                                  <p:stCondLst>
-                                    <p:cond delay="0"/>
-                                  </p:stCondLst>
-                                  <p:childTnLst>
-                                    <p:set>
-                                      <p:cBhvr>
-                                        <p:cTn dur="1" fill="hold" id="252">
-                                          <p:stCondLst>
-                                            <p:cond delay="0"/>
-                                          </p:stCondLst>
-                                        </p:cTn>
-                                        <p:tgtEl>
-                                          <p:spTgt spid="156">
-                                            <p:txEl>
-                                              <p:pRg end="27" st="0"/>
-                                            </p:txEl>
-                                          </p:spTgt>
-                                        </p:tgtEl>
-                                        <p:attrNameLst>
-                                          <p:attrName>style.visibility</p:attrName>
-                                        </p:attrNameLst>
-                                      </p:cBhvr>
-                                      <p:to>
-                                        <p:strVal val="visible"/>
-                                      </p:to>
-                                    </p:set>
-                                  </p:childTnLst>
-                                </p:cTn>
-                              </p:par>
-                              <p:par>
-                                <p:cTn fill="hold" id="253" nodeType="withEffect" presetClass="entr" presetID="1">
+                                <p:cTn fill="hold" id="253" nodeType="clickEffect" presetClass="entr" presetID="1">
                                   <p:stCondLst>
                                     <p:cond delay="0"/>
                                   </p:stCondLst>
@@ -8593,9 +6628,9 @@
                                           </p:stCondLst>
                                         </p:cTn>
                                         <p:tgtEl>
-                                          <p:spTgt spid="156">
+                                          <p:spTgt spid="105">
                                             <p:txEl>
-                                              <p:pRg end="83" st="27"/>
+                                              <p:pRg end="27" st="0"/>
                                             </p:txEl>
                                           </p:spTgt>
                                         </p:tgtEl>
@@ -8624,9 +6659,40 @@
                                           </p:stCondLst>
                                         </p:cTn>
                                         <p:tgtEl>
-                                          <p:spTgt spid="156">
+                                          <p:spTgt spid="105">
                                             <p:txEl>
-                                              <p:pRg end="171" st="83"/>
+                                              <p:pRg end="813" st="813"/>
+                                            </p:txEl>
+                                          </p:spTgt>
+                                        </p:tgtEl>
+                                        <p:attrNameLst>
+                                          <p:attrName>style.visibility</p:attrName>
+                                        </p:attrNameLst>
+                                      </p:cBhvr>
+                                      <p:to>
+                                        <p:strVal val="visible"/>
+                                      </p:to>
+                                    </p:set>
+                                  </p:childTnLst>
+                                </p:cTn>
+                              </p:par>
+                              <p:par>
+                                <p:cTn fill="hold" id="257" nodeType="withEffect" presetClass="entr" presetID="1">
+                                  <p:stCondLst>
+                                    <p:cond delay="0"/>
+                                  </p:stCondLst>
+                                  <p:childTnLst>
+                                    <p:set>
+                                      <p:cBhvr>
+                                        <p:cTn dur="1" fill="hold" id="258">
+                                          <p:stCondLst>
+                                            <p:cond delay="0"/>
+                                          </p:stCondLst>
+                                        </p:cTn>
+                                        <p:tgtEl>
+                                          <p:spTgt spid="105">
+                                            <p:txEl>
+                                              <p:pRg end="813" st="813"/>
                                             </p:txEl>
                                           </p:spTgt>
                                         </p:tgtEl>
@@ -8648,50 +6714,19 @@
                     </p:cTn>
                   </p:par>
                   <p:par>
-                    <p:cTn fill="hold" id="257">
+                    <p:cTn fill="hold" id="259">
                       <p:stCondLst>
                         <p:cond delay="indefinite"/>
                       </p:stCondLst>
                       <p:childTnLst>
                         <p:par>
-                          <p:cTn fill="hold" id="258">
+                          <p:cTn fill="hold" id="260">
                             <p:stCondLst>
                               <p:cond delay="0"/>
                             </p:stCondLst>
                             <p:childTnLst>
                               <p:par>
-                                <p:cTn fill="hold" id="259" nodeType="clickEffect" presetClass="entr" presetID="1">
-                                  <p:stCondLst>
-                                    <p:cond delay="0"/>
-                                  </p:stCondLst>
-                                  <p:childTnLst>
-                                    <p:set>
-                                      <p:cBhvr>
-                                        <p:cTn dur="1" fill="hold" id="260">
-                                          <p:stCondLst>
-                                            <p:cond delay="0"/>
-                                          </p:stCondLst>
-                                        </p:cTn>
-                                        <p:tgtEl>
-                                          <p:spTgt spid="156">
-                                            <p:txEl>
-                                              <p:pRg end="216" st="172"/>
-                                            </p:txEl>
-                                          </p:spTgt>
-                                        </p:tgtEl>
-                                        <p:attrNameLst>
-                                          <p:attrName>style.visibility</p:attrName>
-                                        </p:attrNameLst>
-                                      </p:cBhvr>
-                                      <p:to>
-                                        <p:strVal val="visible"/>
-                                      </p:to>
-                                    </p:set>
-                                  </p:childTnLst>
-                                </p:cTn>
-                              </p:par>
-                              <p:par>
-                                <p:cTn fill="hold" id="261" nodeType="withEffect" presetClass="entr" presetID="1">
+                                <p:cTn fill="hold" id="261" nodeType="clickEffect" presetClass="entr" presetID="1">
                                   <p:stCondLst>
                                     <p:cond delay="0"/>
                                   </p:stCondLst>
@@ -8704,9 +6739,9 @@
                                           </p:stCondLst>
                                         </p:cTn>
                                         <p:tgtEl>
-                                          <p:spTgt spid="156">
+                                          <p:spTgt spid="105">
                                             <p:txEl>
-                                              <p:pRg end="345" st="216"/>
+                                              <p:pRg end="813" st="813"/>
                                             </p:txEl>
                                           </p:spTgt>
                                         </p:tgtEl>
@@ -8735,9 +6770,9 @@
                                           </p:stCondLst>
                                         </p:cTn>
                                         <p:tgtEl>
-                                          <p:spTgt spid="156">
+                                          <p:spTgt spid="105">
                                             <p:txEl>
-                                              <p:pRg end="445" st="345"/>
+                                              <p:pRg end="813" st="813"/>
                                             </p:txEl>
                                           </p:spTgt>
                                         </p:tgtEl>
@@ -8766,9 +6801,9 @@
                                           </p:stCondLst>
                                         </p:cTn>
                                         <p:tgtEl>
-                                          <p:spTgt spid="156">
+                                          <p:spTgt spid="105">
                                             <p:txEl>
-                                              <p:pRg end="490" st="445"/>
+                                              <p:pRg end="813" st="813"/>
                                             </p:txEl>
                                           </p:spTgt>
                                         </p:tgtEl>
@@ -8797,9 +6832,9 @@
                                           </p:stCondLst>
                                         </p:cTn>
                                         <p:tgtEl>
-                                          <p:spTgt spid="156">
+                                          <p:spTgt spid="105">
                                             <p:txEl>
-                                              <p:pRg end="539" st="490"/>
+                                              <p:pRg end="813" st="813"/>
                                             </p:txEl>
                                           </p:spTgt>
                                         </p:tgtEl>
@@ -8828,9 +6863,40 @@
                                           </p:stCondLst>
                                         </p:cTn>
                                         <p:tgtEl>
-                                          <p:spTgt spid="156">
+                                          <p:spTgt spid="105">
                                             <p:txEl>
-                                              <p:pRg end="562" st="539"/>
+                                              <p:pRg end="813" st="813"/>
+                                            </p:txEl>
+                                          </p:spTgt>
+                                        </p:tgtEl>
+                                        <p:attrNameLst>
+                                          <p:attrName>style.visibility</p:attrName>
+                                        </p:attrNameLst>
+                                      </p:cBhvr>
+                                      <p:to>
+                                        <p:strVal val="visible"/>
+                                      </p:to>
+                                    </p:set>
+                                  </p:childTnLst>
+                                </p:cTn>
+                              </p:par>
+                              <p:par>
+                                <p:cTn fill="hold" id="271" nodeType="withEffect" presetClass="entr" presetID="1">
+                                  <p:stCondLst>
+                                    <p:cond delay="0"/>
+                                  </p:stCondLst>
+                                  <p:childTnLst>
+                                    <p:set>
+                                      <p:cBhvr>
+                                        <p:cTn dur="1" fill="hold" id="272">
+                                          <p:stCondLst>
+                                            <p:cond delay="0"/>
+                                          </p:stCondLst>
+                                        </p:cTn>
+                                        <p:tgtEl>
+                                          <p:spTgt spid="105">
+                                            <p:txEl>
+                                              <p:pRg end="813" st="813"/>
                                             </p:txEl>
                                           </p:spTgt>
                                         </p:tgtEl>
@@ -8852,50 +6918,19 @@
                     </p:cTn>
                   </p:par>
                   <p:par>
-                    <p:cTn fill="hold" id="271">
+                    <p:cTn fill="hold" id="273">
                       <p:stCondLst>
                         <p:cond delay="indefinite"/>
                       </p:stCondLst>
                       <p:childTnLst>
                         <p:par>
-                          <p:cTn fill="hold" id="272">
+                          <p:cTn fill="hold" id="274">
                             <p:stCondLst>
                               <p:cond delay="0"/>
                             </p:stCondLst>
                             <p:childTnLst>
                               <p:par>
-                                <p:cTn fill="hold" id="273" nodeType="clickEffect" presetClass="entr" presetID="1">
-                                  <p:stCondLst>
-                                    <p:cond delay="0"/>
-                                  </p:stCondLst>
-                                  <p:childTnLst>
-                                    <p:set>
-                                      <p:cBhvr>
-                                        <p:cTn dur="1" fill="hold" id="274">
-                                          <p:stCondLst>
-                                            <p:cond delay="0"/>
-                                          </p:stCondLst>
-                                        </p:cTn>
-                                        <p:tgtEl>
-                                          <p:spTgt spid="156">
-                                            <p:txEl>
-                                              <p:pRg end="605" st="563"/>
-                                            </p:txEl>
-                                          </p:spTgt>
-                                        </p:tgtEl>
-                                        <p:attrNameLst>
-                                          <p:attrName>style.visibility</p:attrName>
-                                        </p:attrNameLst>
-                                      </p:cBhvr>
-                                      <p:to>
-                                        <p:strVal val="visible"/>
-                                      </p:to>
-                                    </p:set>
-                                  </p:childTnLst>
-                                </p:cTn>
-                              </p:par>
-                              <p:par>
-                                <p:cTn fill="hold" id="275" nodeType="withEffect" presetClass="entr" presetID="1">
+                                <p:cTn fill="hold" id="275" nodeType="clickEffect" presetClass="entr" presetID="1">
                                   <p:stCondLst>
                                     <p:cond delay="0"/>
                                   </p:stCondLst>
@@ -8908,9 +6943,9 @@
                                           </p:stCondLst>
                                         </p:cTn>
                                         <p:tgtEl>
-                                          <p:spTgt spid="156">
+                                          <p:spTgt spid="105">
                                             <p:txEl>
-                                              <p:pRg end="656" st="605"/>
+                                              <p:pRg end="813" st="813"/>
                                             </p:txEl>
                                           </p:spTgt>
                                         </p:tgtEl>
@@ -8939,9 +6974,9 @@
                                           </p:stCondLst>
                                         </p:cTn>
                                         <p:tgtEl>
-                                          <p:spTgt spid="156">
+                                          <p:spTgt spid="105">
                                             <p:txEl>
-                                              <p:pRg end="711" st="656"/>
+                                              <p:pRg end="813" st="813"/>
                                             </p:txEl>
                                           </p:spTgt>
                                         </p:tgtEl>
@@ -8970,9 +7005,9 @@
                                           </p:stCondLst>
                                         </p:cTn>
                                         <p:tgtEl>
-                                          <p:spTgt spid="156">
+                                          <p:spTgt spid="105">
                                             <p:txEl>
-                                              <p:pRg end="760" st="711"/>
+                                              <p:pRg end="813" st="813"/>
                                             </p:txEl>
                                           </p:spTgt>
                                         </p:tgtEl>
@@ -9001,9 +7036,40 @@
                                           </p:stCondLst>
                                         </p:cTn>
                                         <p:tgtEl>
-                                          <p:spTgt spid="156">
+                                          <p:spTgt spid="105">
                                             <p:txEl>
-                                              <p:pRg end="813" st="760"/>
+                                              <p:pRg end="813" st="813"/>
+                                            </p:txEl>
+                                          </p:spTgt>
+                                        </p:tgtEl>
+                                        <p:attrNameLst>
+                                          <p:attrName>style.visibility</p:attrName>
+                                        </p:attrNameLst>
+                                      </p:cBhvr>
+                                      <p:to>
+                                        <p:strVal val="visible"/>
+                                      </p:to>
+                                    </p:set>
+                                  </p:childTnLst>
+                                </p:cTn>
+                              </p:par>
+                              <p:par>
+                                <p:cTn fill="hold" id="283" nodeType="withEffect" presetClass="entr" presetID="1">
+                                  <p:stCondLst>
+                                    <p:cond delay="0"/>
+                                  </p:stCondLst>
+                                  <p:childTnLst>
+                                    <p:set>
+                                      <p:cBhvr>
+                                        <p:cTn dur="1" fill="hold" id="284">
+                                          <p:stCondLst>
+                                            <p:cond delay="0"/>
+                                          </p:stCondLst>
+                                        </p:cTn>
+                                        <p:tgtEl>
+                                          <p:spTgt spid="105">
+                                            <p:txEl>
+                                              <p:pRg end="813" st="813"/>
                                             </p:txEl>
                                           </p:spTgt>
                                         </p:tgtEl>
@@ -9068,14 +7134,14 @@
       </p:grpSpPr>
       <p:sp>
         <p:nvSpPr>
-          <p:cNvPr id="157" name="TextShape 1"/>
-          <p:cNvSpPr txBox="1"/>
+          <p:cNvPr id="106" name="CustomShape 1"/>
+          <p:cNvSpPr/>
           <p:nvPr/>
         </p:nvSpPr>
         <p:spPr>
           <a:xfrm>
             <a:off x="467640" y="476640"/>
-            <a:ext cx="8229240" cy="564480"/>
+            <a:ext cx="8228880" cy="564120"/>
           </a:xfrm>
           <a:prstGeom prst="rect">
             <a:avLst/>
@@ -9104,14 +7170,14 @@
       </p:sp>
       <p:sp>
         <p:nvSpPr>
-          <p:cNvPr id="158" name="TextShape 2"/>
-          <p:cNvSpPr txBox="1"/>
+          <p:cNvPr id="107" name="CustomShape 2"/>
+          <p:cNvSpPr/>
           <p:nvPr/>
         </p:nvSpPr>
         <p:spPr>
           <a:xfrm>
             <a:off x="539640" y="1052640"/>
-            <a:ext cx="8229240" cy="4983480"/>
+            <a:ext cx="8228880" cy="4983120"/>
           </a:xfrm>
           <a:prstGeom prst="rect">
             <a:avLst/>
@@ -9217,7 +7283,7 @@
       </p:sp>
       <p:pic>
         <p:nvPicPr>
-          <p:cNvPr descr="" id="159" name="Picture 1"/>
+          <p:cNvPr descr="" id="108" name="Picture 1"/>
           <p:cNvPicPr/>
           <p:nvPr/>
         </p:nvPicPr>
@@ -9230,7 +7296,7 @@
         <p:spPr>
           <a:xfrm>
             <a:off x="3780000" y="4293000"/>
-            <a:ext cx="3600000" cy="2484000"/>
+            <a:ext cx="3599640" cy="2483640"/>
           </a:xfrm>
           <a:prstGeom prst="rect">
             <a:avLst/>
@@ -9242,38 +7308,38 @@
   <p:timing>
     <p:tnLst>
       <p:par>
-        <p:cTn dur="indefinite" id="283" nodeType="tmRoot" restart="never">
+        <p:cTn dur="indefinite" id="285" nodeType="tmRoot" restart="never">
           <p:childTnLst>
             <p:seq>
-              <p:cTn dur="indefinite" id="284" nodeType="mainSeq">
+              <p:cTn dur="indefinite" id="286" nodeType="mainSeq">
                 <p:childTnLst>
                   <p:par>
-                    <p:cTn fill="hold" id="285">
+                    <p:cTn fill="hold" id="287">
                       <p:stCondLst>
                         <p:cond delay="indefinite"/>
                       </p:stCondLst>
                       <p:childTnLst>
                         <p:par>
-                          <p:cTn fill="hold" id="286">
+                          <p:cTn fill="hold" id="288">
                             <p:stCondLst>
                               <p:cond delay="0"/>
                             </p:stCondLst>
                             <p:childTnLst>
                               <p:par>
-                                <p:cTn fill="hold" id="287" nodeType="clickEffect" presetClass="entr" presetID="1">
+                                <p:cTn fill="hold" id="289" nodeType="clickEffect" presetClass="entr" presetID="1">
                                   <p:stCondLst>
                                     <p:cond delay="0"/>
                                   </p:stCondLst>
                                   <p:childTnLst>
                                     <p:set>
                                       <p:cBhvr>
-                                        <p:cTn dur="1" fill="hold" id="288">
+                                        <p:cTn dur="1" fill="hold" id="290">
                                           <p:stCondLst>
                                             <p:cond delay="0"/>
                                           </p:stCondLst>
                                         </p:cTn>
                                         <p:tgtEl>
-                                          <p:spTgt spid="158">
+                                          <p:spTgt spid="107">
                                             <p:txEl>
                                               <p:pRg end="91" st="0"/>
                                             </p:txEl>
@@ -9297,34 +7363,34 @@
                     </p:cTn>
                   </p:par>
                   <p:par>
-                    <p:cTn fill="hold" id="289">
+                    <p:cTn fill="hold" id="291">
                       <p:stCondLst>
                         <p:cond delay="indefinite"/>
                       </p:stCondLst>
                       <p:childTnLst>
                         <p:par>
-                          <p:cTn fill="hold" id="290">
+                          <p:cTn fill="hold" id="292">
                             <p:stCondLst>
                               <p:cond delay="0"/>
                             </p:stCondLst>
                             <p:childTnLst>
                               <p:par>
-                                <p:cTn fill="hold" id="291" nodeType="clickEffect" presetClass="entr" presetID="1">
+                                <p:cTn fill="hold" id="293" nodeType="clickEffect" presetClass="entr" presetID="1">
                                   <p:stCondLst>
                                     <p:cond delay="0"/>
                                   </p:stCondLst>
                                   <p:childTnLst>
                                     <p:set>
                                       <p:cBhvr>
-                                        <p:cTn dur="1" fill="hold" id="292">
+                                        <p:cTn dur="1" fill="hold" id="294">
                                           <p:stCondLst>
                                             <p:cond delay="0"/>
                                           </p:stCondLst>
                                         </p:cTn>
                                         <p:tgtEl>
-                                          <p:spTgt spid="158">
+                                          <p:spTgt spid="107">
                                             <p:txEl>
-                                              <p:pRg end="284" st="91"/>
+                                              <p:pRg end="410" st="410"/>
                                             </p:txEl>
                                           </p:spTgt>
                                         </p:tgtEl>
@@ -9346,34 +7412,34 @@
                     </p:cTn>
                   </p:par>
                   <p:par>
-                    <p:cTn fill="hold" id="293">
+                    <p:cTn fill="hold" id="295">
                       <p:stCondLst>
                         <p:cond delay="indefinite"/>
                       </p:stCondLst>
                       <p:childTnLst>
                         <p:par>
-                          <p:cTn fill="hold" id="294">
+                          <p:cTn fill="hold" id="296">
                             <p:stCondLst>
                               <p:cond delay="0"/>
                             </p:stCondLst>
                             <p:childTnLst>
                               <p:par>
-                                <p:cTn fill="hold" id="295" nodeType="clickEffect" presetClass="entr" presetID="1">
+                                <p:cTn fill="hold" id="297" nodeType="clickEffect" presetClass="entr" presetID="1">
                                   <p:stCondLst>
                                     <p:cond delay="0"/>
                                   </p:stCondLst>
                                   <p:childTnLst>
                                     <p:set>
                                       <p:cBhvr>
-                                        <p:cTn dur="1" fill="hold" id="296">
+                                        <p:cTn dur="1" fill="hold" id="298">
                                           <p:stCondLst>
                                             <p:cond delay="0"/>
                                           </p:stCondLst>
                                         </p:cTn>
                                         <p:tgtEl>
-                                          <p:spTgt spid="158">
+                                          <p:spTgt spid="107">
                                             <p:txEl>
-                                              <p:pRg end="408" st="284"/>
+                                              <p:pRg end="410" st="410"/>
                                             </p:txEl>
                                           </p:spTgt>
                                         </p:tgtEl>
@@ -9438,14 +7504,14 @@
       </p:grpSpPr>
       <p:sp>
         <p:nvSpPr>
-          <p:cNvPr id="160" name="TextShape 1"/>
-          <p:cNvSpPr txBox="1"/>
+          <p:cNvPr id="109" name="CustomShape 1"/>
+          <p:cNvSpPr/>
           <p:nvPr/>
         </p:nvSpPr>
         <p:spPr>
           <a:xfrm>
             <a:off x="611640" y="548640"/>
-            <a:ext cx="8229240" cy="636480"/>
+            <a:ext cx="8228880" cy="636120"/>
           </a:xfrm>
           <a:prstGeom prst="rect">
             <a:avLst/>
@@ -9483,14 +7549,14 @@
       </p:sp>
       <p:sp>
         <p:nvSpPr>
-          <p:cNvPr id="161" name="TextShape 2"/>
-          <p:cNvSpPr txBox="1"/>
+          <p:cNvPr id="110" name="CustomShape 2"/>
+          <p:cNvSpPr/>
           <p:nvPr/>
         </p:nvSpPr>
         <p:spPr>
           <a:xfrm>
             <a:off x="539640" y="1124640"/>
-            <a:ext cx="8229240" cy="4551480"/>
+            <a:ext cx="8228880" cy="4551120"/>
           </a:xfrm>
           <a:prstGeom prst="rect">
             <a:avLst/>
@@ -9563,7 +7629,7 @@
               </a:lnSpc>
               <a:buSzPct val="25000"/>
               <a:buFont typeface="StarSymbol"/>
-              <a:buChar char=""/>
+              <a:buChar char=""/>
             </a:pPr>
             <a:r>
               <a:rPr lang="en-US" sz="2400">
@@ -9583,7 +7649,7 @@
               </a:lnSpc>
               <a:buSzPct val="25000"/>
               <a:buFont typeface="StarSymbol"/>
-              <a:buChar char=""/>
+              <a:buChar char=""/>
             </a:pPr>
             <a:r>
               <a:rPr lang="en-US" sz="2400">
@@ -9640,7 +7706,7 @@
       </p:sp>
       <p:pic>
         <p:nvPicPr>
-          <p:cNvPr descr="" id="162" name="Picture 3"/>
+          <p:cNvPr descr="" id="111" name="Picture 3"/>
           <p:cNvPicPr/>
           <p:nvPr/>
         </p:nvPicPr>
@@ -9653,7 +7719,7 @@
         <p:spPr>
           <a:xfrm>
             <a:off x="7548480" y="5445360"/>
-            <a:ext cx="1388160" cy="1270440"/>
+            <a:ext cx="1387800" cy="1270080"/>
           </a:xfrm>
           <a:prstGeom prst="rect">
             <a:avLst/>
@@ -9684,14 +7750,14 @@
       </p:grpSpPr>
       <p:sp>
         <p:nvSpPr>
-          <p:cNvPr id="126" name="TextShape 1"/>
-          <p:cNvSpPr txBox="1"/>
+          <p:cNvPr id="75" name="CustomShape 1"/>
+          <p:cNvSpPr/>
           <p:nvPr/>
         </p:nvSpPr>
         <p:spPr>
           <a:xfrm>
             <a:off x="395640" y="260640"/>
-            <a:ext cx="8229240" cy="1142640"/>
+            <a:ext cx="8228880" cy="1142280"/>
           </a:xfrm>
           <a:prstGeom prst="rect">
             <a:avLst/>
@@ -9720,14 +7786,14 @@
       </p:sp>
       <p:sp>
         <p:nvSpPr>
-          <p:cNvPr id="127" name="TextShape 2"/>
-          <p:cNvSpPr txBox="1"/>
+          <p:cNvPr id="76" name="CustomShape 2"/>
+          <p:cNvSpPr/>
           <p:nvPr/>
         </p:nvSpPr>
         <p:spPr>
           <a:xfrm>
             <a:off x="457200" y="1935360"/>
-            <a:ext cx="8229240" cy="4388760"/>
+            <a:ext cx="8228880" cy="4388400"/>
           </a:xfrm>
           <a:prstGeom prst="rect">
             <a:avLst/>
@@ -9759,7 +7825,7 @@
               </a:lnSpc>
               <a:buSzPct val="25000"/>
               <a:buFont typeface="StarSymbol"/>
-              <a:buChar char=""/>
+              <a:buChar char=""/>
             </a:pPr>
             <a:r>
               <a:rPr lang="en-US" sz="2400">
@@ -9779,7 +7845,7 @@
               </a:lnSpc>
               <a:buSzPct val="25000"/>
               <a:buFont typeface="StarSymbol"/>
-              <a:buChar char=""/>
+              <a:buChar char=""/>
             </a:pPr>
             <a:r>
               <a:rPr lang="en-US" sz="2400">
@@ -9799,7 +7865,7 @@
               </a:lnSpc>
               <a:buSzPct val="25000"/>
               <a:buFont typeface="StarSymbol"/>
-              <a:buChar char=""/>
+              <a:buChar char=""/>
             </a:pPr>
             <a:r>
               <a:rPr lang="en-US" sz="2400">
@@ -9819,7 +7885,7 @@
               </a:lnSpc>
               <a:buSzPct val="25000"/>
               <a:buFont typeface="StarSymbol"/>
-              <a:buChar char=""/>
+              <a:buChar char=""/>
             </a:pPr>
             <a:r>
               <a:rPr lang="en-US" sz="2400">
@@ -9839,7 +7905,7 @@
               </a:lnSpc>
               <a:buSzPct val="25000"/>
               <a:buFont typeface="StarSymbol"/>
-              <a:buChar char=""/>
+              <a:buChar char=""/>
             </a:pPr>
             <a:r>
               <a:rPr lang="en-US" sz="2400">
@@ -9859,7 +7925,7 @@
               </a:lnSpc>
               <a:buSzPct val="25000"/>
               <a:buFont typeface="StarSymbol"/>
-              <a:buChar char=""/>
+              <a:buChar char=""/>
             </a:pPr>
             <a:r>
               <a:rPr lang="en-US" sz="2400">
@@ -9898,14 +7964,14 @@
       </p:grpSpPr>
       <p:sp>
         <p:nvSpPr>
-          <p:cNvPr id="128" name="TextShape 1"/>
-          <p:cNvSpPr txBox="1"/>
+          <p:cNvPr id="77" name="CustomShape 1"/>
+          <p:cNvSpPr/>
           <p:nvPr/>
         </p:nvSpPr>
         <p:spPr>
           <a:xfrm>
             <a:off x="457200" y="704160"/>
-            <a:ext cx="8229240" cy="564480"/>
+            <a:ext cx="8228880" cy="564120"/>
           </a:xfrm>
           <a:prstGeom prst="rect">
             <a:avLst/>
@@ -9934,14 +8000,14 @@
       </p:sp>
       <p:sp>
         <p:nvSpPr>
-          <p:cNvPr id="129" name="TextShape 2"/>
-          <p:cNvSpPr txBox="1"/>
+          <p:cNvPr id="78" name="CustomShape 2"/>
+          <p:cNvSpPr/>
           <p:nvPr/>
         </p:nvSpPr>
         <p:spPr>
           <a:xfrm>
             <a:off x="457200" y="1268640"/>
-            <a:ext cx="8229240" cy="5055480"/>
+            <a:ext cx="8228880" cy="5055120"/>
           </a:xfrm>
           <a:prstGeom prst="rect">
             <a:avLst/>
@@ -9981,7 +8047,7 @@
               </a:lnSpc>
               <a:buSzPct val="25000"/>
               <a:buFont typeface="StarSymbol"/>
-              <a:buChar char=""/>
+              <a:buChar char=""/>
             </a:pPr>
             <a:r>
               <a:rPr lang="en-US" sz="2400">
@@ -10001,7 +8067,7 @@
               </a:lnSpc>
               <a:buSzPct val="25000"/>
               <a:buFont typeface="StarSymbol"/>
-              <a:buChar char=""/>
+              <a:buChar char=""/>
             </a:pPr>
             <a:r>
               <a:rPr lang="en-US" sz="2400">
@@ -10021,7 +8087,7 @@
               </a:lnSpc>
               <a:buSzPct val="25000"/>
               <a:buFont typeface="StarSymbol"/>
-              <a:buChar char=""/>
+              <a:buChar char=""/>
             </a:pPr>
             <a:r>
               <a:rPr lang="en-US" sz="2400">
@@ -10035,9 +8101,19 @@
             <a:endParaRPr/>
           </a:p>
           <a:p>
-            <a:endParaRPr/>
-          </a:p>
-          <a:p>
+            <a:pPr>
+              <a:lnSpc>
+                <a:spcPct val="100000"/>
+              </a:lnSpc>
+            </a:pPr>
+            <a:endParaRPr/>
+          </a:p>
+          <a:p>
+            <a:pPr>
+              <a:lnSpc>
+                <a:spcPct val="100000"/>
+              </a:lnSpc>
+            </a:pPr>
             <a:r>
               <a:rPr b="1" lang="en-US" sz="2400">
                 <a:solidFill>
@@ -10056,40 +8132,40 @@
   <p:timing>
     <p:tnLst>
       <p:par>
-        <p:cTn dur="indefinite" id="1" nodeType="tmRoot" restart="never">
+        <p:cTn dur="indefinite" id="3" nodeType="tmRoot" restart="never">
           <p:childTnLst>
             <p:seq>
-              <p:cTn dur="indefinite" id="2" nodeType="mainSeq">
+              <p:cTn dur="indefinite" id="4" nodeType="mainSeq">
                 <p:childTnLst>
                   <p:par>
-                    <p:cTn fill="hold" id="3">
+                    <p:cTn fill="hold" id="5">
                       <p:stCondLst>
                         <p:cond delay="indefinite"/>
                       </p:stCondLst>
                       <p:childTnLst>
                         <p:par>
-                          <p:cTn fill="hold" id="4">
+                          <p:cTn fill="hold" id="6">
                             <p:stCondLst>
                               <p:cond delay="0"/>
                             </p:stCondLst>
                             <p:childTnLst>
                               <p:par>
-                                <p:cTn fill="hold" id="5" nodeType="clickEffect" presetClass="entr" presetID="1">
+                                <p:cTn fill="hold" id="7" nodeType="clickEffect" presetClass="entr" presetID="1">
                                   <p:stCondLst>
                                     <p:cond delay="0"/>
                                   </p:stCondLst>
                                   <p:childTnLst>
                                     <p:set>
                                       <p:cBhvr>
-                                        <p:cTn dur="1" fill="hold" id="6">
+                                        <p:cTn dur="1" fill="hold" id="8">
                                           <p:stCondLst>
                                             <p:cond delay="0"/>
                                           </p:stCondLst>
                                         </p:cTn>
                                         <p:tgtEl>
-                                          <p:spTgt spid="129">
+                                          <p:spTgt spid="78">
                                             <p:txEl>
-                                              <p:pRg end="128" st="76"/>
+                                              <p:pRg end="412" st="412"/>
                                             </p:txEl>
                                           </p:spTgt>
                                         </p:tgtEl>
@@ -10111,34 +8187,34 @@
                     </p:cTn>
                   </p:par>
                   <p:par>
-                    <p:cTn fill="hold" id="7">
+                    <p:cTn fill="hold" id="9">
                       <p:stCondLst>
                         <p:cond delay="indefinite"/>
                       </p:stCondLst>
                       <p:childTnLst>
                         <p:par>
-                          <p:cTn fill="hold" id="8">
+                          <p:cTn fill="hold" id="10">
                             <p:stCondLst>
                               <p:cond delay="0"/>
                             </p:stCondLst>
                             <p:childTnLst>
                               <p:par>
-                                <p:cTn fill="hold" id="9" nodeType="clickEffect" presetClass="entr" presetID="1">
+                                <p:cTn fill="hold" id="11" nodeType="clickEffect" presetClass="entr" presetID="1">
                                   <p:stCondLst>
                                     <p:cond delay="0"/>
                                   </p:stCondLst>
                                   <p:childTnLst>
                                     <p:set>
                                       <p:cBhvr>
-                                        <p:cTn dur="1" fill="hold" id="10">
+                                        <p:cTn dur="1" fill="hold" id="12">
                                           <p:stCondLst>
                                             <p:cond delay="0"/>
                                           </p:stCondLst>
                                         </p:cTn>
                                         <p:tgtEl>
-                                          <p:spTgt spid="129">
+                                          <p:spTgt spid="78">
                                             <p:txEl>
-                                              <p:pRg end="218" st="128"/>
+                                              <p:pRg end="412" st="412"/>
                                             </p:txEl>
                                           </p:spTgt>
                                         </p:tgtEl>
@@ -10160,34 +8236,34 @@
                     </p:cTn>
                   </p:par>
                   <p:par>
-                    <p:cTn fill="hold" id="11">
+                    <p:cTn fill="hold" id="13">
                       <p:stCondLst>
                         <p:cond delay="indefinite"/>
                       </p:stCondLst>
                       <p:childTnLst>
                         <p:par>
-                          <p:cTn fill="hold" id="12">
+                          <p:cTn fill="hold" id="14">
                             <p:stCondLst>
                               <p:cond delay="0"/>
                             </p:stCondLst>
                             <p:childTnLst>
                               <p:par>
-                                <p:cTn fill="hold" id="13" nodeType="clickEffect" presetClass="entr" presetID="1">
+                                <p:cTn fill="hold" id="15" nodeType="clickEffect" presetClass="entr" presetID="1">
                                   <p:stCondLst>
                                     <p:cond delay="0"/>
                                   </p:stCondLst>
                                   <p:childTnLst>
                                     <p:set>
                                       <p:cBhvr>
-                                        <p:cTn dur="1" fill="hold" id="14">
+                                        <p:cTn dur="1" fill="hold" id="16">
                                           <p:stCondLst>
                                             <p:cond delay="0"/>
                                           </p:stCondLst>
                                         </p:cTn>
                                         <p:tgtEl>
-                                          <p:spTgt spid="129">
+                                          <p:spTgt spid="78">
                                             <p:txEl>
-                                              <p:pRg end="301" st="218"/>
+                                              <p:pRg end="412" st="412"/>
                                             </p:txEl>
                                           </p:spTgt>
                                         </p:tgtEl>
@@ -10209,34 +8285,34 @@
                     </p:cTn>
                   </p:par>
                   <p:par>
-                    <p:cTn fill="hold" id="15">
+                    <p:cTn fill="hold" id="17">
                       <p:stCondLst>
                         <p:cond delay="indefinite"/>
                       </p:stCondLst>
                       <p:childTnLst>
                         <p:par>
-                          <p:cTn fill="hold" id="16">
+                          <p:cTn fill="hold" id="18">
                             <p:stCondLst>
                               <p:cond delay="0"/>
                             </p:stCondLst>
                             <p:childTnLst>
                               <p:par>
-                                <p:cTn fill="hold" id="17" nodeType="clickEffect" presetClass="entr" presetID="1">
+                                <p:cTn fill="hold" id="19" nodeType="clickEffect" presetClass="entr" presetID="1">
                                   <p:stCondLst>
                                     <p:cond delay="0"/>
                                   </p:stCondLst>
                                   <p:childTnLst>
                                     <p:set>
                                       <p:cBhvr>
-                                        <p:cTn dur="1" fill="hold" id="18">
+                                        <p:cTn dur="1" fill="hold" id="20">
                                           <p:stCondLst>
                                             <p:cond delay="0"/>
                                           </p:stCondLst>
                                         </p:cTn>
                                         <p:tgtEl>
-                                          <p:spTgt spid="129">
+                                          <p:spTgt spid="78">
                                             <p:txEl>
-                                              <p:pRg end="412" st="302"/>
+                                              <p:pRg end="412" st="412"/>
                                             </p:txEl>
                                           </p:spTgt>
                                         </p:tgtEl>
@@ -10301,14 +8377,14 @@
       </p:grpSpPr>
       <p:sp>
         <p:nvSpPr>
-          <p:cNvPr id="130" name="TextShape 1"/>
-          <p:cNvSpPr txBox="1"/>
+          <p:cNvPr id="79" name="CustomShape 1"/>
+          <p:cNvSpPr/>
           <p:nvPr/>
         </p:nvSpPr>
         <p:spPr>
           <a:xfrm>
             <a:off x="457200" y="704160"/>
-            <a:ext cx="8229240" cy="708480"/>
+            <a:ext cx="8228880" cy="708120"/>
           </a:xfrm>
           <a:prstGeom prst="rect">
             <a:avLst/>
@@ -10337,14 +8413,14 @@
       </p:sp>
       <p:sp>
         <p:nvSpPr>
-          <p:cNvPr id="131" name="TextShape 2"/>
-          <p:cNvSpPr txBox="1"/>
+          <p:cNvPr id="80" name="CustomShape 2"/>
+          <p:cNvSpPr/>
           <p:nvPr/>
         </p:nvSpPr>
         <p:spPr>
           <a:xfrm>
             <a:off x="457200" y="1628640"/>
-            <a:ext cx="8229240" cy="4695480"/>
+            <a:ext cx="8228880" cy="4695120"/>
           </a:xfrm>
           <a:prstGeom prst="rect">
             <a:avLst/>
@@ -10465,38 +8541,38 @@
   <p:timing>
     <p:tnLst>
       <p:par>
-        <p:cTn dur="indefinite" id="19" nodeType="tmRoot" restart="never">
+        <p:cTn dur="indefinite" id="21" nodeType="tmRoot" restart="never">
           <p:childTnLst>
             <p:seq>
-              <p:cTn dur="indefinite" id="20" nodeType="mainSeq">
+              <p:cTn dur="indefinite" id="22" nodeType="mainSeq">
                 <p:childTnLst>
                   <p:par>
-                    <p:cTn fill="hold" id="21">
+                    <p:cTn fill="hold" id="23">
                       <p:stCondLst>
                         <p:cond delay="indefinite"/>
                       </p:stCondLst>
                       <p:childTnLst>
                         <p:par>
-                          <p:cTn fill="hold" id="22">
+                          <p:cTn fill="hold" id="24">
                             <p:stCondLst>
                               <p:cond delay="0"/>
                             </p:stCondLst>
                             <p:childTnLst>
                               <p:par>
-                                <p:cTn fill="hold" id="23" nodeType="clickEffect" presetClass="entr" presetID="1">
+                                <p:cTn fill="hold" id="25" nodeType="clickEffect" presetClass="entr" presetID="1">
                                   <p:stCondLst>
                                     <p:cond delay="0"/>
                                   </p:stCondLst>
                                   <p:childTnLst>
                                     <p:set>
                                       <p:cBhvr>
-                                        <p:cTn dur="1" fill="hold" id="24">
+                                        <p:cTn dur="1" fill="hold" id="26">
                                           <p:stCondLst>
                                             <p:cond delay="0"/>
                                           </p:stCondLst>
                                         </p:cTn>
                                         <p:tgtEl>
-                                          <p:spTgt spid="131">
+                                          <p:spTgt spid="80">
                                             <p:txEl>
                                               <p:pRg end="39" st="0"/>
                                             </p:txEl>
@@ -10520,34 +8596,34 @@
                     </p:cTn>
                   </p:par>
                   <p:par>
-                    <p:cTn fill="hold" id="25">
+                    <p:cTn fill="hold" id="27">
                       <p:stCondLst>
                         <p:cond delay="indefinite"/>
                       </p:stCondLst>
                       <p:childTnLst>
                         <p:par>
-                          <p:cTn fill="hold" id="26">
+                          <p:cTn fill="hold" id="28">
                             <p:stCondLst>
                               <p:cond delay="0"/>
                             </p:stCondLst>
                             <p:childTnLst>
                               <p:par>
-                                <p:cTn fill="hold" id="27" nodeType="clickEffect" presetClass="entr" presetID="1">
+                                <p:cTn fill="hold" id="29" nodeType="clickEffect" presetClass="entr" presetID="1">
                                   <p:stCondLst>
                                     <p:cond delay="0"/>
                                   </p:stCondLst>
                                   <p:childTnLst>
                                     <p:set>
                                       <p:cBhvr>
-                                        <p:cTn dur="1" fill="hold" id="28">
+                                        <p:cTn dur="1" fill="hold" id="30">
                                           <p:stCondLst>
                                             <p:cond delay="0"/>
                                           </p:stCondLst>
                                         </p:cTn>
                                         <p:tgtEl>
-                                          <p:spTgt spid="131">
+                                          <p:spTgt spid="80">
                                             <p:txEl>
-                                              <p:pRg end="142" st="39"/>
+                                              <p:pRg end="431" st="431"/>
                                             </p:txEl>
                                           </p:spTgt>
                                         </p:tgtEl>
@@ -10569,34 +8645,34 @@
                     </p:cTn>
                   </p:par>
                   <p:par>
-                    <p:cTn fill="hold" id="29">
+                    <p:cTn fill="hold" id="31">
                       <p:stCondLst>
                         <p:cond delay="indefinite"/>
                       </p:stCondLst>
                       <p:childTnLst>
                         <p:par>
-                          <p:cTn fill="hold" id="30">
+                          <p:cTn fill="hold" id="32">
                             <p:stCondLst>
                               <p:cond delay="0"/>
                             </p:stCondLst>
                             <p:childTnLst>
                               <p:par>
-                                <p:cTn fill="hold" id="31" nodeType="clickEffect" presetClass="entr" presetID="1">
+                                <p:cTn fill="hold" id="33" nodeType="clickEffect" presetClass="entr" presetID="1">
                                   <p:stCondLst>
                                     <p:cond delay="0"/>
                                   </p:stCondLst>
                                   <p:childTnLst>
                                     <p:set>
                                       <p:cBhvr>
-                                        <p:cTn dur="1" fill="hold" id="32">
+                                        <p:cTn dur="1" fill="hold" id="34">
                                           <p:stCondLst>
                                             <p:cond delay="0"/>
                                           </p:stCondLst>
                                         </p:cTn>
                                         <p:tgtEl>
-                                          <p:spTgt spid="131">
+                                          <p:spTgt spid="80">
                                             <p:txEl>
-                                              <p:pRg end="190" st="142"/>
+                                              <p:pRg end="431" st="431"/>
                                             </p:txEl>
                                           </p:spTgt>
                                         </p:tgtEl>
@@ -10618,34 +8694,34 @@
                     </p:cTn>
                   </p:par>
                   <p:par>
-                    <p:cTn fill="hold" id="33">
+                    <p:cTn fill="hold" id="35">
                       <p:stCondLst>
                         <p:cond delay="indefinite"/>
                       </p:stCondLst>
                       <p:childTnLst>
                         <p:par>
-                          <p:cTn fill="hold" id="34">
+                          <p:cTn fill="hold" id="36">
                             <p:stCondLst>
                               <p:cond delay="0"/>
                             </p:stCondLst>
                             <p:childTnLst>
                               <p:par>
-                                <p:cTn fill="hold" id="35" nodeType="clickEffect" presetClass="entr" presetID="1">
+                                <p:cTn fill="hold" id="37" nodeType="clickEffect" presetClass="entr" presetID="1">
                                   <p:stCondLst>
                                     <p:cond delay="0"/>
                                   </p:stCondLst>
                                   <p:childTnLst>
                                     <p:set>
                                       <p:cBhvr>
-                                        <p:cTn dur="1" fill="hold" id="36">
+                                        <p:cTn dur="1" fill="hold" id="38">
                                           <p:stCondLst>
                                             <p:cond delay="0"/>
                                           </p:stCondLst>
                                         </p:cTn>
                                         <p:tgtEl>
-                                          <p:spTgt spid="131">
+                                          <p:spTgt spid="80">
                                             <p:txEl>
-                                              <p:pRg end="264" st="190"/>
+                                              <p:pRg end="431" st="431"/>
                                             </p:txEl>
                                           </p:spTgt>
                                         </p:tgtEl>
@@ -10667,34 +8743,34 @@
                     </p:cTn>
                   </p:par>
                   <p:par>
-                    <p:cTn fill="hold" id="37">
+                    <p:cTn fill="hold" id="39">
                       <p:stCondLst>
                         <p:cond delay="indefinite"/>
                       </p:stCondLst>
                       <p:childTnLst>
                         <p:par>
-                          <p:cTn fill="hold" id="38">
+                          <p:cTn fill="hold" id="40">
                             <p:stCondLst>
                               <p:cond delay="0"/>
                             </p:stCondLst>
                             <p:childTnLst>
                               <p:par>
-                                <p:cTn fill="hold" id="39" nodeType="clickEffect" presetClass="entr" presetID="1">
+                                <p:cTn fill="hold" id="41" nodeType="clickEffect" presetClass="entr" presetID="1">
                                   <p:stCondLst>
                                     <p:cond delay="0"/>
                                   </p:stCondLst>
                                   <p:childTnLst>
                                     <p:set>
                                       <p:cBhvr>
-                                        <p:cTn dur="1" fill="hold" id="40">
+                                        <p:cTn dur="1" fill="hold" id="42">
                                           <p:stCondLst>
                                             <p:cond delay="0"/>
                                           </p:stCondLst>
                                         </p:cTn>
                                         <p:tgtEl>
-                                          <p:spTgt spid="131">
+                                          <p:spTgt spid="80">
                                             <p:txEl>
-                                              <p:pRg end="431" st="264"/>
+                                              <p:pRg end="431" st="431"/>
                                             </p:txEl>
                                           </p:spTgt>
                                         </p:tgtEl>
@@ -10759,14 +8835,14 @@
       </p:grpSpPr>
       <p:sp>
         <p:nvSpPr>
-          <p:cNvPr id="132" name="TextShape 1"/>
-          <p:cNvSpPr txBox="1"/>
+          <p:cNvPr id="81" name="CustomShape 1"/>
+          <p:cNvSpPr/>
           <p:nvPr/>
         </p:nvSpPr>
         <p:spPr>
           <a:xfrm>
             <a:off x="457200" y="704160"/>
-            <a:ext cx="8229240" cy="636480"/>
+            <a:ext cx="8228880" cy="636120"/>
           </a:xfrm>
           <a:prstGeom prst="rect">
             <a:avLst/>
@@ -10795,7 +8871,7 @@
       </p:sp>
       <p:pic>
         <p:nvPicPr>
-          <p:cNvPr descr="" id="133" name="Picture 3"/>
+          <p:cNvPr descr="" id="82" name="Picture 3"/>
           <p:cNvPicPr/>
           <p:nvPr/>
         </p:nvPicPr>
@@ -10808,7 +8884,7 @@
         <p:spPr>
           <a:xfrm>
             <a:off x="816120" y="1628640"/>
-            <a:ext cx="7214760" cy="4285800"/>
+            <a:ext cx="7214400" cy="4285440"/>
           </a:xfrm>
           <a:prstGeom prst="rect">
             <a:avLst/>
@@ -10839,14 +8915,14 @@
       </p:grpSpPr>
       <p:sp>
         <p:nvSpPr>
-          <p:cNvPr id="134" name="TextShape 1"/>
-          <p:cNvSpPr txBox="1"/>
+          <p:cNvPr id="83" name="CustomShape 1"/>
+          <p:cNvSpPr/>
           <p:nvPr/>
         </p:nvSpPr>
         <p:spPr>
           <a:xfrm>
             <a:off x="457200" y="704160"/>
-            <a:ext cx="8229240" cy="564480"/>
+            <a:ext cx="8228880" cy="564120"/>
           </a:xfrm>
           <a:prstGeom prst="rect">
             <a:avLst/>
@@ -10875,14 +8951,14 @@
       </p:sp>
       <p:sp>
         <p:nvSpPr>
-          <p:cNvPr id="135" name="TextShape 2"/>
-          <p:cNvSpPr txBox="1"/>
+          <p:cNvPr id="84" name="CustomShape 2"/>
+          <p:cNvSpPr/>
           <p:nvPr/>
         </p:nvSpPr>
         <p:spPr>
           <a:xfrm>
             <a:off x="457200" y="1484640"/>
-            <a:ext cx="8229240" cy="4839480"/>
+            <a:ext cx="8228880" cy="4839120"/>
           </a:xfrm>
           <a:prstGeom prst="rect">
             <a:avLst/>
@@ -10957,7 +9033,7 @@
               </a:lnSpc>
               <a:buSzPct val="25000"/>
               <a:buFont typeface="StarSymbol"/>
-              <a:buChar char=""/>
+              <a:buChar char=""/>
             </a:pPr>
             <a:r>
               <a:rPr lang="en-US" sz="2400">
@@ -10977,7 +9053,7 @@
               </a:lnSpc>
               <a:buSzPct val="25000"/>
               <a:buFont typeface="StarSymbol"/>
-              <a:buChar char=""/>
+              <a:buChar char=""/>
             </a:pPr>
             <a:r>
               <a:rPr lang="en-US" sz="2400">
@@ -11017,38 +9093,38 @@
   <p:timing>
     <p:tnLst>
       <p:par>
-        <p:cTn dur="indefinite" id="41" nodeType="tmRoot" restart="never">
+        <p:cTn dur="indefinite" id="43" nodeType="tmRoot" restart="never">
           <p:childTnLst>
             <p:seq>
-              <p:cTn dur="indefinite" id="42" nodeType="mainSeq">
+              <p:cTn dur="indefinite" id="44" nodeType="mainSeq">
                 <p:childTnLst>
                   <p:par>
-                    <p:cTn fill="hold" id="43">
+                    <p:cTn fill="hold" id="45">
                       <p:stCondLst>
                         <p:cond delay="indefinite"/>
                       </p:stCondLst>
                       <p:childTnLst>
                         <p:par>
-                          <p:cTn fill="hold" id="44">
+                          <p:cTn fill="hold" id="46">
                             <p:stCondLst>
                               <p:cond delay="0"/>
                             </p:stCondLst>
                             <p:childTnLst>
                               <p:par>
-                                <p:cTn fill="hold" id="45" nodeType="clickEffect" presetClass="entr" presetID="1">
+                                <p:cTn fill="hold" id="47" nodeType="clickEffect" presetClass="entr" presetID="1">
                                   <p:stCondLst>
                                     <p:cond delay="0"/>
                                   </p:stCondLst>
                                   <p:childTnLst>
                                     <p:set>
                                       <p:cBhvr>
-                                        <p:cTn dur="1" fill="hold" id="46">
+                                        <p:cTn dur="1" fill="hold" id="48">
                                           <p:stCondLst>
                                             <p:cond delay="0"/>
                                           </p:stCondLst>
                                         </p:cTn>
                                         <p:tgtEl>
-                                          <p:spTgt spid="135">
+                                          <p:spTgt spid="84">
                                             <p:txEl>
                                               <p:pRg end="100" st="0"/>
                                             </p:txEl>
@@ -11072,34 +9148,34 @@
                     </p:cTn>
                   </p:par>
                   <p:par>
-                    <p:cTn fill="hold" id="47">
+                    <p:cTn fill="hold" id="49">
                       <p:stCondLst>
                         <p:cond delay="indefinite"/>
                       </p:stCondLst>
                       <p:childTnLst>
                         <p:par>
-                          <p:cTn fill="hold" id="48">
+                          <p:cTn fill="hold" id="50">
                             <p:stCondLst>
                               <p:cond delay="0"/>
                             </p:stCondLst>
                             <p:childTnLst>
                               <p:par>
-                                <p:cTn fill="hold" id="49" nodeType="clickEffect" presetClass="entr" presetID="1">
+                                <p:cTn fill="hold" id="51" nodeType="clickEffect" presetClass="entr" presetID="1">
                                   <p:stCondLst>
                                     <p:cond delay="0"/>
                                   </p:stCondLst>
                                   <p:childTnLst>
                                     <p:set>
                                       <p:cBhvr>
-                                        <p:cTn dur="1" fill="hold" id="50">
+                                        <p:cTn dur="1" fill="hold" id="52">
                                           <p:stCondLst>
                                             <p:cond delay="0"/>
                                           </p:stCondLst>
                                         </p:cTn>
                                         <p:tgtEl>
-                                          <p:spTgt spid="135">
+                                          <p:spTgt spid="84">
                                             <p:txEl>
-                                              <p:pRg end="172" st="100"/>
+                                              <p:pRg end="599" st="599"/>
                                             </p:txEl>
                                           </p:spTgt>
                                         </p:tgtEl>
@@ -11121,50 +9197,19 @@
                     </p:cTn>
                   </p:par>
                   <p:par>
-                    <p:cTn fill="hold" id="51">
+                    <p:cTn fill="hold" id="53">
                       <p:stCondLst>
                         <p:cond delay="indefinite"/>
                       </p:stCondLst>
                       <p:childTnLst>
                         <p:par>
-                          <p:cTn fill="hold" id="52">
+                          <p:cTn fill="hold" id="54">
                             <p:stCondLst>
                               <p:cond delay="0"/>
                             </p:stCondLst>
                             <p:childTnLst>
                               <p:par>
-                                <p:cTn fill="hold" id="53" nodeType="clickEffect" presetClass="entr" presetID="1">
-                                  <p:stCondLst>
-                                    <p:cond delay="0"/>
-                                  </p:stCondLst>
-                                  <p:childTnLst>
-                                    <p:set>
-                                      <p:cBhvr>
-                                        <p:cTn dur="1" fill="hold" id="54">
-                                          <p:stCondLst>
-                                            <p:cond delay="0"/>
-                                          </p:stCondLst>
-                                        </p:cTn>
-                                        <p:tgtEl>
-                                          <p:spTgt spid="135">
-                                            <p:txEl>
-                                              <p:pRg end="310" st="172"/>
-                                            </p:txEl>
-                                          </p:spTgt>
-                                        </p:tgtEl>
-                                        <p:attrNameLst>
-                                          <p:attrName>style.visibility</p:attrName>
-                                        </p:attrNameLst>
-                                      </p:cBhvr>
-                                      <p:to>
-                                        <p:strVal val="visible"/>
-                                      </p:to>
-                                    </p:set>
-                                  </p:childTnLst>
-                                </p:cTn>
-                              </p:par>
-                              <p:par>
-                                <p:cTn fill="hold" id="55" nodeType="withEffect" presetClass="entr" presetID="1">
+                                <p:cTn fill="hold" id="55" nodeType="clickEffect" presetClass="entr" presetID="1">
                                   <p:stCondLst>
                                     <p:cond delay="0"/>
                                   </p:stCondLst>
@@ -11177,9 +9222,9 @@
                                           </p:stCondLst>
                                         </p:cTn>
                                         <p:tgtEl>
-                                          <p:spTgt spid="135">
+                                          <p:spTgt spid="84">
                                             <p:txEl>
-                                              <p:pRg end="363" st="310"/>
+                                              <p:pRg end="599" st="599"/>
                                             </p:txEl>
                                           </p:spTgt>
                                         </p:tgtEl>
@@ -11208,9 +9253,40 @@
                                           </p:stCondLst>
                                         </p:cTn>
                                         <p:tgtEl>
-                                          <p:spTgt spid="135">
+                                          <p:spTgt spid="84">
                                             <p:txEl>
-                                              <p:pRg end="440" st="363"/>
+                                              <p:pRg end="599" st="599"/>
+                                            </p:txEl>
+                                          </p:spTgt>
+                                        </p:tgtEl>
+                                        <p:attrNameLst>
+                                          <p:attrName>style.visibility</p:attrName>
+                                        </p:attrNameLst>
+                                      </p:cBhvr>
+                                      <p:to>
+                                        <p:strVal val="visible"/>
+                                      </p:to>
+                                    </p:set>
+                                  </p:childTnLst>
+                                </p:cTn>
+                              </p:par>
+                              <p:par>
+                                <p:cTn fill="hold" id="59" nodeType="withEffect" presetClass="entr" presetID="1">
+                                  <p:stCondLst>
+                                    <p:cond delay="0"/>
+                                  </p:stCondLst>
+                                  <p:childTnLst>
+                                    <p:set>
+                                      <p:cBhvr>
+                                        <p:cTn dur="1" fill="hold" id="60">
+                                          <p:stCondLst>
+                                            <p:cond delay="0"/>
+                                          </p:stCondLst>
+                                        </p:cTn>
+                                        <p:tgtEl>
+                                          <p:spTgt spid="84">
+                                            <p:txEl>
+                                              <p:pRg end="599" st="599"/>
                                             </p:txEl>
                                           </p:spTgt>
                                         </p:tgtEl>
@@ -11232,34 +9308,34 @@
                     </p:cTn>
                   </p:par>
                   <p:par>
-                    <p:cTn fill="hold" id="59">
+                    <p:cTn fill="hold" id="61">
                       <p:stCondLst>
                         <p:cond delay="indefinite"/>
                       </p:stCondLst>
                       <p:childTnLst>
                         <p:par>
-                          <p:cTn fill="hold" id="60">
+                          <p:cTn fill="hold" id="62">
                             <p:stCondLst>
                               <p:cond delay="0"/>
                             </p:stCondLst>
                             <p:childTnLst>
                               <p:par>
-                                <p:cTn fill="hold" id="61" nodeType="clickEffect" presetClass="entr" presetID="1">
+                                <p:cTn fill="hold" id="63" nodeType="clickEffect" presetClass="entr" presetID="1">
                                   <p:stCondLst>
                                     <p:cond delay="0"/>
                                   </p:stCondLst>
                                   <p:childTnLst>
                                     <p:set>
                                       <p:cBhvr>
-                                        <p:cTn dur="1" fill="hold" id="62">
+                                        <p:cTn dur="1" fill="hold" id="64">
                                           <p:stCondLst>
                                             <p:cond delay="0"/>
                                           </p:stCondLst>
                                         </p:cTn>
                                         <p:tgtEl>
-                                          <p:spTgt spid="135">
+                                          <p:spTgt spid="84">
                                             <p:txEl>
-                                              <p:pRg end="599" st="440"/>
+                                              <p:pRg end="599" st="599"/>
                                             </p:txEl>
                                           </p:spTgt>
                                         </p:tgtEl>
@@ -11324,14 +9400,14 @@
       </p:grpSpPr>
       <p:sp>
         <p:nvSpPr>
-          <p:cNvPr id="136" name="TextShape 1"/>
-          <p:cNvSpPr txBox="1"/>
+          <p:cNvPr id="85" name="CustomShape 1"/>
+          <p:cNvSpPr/>
           <p:nvPr/>
         </p:nvSpPr>
         <p:spPr>
           <a:xfrm>
             <a:off x="457200" y="704160"/>
-            <a:ext cx="8229240" cy="780480"/>
+            <a:ext cx="8228880" cy="780120"/>
           </a:xfrm>
           <a:prstGeom prst="rect">
             <a:avLst/>
@@ -11360,14 +9436,14 @@
       </p:sp>
       <p:sp>
         <p:nvSpPr>
-          <p:cNvPr id="137" name="TextShape 2"/>
-          <p:cNvSpPr txBox="1"/>
+          <p:cNvPr id="86" name="CustomShape 2"/>
+          <p:cNvSpPr/>
           <p:nvPr/>
         </p:nvSpPr>
         <p:spPr>
           <a:xfrm>
             <a:off x="457200" y="1628640"/>
-            <a:ext cx="8229240" cy="4695480"/>
+            <a:ext cx="8228880" cy="4695120"/>
           </a:xfrm>
           <a:prstGeom prst="rect">
             <a:avLst/>
@@ -11486,14 +9562,14 @@
       </p:grpSpPr>
       <p:sp>
         <p:nvSpPr>
-          <p:cNvPr id="138" name="TextShape 1"/>
-          <p:cNvSpPr txBox="1"/>
+          <p:cNvPr id="87" name="CustomShape 1"/>
+          <p:cNvSpPr/>
           <p:nvPr/>
         </p:nvSpPr>
         <p:spPr>
           <a:xfrm>
             <a:off x="395640" y="1124640"/>
-            <a:ext cx="8229240" cy="636480"/>
+            <a:ext cx="8228880" cy="636120"/>
           </a:xfrm>
           <a:prstGeom prst="rect">
             <a:avLst/>
@@ -11522,14 +9598,14 @@
       </p:sp>
       <p:sp>
         <p:nvSpPr>
-          <p:cNvPr id="139" name="TextShape 2"/>
-          <p:cNvSpPr txBox="1"/>
+          <p:cNvPr id="88" name="CustomShape 2"/>
+          <p:cNvSpPr/>
           <p:nvPr/>
         </p:nvSpPr>
         <p:spPr>
           <a:xfrm>
             <a:off x="457200" y="1935360"/>
-            <a:ext cx="8229240" cy="4388760"/>
+            <a:ext cx="8228880" cy="4388400"/>
           </a:xfrm>
           <a:prstGeom prst="rect">
             <a:avLst/>
@@ -11632,38 +9708,38 @@
   <p:timing>
     <p:tnLst>
       <p:par>
-        <p:cTn dur="indefinite" id="63" nodeType="tmRoot" restart="never">
+        <p:cTn dur="indefinite" id="65" nodeType="tmRoot" restart="never">
           <p:childTnLst>
             <p:seq>
-              <p:cTn dur="indefinite" id="64" nodeType="mainSeq">
+              <p:cTn dur="indefinite" id="66" nodeType="mainSeq">
                 <p:childTnLst>
                   <p:par>
-                    <p:cTn fill="hold" id="65">
+                    <p:cTn fill="hold" id="67">
                       <p:stCondLst>
                         <p:cond delay="indefinite"/>
                       </p:stCondLst>
                       <p:childTnLst>
                         <p:par>
-                          <p:cTn fill="hold" id="66">
+                          <p:cTn fill="hold" id="68">
                             <p:stCondLst>
                               <p:cond delay="0"/>
                             </p:stCondLst>
                             <p:childTnLst>
                               <p:par>
-                                <p:cTn fill="hold" id="67" nodeType="clickEffect" presetClass="entr" presetID="1">
+                                <p:cTn fill="hold" id="69" nodeType="clickEffect" presetClass="entr" presetID="1">
                                   <p:stCondLst>
                                     <p:cond delay="0"/>
                                   </p:stCondLst>
                                   <p:childTnLst>
                                     <p:set>
                                       <p:cBhvr>
-                                        <p:cTn dur="1" fill="hold" id="68">
+                                        <p:cTn dur="1" fill="hold" id="70">
                                           <p:stCondLst>
                                             <p:cond delay="0"/>
                                           </p:stCondLst>
                                         </p:cTn>
                                         <p:tgtEl>
-                                          <p:spTgt spid="139">
+                                          <p:spTgt spid="88">
                                             <p:txEl>
                                               <p:pRg end="107" st="0"/>
                                             </p:txEl>
@@ -11687,34 +9763,34 @@
                     </p:cTn>
                   </p:par>
                   <p:par>
-                    <p:cTn fill="hold" id="69">
+                    <p:cTn fill="hold" id="71">
                       <p:stCondLst>
                         <p:cond delay="indefinite"/>
                       </p:stCondLst>
                       <p:childTnLst>
                         <p:par>
-                          <p:cTn fill="hold" id="70">
+                          <p:cTn fill="hold" id="72">
                             <p:stCondLst>
                               <p:cond delay="0"/>
                             </p:stCondLst>
                             <p:childTnLst>
                               <p:par>
-                                <p:cTn fill="hold" id="71" nodeType="clickEffect" presetClass="entr" presetID="1">
+                                <p:cTn fill="hold" id="73" nodeType="clickEffect" presetClass="entr" presetID="1">
                                   <p:stCondLst>
                                     <p:cond delay="0"/>
                                   </p:stCondLst>
                                   <p:childTnLst>
                                     <p:set>
                                       <p:cBhvr>
-                                        <p:cTn dur="1" fill="hold" id="72">
+                                        <p:cTn dur="1" fill="hold" id="74">
                                           <p:stCondLst>
                                             <p:cond delay="0"/>
                                           </p:stCondLst>
                                         </p:cTn>
                                         <p:tgtEl>
-                                          <p:spTgt spid="139">
+                                          <p:spTgt spid="88">
                                             <p:txEl>
-                                              <p:pRg end="199" st="107"/>
+                                              <p:pRg end="404" st="404"/>
                                             </p:txEl>
                                           </p:spTgt>
                                         </p:tgtEl>
@@ -11736,34 +9812,34 @@
                     </p:cTn>
                   </p:par>
                   <p:par>
-                    <p:cTn fill="hold" id="73">
+                    <p:cTn fill="hold" id="75">
                       <p:stCondLst>
                         <p:cond delay="indefinite"/>
                       </p:stCondLst>
                       <p:childTnLst>
                         <p:par>
-                          <p:cTn fill="hold" id="74">
+                          <p:cTn fill="hold" id="76">
                             <p:stCondLst>
                               <p:cond delay="0"/>
                             </p:stCondLst>
                             <p:childTnLst>
                               <p:par>
-                                <p:cTn fill="hold" id="75" nodeType="clickEffect" presetClass="entr" presetID="1">
+                                <p:cTn fill="hold" id="77" nodeType="clickEffect" presetClass="entr" presetID="1">
                                   <p:stCondLst>
                                     <p:cond delay="0"/>
                                   </p:stCondLst>
                                   <p:childTnLst>
                                     <p:set>
                                       <p:cBhvr>
-                                        <p:cTn dur="1" fill="hold" id="76">
+                                        <p:cTn dur="1" fill="hold" id="78">
                                           <p:stCondLst>
                                             <p:cond delay="0"/>
                                           </p:stCondLst>
                                         </p:cTn>
                                         <p:tgtEl>
-                                          <p:spTgt spid="139">
+                                          <p:spTgt spid="88">
                                             <p:txEl>
-                                              <p:pRg end="349" st="199"/>
+                                              <p:pRg end="404" st="404"/>
                                             </p:txEl>
                                           </p:spTgt>
                                         </p:tgtEl>
@@ -11785,34 +9861,34 @@
                     </p:cTn>
                   </p:par>
                   <p:par>
-                    <p:cTn fill="hold" id="77">
+                    <p:cTn fill="hold" id="79">
                       <p:stCondLst>
                         <p:cond delay="indefinite"/>
                       </p:stCondLst>
                       <p:childTnLst>
                         <p:par>
-                          <p:cTn fill="hold" id="78">
+                          <p:cTn fill="hold" id="80">
                             <p:stCondLst>
                               <p:cond delay="0"/>
                             </p:stCondLst>
                             <p:childTnLst>
                               <p:par>
-                                <p:cTn fill="hold" id="79" nodeType="clickEffect" presetClass="entr" presetID="1">
+                                <p:cTn fill="hold" id="81" nodeType="clickEffect" presetClass="entr" presetID="1">
                                   <p:stCondLst>
                                     <p:cond delay="0"/>
                                   </p:stCondLst>
                                   <p:childTnLst>
                                     <p:set>
                                       <p:cBhvr>
-                                        <p:cTn dur="1" fill="hold" id="80">
+                                        <p:cTn dur="1" fill="hold" id="82">
                                           <p:stCondLst>
                                             <p:cond delay="0"/>
                                           </p:stCondLst>
                                         </p:cTn>
                                         <p:tgtEl>
-                                          <p:spTgt spid="139">
+                                          <p:spTgt spid="88">
                                             <p:txEl>
-                                              <p:pRg end="403" st="349"/>
+                                              <p:pRg end="404" st="404"/>
                                             </p:txEl>
                                           </p:spTgt>
                                         </p:tgtEl>
@@ -11877,14 +9953,14 @@
       </p:grpSpPr>
       <p:sp>
         <p:nvSpPr>
-          <p:cNvPr id="140" name="TextShape 1"/>
-          <p:cNvSpPr txBox="1"/>
+          <p:cNvPr id="89" name="CustomShape 1"/>
+          <p:cNvSpPr/>
           <p:nvPr/>
         </p:nvSpPr>
         <p:spPr>
           <a:xfrm>
             <a:off x="467640" y="836640"/>
-            <a:ext cx="8229240" cy="852480"/>
+            <a:ext cx="8228880" cy="852120"/>
           </a:xfrm>
           <a:prstGeom prst="rect">
             <a:avLst/>
@@ -11913,14 +9989,14 @@
       </p:sp>
       <p:sp>
         <p:nvSpPr>
-          <p:cNvPr id="141" name="TextShape 2"/>
-          <p:cNvSpPr txBox="1"/>
+          <p:cNvPr id="90" name="CustomShape 2"/>
+          <p:cNvSpPr/>
           <p:nvPr/>
         </p:nvSpPr>
         <p:spPr>
           <a:xfrm>
             <a:off x="457200" y="1772640"/>
-            <a:ext cx="8229240" cy="4551480"/>
+            <a:ext cx="8228880" cy="4551120"/>
           </a:xfrm>
           <a:prstGeom prst="rect">
             <a:avLst/>
@@ -11972,7 +10048,7 @@
               </a:lnSpc>
               <a:buSzPct val="25000"/>
               <a:buFont typeface="StarSymbol"/>
-              <a:buChar char=""/>
+              <a:buChar char=""/>
             </a:pPr>
             <a:r>
               <a:rPr lang="en-US" sz="2400">
@@ -11986,6 +10062,11 @@
             <a:endParaRPr/>
           </a:p>
           <a:p>
+            <a:pPr>
+              <a:lnSpc>
+                <a:spcPct val="100000"/>
+              </a:lnSpc>
+            </a:pPr>
             <a:endParaRPr/>
           </a:p>
           <a:p>
@@ -12015,38 +10096,38 @@
   <p:timing>
     <p:tnLst>
       <p:par>
-        <p:cTn dur="indefinite" id="81" nodeType="tmRoot" restart="never">
+        <p:cTn dur="indefinite" id="83" nodeType="tmRoot" restart="never">
           <p:childTnLst>
             <p:seq>
-              <p:cTn dur="indefinite" id="82" nodeType="mainSeq">
+              <p:cTn dur="indefinite" id="84" nodeType="mainSeq">
                 <p:childTnLst>
                   <p:par>
-                    <p:cTn fill="hold" id="83">
+                    <p:cTn fill="hold" id="85">
                       <p:stCondLst>
                         <p:cond delay="indefinite"/>
                       </p:stCondLst>
                       <p:childTnLst>
                         <p:par>
-                          <p:cTn fill="hold" id="84">
+                          <p:cTn fill="hold" id="86">
                             <p:stCondLst>
                               <p:cond delay="0"/>
                             </p:stCondLst>
                             <p:childTnLst>
                               <p:par>
-                                <p:cTn fill="hold" id="85" nodeType="clickEffect" presetClass="entr" presetID="1">
+                                <p:cTn fill="hold" id="87" nodeType="clickEffect" presetClass="entr" presetID="1">
                                   <p:stCondLst>
                                     <p:cond delay="0"/>
                                   </p:stCondLst>
                                   <p:childTnLst>
                                     <p:set>
                                       <p:cBhvr>
-                                        <p:cTn dur="1" fill="hold" id="86">
+                                        <p:cTn dur="1" fill="hold" id="88">
                                           <p:stCondLst>
                                             <p:cond delay="0"/>
                                           </p:stCondLst>
                                         </p:cTn>
                                         <p:tgtEl>
-                                          <p:spTgt spid="141">
+                                          <p:spTgt spid="90">
                                             <p:txEl>
                                               <p:pRg end="31" st="0"/>
                                             </p:txEl>
@@ -12070,34 +10151,34 @@
                     </p:cTn>
                   </p:par>
                   <p:par>
-                    <p:cTn fill="hold" id="87">
+                    <p:cTn fill="hold" id="89">
                       <p:stCondLst>
                         <p:cond delay="indefinite"/>
                       </p:stCondLst>
                       <p:childTnLst>
                         <p:par>
-                          <p:cTn fill="hold" id="88">
+                          <p:cTn fill="hold" id="90">
                             <p:stCondLst>
                               <p:cond delay="0"/>
                             </p:stCondLst>
                             <p:childTnLst>
                               <p:par>
-                                <p:cTn fill="hold" id="89" nodeType="clickEffect" presetClass="entr" presetID="1">
+                                <p:cTn fill="hold" id="91" nodeType="clickEffect" presetClass="entr" presetID="1">
                                   <p:stCondLst>
                                     <p:cond delay="0"/>
                                   </p:stCondLst>
                                   <p:childTnLst>
                                     <p:set>
                                       <p:cBhvr>
-                                        <p:cTn dur="1" fill="hold" id="90">
+                                        <p:cTn dur="1" fill="hold" id="92">
                                           <p:stCondLst>
                                             <p:cond delay="0"/>
                                           </p:stCondLst>
                                         </p:cTn>
                                         <p:tgtEl>
-                                          <p:spTgt spid="141">
+                                          <p:spTgt spid="90">
                                             <p:txEl>
-                                              <p:pRg end="189" st="31"/>
+                                              <p:pRg end="375" st="375"/>
                                             </p:txEl>
                                           </p:spTgt>
                                         </p:tgtEl>
@@ -12113,22 +10194,22 @@
                                 </p:cTn>
                               </p:par>
                               <p:par>
-                                <p:cTn fill="hold" id="91" nodeType="withEffect" presetClass="entr" presetID="1">
+                                <p:cTn fill="hold" id="93" nodeType="withEffect" presetClass="entr" presetID="1">
                                   <p:stCondLst>
                                     <p:cond delay="0"/>
                                   </p:stCondLst>
                                   <p:childTnLst>
                                     <p:set>
                                       <p:cBhvr>
-                                        <p:cTn dur="1" fill="hold" id="92">
+                                        <p:cTn dur="1" fill="hold" id="94">
                                           <p:stCondLst>
                                             <p:cond delay="0"/>
                                           </p:stCondLst>
                                         </p:cTn>
                                         <p:tgtEl>
-                                          <p:spTgt spid="141">
+                                          <p:spTgt spid="90">
                                             <p:txEl>
-                                              <p:pRg end="234" st="189"/>
+                                              <p:pRg end="375" st="375"/>
                                             </p:txEl>
                                           </p:spTgt>
                                         </p:tgtEl>
@@ -12150,34 +10231,34 @@
                     </p:cTn>
                   </p:par>
                   <p:par>
-                    <p:cTn fill="hold" id="93">
+                    <p:cTn fill="hold" id="95">
                       <p:stCondLst>
                         <p:cond delay="indefinite"/>
                       </p:stCondLst>
                       <p:childTnLst>
                         <p:par>
-                          <p:cTn fill="hold" id="94">
+                          <p:cTn fill="hold" id="96">
                             <p:stCondLst>
                               <p:cond delay="0"/>
                             </p:stCondLst>
                             <p:childTnLst>
                               <p:par>
-                                <p:cTn fill="hold" id="95" nodeType="clickEffect" presetClass="entr" presetID="1">
+                                <p:cTn fill="hold" id="97" nodeType="clickEffect" presetClass="entr" presetID="1">
                                   <p:stCondLst>
                                     <p:cond delay="0"/>
                                   </p:stCondLst>
                                   <p:childTnLst>
                                     <p:set>
                                       <p:cBhvr>
-                                        <p:cTn dur="1" fill="hold" id="96">
+                                        <p:cTn dur="1" fill="hold" id="98">
                                           <p:stCondLst>
                                             <p:cond delay="0"/>
                                           </p:stCondLst>
                                         </p:cTn>
                                         <p:tgtEl>
-                                          <p:spTgt spid="141">
+                                          <p:spTgt spid="90">
                                             <p:txEl>
-                                              <p:pRg end="375" st="235"/>
+                                              <p:pRg end="375" st="375"/>
                                             </p:txEl>
                                           </p:spTgt>
                                         </p:tgtEl>
@@ -12890,227 +10971,4 @@
     </a:fmtScheme>
   </a:themeElements>
 </a:theme>
-</file>
-
-<file path=ppt/theme/theme4.xml><?xml version="1.0" encoding="utf-8"?>
-<a:theme xmlns:a="http://schemas.openxmlformats.org/drawingml/2006/main" name="Office Theme">
-  <a:themeElements>
-    <a:clrScheme name="Office">
-      <a:dk1>
-        <a:sysClr val="windowText" lastClr="000000"/>
-      </a:dk1>
-      <a:lt1>
-        <a:sysClr val="window" lastClr="FFFFFF"/>
-      </a:lt1>
-      <a:dk2>
-        <a:srgbClr val="1F497D"/>
-      </a:dk2>
-      <a:lt2>
-        <a:srgbClr val="EEECE1"/>
-      </a:lt2>
-      <a:accent1>
-        <a:srgbClr val="4F81BD"/>
-      </a:accent1>
-      <a:accent2>
-        <a:srgbClr val="C0504D"/>
-      </a:accent2>
-      <a:accent3>
-        <a:srgbClr val="9BBB59"/>
-      </a:accent3>
-      <a:accent4>
-        <a:srgbClr val="8064A2"/>
-      </a:accent4>
-      <a:accent5>
-        <a:srgbClr val="4BACC6"/>
-      </a:accent5>
-      <a:accent6>
-        <a:srgbClr val="F79646"/>
-      </a:accent6>
-      <a:hlink>
-        <a:srgbClr val="0000FF"/>
-      </a:hlink>
-      <a:folHlink>
-        <a:srgbClr val="800080"/>
-      </a:folHlink>
-    </a:clrScheme>
-    <a:fontScheme name="Office">
-      <a:majorFont>
-        <a:latin typeface="Arial"/>
-        <a:ea typeface="DejaVu Sans"/>
-        <a:cs typeface="DejaVu Sans"/>
-      </a:majorFont>
-      <a:minorFont>
-        <a:latin typeface="Arial"/>
-        <a:ea typeface="DejaVu Sans"/>
-        <a:cs typeface="DejaVu Sans"/>
-      </a:minorFont>
-    </a:fontScheme>
-    <a:fmtScheme name="Office">
-      <a:fillStyleLst>
-        <a:solidFill>
-          <a:schemeClr val="phClr"/>
-        </a:solidFill>
-        <a:gradFill rotWithShape="1">
-          <a:gsLst>
-            <a:gs pos="0">
-              <a:schemeClr val="phClr">
-                <a:tint val="50000"/>
-                <a:satMod val="300000"/>
-              </a:schemeClr>
-            </a:gs>
-            <a:gs pos="35000">
-              <a:schemeClr val="phClr">
-                <a:tint val="37000"/>
-                <a:satMod val="300000"/>
-              </a:schemeClr>
-            </a:gs>
-            <a:gs pos="100000">
-              <a:schemeClr val="phClr">
-                <a:tint val="15000"/>
-                <a:satMod val="350000"/>
-              </a:schemeClr>
-            </a:gs>
-          </a:gsLst>
-          <a:lin ang="16200000" scaled="1"/>
-        </a:gradFill>
-        <a:gradFill rotWithShape="1">
-          <a:gsLst>
-            <a:gs pos="0">
-              <a:schemeClr val="phClr">
-                <a:shade val="51000"/>
-                <a:satMod val="130000"/>
-              </a:schemeClr>
-            </a:gs>
-            <a:gs pos="80000">
-              <a:schemeClr val="phClr">
-                <a:shade val="93000"/>
-                <a:satMod val="130000"/>
-              </a:schemeClr>
-            </a:gs>
-            <a:gs pos="100000">
-              <a:schemeClr val="phClr">
-                <a:shade val="94000"/>
-                <a:satMod val="135000"/>
-              </a:schemeClr>
-            </a:gs>
-          </a:gsLst>
-          <a:lin ang="16200000" scaled="0"/>
-        </a:gradFill>
-      </a:fillStyleLst>
-      <a:lnStyleLst>
-        <a:ln w="9525" cap="flat" cmpd="sng" algn="ctr">
-          <a:solidFill>
-            <a:schemeClr val="phClr">
-              <a:shade val="95000"/>
-              <a:satMod val="105000"/>
-            </a:schemeClr>
-          </a:solidFill>
-          <a:prstDash val="solid"/>
-        </a:ln>
-        <a:ln w="25400" cap="flat" cmpd="sng" algn="ctr">
-          <a:solidFill>
-            <a:schemeClr val="phClr"/>
-          </a:solidFill>
-          <a:prstDash val="solid"/>
-        </a:ln>
-        <a:ln w="38100" cap="flat" cmpd="sng" algn="ctr">
-          <a:solidFill>
-            <a:schemeClr val="phClr"/>
-          </a:solidFill>
-          <a:prstDash val="solid"/>
-        </a:ln>
-      </a:lnStyleLst>
-      <a:effectStyleLst>
-        <a:effectStyle>
-          <a:effectLst>
-            <a:outerShdw blurRad="40000" dist="20000" dir="5400000" rotWithShape="0">
-              <a:srgbClr val="000000">
-                <a:alpha val="38000"/>
-              </a:srgbClr>
-            </a:outerShdw>
-          </a:effectLst>
-        </a:effectStyle>
-        <a:effectStyle>
-          <a:effectLst>
-            <a:outerShdw blurRad="40000" dist="23000" dir="5400000" rotWithShape="0">
-              <a:srgbClr val="000000">
-                <a:alpha val="35000"/>
-              </a:srgbClr>
-            </a:outerShdw>
-          </a:effectLst>
-        </a:effectStyle>
-        <a:effectStyle>
-          <a:effectLst>
-            <a:outerShdw blurRad="40000" dist="23000" dir="5400000" rotWithShape="0">
-              <a:srgbClr val="000000">
-                <a:alpha val="35000"/>
-              </a:srgbClr>
-            </a:outerShdw>
-          </a:effectLst>
-          <a:scene3d>
-            <a:camera prst="orthographicFront">
-              <a:rot lat="0" lon="0" rev="0"/>
-            </a:camera>
-            <a:lightRig rig="threePt" dir="t">
-              <a:rot lat="0" lon="0" rev="1200000"/>
-            </a:lightRig>
-          </a:scene3d>
-          <a:sp3d>
-            <a:bevelT w="63500" h="25400"/>
-          </a:sp3d>
-        </a:effectStyle>
-      </a:effectStyleLst>
-      <a:bgFillStyleLst>
-        <a:solidFill>
-          <a:schemeClr val="phClr"/>
-        </a:solidFill>
-        <a:gradFill rotWithShape="1">
-          <a:gsLst>
-            <a:gs pos="0">
-              <a:schemeClr val="phClr">
-                <a:tint val="40000"/>
-                <a:satMod val="350000"/>
-              </a:schemeClr>
-            </a:gs>
-            <a:gs pos="40000">
-              <a:schemeClr val="phClr">
-                <a:tint val="45000"/>
-                <a:shade val="99000"/>
-                <a:satMod val="350000"/>
-              </a:schemeClr>
-            </a:gs>
-            <a:gs pos="100000">
-              <a:schemeClr val="phClr">
-                <a:shade val="20000"/>
-                <a:satMod val="255000"/>
-              </a:schemeClr>
-            </a:gs>
-          </a:gsLst>
-          <a:path path="circle">
-            <a:fillToRect l="50000" t="-80000" r="50000" b="180000"/>
-          </a:path>
-        </a:gradFill>
-        <a:gradFill rotWithShape="1">
-          <a:gsLst>
-            <a:gs pos="0">
-              <a:schemeClr val="phClr">
-                <a:tint val="80000"/>
-                <a:satMod val="300000"/>
-              </a:schemeClr>
-            </a:gs>
-            <a:gs pos="100000">
-              <a:schemeClr val="phClr">
-                <a:shade val="30000"/>
-                <a:satMod val="200000"/>
-              </a:schemeClr>
-            </a:gs>
-          </a:gsLst>
-          <a:path path="circle">
-            <a:fillToRect l="50000" t="50000" r="50000" b="50000"/>
-          </a:path>
-        </a:gradFill>
-      </a:bgFillStyleLst>
-    </a:fmtScheme>
-  </a:themeElements>
-</a:theme>
 </file>
--- a/Econ/PPT/S13_Lecture_24.pptx
+++ b/Econ/PPT/S13_Lecture_24.pptx
@@ -27,6 +27,7 @@
     <p:sldId id="271" r:id="rId20"/>
     <p:sldId id="272" r:id="rId21"/>
     <p:sldId id="273" r:id="rId22"/>
+    <p:sldId id="274" r:id="rId23"/>
   </p:sldIdLst>
   <p:sldSz cx="9144000" cy="6858000"/>
   <p:notesSz cx="6858000" cy="9144000"/>
@@ -194,7 +195,7 @@
           <a:bodyPr anchor="b" bIns="0" lIns="0" rIns="0" tIns="0" wrap="none"/>
           <a:p>
             <a:pPr algn="r"/>
-            <a:fld id="{7C60DB23-6675-4502-BD3E-8085A5CE1C31}" type="slidenum">
+            <a:fld id="{01B1A191-6111-4111-9151-314131B16101}" type="slidenum">
               <a:rPr lang="en-US"/>
               <a:t>&lt;number&gt;</a:t>
             </a:fld>
@@ -208,7 +209,7 @@
 </p:notesMaster>
 </file>
 
-<file path=ppt/notesSlides/notesSlide14.xml><?xml version="1.0" encoding="utf-8"?>
+<file path=ppt/notesSlides/notesSlide15.xml><?xml version="1.0" encoding="utf-8"?>
 <p:notes xmlns:a="http://schemas.openxmlformats.org/drawingml/2006/main" xmlns:p="http://schemas.openxmlformats.org/presentationml/2006/main" xmlns:r="http://schemas.openxmlformats.org/officeDocument/2006/relationships">
   <p:cSld>
     <p:spTree>
@@ -227,14 +228,14 @@
       </p:grpSpPr>
       <p:sp>
         <p:nvSpPr>
-          <p:cNvPr id="112" name="CustomShape 1"/>
+          <p:cNvPr id="114" name="CustomShape 1"/>
           <p:cNvSpPr/>
           <p:nvPr/>
         </p:nvSpPr>
         <p:spPr>
           <a:xfrm>
             <a:off x="3884760" y="8685360"/>
-            <a:ext cx="2971080" cy="456480"/>
+            <a:ext cx="2970720" cy="456120"/>
           </a:xfrm>
           <a:prstGeom prst="rect">
             <a:avLst/>
@@ -248,7 +249,7 @@
                 <a:spcPct val="100000"/>
               </a:lnSpc>
             </a:pPr>
-            <a:fld id="{25B31977-E8FE-40E4-ADC0-6562F211EF81}" type="slidenum">
+            <a:fld id="{E13161E1-C1A1-41A1-9151-119171719131}" type="slidenum">
               <a:rPr lang="en-US" sz="1200">
                 <a:latin typeface="+mn-lt"/>
               </a:rPr>
@@ -260,7 +261,7 @@
       </p:sp>
       <p:sp>
         <p:nvSpPr>
-          <p:cNvPr id="113" name="PlaceHolder 2"/>
+          <p:cNvPr id="115" name="PlaceHolder 2"/>
           <p:cNvSpPr>
             <a:spLocks noGrp="1"/>
           </p:cNvSpPr>
@@ -271,7 +272,7 @@
         <p:spPr>
           <a:xfrm>
             <a:off x="685800" y="4343400"/>
-            <a:ext cx="5485680" cy="4114080"/>
+            <a:ext cx="5485320" cy="4113720"/>
           </a:xfrm>
           <a:prstGeom prst="rect">
             <a:avLst/>
@@ -368,7 +369,7 @@
         <p:spPr>
           <a:xfrm>
             <a:off x="457200" y="1604520"/>
-            <a:ext cx="8229240" cy="1896840"/>
+            <a:ext cx="8046360" cy="1896840"/>
           </a:xfrm>
           <a:prstGeom prst="rect">
             <a:avLst/>
@@ -394,7 +395,7 @@
         <p:spPr>
           <a:xfrm>
             <a:off x="457200" y="3681720"/>
-            <a:ext cx="8229240" cy="1896840"/>
+            <a:ext cx="8046360" cy="1896840"/>
           </a:xfrm>
           <a:prstGeom prst="rect">
             <a:avLst/>
@@ -469,7 +470,7 @@
         <p:spPr>
           <a:xfrm>
             <a:off x="457200" y="1604520"/>
-            <a:ext cx="4015440" cy="1896840"/>
+            <a:ext cx="3926160" cy="1896840"/>
           </a:xfrm>
           <a:prstGeom prst="rect">
             <a:avLst/>
@@ -494,8 +495,8 @@
         </p:nvSpPr>
         <p:spPr>
           <a:xfrm>
-            <a:off x="4673520" y="1604520"/>
-            <a:ext cx="4015440" cy="1896840"/>
+            <a:off x="4579920" y="1604520"/>
+            <a:ext cx="3926160" cy="1896840"/>
           </a:xfrm>
           <a:prstGeom prst="rect">
             <a:avLst/>
@@ -520,8 +521,8 @@
         </p:nvSpPr>
         <p:spPr>
           <a:xfrm>
-            <a:off x="4673520" y="3681720"/>
-            <a:ext cx="4015440" cy="1896840"/>
+            <a:off x="4579920" y="3681720"/>
+            <a:ext cx="3926160" cy="1896840"/>
           </a:xfrm>
           <a:prstGeom prst="rect">
             <a:avLst/>
@@ -547,7 +548,7 @@
         <p:spPr>
           <a:xfrm>
             <a:off x="457200" y="3681720"/>
-            <a:ext cx="4015440" cy="1896840"/>
+            <a:ext cx="3926160" cy="1896840"/>
           </a:xfrm>
           <a:prstGeom prst="rect">
             <a:avLst/>
@@ -622,7 +623,7 @@
         <p:spPr>
           <a:xfrm>
             <a:off x="457200" y="1604520"/>
-            <a:ext cx="4015440" cy="1896840"/>
+            <a:ext cx="3926160" cy="1896840"/>
           </a:xfrm>
           <a:prstGeom prst="rect">
             <a:avLst/>
@@ -647,8 +648,8 @@
         </p:nvSpPr>
         <p:spPr>
           <a:xfrm>
-            <a:off x="4673520" y="1604520"/>
-            <a:ext cx="4015440" cy="1896840"/>
+            <a:off x="4579920" y="1604520"/>
+            <a:ext cx="3926160" cy="1896840"/>
           </a:xfrm>
           <a:prstGeom prst="rect">
             <a:avLst/>
@@ -745,7 +746,7 @@
         <p:spPr>
           <a:xfrm>
             <a:off x="457200" y="1604520"/>
-            <a:ext cx="8229240" cy="3977640"/>
+            <a:ext cx="8046360" cy="3977640"/>
           </a:xfrm>
           <a:prstGeom prst="rect">
             <a:avLst/>
@@ -821,7 +822,7 @@
         <p:spPr>
           <a:xfrm>
             <a:off x="457200" y="1604520"/>
-            <a:ext cx="8229240" cy="3977280"/>
+            <a:ext cx="8046360" cy="3977280"/>
           </a:xfrm>
           <a:prstGeom prst="rect">
             <a:avLst/>
@@ -896,7 +897,7 @@
         <p:spPr>
           <a:xfrm>
             <a:off x="457200" y="1604520"/>
-            <a:ext cx="4015440" cy="3977280"/>
+            <a:ext cx="3926160" cy="3977280"/>
           </a:xfrm>
           <a:prstGeom prst="rect">
             <a:avLst/>
@@ -921,8 +922,8 @@
         </p:nvSpPr>
         <p:spPr>
           <a:xfrm>
-            <a:off x="4673520" y="1604520"/>
-            <a:ext cx="4015440" cy="3977280"/>
+            <a:off x="4579920" y="1604520"/>
+            <a:ext cx="3926160" cy="3977280"/>
           </a:xfrm>
           <a:prstGeom prst="rect">
             <a:avLst/>
@@ -1095,7 +1096,7 @@
         <p:spPr>
           <a:xfrm>
             <a:off x="457200" y="1604520"/>
-            <a:ext cx="4015440" cy="1896840"/>
+            <a:ext cx="3926160" cy="1896840"/>
           </a:xfrm>
           <a:prstGeom prst="rect">
             <a:avLst/>
@@ -1121,7 +1122,7 @@
         <p:spPr>
           <a:xfrm>
             <a:off x="457200" y="3681720"/>
-            <a:ext cx="4015440" cy="1896840"/>
+            <a:ext cx="3926160" cy="1896840"/>
           </a:xfrm>
           <a:prstGeom prst="rect">
             <a:avLst/>
@@ -1146,8 +1147,8 @@
         </p:nvSpPr>
         <p:spPr>
           <a:xfrm>
-            <a:off x="4673520" y="1604520"/>
-            <a:ext cx="4015440" cy="3977280"/>
+            <a:off x="4579920" y="1604520"/>
+            <a:ext cx="3926160" cy="3977280"/>
           </a:xfrm>
           <a:prstGeom prst="rect">
             <a:avLst/>
@@ -1222,7 +1223,7 @@
         <p:spPr>
           <a:xfrm>
             <a:off x="457200" y="1604520"/>
-            <a:ext cx="8229240" cy="3977640"/>
+            <a:ext cx="8046360" cy="3977640"/>
           </a:xfrm>
           <a:prstGeom prst="rect">
             <a:avLst/>
@@ -1298,7 +1299,7 @@
         <p:spPr>
           <a:xfrm>
             <a:off x="457200" y="1604520"/>
-            <a:ext cx="4015440" cy="3977280"/>
+            <a:ext cx="3926160" cy="3977280"/>
           </a:xfrm>
           <a:prstGeom prst="rect">
             <a:avLst/>
@@ -1323,8 +1324,8 @@
         </p:nvSpPr>
         <p:spPr>
           <a:xfrm>
-            <a:off x="4673520" y="1604520"/>
-            <a:ext cx="4015440" cy="1896840"/>
+            <a:off x="4579920" y="1604520"/>
+            <a:ext cx="3926160" cy="1896840"/>
           </a:xfrm>
           <a:prstGeom prst="rect">
             <a:avLst/>
@@ -1349,8 +1350,8 @@
         </p:nvSpPr>
         <p:spPr>
           <a:xfrm>
-            <a:off x="4673520" y="3681720"/>
-            <a:ext cx="4015440" cy="1896840"/>
+            <a:off x="4579920" y="3681720"/>
+            <a:ext cx="3926160" cy="1896840"/>
           </a:xfrm>
           <a:prstGeom prst="rect">
             <a:avLst/>
@@ -1425,7 +1426,7 @@
         <p:spPr>
           <a:xfrm>
             <a:off x="457200" y="1604520"/>
-            <a:ext cx="4015440" cy="1896840"/>
+            <a:ext cx="3926160" cy="1896840"/>
           </a:xfrm>
           <a:prstGeom prst="rect">
             <a:avLst/>
@@ -1450,8 +1451,8 @@
         </p:nvSpPr>
         <p:spPr>
           <a:xfrm>
-            <a:off x="4673520" y="1604520"/>
-            <a:ext cx="4015440" cy="1896840"/>
+            <a:off x="4579920" y="1604520"/>
+            <a:ext cx="3926160" cy="1896840"/>
           </a:xfrm>
           <a:prstGeom prst="rect">
             <a:avLst/>
@@ -1477,7 +1478,7 @@
         <p:spPr>
           <a:xfrm>
             <a:off x="457200" y="3681720"/>
-            <a:ext cx="8228520" cy="1896840"/>
+            <a:ext cx="8045640" cy="1896840"/>
           </a:xfrm>
           <a:prstGeom prst="rect">
             <a:avLst/>
@@ -1552,7 +1553,7 @@
         <p:spPr>
           <a:xfrm>
             <a:off x="457200" y="1604520"/>
-            <a:ext cx="8229240" cy="1896840"/>
+            <a:ext cx="8046360" cy="1896840"/>
           </a:xfrm>
           <a:prstGeom prst="rect">
             <a:avLst/>
@@ -1578,7 +1579,7 @@
         <p:spPr>
           <a:xfrm>
             <a:off x="457200" y="3681720"/>
-            <a:ext cx="8229240" cy="1896840"/>
+            <a:ext cx="8046360" cy="1896840"/>
           </a:xfrm>
           <a:prstGeom prst="rect">
             <a:avLst/>
@@ -1653,7 +1654,7 @@
         <p:spPr>
           <a:xfrm>
             <a:off x="457200" y="1604520"/>
-            <a:ext cx="4015440" cy="1896840"/>
+            <a:ext cx="3926160" cy="1896840"/>
           </a:xfrm>
           <a:prstGeom prst="rect">
             <a:avLst/>
@@ -1678,8 +1679,8 @@
         </p:nvSpPr>
         <p:spPr>
           <a:xfrm>
-            <a:off x="4673520" y="1604520"/>
-            <a:ext cx="4015440" cy="1896840"/>
+            <a:off x="4579920" y="1604520"/>
+            <a:ext cx="3926160" cy="1896840"/>
           </a:xfrm>
           <a:prstGeom prst="rect">
             <a:avLst/>
@@ -1704,8 +1705,8 @@
         </p:nvSpPr>
         <p:spPr>
           <a:xfrm>
-            <a:off x="4673520" y="3681720"/>
-            <a:ext cx="4015440" cy="1896840"/>
+            <a:off x="4579920" y="3681720"/>
+            <a:ext cx="3926160" cy="1896840"/>
           </a:xfrm>
           <a:prstGeom prst="rect">
             <a:avLst/>
@@ -1731,7 +1732,7 @@
         <p:spPr>
           <a:xfrm>
             <a:off x="457200" y="3681720"/>
-            <a:ext cx="4015440" cy="1896840"/>
+            <a:ext cx="3926160" cy="1896840"/>
           </a:xfrm>
           <a:prstGeom prst="rect">
             <a:avLst/>
@@ -1806,7 +1807,7 @@
         <p:spPr>
           <a:xfrm>
             <a:off x="457200" y="1604520"/>
-            <a:ext cx="4015440" cy="1896840"/>
+            <a:ext cx="3926160" cy="1896840"/>
           </a:xfrm>
           <a:prstGeom prst="rect">
             <a:avLst/>
@@ -1831,8 +1832,8 @@
         </p:nvSpPr>
         <p:spPr>
           <a:xfrm>
-            <a:off x="4673520" y="1604520"/>
-            <a:ext cx="4015440" cy="1896840"/>
+            <a:off x="4579920" y="1604520"/>
+            <a:ext cx="3926160" cy="1896840"/>
           </a:xfrm>
           <a:prstGeom prst="rect">
             <a:avLst/>
@@ -1907,7 +1908,7 @@
         <p:spPr>
           <a:xfrm>
             <a:off x="457200" y="1604520"/>
-            <a:ext cx="8229240" cy="3977280"/>
+            <a:ext cx="8046360" cy="3977280"/>
           </a:xfrm>
           <a:prstGeom prst="rect">
             <a:avLst/>
@@ -1982,7 +1983,7 @@
         <p:spPr>
           <a:xfrm>
             <a:off x="457200" y="1604520"/>
-            <a:ext cx="4015440" cy="3977280"/>
+            <a:ext cx="3926160" cy="3977280"/>
           </a:xfrm>
           <a:prstGeom prst="rect">
             <a:avLst/>
@@ -2007,8 +2008,8 @@
         </p:nvSpPr>
         <p:spPr>
           <a:xfrm>
-            <a:off x="4673520" y="1604520"/>
-            <a:ext cx="4015440" cy="3977280"/>
+            <a:off x="4579920" y="1604520"/>
+            <a:ext cx="3926160" cy="3977280"/>
           </a:xfrm>
           <a:prstGeom prst="rect">
             <a:avLst/>
@@ -2181,7 +2182,7 @@
         <p:spPr>
           <a:xfrm>
             <a:off x="457200" y="1604520"/>
-            <a:ext cx="4015440" cy="1896840"/>
+            <a:ext cx="3926160" cy="1896840"/>
           </a:xfrm>
           <a:prstGeom prst="rect">
             <a:avLst/>
@@ -2207,7 +2208,7 @@
         <p:spPr>
           <a:xfrm>
             <a:off x="457200" y="3681720"/>
-            <a:ext cx="4015440" cy="1896840"/>
+            <a:ext cx="3926160" cy="1896840"/>
           </a:xfrm>
           <a:prstGeom prst="rect">
             <a:avLst/>
@@ -2232,8 +2233,8 @@
         </p:nvSpPr>
         <p:spPr>
           <a:xfrm>
-            <a:off x="4673520" y="1604520"/>
-            <a:ext cx="4015440" cy="3977280"/>
+            <a:off x="4579920" y="1604520"/>
+            <a:ext cx="3926160" cy="3977280"/>
           </a:xfrm>
           <a:prstGeom prst="rect">
             <a:avLst/>
@@ -2308,7 +2309,7 @@
         <p:spPr>
           <a:xfrm>
             <a:off x="457200" y="1604520"/>
-            <a:ext cx="4015440" cy="3977280"/>
+            <a:ext cx="3926160" cy="3977280"/>
           </a:xfrm>
           <a:prstGeom prst="rect">
             <a:avLst/>
@@ -2333,8 +2334,8 @@
         </p:nvSpPr>
         <p:spPr>
           <a:xfrm>
-            <a:off x="4673520" y="1604520"/>
-            <a:ext cx="4015440" cy="1896840"/>
+            <a:off x="4579920" y="1604520"/>
+            <a:ext cx="3926160" cy="1896840"/>
           </a:xfrm>
           <a:prstGeom prst="rect">
             <a:avLst/>
@@ -2359,8 +2360,8 @@
         </p:nvSpPr>
         <p:spPr>
           <a:xfrm>
-            <a:off x="4673520" y="3681720"/>
-            <a:ext cx="4015440" cy="1896840"/>
+            <a:off x="4579920" y="3681720"/>
+            <a:ext cx="3926160" cy="1896840"/>
           </a:xfrm>
           <a:prstGeom prst="rect">
             <a:avLst/>
@@ -2435,7 +2436,7 @@
         <p:spPr>
           <a:xfrm>
             <a:off x="457200" y="1604520"/>
-            <a:ext cx="4015440" cy="1896840"/>
+            <a:ext cx="3926160" cy="1896840"/>
           </a:xfrm>
           <a:prstGeom prst="rect">
             <a:avLst/>
@@ -2460,8 +2461,8 @@
         </p:nvSpPr>
         <p:spPr>
           <a:xfrm>
-            <a:off x="4673520" y="1604520"/>
-            <a:ext cx="4015440" cy="1896840"/>
+            <a:off x="4579920" y="1604520"/>
+            <a:ext cx="3926160" cy="1896840"/>
           </a:xfrm>
           <a:prstGeom prst="rect">
             <a:avLst/>
@@ -2487,7 +2488,7 @@
         <p:spPr>
           <a:xfrm>
             <a:off x="457200" y="3681720"/>
-            <a:ext cx="8228520" cy="1896840"/>
+            <a:ext cx="8045640" cy="1896840"/>
           </a:xfrm>
           <a:prstGeom prst="rect">
             <a:avLst/>
@@ -2534,7 +2535,7 @@
         </p:nvSpPr>
         <p:spPr>
           <a:xfrm>
-            <a:off x="457200" y="273240"/>
+            <a:off x="457200" y="273600"/>
             <a:ext cx="8228880" cy="1144800"/>
           </a:xfrm>
           <a:prstGeom prst="rect">
@@ -2544,6 +2545,11 @@
         <p:txBody>
           <a:bodyPr anchor="ctr" bIns="0" lIns="0" rIns="0" tIns="0" wrap="none"/>
           <a:p>
+            <a:pPr algn="ctr">
+              <a:lnSpc>
+                <a:spcPct val="100000"/>
+              </a:lnSpc>
+            </a:pPr>
             <a:r>
               <a:rPr lang="en-US"/>
               <a:t>Click to edit the title text format</a:t>
@@ -2565,7 +2571,7 @@
         <p:spPr>
           <a:xfrm>
             <a:off x="457200" y="1604520"/>
-            <a:ext cx="8229240" cy="3977280"/>
+            <a:ext cx="8228880" cy="3976920"/>
           </a:xfrm>
           <a:prstGeom prst="rect">
             <a:avLst/>
@@ -2574,80 +2580,75 @@
         <p:txBody>
           <a:bodyPr bIns="0" lIns="0" rIns="0" tIns="0" wrap="none"/>
           <a:p>
-            <a:pPr>
-              <a:buSzPct val="25000"/>
+            <a:r>
+              <a:rPr lang="en-US"/>
+              <a:t>Click to edit the outline text format</a:t>
+            </a:r>
+            <a:endParaRPr/>
+          </a:p>
+          <a:p>
+            <a:pPr lvl="1">
+              <a:buSzPct val="75000"/>
+              <a:buFont typeface="StarSymbol"/>
+              <a:buChar char=""/>
+            </a:pPr>
+            <a:r>
+              <a:rPr lang="en-US"/>
+              <a:t>Second Outline Level</a:t>
+            </a:r>
+            <a:endParaRPr/>
+          </a:p>
+          <a:p>
+            <a:pPr lvl="2">
+              <a:buSzPct val="45000"/>
               <a:buFont typeface="StarSymbol"/>
               <a:buChar char=""/>
             </a:pPr>
             <a:r>
               <a:rPr lang="en-US"/>
-              <a:t>Click to edit the outline text format</a:t>
-            </a:r>
-            <a:endParaRPr/>
-          </a:p>
-          <a:p>
-            <a:pPr lvl="1">
-              <a:buSzPct val="25000"/>
+              <a:t>Third Outline Level</a:t>
+            </a:r>
+            <a:endParaRPr/>
+          </a:p>
+          <a:p>
+            <a:pPr lvl="3">
+              <a:buSzPct val="75000"/>
               <a:buFont typeface="StarSymbol"/>
               <a:buChar char=""/>
             </a:pPr>
             <a:r>
               <a:rPr lang="en-US"/>
-              <a:t>Second Outline Level</a:t>
-            </a:r>
-            <a:endParaRPr/>
-          </a:p>
-          <a:p>
-            <a:pPr lvl="2">
-              <a:buSzPct val="25000"/>
+              <a:t>Fourth Outline Level</a:t>
+            </a:r>
+            <a:endParaRPr/>
+          </a:p>
+          <a:p>
+            <a:pPr lvl="4">
+              <a:buSzPct val="45000"/>
               <a:buFont typeface="StarSymbol"/>
               <a:buChar char=""/>
             </a:pPr>
             <a:r>
               <a:rPr lang="en-US"/>
-              <a:t>Third Outline Level</a:t>
-            </a:r>
-            <a:endParaRPr/>
-          </a:p>
-          <a:p>
-            <a:pPr lvl="3">
-              <a:buSzPct val="25000"/>
-              <a:buFont typeface="StarSymbol"/>
-              <a:buChar char=""/>
-            </a:pPr>
-            <a:r>
-              <a:rPr lang="en-US"/>
-              <a:t>Fourth Outline Level</a:t>
-            </a:r>
-            <a:endParaRPr/>
-          </a:p>
-          <a:p>
-            <a:pPr lvl="4">
-              <a:buSzPct val="25000"/>
+              <a:t>Fifth Outline Level</a:t>
+            </a:r>
+            <a:endParaRPr/>
+          </a:p>
+          <a:p>
+            <a:pPr lvl="5">
+              <a:buSzPct val="45000"/>
               <a:buFont typeface="StarSymbol"/>
               <a:buChar char=""/>
             </a:pPr>
             <a:r>
               <a:rPr lang="en-US"/>
-              <a:t>Fifth Outline Level</a:t>
-            </a:r>
-            <a:endParaRPr/>
-          </a:p>
-          <a:p>
-            <a:pPr lvl="5">
-              <a:buSzPct val="25000"/>
-              <a:buFont typeface="StarSymbol"/>
-              <a:buChar char=""/>
-            </a:pPr>
-            <a:r>
-              <a:rPr lang="en-US"/>
               <a:t>Sixth Outline Level</a:t>
             </a:r>
             <a:endParaRPr/>
           </a:p>
           <a:p>
             <a:pPr lvl="6">
-              <a:buSzPct val="25000"/>
+              <a:buSzPct val="45000"/>
               <a:buFont typeface="StarSymbol"/>
               <a:buChar char=""/>
             </a:pPr>
@@ -2740,7 +2741,7 @@
         <p:spPr>
           <a:xfrm>
             <a:off x="457200" y="1604520"/>
-            <a:ext cx="8229240" cy="3977280"/>
+            <a:ext cx="8046360" cy="3977280"/>
           </a:xfrm>
           <a:prstGeom prst="rect">
             <a:avLst/>
@@ -2750,7 +2751,7 @@
           <a:bodyPr bIns="0" lIns="0" rIns="0" tIns="0" wrap="none"/>
           <a:p>
             <a:pPr>
-              <a:buSzPct val="25000"/>
+              <a:buSzPct val="45000"/>
               <a:buFont typeface="StarSymbol"/>
               <a:buChar char=""/>
             </a:pPr>
@@ -2762,7 +2763,7 @@
           </a:p>
           <a:p>
             <a:pPr lvl="1">
-              <a:buSzPct val="25000"/>
+              <a:buSzPct val="75000"/>
               <a:buFont typeface="StarSymbol"/>
               <a:buChar char=""/>
             </a:pPr>
@@ -2774,7 +2775,7 @@
           </a:p>
           <a:p>
             <a:pPr lvl="2">
-              <a:buSzPct val="25000"/>
+              <a:buSzPct val="45000"/>
               <a:buFont typeface="StarSymbol"/>
               <a:buChar char=""/>
             </a:pPr>
@@ -2786,7 +2787,7 @@
           </a:p>
           <a:p>
             <a:pPr lvl="3">
-              <a:buSzPct val="25000"/>
+              <a:buSzPct val="75000"/>
               <a:buFont typeface="StarSymbol"/>
               <a:buChar char=""/>
             </a:pPr>
@@ -2798,7 +2799,7 @@
           </a:p>
           <a:p>
             <a:pPr lvl="4">
-              <a:buSzPct val="25000"/>
+              <a:buSzPct val="45000"/>
               <a:buFont typeface="StarSymbol"/>
               <a:buChar char=""/>
             </a:pPr>
@@ -2810,7 +2811,7 @@
           </a:p>
           <a:p>
             <a:pPr lvl="5">
-              <a:buSzPct val="25000"/>
+              <a:buSzPct val="45000"/>
               <a:buFont typeface="StarSymbol"/>
               <a:buChar char=""/>
             </a:pPr>
@@ -2822,7 +2823,7 @@
           </a:p>
           <a:p>
             <a:pPr lvl="6">
-              <a:buSzPct val="25000"/>
+              <a:buSzPct val="45000"/>
               <a:buFont typeface="StarSymbol"/>
               <a:buChar char=""/>
             </a:pPr>
@@ -2880,7 +2881,7 @@
         <p:spPr>
           <a:xfrm>
             <a:off x="533520" y="1371600"/>
-            <a:ext cx="7850880" cy="1828080"/>
+            <a:ext cx="7850520" cy="1827720"/>
           </a:xfrm>
           <a:prstGeom prst="rect">
             <a:avLst/>
@@ -2916,7 +2917,7 @@
         <p:spPr>
           <a:xfrm>
             <a:off x="539640" y="3213000"/>
-            <a:ext cx="7854120" cy="1751760"/>
+            <a:ext cx="7853760" cy="1751400"/>
           </a:xfrm>
           <a:prstGeom prst="rect">
             <a:avLst/>
@@ -2968,7 +2969,9 @@
         <p:cTn dur="indefinite" id="1" nodeType="tmRoot" restart="never">
           <p:childTnLst>
             <p:seq>
-              <p:cTn id="2" nodeType="mainSeq"/>
+              <p:cTn id="2" nodeType="mainSeq">
+                <p:childTnLst/>
+              </p:cTn>
               <p:prevCondLst>
                 <p:cond delay="0" evt="onPrev">
                   <p:tgtEl>
@@ -3017,8 +3020,8 @@
         </p:nvSpPr>
         <p:spPr>
           <a:xfrm>
-            <a:off x="457200" y="704160"/>
-            <a:ext cx="8228880" cy="636120"/>
+            <a:off x="467640" y="836640"/>
+            <a:ext cx="8228520" cy="851760"/>
           </a:xfrm>
           <a:prstGeom prst="rect">
             <a:avLst/>
@@ -3033,13 +3036,13 @@
               </a:lnSpc>
             </a:pPr>
             <a:r>
-              <a:rPr lang="en-US" sz="5000">
+              <a:rPr lang="en-US" sz="3600">
                 <a:solidFill>
                   <a:srgbClr val="04617b"/>
                 </a:solidFill>
                 <a:latin typeface="Calibri"/>
               </a:rPr>
-              <a:t>TRIPS Tradeoffs</a:t>
+              <a:t>Trade-Related Aspects of Intellectual Property (TRIPS)</a:t>
             </a:r>
             <a:endParaRPr/>
           </a:p>
@@ -3053,8 +3056,8 @@
         </p:nvSpPr>
         <p:spPr>
           <a:xfrm>
-            <a:off x="457200" y="1556640"/>
-            <a:ext cx="8228880" cy="4767120"/>
+            <a:off x="457200" y="1772640"/>
+            <a:ext cx="8228520" cy="4550760"/>
           </a:xfrm>
           <a:prstGeom prst="rect">
             <a:avLst/>
@@ -3075,7 +3078,7 @@
                 </a:solidFill>
                 <a:latin typeface="Constantia"/>
               </a:rPr>
-              <a:t>Trade</a:t>
+              <a:t>Differential impacts of TRIPS </a:t>
             </a:r>
             <a:endParaRPr/>
           </a:p>
@@ -3084,6 +3087,29 @@
               <a:lnSpc>
                 <a:spcPct val="100000"/>
               </a:lnSpc>
+              <a:buSzPct val="25000"/>
+              <a:buFont charset="2" typeface="Wingdings 2"/>
+              <a:buChar char=""/>
+            </a:pPr>
+            <a:r>
+              <a:rPr lang="en-US" sz="2600">
+                <a:solidFill>
+                  <a:srgbClr val="000000"/>
+                </a:solidFill>
+                <a:latin typeface="Constantia"/>
+              </a:rPr>
+              <a:t>The direct effect of strengthening IPRs should be to increase the flow of royalties to intellectual property producing countries (mostly developed countries)</a:t>
+            </a:r>
+            <a:endParaRPr/>
+          </a:p>
+          <a:p>
+            <a:pPr lvl="1">
+              <a:lnSpc>
+                <a:spcPct val="100000"/>
+              </a:lnSpc>
+              <a:buSzPct val="25000"/>
+              <a:buFont typeface="StarSymbol"/>
+              <a:buChar char="l"/>
             </a:pPr>
             <a:r>
               <a:rPr lang="en-US" sz="2400">
@@ -3092,7 +3118,7 @@
                 </a:solidFill>
                 <a:latin typeface="Constantia"/>
               </a:rPr>
-              <a:t>TRIPS should increase market power of the innovating firms.  This should increase price and reduce trade volumes.</a:t>
+              <a:t>USA largest surplus with $28 billion in 2003</a:t>
             </a:r>
             <a:endParaRPr/>
           </a:p>
@@ -3102,15 +3128,6 @@
                 <a:spcPct val="100000"/>
               </a:lnSpc>
             </a:pPr>
-            <a:r>
-              <a:rPr b="1" lang="en-US" sz="2400">
-                <a:solidFill>
-                  <a:srgbClr val="000000"/>
-                </a:solidFill>
-                <a:latin typeface="Constantia"/>
-              </a:rPr>
-              <a:t>but,</a:t>
-            </a:r>
             <a:endParaRPr/>
           </a:p>
           <a:p>
@@ -3118,83 +3135,18 @@
               <a:lnSpc>
                 <a:spcPct val="100000"/>
               </a:lnSpc>
-            </a:pPr>
-            <a:r>
-              <a:rPr lang="en-US" sz="2400">
-                <a:solidFill>
-                  <a:srgbClr val="000000"/>
-                </a:solidFill>
-                <a:latin typeface="Constantia"/>
-              </a:rPr>
-              <a:t>Stronger IPS likely to increase the market size due to elimination of local imitators thus increasing trade volume.</a:t>
-            </a:r>
-            <a:endParaRPr/>
-          </a:p>
-          <a:p>
-            <a:pPr>
-              <a:lnSpc>
-                <a:spcPct val="100000"/>
-              </a:lnSpc>
-            </a:pPr>
-            <a:r>
-              <a:rPr b="1" lang="en-US" sz="2600">
-                <a:solidFill>
-                  <a:srgbClr val="000000"/>
-                </a:solidFill>
-                <a:latin typeface="Constantia"/>
-              </a:rPr>
-              <a:t>Foreign Direct Investment (FDI)</a:t>
-            </a:r>
-            <a:endParaRPr/>
-          </a:p>
-          <a:p>
-            <a:pPr>
-              <a:lnSpc>
-                <a:spcPct val="100000"/>
-              </a:lnSpc>
-            </a:pPr>
-            <a:r>
-              <a:rPr lang="en-US" sz="2400">
-                <a:solidFill>
-                  <a:srgbClr val="000000"/>
-                </a:solidFill>
-                <a:latin typeface="Constantia"/>
-              </a:rPr>
-              <a:t>Weak IPRs may induce firms to enter a country with FDI  in order to maintain control of proprietary information</a:t>
-            </a:r>
-            <a:endParaRPr/>
-          </a:p>
-          <a:p>
-            <a:pPr>
-              <a:lnSpc>
-                <a:spcPct val="100000"/>
-              </a:lnSpc>
-            </a:pPr>
-            <a:r>
-              <a:rPr b="1" lang="en-US" sz="2400">
-                <a:solidFill>
-                  <a:srgbClr val="000000"/>
-                </a:solidFill>
-                <a:latin typeface="Constantia"/>
-              </a:rPr>
-              <a:t>But,</a:t>
-            </a:r>
-            <a:endParaRPr/>
-          </a:p>
-          <a:p>
-            <a:pPr>
-              <a:lnSpc>
-                <a:spcPct val="100000"/>
-              </a:lnSpc>
-            </a:pPr>
-            <a:r>
-              <a:rPr lang="en-US" sz="2400">
-                <a:solidFill>
-                  <a:srgbClr val="000000"/>
-                </a:solidFill>
-                <a:latin typeface="Constantia"/>
-              </a:rPr>
-              <a:t>Strong IPRs may be seen as necessary for many multinational firms to do business in a country</a:t>
+              <a:buSzPct val="25000"/>
+              <a:buFont charset="2" typeface="Wingdings 2"/>
+              <a:buChar char=""/>
+            </a:pPr>
+            <a:r>
+              <a:rPr lang="en-US" sz="2600">
+                <a:solidFill>
+                  <a:srgbClr val="000000"/>
+                </a:solidFill>
+                <a:latin typeface="Constantia"/>
+              </a:rPr>
+              <a:t>Poorest countries (esp. Africa) suffered most, because of higher prices for protected products and technologies, e.g., Pharmaceutical drugs</a:t>
             </a:r>
             <a:endParaRPr/>
           </a:p>
@@ -3205,32 +3157,32 @@
   <p:timing>
     <p:tnLst>
       <p:par>
-        <p:cTn dur="indefinite" id="99" nodeType="tmRoot" restart="never">
+        <p:cTn dur="indefinite" id="101" nodeType="tmRoot" restart="never">
           <p:childTnLst>
             <p:seq>
-              <p:cTn dur="indefinite" id="100" nodeType="mainSeq">
+              <p:cTn dur="indefinite" id="102" nodeType="mainSeq">
                 <p:childTnLst>
                   <p:par>
-                    <p:cTn fill="hold" id="101">
+                    <p:cTn fill="hold" id="103">
                       <p:stCondLst>
                         <p:cond delay="indefinite"/>
                       </p:stCondLst>
                       <p:childTnLst>
                         <p:par>
-                          <p:cTn fill="hold" id="102">
+                          <p:cTn fill="hold" id="104">
                             <p:stCondLst>
                               <p:cond delay="0"/>
                             </p:stCondLst>
                             <p:childTnLst>
                               <p:par>
-                                <p:cTn fill="hold" id="103" nodeType="clickEffect" presetClass="entr" presetID="1">
+                                <p:cTn fill="hold" id="105" nodeType="clickEffect" presetClass="entr" presetID="1">
                                   <p:stCondLst>
                                     <p:cond delay="0"/>
                                   </p:stCondLst>
                                   <p:childTnLst>
                                     <p:set>
                                       <p:cBhvr>
-                                        <p:cTn dur="1" fill="hold" id="104">
+                                        <p:cTn dur="1" fill="hold" id="106">
                                           <p:stCondLst>
                                             <p:cond delay="0"/>
                                           </p:stCondLst>
@@ -3238,7 +3190,7 @@
                                         <p:tgtEl>
                                           <p:spTgt spid="92">
                                             <p:txEl>
-                                              <p:pRg end="6" st="0"/>
+                                              <p:pRg end="31" st="0"/>
                                             </p:txEl>
                                           </p:spTgt>
                                         </p:tgtEl>
@@ -3260,26 +3212,26 @@
                     </p:cTn>
                   </p:par>
                   <p:par>
-                    <p:cTn fill="hold" id="105">
+                    <p:cTn fill="hold" id="107">
                       <p:stCondLst>
                         <p:cond delay="indefinite"/>
                       </p:stCondLst>
                       <p:childTnLst>
                         <p:par>
-                          <p:cTn fill="hold" id="106">
+                          <p:cTn fill="hold" id="108">
                             <p:stCondLst>
                               <p:cond delay="0"/>
                             </p:stCondLst>
                             <p:childTnLst>
                               <p:par>
-                                <p:cTn fill="hold" id="107" nodeType="clickEffect" presetClass="entr" presetID="1">
+                                <p:cTn fill="hold" id="109" nodeType="clickEffect" presetClass="entr" presetID="1">
                                   <p:stCondLst>
                                     <p:cond delay="0"/>
                                   </p:stCondLst>
                                   <p:childTnLst>
                                     <p:set>
                                       <p:cBhvr>
-                                        <p:cTn dur="1" fill="hold" id="108">
+                                        <p:cTn dur="1" fill="hold" id="110">
                                           <p:stCondLst>
                                             <p:cond delay="0"/>
                                           </p:stCondLst>
@@ -3287,7 +3239,7 @@
                                         <p:tgtEl>
                                           <p:spTgt spid="92">
                                             <p:txEl>
-                                              <p:pRg end="390" st="385"/>
+                                              <p:pRg end="375" st="375"/>
                                             </p:txEl>
                                           </p:spTgt>
                                         </p:tgtEl>
@@ -3302,26 +3254,8 @@
                                   </p:childTnLst>
                                 </p:cTn>
                               </p:par>
-                            </p:childTnLst>
-                          </p:cTn>
-                        </p:par>
-                      </p:childTnLst>
-                    </p:cTn>
-                  </p:par>
-                  <p:par>
-                    <p:cTn fill="hold" id="109">
-                      <p:stCondLst>
-                        <p:cond delay="indefinite"/>
-                      </p:stCondLst>
-                      <p:childTnLst>
-                        <p:par>
-                          <p:cTn fill="hold" id="110">
-                            <p:stCondLst>
-                              <p:cond delay="0"/>
-                            </p:stCondLst>
-                            <p:childTnLst>
                               <p:par>
-                                <p:cTn fill="hold" id="111" nodeType="clickEffect" presetClass="entr" presetID="1">
+                                <p:cTn fill="hold" id="111" nodeType="withEffect" presetClass="entr" presetID="1">
                                   <p:stCondLst>
                                     <p:cond delay="0"/>
                                   </p:stCondLst>
@@ -3336,7 +3270,7 @@
                                         <p:tgtEl>
                                           <p:spTgt spid="92">
                                             <p:txEl>
-                                              <p:pRg end="484" st="484"/>
+                                              <p:pRg end="375" st="375"/>
                                             </p:txEl>
                                           </p:spTgt>
                                         </p:tgtEl>
@@ -3385,203 +3319,7 @@
                                         <p:tgtEl>
                                           <p:spTgt spid="92">
                                             <p:txEl>
-                                              <p:pRg end="484" st="484"/>
-                                            </p:txEl>
-                                          </p:spTgt>
-                                        </p:tgtEl>
-                                        <p:attrNameLst>
-                                          <p:attrName>style.visibility</p:attrName>
-                                        </p:attrNameLst>
-                                      </p:cBhvr>
-                                      <p:to>
-                                        <p:strVal val="visible"/>
-                                      </p:to>
-                                    </p:set>
-                                  </p:childTnLst>
-                                </p:cTn>
-                              </p:par>
-                            </p:childTnLst>
-                          </p:cTn>
-                        </p:par>
-                      </p:childTnLst>
-                    </p:cTn>
-                  </p:par>
-                  <p:par>
-                    <p:cTn fill="hold" id="117">
-                      <p:stCondLst>
-                        <p:cond delay="indefinite"/>
-                      </p:stCondLst>
-                      <p:childTnLst>
-                        <p:par>
-                          <p:cTn fill="hold" id="118">
-                            <p:stCondLst>
-                              <p:cond delay="0"/>
-                            </p:stCondLst>
-                            <p:childTnLst>
-                              <p:par>
-                                <p:cTn fill="hold" id="119" nodeType="clickEffect" presetClass="entr" presetID="1">
-                                  <p:stCondLst>
-                                    <p:cond delay="0"/>
-                                  </p:stCondLst>
-                                  <p:childTnLst>
-                                    <p:set>
-                                      <p:cBhvr>
-                                        <p:cTn dur="1" fill="hold" id="120">
-                                          <p:stCondLst>
-                                            <p:cond delay="0"/>
-                                          </p:stCondLst>
-                                        </p:cTn>
-                                        <p:tgtEl>
-                                          <p:spTgt spid="92">
-                                            <p:txEl>
-                                              <p:pRg end="484" st="484"/>
-                                            </p:txEl>
-                                          </p:spTgt>
-                                        </p:tgtEl>
-                                        <p:attrNameLst>
-                                          <p:attrName>style.visibility</p:attrName>
-                                        </p:attrNameLst>
-                                      </p:cBhvr>
-                                      <p:to>
-                                        <p:strVal val="visible"/>
-                                      </p:to>
-                                    </p:set>
-                                  </p:childTnLst>
-                                </p:cTn>
-                              </p:par>
-                            </p:childTnLst>
-                          </p:cTn>
-                        </p:par>
-                      </p:childTnLst>
-                    </p:cTn>
-                  </p:par>
-                  <p:par>
-                    <p:cTn fill="hold" id="121">
-                      <p:stCondLst>
-                        <p:cond delay="indefinite"/>
-                      </p:stCondLst>
-                      <p:childTnLst>
-                        <p:par>
-                          <p:cTn fill="hold" id="122">
-                            <p:stCondLst>
-                              <p:cond delay="0"/>
-                            </p:stCondLst>
-                            <p:childTnLst>
-                              <p:par>
-                                <p:cTn fill="hold" id="123" nodeType="clickEffect" presetClass="entr" presetID="1">
-                                  <p:stCondLst>
-                                    <p:cond delay="0"/>
-                                  </p:stCondLst>
-                                  <p:childTnLst>
-                                    <p:set>
-                                      <p:cBhvr>
-                                        <p:cTn dur="1" fill="hold" id="124">
-                                          <p:stCondLst>
-                                            <p:cond delay="0"/>
-                                          </p:stCondLst>
-                                        </p:cTn>
-                                        <p:tgtEl>
-                                          <p:spTgt spid="92">
-                                            <p:txEl>
-                                              <p:pRg end="484" st="484"/>
-                                            </p:txEl>
-                                          </p:spTgt>
-                                        </p:tgtEl>
-                                        <p:attrNameLst>
-                                          <p:attrName>style.visibility</p:attrName>
-                                        </p:attrNameLst>
-                                      </p:cBhvr>
-                                      <p:to>
-                                        <p:strVal val="visible"/>
-                                      </p:to>
-                                    </p:set>
-                                  </p:childTnLst>
-                                </p:cTn>
-                              </p:par>
-                            </p:childTnLst>
-                          </p:cTn>
-                        </p:par>
-                      </p:childTnLst>
-                    </p:cTn>
-                  </p:par>
-                  <p:par>
-                    <p:cTn fill="hold" id="125">
-                      <p:stCondLst>
-                        <p:cond delay="indefinite"/>
-                      </p:stCondLst>
-                      <p:childTnLst>
-                        <p:par>
-                          <p:cTn fill="hold" id="126">
-                            <p:stCondLst>
-                              <p:cond delay="0"/>
-                            </p:stCondLst>
-                            <p:childTnLst>
-                              <p:par>
-                                <p:cTn fill="hold" id="127" nodeType="clickEffect" presetClass="entr" presetID="1">
-                                  <p:stCondLst>
-                                    <p:cond delay="0"/>
-                                  </p:stCondLst>
-                                  <p:childTnLst>
-                                    <p:set>
-                                      <p:cBhvr>
-                                        <p:cTn dur="1" fill="hold" id="128">
-                                          <p:stCondLst>
-                                            <p:cond delay="0"/>
-                                          </p:stCondLst>
-                                        </p:cTn>
-                                        <p:tgtEl>
-                                          <p:spTgt spid="92">
-                                            <p:txEl>
-                                              <p:pRg end="484" st="484"/>
-                                            </p:txEl>
-                                          </p:spTgt>
-                                        </p:tgtEl>
-                                        <p:attrNameLst>
-                                          <p:attrName>style.visibility</p:attrName>
-                                        </p:attrNameLst>
-                                      </p:cBhvr>
-                                      <p:to>
-                                        <p:strVal val="visible"/>
-                                      </p:to>
-                                    </p:set>
-                                  </p:childTnLst>
-                                </p:cTn>
-                              </p:par>
-                            </p:childTnLst>
-                          </p:cTn>
-                        </p:par>
-                      </p:childTnLst>
-                    </p:cTn>
-                  </p:par>
-                  <p:par>
-                    <p:cTn fill="hold" id="129">
-                      <p:stCondLst>
-                        <p:cond delay="indefinite"/>
-                      </p:stCondLst>
-                      <p:childTnLst>
-                        <p:par>
-                          <p:cTn fill="hold" id="130">
-                            <p:stCondLst>
-                              <p:cond delay="0"/>
-                            </p:stCondLst>
-                            <p:childTnLst>
-                              <p:par>
-                                <p:cTn fill="hold" id="131" nodeType="clickEffect" presetClass="entr" presetID="1">
-                                  <p:stCondLst>
-                                    <p:cond delay="0"/>
-                                  </p:stCondLst>
-                                  <p:childTnLst>
-                                    <p:set>
-                                      <p:cBhvr>
-                                        <p:cTn dur="1" fill="hold" id="132">
-                                          <p:stCondLst>
-                                            <p:cond delay="0"/>
-                                          </p:stCondLst>
-                                        </p:cTn>
-                                        <p:tgtEl>
-                                          <p:spTgt spid="92">
-                                            <p:txEl>
-                                              <p:pRg end="484" st="484"/>
+                                              <p:pRg end="375" st="375"/>
                                             </p:txEl>
                                           </p:spTgt>
                                         </p:tgtEl>
@@ -3653,7 +3391,7 @@
         <p:spPr>
           <a:xfrm>
             <a:off x="457200" y="704160"/>
-            <a:ext cx="8228880" cy="780120"/>
+            <a:ext cx="8228520" cy="635760"/>
           </a:xfrm>
           <a:prstGeom prst="rect">
             <a:avLst/>
@@ -3674,7 +3412,7 @@
                 </a:solidFill>
                 <a:latin typeface="Calibri"/>
               </a:rPr>
-              <a:t>TRIPS, FDI and technology transfer</a:t>
+              <a:t>TRIPS Tradeoffs</a:t>
             </a:r>
             <a:endParaRPr/>
           </a:p>
@@ -3688,8 +3426,8 @@
         </p:nvSpPr>
         <p:spPr>
           <a:xfrm>
-            <a:off x="457200" y="1628640"/>
-            <a:ext cx="8228880" cy="4695120"/>
+            <a:off x="457200" y="1556640"/>
+            <a:ext cx="8228520" cy="4766760"/>
           </a:xfrm>
           <a:prstGeom prst="rect">
             <a:avLst/>
@@ -3702,18 +3440,15 @@
               <a:lnSpc>
                 <a:spcPct val="100000"/>
               </a:lnSpc>
-              <a:buSzPct val="25000"/>
-              <a:buFont charset="2" typeface="Wingdings 2"/>
-              <a:buChar char=""/>
-            </a:pPr>
-            <a:r>
-              <a:rPr lang="en-US" sz="2600">
-                <a:solidFill>
-                  <a:srgbClr val="000000"/>
-                </a:solidFill>
-                <a:latin typeface="Constantia"/>
-              </a:rPr>
-              <a:t>FDI is sensitive to the IPR regime as transnational corporations (TNCs) fear to invest where no IPRs (Maskus, 2000)</a:t>
+            </a:pPr>
+            <a:r>
+              <a:rPr b="1" lang="en-US" sz="2600">
+                <a:solidFill>
+                  <a:srgbClr val="000000"/>
+                </a:solidFill>
+                <a:latin typeface="Constantia"/>
+              </a:rPr>
+              <a:t>Trade</a:t>
             </a:r>
             <a:endParaRPr/>
           </a:p>
@@ -3722,18 +3457,15 @@
               <a:lnSpc>
                 <a:spcPct val="100000"/>
               </a:lnSpc>
-              <a:buSzPct val="25000"/>
-              <a:buFont charset="2" typeface="Wingdings 2"/>
-              <a:buChar char=""/>
-            </a:pPr>
-            <a:r>
-              <a:rPr lang="en-US" sz="2600">
-                <a:solidFill>
-                  <a:srgbClr val="000000"/>
-                </a:solidFill>
-                <a:latin typeface="Constantia"/>
-              </a:rPr>
-              <a:t>As we saw before, can argue that technology transfer is enhanced due to FDI as these firms bring modernising technology and domestic enterprise can learn from them </a:t>
+            </a:pPr>
+            <a:r>
+              <a:rPr lang="en-US" sz="2400">
+                <a:solidFill>
+                  <a:srgbClr val="000000"/>
+                </a:solidFill>
+                <a:latin typeface="Constantia"/>
+              </a:rPr>
+              <a:t>TRIPS should increase market power of the innovating firms.  This should increase price and reduce trade volumes.</a:t>
             </a:r>
             <a:endParaRPr/>
           </a:p>
@@ -3742,19 +3474,41 @@
               <a:lnSpc>
                 <a:spcPct val="100000"/>
               </a:lnSpc>
-              <a:buSzPct val="25000"/>
-              <a:buFont charset="2" typeface="Wingdings 2"/>
-              <a:buChar char=""/>
-            </a:pPr>
-            <a:r>
-              <a:rPr lang="en-US" sz="2600">
-                <a:solidFill>
-                  <a:srgbClr val="000000"/>
-                </a:solidFill>
-                <a:latin typeface="Constantia"/>
-              </a:rPr>
-              <a:t>But technology transfer can only occur if country has the ability to </a:t>
-            </a:r>
+            </a:pPr>
+            <a:r>
+              <a:rPr b="1" lang="en-US" sz="2400">
+                <a:solidFill>
+                  <a:srgbClr val="000000"/>
+                </a:solidFill>
+                <a:latin typeface="Constantia"/>
+              </a:rPr>
+              <a:t>but,</a:t>
+            </a:r>
+            <a:endParaRPr/>
+          </a:p>
+          <a:p>
+            <a:pPr>
+              <a:lnSpc>
+                <a:spcPct val="100000"/>
+              </a:lnSpc>
+            </a:pPr>
+            <a:r>
+              <a:rPr lang="en-US" sz="2400">
+                <a:solidFill>
+                  <a:srgbClr val="000000"/>
+                </a:solidFill>
+                <a:latin typeface="Constantia"/>
+              </a:rPr>
+              <a:t>Stronger IPS likely to increase the market size due to elimination of local imitators thus increasing trade volume.</a:t>
+            </a:r>
+            <a:endParaRPr/>
+          </a:p>
+          <a:p>
+            <a:pPr>
+              <a:lnSpc>
+                <a:spcPct val="100000"/>
+              </a:lnSpc>
+            </a:pPr>
             <a:r>
               <a:rPr b="1" lang="en-US" sz="2600">
                 <a:solidFill>
@@ -3762,16 +3516,7 @@
                 </a:solidFill>
                 <a:latin typeface="Constantia"/>
               </a:rPr>
-              <a:t>absorb it </a:t>
-            </a:r>
-            <a:r>
-              <a:rPr lang="en-US" sz="2600">
-                <a:solidFill>
-                  <a:srgbClr val="000000"/>
-                </a:solidFill>
-                <a:latin typeface="Constantia"/>
-              </a:rPr>
-              <a:t>– needs education and entrepreneurial talent to do this</a:t>
+              <a:t>Foreign Direct Investment (FDI)</a:t>
             </a:r>
             <a:endParaRPr/>
           </a:p>
@@ -3780,18 +3525,49 @@
               <a:lnSpc>
                 <a:spcPct val="100000"/>
               </a:lnSpc>
-              <a:buSzPct val="25000"/>
-              <a:buFont charset="2" typeface="Wingdings 2"/>
-              <a:buChar char=""/>
-            </a:pPr>
-            <a:r>
-              <a:rPr lang="en-US" sz="2600">
-                <a:solidFill>
-                  <a:srgbClr val="000000"/>
-                </a:solidFill>
-                <a:latin typeface="Constantia"/>
-              </a:rPr>
-              <a:t>Any new domestic firms will of course be paying higher licence fees for their new technology or higher import prices for imported capital goods that are protected</a:t>
+            </a:pPr>
+            <a:r>
+              <a:rPr lang="en-US" sz="2400">
+                <a:solidFill>
+                  <a:srgbClr val="000000"/>
+                </a:solidFill>
+                <a:latin typeface="Constantia"/>
+              </a:rPr>
+              <a:t>Weak IPRs may induce firms to enter a country with FDI  in order to maintain control of proprietary information</a:t>
+            </a:r>
+            <a:endParaRPr/>
+          </a:p>
+          <a:p>
+            <a:pPr>
+              <a:lnSpc>
+                <a:spcPct val="100000"/>
+              </a:lnSpc>
+            </a:pPr>
+            <a:r>
+              <a:rPr b="1" lang="en-US" sz="2400">
+                <a:solidFill>
+                  <a:srgbClr val="000000"/>
+                </a:solidFill>
+                <a:latin typeface="Constantia"/>
+              </a:rPr>
+              <a:t>But,</a:t>
+            </a:r>
+            <a:endParaRPr/>
+          </a:p>
+          <a:p>
+            <a:pPr>
+              <a:lnSpc>
+                <a:spcPct val="100000"/>
+              </a:lnSpc>
+            </a:pPr>
+            <a:r>
+              <a:rPr lang="en-US" sz="2400">
+                <a:solidFill>
+                  <a:srgbClr val="000000"/>
+                </a:solidFill>
+                <a:latin typeface="Constantia"/>
+              </a:rPr>
+              <a:t>Strong IPRs may be seen as necessary for many multinational firms to do business in a country</a:t>
             </a:r>
             <a:endParaRPr/>
           </a:p>
@@ -3802,11 +3578,207 @@
   <p:timing>
     <p:tnLst>
       <p:par>
-        <p:cTn dur="indefinite" id="133" nodeType="tmRoot" restart="never">
+        <p:cTn dur="indefinite" id="117" nodeType="tmRoot" restart="never">
           <p:childTnLst>
             <p:seq>
-              <p:cTn dur="indefinite" id="134" nodeType="mainSeq">
+              <p:cTn dur="indefinite" id="118" nodeType="mainSeq">
                 <p:childTnLst>
+                  <p:par>
+                    <p:cTn fill="hold" id="119">
+                      <p:stCondLst>
+                        <p:cond delay="indefinite"/>
+                      </p:stCondLst>
+                      <p:childTnLst>
+                        <p:par>
+                          <p:cTn fill="hold" id="120">
+                            <p:stCondLst>
+                              <p:cond delay="0"/>
+                            </p:stCondLst>
+                            <p:childTnLst>
+                              <p:par>
+                                <p:cTn fill="hold" id="121" nodeType="clickEffect" presetClass="entr" presetID="1">
+                                  <p:stCondLst>
+                                    <p:cond delay="0"/>
+                                  </p:stCondLst>
+                                  <p:childTnLst>
+                                    <p:set>
+                                      <p:cBhvr>
+                                        <p:cTn dur="1" fill="hold" id="122">
+                                          <p:stCondLst>
+                                            <p:cond delay="0"/>
+                                          </p:stCondLst>
+                                        </p:cTn>
+                                        <p:tgtEl>
+                                          <p:spTgt spid="94">
+                                            <p:txEl>
+                                              <p:pRg end="6" st="0"/>
+                                            </p:txEl>
+                                          </p:spTgt>
+                                        </p:tgtEl>
+                                        <p:attrNameLst>
+                                          <p:attrName>style.visibility</p:attrName>
+                                        </p:attrNameLst>
+                                      </p:cBhvr>
+                                      <p:to>
+                                        <p:strVal val="visible"/>
+                                      </p:to>
+                                    </p:set>
+                                  </p:childTnLst>
+                                </p:cTn>
+                              </p:par>
+                            </p:childTnLst>
+                          </p:cTn>
+                        </p:par>
+                      </p:childTnLst>
+                    </p:cTn>
+                  </p:par>
+                  <p:par>
+                    <p:cTn fill="hold" id="123">
+                      <p:stCondLst>
+                        <p:cond delay="indefinite"/>
+                      </p:stCondLst>
+                      <p:childTnLst>
+                        <p:par>
+                          <p:cTn fill="hold" id="124">
+                            <p:stCondLst>
+                              <p:cond delay="0"/>
+                            </p:stCondLst>
+                            <p:childTnLst>
+                              <p:par>
+                                <p:cTn fill="hold" id="125" nodeType="clickEffect" presetClass="entr" presetID="1">
+                                  <p:stCondLst>
+                                    <p:cond delay="0"/>
+                                  </p:stCondLst>
+                                  <p:childTnLst>
+                                    <p:set>
+                                      <p:cBhvr>
+                                        <p:cTn dur="1" fill="hold" id="126">
+                                          <p:stCondLst>
+                                            <p:cond delay="0"/>
+                                          </p:stCondLst>
+                                        </p:cTn>
+                                        <p:tgtEl>
+                                          <p:spTgt spid="94">
+                                            <p:txEl>
+                                              <p:pRg end="484" st="484"/>
+                                            </p:txEl>
+                                          </p:spTgt>
+                                        </p:tgtEl>
+                                        <p:attrNameLst>
+                                          <p:attrName>style.visibility</p:attrName>
+                                        </p:attrNameLst>
+                                      </p:cBhvr>
+                                      <p:to>
+                                        <p:strVal val="visible"/>
+                                      </p:to>
+                                    </p:set>
+                                  </p:childTnLst>
+                                </p:cTn>
+                              </p:par>
+                            </p:childTnLst>
+                          </p:cTn>
+                        </p:par>
+                      </p:childTnLst>
+                    </p:cTn>
+                  </p:par>
+                  <p:par>
+                    <p:cTn fill="hold" id="127">
+                      <p:stCondLst>
+                        <p:cond delay="indefinite"/>
+                      </p:stCondLst>
+                      <p:childTnLst>
+                        <p:par>
+                          <p:cTn fill="hold" id="128">
+                            <p:stCondLst>
+                              <p:cond delay="0"/>
+                            </p:stCondLst>
+                            <p:childTnLst>
+                              <p:par>
+                                <p:cTn fill="hold" id="129" nodeType="clickEffect" presetClass="entr" presetID="1">
+                                  <p:stCondLst>
+                                    <p:cond delay="0"/>
+                                  </p:stCondLst>
+                                  <p:childTnLst>
+                                    <p:set>
+                                      <p:cBhvr>
+                                        <p:cTn dur="1" fill="hold" id="130">
+                                          <p:stCondLst>
+                                            <p:cond delay="0"/>
+                                          </p:stCondLst>
+                                        </p:cTn>
+                                        <p:tgtEl>
+                                          <p:spTgt spid="94">
+                                            <p:txEl>
+                                              <p:pRg end="484" st="484"/>
+                                            </p:txEl>
+                                          </p:spTgt>
+                                        </p:tgtEl>
+                                        <p:attrNameLst>
+                                          <p:attrName>style.visibility</p:attrName>
+                                        </p:attrNameLst>
+                                      </p:cBhvr>
+                                      <p:to>
+                                        <p:strVal val="visible"/>
+                                      </p:to>
+                                    </p:set>
+                                  </p:childTnLst>
+                                </p:cTn>
+                              </p:par>
+                            </p:childTnLst>
+                          </p:cTn>
+                        </p:par>
+                      </p:childTnLst>
+                    </p:cTn>
+                  </p:par>
+                  <p:par>
+                    <p:cTn fill="hold" id="131">
+                      <p:stCondLst>
+                        <p:cond delay="indefinite"/>
+                      </p:stCondLst>
+                      <p:childTnLst>
+                        <p:par>
+                          <p:cTn fill="hold" id="132">
+                            <p:stCondLst>
+                              <p:cond delay="0"/>
+                            </p:stCondLst>
+                            <p:childTnLst>
+                              <p:par>
+                                <p:cTn fill="hold" id="133" nodeType="clickEffect" presetClass="entr" presetID="1">
+                                  <p:stCondLst>
+                                    <p:cond delay="0"/>
+                                  </p:stCondLst>
+                                  <p:childTnLst>
+                                    <p:set>
+                                      <p:cBhvr>
+                                        <p:cTn dur="1" fill="hold" id="134">
+                                          <p:stCondLst>
+                                            <p:cond delay="0"/>
+                                          </p:stCondLst>
+                                        </p:cTn>
+                                        <p:tgtEl>
+                                          <p:spTgt spid="94">
+                                            <p:txEl>
+                                              <p:pRg end="484" st="484"/>
+                                            </p:txEl>
+                                          </p:spTgt>
+                                        </p:tgtEl>
+                                        <p:attrNameLst>
+                                          <p:attrName>style.visibility</p:attrName>
+                                        </p:attrNameLst>
+                                      </p:cBhvr>
+                                      <p:to>
+                                        <p:strVal val="visible"/>
+                                      </p:to>
+                                    </p:set>
+                                  </p:childTnLst>
+                                </p:cTn>
+                              </p:par>
+                            </p:childTnLst>
+                          </p:cTn>
+                        </p:par>
+                      </p:childTnLst>
+                    </p:cTn>
+                  </p:par>
                   <p:par>
                     <p:cTn fill="hold" id="135">
                       <p:stCondLst>
@@ -3835,7 +3807,7 @@
                                         <p:tgtEl>
                                           <p:spTgt spid="94">
                                             <p:txEl>
-                                              <p:pRg end="116" st="0"/>
+                                              <p:pRg end="484" st="484"/>
                                             </p:txEl>
                                           </p:spTgt>
                                         </p:tgtEl>
@@ -3884,7 +3856,7 @@
                                         <p:tgtEl>
                                           <p:spTgt spid="94">
                                             <p:txEl>
-                                              <p:pRg end="579" st="579"/>
+                                              <p:pRg end="484" st="484"/>
                                             </p:txEl>
                                           </p:spTgt>
                                         </p:tgtEl>
@@ -3933,7 +3905,7 @@
                                         <p:tgtEl>
                                           <p:spTgt spid="94">
                                             <p:txEl>
-                                              <p:pRg end="579" st="579"/>
+                                              <p:pRg end="484" st="484"/>
                                             </p:txEl>
                                           </p:spTgt>
                                         </p:tgtEl>
@@ -3982,7 +3954,7 @@
                                         <p:tgtEl>
                                           <p:spTgt spid="94">
                                             <p:txEl>
-                                              <p:pRg end="579" st="579"/>
+                                              <p:pRg end="484" st="484"/>
                                             </p:txEl>
                                           </p:spTgt>
                                         </p:tgtEl>
@@ -4053,8 +4025,8 @@
         </p:nvSpPr>
         <p:spPr>
           <a:xfrm>
-            <a:off x="467640" y="476640"/>
-            <a:ext cx="8228880" cy="791280"/>
+            <a:off x="457200" y="704160"/>
+            <a:ext cx="8228520" cy="779760"/>
           </a:xfrm>
           <a:prstGeom prst="rect">
             <a:avLst/>
@@ -4069,13 +4041,13 @@
               </a:lnSpc>
             </a:pPr>
             <a:r>
-              <a:rPr lang="en-US" sz="3200">
+              <a:rPr lang="en-US" sz="5000">
                 <a:solidFill>
                   <a:srgbClr val="04617b"/>
                 </a:solidFill>
                 <a:latin typeface="Calibri"/>
               </a:rPr>
-              <a:t>Contentious and  enforcement aspects of TRIPS</a:t>
+              <a:t>TRIPS, FDI and technology transfer</a:t>
             </a:r>
             <a:endParaRPr/>
           </a:p>
@@ -4089,8 +4061,8 @@
         </p:nvSpPr>
         <p:spPr>
           <a:xfrm>
-            <a:off x="457200" y="1340640"/>
-            <a:ext cx="8228880" cy="4983120"/>
+            <a:off x="457200" y="1628640"/>
+            <a:ext cx="8228520" cy="4694760"/>
           </a:xfrm>
           <a:prstGeom prst="rect">
             <a:avLst/>
@@ -4098,48 +4070,6 @@
         </p:spPr>
         <p:txBody>
           <a:bodyPr bIns="45000" lIns="90000" rIns="90000" tIns="45000"/>
-          <a:p>
-            <a:pPr>
-              <a:lnSpc>
-                <a:spcPct val="100000"/>
-              </a:lnSpc>
-            </a:pPr>
-            <a:r>
-              <a:rPr lang="en-US" sz="2600">
-                <a:solidFill>
-                  <a:srgbClr val="000000"/>
-                </a:solidFill>
-                <a:latin typeface="Constantia"/>
-              </a:rPr>
-              <a:t>TRIPS allows for some flexibility in how countries design and operate IPRs</a:t>
-            </a:r>
-            <a:endParaRPr/>
-          </a:p>
-          <a:p>
-            <a:pPr>
-              <a:lnSpc>
-                <a:spcPct val="100000"/>
-              </a:lnSpc>
-            </a:pPr>
-            <a:endParaRPr/>
-          </a:p>
-          <a:p>
-            <a:pPr>
-              <a:lnSpc>
-                <a:spcPct val="100000"/>
-              </a:lnSpc>
-            </a:pPr>
-            <a:r>
-              <a:rPr b="1" lang="en-US" sz="2600">
-                <a:solidFill>
-                  <a:srgbClr val="000000"/>
-                </a:solidFill>
-                <a:latin typeface="Constantia"/>
-              </a:rPr>
-              <a:t>Areas of controversy</a:t>
-            </a:r>
-            <a:endParaRPr/>
-          </a:p>
           <a:p>
             <a:pPr>
               <a:lnSpc>
@@ -4156,7 +4086,7 @@
                 </a:solidFill>
                 <a:latin typeface="Constantia"/>
               </a:rPr>
-              <a:t>One key issue concerns supply of pharmaceuticals (see next slide)</a:t>
+              <a:t>FDI is sensitive to the IPR regime as transnational corporations (TNCs) fear to invest where no IPRs (Maskus, 2000)</a:t>
             </a:r>
             <a:endParaRPr/>
           </a:p>
@@ -4176,7 +4106,7 @@
                 </a:solidFill>
                 <a:latin typeface="Constantia"/>
               </a:rPr>
-              <a:t>Traditional knowledge and IPRs</a:t>
+              <a:t>As we saw before, can argue that technology transfer is enhanced due to FDI as these firms bring modernising technology and domestic enterprise can learn from them </a:t>
             </a:r>
             <a:endParaRPr/>
           </a:p>
@@ -4196,7 +4126,25 @@
                 </a:solidFill>
                 <a:latin typeface="Constantia"/>
               </a:rPr>
-              <a:t>Patenting of living organisms, e.g., patenting pig genome, agricultural methods</a:t>
+              <a:t>But technology transfer can only occur if country has the ability to </a:t>
+            </a:r>
+            <a:r>
+              <a:rPr b="1" lang="en-US" sz="2600">
+                <a:solidFill>
+                  <a:srgbClr val="000000"/>
+                </a:solidFill>
+                <a:latin typeface="Constantia"/>
+              </a:rPr>
+              <a:t>absorb it </a:t>
+            </a:r>
+            <a:r>
+              <a:rPr lang="en-US" sz="2600">
+                <a:solidFill>
+                  <a:srgbClr val="000000"/>
+                </a:solidFill>
+                <a:latin typeface="Constantia"/>
+              </a:rPr>
+              <a:t>– needs education and entrepreneurial talent to do this</a:t>
             </a:r>
             <a:endParaRPr/>
           </a:p>
@@ -4205,63 +4153,18 @@
               <a:lnSpc>
                 <a:spcPct val="100000"/>
               </a:lnSpc>
-            </a:pPr>
-            <a:endParaRPr/>
-          </a:p>
-          <a:p>
-            <a:pPr>
-              <a:lnSpc>
-                <a:spcPct val="100000"/>
-              </a:lnSpc>
-            </a:pPr>
-            <a:r>
-              <a:rPr b="1" lang="en-US" sz="2600">
-                <a:solidFill>
-                  <a:srgbClr val="000000"/>
-                </a:solidFill>
-                <a:latin typeface="Constantia"/>
-              </a:rPr>
-              <a:t>Note: Even if IPR regime exists many countries do not have the resources to enforce their own rules </a:t>
-            </a:r>
-            <a:endParaRPr/>
-          </a:p>
-          <a:p>
-            <a:pPr lvl="1">
-              <a:lnSpc>
-                <a:spcPct val="100000"/>
-              </a:lnSpc>
               <a:buSzPct val="25000"/>
-              <a:buFont typeface="StarSymbol"/>
-              <a:buChar char=""/>
-            </a:pPr>
-            <a:r>
-              <a:rPr lang="en-US" sz="2400">
-                <a:solidFill>
-                  <a:srgbClr val="000000"/>
-                </a:solidFill>
-                <a:latin typeface="Constantia"/>
-              </a:rPr>
-              <a:t>IPRs not a priority when there are bigger issues to deal with</a:t>
-            </a:r>
-            <a:endParaRPr/>
-          </a:p>
-          <a:p>
-            <a:pPr lvl="1">
-              <a:lnSpc>
-                <a:spcPct val="100000"/>
-              </a:lnSpc>
-              <a:buSzPct val="25000"/>
-              <a:buFont typeface="StarSymbol"/>
-              <a:buChar char=""/>
-            </a:pPr>
-            <a:r>
-              <a:rPr lang="en-US" sz="2400">
-                <a:solidFill>
-                  <a:srgbClr val="000000"/>
-                </a:solidFill>
-                <a:latin typeface="Constantia"/>
-              </a:rPr>
-              <a:t>WTO provides assistance schemes to these nations</a:t>
+              <a:buFont charset="2" typeface="Wingdings 2"/>
+              <a:buChar char=""/>
+            </a:pPr>
+            <a:r>
+              <a:rPr lang="en-US" sz="2600">
+                <a:solidFill>
+                  <a:srgbClr val="000000"/>
+                </a:solidFill>
+                <a:latin typeface="Constantia"/>
+              </a:rPr>
+              <a:t>Any new domestic firms will of course be paying higher licence fees for their new technology or higher import prices for imported capital goods that are protected</a:t>
             </a:r>
             <a:endParaRPr/>
           </a:p>
@@ -4305,7 +4208,7 @@
                                         <p:tgtEl>
                                           <p:spTgt spid="96">
                                             <p:txEl>
-                                              <p:pRg end="75" st="0"/>
+                                              <p:pRg end="116" st="0"/>
                                             </p:txEl>
                                           </p:spTgt>
                                         </p:tgtEl>
@@ -4354,7 +4257,7 @@
                                         <p:tgtEl>
                                           <p:spTgt spid="96">
                                             <p:txEl>
-                                              <p:pRg end="487" st="487"/>
+                                              <p:pRg end="579" st="579"/>
                                             </p:txEl>
                                           </p:spTgt>
                                         </p:tgtEl>
@@ -4403,7 +4306,7 @@
                                         <p:tgtEl>
                                           <p:spTgt spid="96">
                                             <p:txEl>
-                                              <p:pRg end="487" st="487"/>
+                                              <p:pRg end="579" st="579"/>
                                             </p:txEl>
                                           </p:spTgt>
                                         </p:tgtEl>
@@ -4452,167 +4355,7 @@
                                         <p:tgtEl>
                                           <p:spTgt spid="96">
                                             <p:txEl>
-                                              <p:pRg end="487" st="487"/>
-                                            </p:txEl>
-                                          </p:spTgt>
-                                        </p:tgtEl>
-                                        <p:attrNameLst>
-                                          <p:attrName>style.visibility</p:attrName>
-                                        </p:attrNameLst>
-                                      </p:cBhvr>
-                                      <p:to>
-                                        <p:strVal val="visible"/>
-                                      </p:to>
-                                    </p:set>
-                                  </p:childTnLst>
-                                </p:cTn>
-                              </p:par>
-                            </p:childTnLst>
-                          </p:cTn>
-                        </p:par>
-                      </p:childTnLst>
-                    </p:cTn>
-                  </p:par>
-                  <p:par>
-                    <p:cTn fill="hold" id="169">
-                      <p:stCondLst>
-                        <p:cond delay="indefinite"/>
-                      </p:stCondLst>
-                      <p:childTnLst>
-                        <p:par>
-                          <p:cTn fill="hold" id="170">
-                            <p:stCondLst>
-                              <p:cond delay="0"/>
-                            </p:stCondLst>
-                            <p:childTnLst>
-                              <p:par>
-                                <p:cTn fill="hold" id="171" nodeType="clickEffect" presetClass="entr" presetID="1">
-                                  <p:stCondLst>
-                                    <p:cond delay="0"/>
-                                  </p:stCondLst>
-                                  <p:childTnLst>
-                                    <p:set>
-                                      <p:cBhvr>
-                                        <p:cTn dur="1" fill="hold" id="172">
-                                          <p:stCondLst>
-                                            <p:cond delay="0"/>
-                                          </p:stCondLst>
-                                        </p:cTn>
-                                        <p:tgtEl>
-                                          <p:spTgt spid="96">
-                                            <p:txEl>
-                                              <p:pRg end="487" st="487"/>
-                                            </p:txEl>
-                                          </p:spTgt>
-                                        </p:tgtEl>
-                                        <p:attrNameLst>
-                                          <p:attrName>style.visibility</p:attrName>
-                                        </p:attrNameLst>
-                                      </p:cBhvr>
-                                      <p:to>
-                                        <p:strVal val="visible"/>
-                                      </p:to>
-                                    </p:set>
-                                  </p:childTnLst>
-                                </p:cTn>
-                              </p:par>
-                            </p:childTnLst>
-                          </p:cTn>
-                        </p:par>
-                      </p:childTnLst>
-                    </p:cTn>
-                  </p:par>
-                  <p:par>
-                    <p:cTn fill="hold" id="173">
-                      <p:stCondLst>
-                        <p:cond delay="indefinite"/>
-                      </p:stCondLst>
-                      <p:childTnLst>
-                        <p:par>
-                          <p:cTn fill="hold" id="174">
-                            <p:stCondLst>
-                              <p:cond delay="0"/>
-                            </p:stCondLst>
-                            <p:childTnLst>
-                              <p:par>
-                                <p:cTn fill="hold" id="175" nodeType="clickEffect" presetClass="entr" presetID="1">
-                                  <p:stCondLst>
-                                    <p:cond delay="0"/>
-                                  </p:stCondLst>
-                                  <p:childTnLst>
-                                    <p:set>
-                                      <p:cBhvr>
-                                        <p:cTn dur="1" fill="hold" id="176">
-                                          <p:stCondLst>
-                                            <p:cond delay="0"/>
-                                          </p:stCondLst>
-                                        </p:cTn>
-                                        <p:tgtEl>
-                                          <p:spTgt spid="96">
-                                            <p:txEl>
-                                              <p:pRg end="487" st="487"/>
-                                            </p:txEl>
-                                          </p:spTgt>
-                                        </p:tgtEl>
-                                        <p:attrNameLst>
-                                          <p:attrName>style.visibility</p:attrName>
-                                        </p:attrNameLst>
-                                      </p:cBhvr>
-                                      <p:to>
-                                        <p:strVal val="visible"/>
-                                      </p:to>
-                                    </p:set>
-                                  </p:childTnLst>
-                                </p:cTn>
-                              </p:par>
-                              <p:par>
-                                <p:cTn fill="hold" id="177" nodeType="withEffect" presetClass="entr" presetID="1">
-                                  <p:stCondLst>
-                                    <p:cond delay="0"/>
-                                  </p:stCondLst>
-                                  <p:childTnLst>
-                                    <p:set>
-                                      <p:cBhvr>
-                                        <p:cTn dur="1" fill="hold" id="178">
-                                          <p:stCondLst>
-                                            <p:cond delay="0"/>
-                                          </p:stCondLst>
-                                        </p:cTn>
-                                        <p:tgtEl>
-                                          <p:spTgt spid="96">
-                                            <p:txEl>
-                                              <p:pRg end="487" st="487"/>
-                                            </p:txEl>
-                                          </p:spTgt>
-                                        </p:tgtEl>
-                                        <p:attrNameLst>
-                                          <p:attrName>style.visibility</p:attrName>
-                                        </p:attrNameLst>
-                                      </p:cBhvr>
-                                      <p:to>
-                                        <p:strVal val="visible"/>
-                                      </p:to>
-                                    </p:set>
-                                  </p:childTnLst>
-                                </p:cTn>
-                              </p:par>
-                              <p:par>
-                                <p:cTn fill="hold" id="179" nodeType="withEffect" presetClass="entr" presetID="1">
-                                  <p:stCondLst>
-                                    <p:cond delay="0"/>
-                                  </p:stCondLst>
-                                  <p:childTnLst>
-                                    <p:set>
-                                      <p:cBhvr>
-                                        <p:cTn dur="1" fill="hold" id="180">
-                                          <p:stCondLst>
-                                            <p:cond delay="0"/>
-                                          </p:stCondLst>
-                                        </p:cTn>
-                                        <p:tgtEl>
-                                          <p:spTgt spid="96">
-                                            <p:txEl>
-                                              <p:pRg end="487" st="487"/>
+                                              <p:pRg end="579" st="579"/>
                                             </p:txEl>
                                           </p:spTgt>
                                         </p:tgtEl>
@@ -4684,7 +4427,7 @@
         <p:spPr>
           <a:xfrm>
             <a:off x="467640" y="476640"/>
-            <a:ext cx="8228880" cy="719280"/>
+            <a:ext cx="8228520" cy="790920"/>
           </a:xfrm>
           <a:prstGeom prst="rect">
             <a:avLst/>
@@ -4699,7 +4442,7 @@
               </a:lnSpc>
             </a:pPr>
             <a:r>
-              <a:rPr lang="en-US" sz="3600">
+              <a:rPr lang="en-US" sz="3200">
                 <a:solidFill>
                   <a:srgbClr val="04617b"/>
                 </a:solidFill>
@@ -4719,8 +4462,8 @@
         </p:nvSpPr>
         <p:spPr>
           <a:xfrm>
-            <a:off x="457200" y="1484640"/>
-            <a:ext cx="8228880" cy="4839120"/>
+            <a:off x="457200" y="1340640"/>
+            <a:ext cx="8228520" cy="4982760"/>
           </a:xfrm>
           <a:prstGeom prst="rect">
             <a:avLst/>
@@ -4735,13 +4478,38 @@
               </a:lnSpc>
             </a:pPr>
             <a:r>
+              <a:rPr lang="en-US" sz="2600">
+                <a:solidFill>
+                  <a:srgbClr val="000000"/>
+                </a:solidFill>
+                <a:latin typeface="Constantia"/>
+              </a:rPr>
+              <a:t>TRIPS allows for some flexibility in how countries design and operate IPRs</a:t>
+            </a:r>
+            <a:endParaRPr/>
+          </a:p>
+          <a:p>
+            <a:pPr>
+              <a:lnSpc>
+                <a:spcPct val="100000"/>
+              </a:lnSpc>
+            </a:pPr>
+            <a:endParaRPr/>
+          </a:p>
+          <a:p>
+            <a:pPr>
+              <a:lnSpc>
+                <a:spcPct val="100000"/>
+              </a:lnSpc>
+            </a:pPr>
+            <a:r>
               <a:rPr b="1" lang="en-US" sz="2600">
                 <a:solidFill>
                   <a:srgbClr val="000000"/>
                 </a:solidFill>
                 <a:latin typeface="Constantia"/>
               </a:rPr>
-              <a:t>TRIPS only allows exceptions to IPRs if enforcement is contrary to a nations security interests</a:t>
+              <a:t>Areas of controversy</a:t>
             </a:r>
             <a:endParaRPr/>
           </a:p>
@@ -4750,7 +4518,19 @@
               <a:lnSpc>
                 <a:spcPct val="100000"/>
               </a:lnSpc>
-            </a:pPr>
+              <a:buSzPct val="25000"/>
+              <a:buFont charset="2" typeface="Wingdings 2"/>
+              <a:buChar char=""/>
+            </a:pPr>
+            <a:r>
+              <a:rPr lang="en-US" sz="2600">
+                <a:solidFill>
+                  <a:srgbClr val="000000"/>
+                </a:solidFill>
+                <a:latin typeface="Constantia"/>
+              </a:rPr>
+              <a:t>One key issue concerns supply of pharmaceuticals (see next slide)</a:t>
+            </a:r>
             <a:endParaRPr/>
           </a:p>
           <a:p>
@@ -4758,6 +4538,54 @@
               <a:lnSpc>
                 <a:spcPct val="100000"/>
               </a:lnSpc>
+              <a:buSzPct val="25000"/>
+              <a:buFont charset="2" typeface="Wingdings 2"/>
+              <a:buChar char=""/>
+            </a:pPr>
+            <a:r>
+              <a:rPr lang="en-US" sz="2600">
+                <a:solidFill>
+                  <a:srgbClr val="000000"/>
+                </a:solidFill>
+                <a:latin typeface="Constantia"/>
+              </a:rPr>
+              <a:t>Traditional knowledge and IPRs</a:t>
+            </a:r>
+            <a:endParaRPr/>
+          </a:p>
+          <a:p>
+            <a:pPr>
+              <a:lnSpc>
+                <a:spcPct val="100000"/>
+              </a:lnSpc>
+              <a:buSzPct val="25000"/>
+              <a:buFont charset="2" typeface="Wingdings 2"/>
+              <a:buChar char=""/>
+            </a:pPr>
+            <a:r>
+              <a:rPr lang="en-US" sz="2600">
+                <a:solidFill>
+                  <a:srgbClr val="000000"/>
+                </a:solidFill>
+                <a:latin typeface="Constantia"/>
+              </a:rPr>
+              <a:t>Patenting of living organisms, e.g., patenting pig genome, agricultural methods</a:t>
+            </a:r>
+            <a:endParaRPr/>
+          </a:p>
+          <a:p>
+            <a:pPr>
+              <a:lnSpc>
+                <a:spcPct val="100000"/>
+              </a:lnSpc>
+            </a:pPr>
+            <a:endParaRPr/>
+          </a:p>
+          <a:p>
+            <a:pPr>
+              <a:lnSpc>
+                <a:spcPct val="100000"/>
+              </a:lnSpc>
             </a:pPr>
             <a:r>
               <a:rPr b="1" lang="en-US" sz="2600">
@@ -4766,7 +4594,7 @@
                 </a:solidFill>
                 <a:latin typeface="Constantia"/>
               </a:rPr>
-              <a:t>How can poor country improve access to patented but essential medicines for its population (e.g. for AIDS)?</a:t>
+              <a:t>Note: Even if IPR regime exists many countries do not have the resources to enforce their own rules </a:t>
             </a:r>
             <a:endParaRPr/>
           </a:p>
@@ -4777,7 +4605,7 @@
               </a:lnSpc>
               <a:buSzPct val="25000"/>
               <a:buFont typeface="StarSymbol"/>
-              <a:buChar char=""/>
+              <a:buChar char="l"/>
             </a:pPr>
             <a:r>
               <a:rPr lang="en-US" sz="2400">
@@ -4786,7 +4614,7 @@
                 </a:solidFill>
                 <a:latin typeface="Constantia"/>
               </a:rPr>
-              <a:t>One route is to use ‘compulsory licensing’ which means the government intervenes to confer licence to produce patented drug – obviously not popular with rich countries!</a:t>
+              <a:t>IPRs not a priority when there are bigger issues to deal with</a:t>
             </a:r>
             <a:endParaRPr/>
           </a:p>
@@ -4797,7 +4625,7 @@
               </a:lnSpc>
               <a:buSzPct val="25000"/>
               <a:buFont typeface="StarSymbol"/>
-              <a:buChar char=""/>
+              <a:buChar char="l"/>
             </a:pPr>
             <a:r>
               <a:rPr lang="en-US" sz="2400">
@@ -4806,16 +4634,8 @@
                 </a:solidFill>
                 <a:latin typeface="Constantia"/>
               </a:rPr>
-              <a:t>Another route is to encourage price discrimination by the rich country producer, but this can run into problems if buyers in poor country can arbitrage by re-exporting (see next slide)</a:t>
-            </a:r>
-            <a:endParaRPr/>
-          </a:p>
-          <a:p>
-            <a:pPr>
-              <a:lnSpc>
-                <a:spcPct val="100000"/>
-              </a:lnSpc>
-            </a:pPr>
+              <a:t>WTO provides assistance schemes to these nations</a:t>
+            </a:r>
             <a:endParaRPr/>
           </a:p>
         </p:txBody>
@@ -4825,11 +4645,158 @@
   <p:timing>
     <p:tnLst>
       <p:par>
-        <p:cTn dur="indefinite" id="181" nodeType="tmRoot" restart="never">
+        <p:cTn dur="indefinite" id="169" nodeType="tmRoot" restart="never">
           <p:childTnLst>
             <p:seq>
-              <p:cTn dur="indefinite" id="182" nodeType="mainSeq">
+              <p:cTn dur="indefinite" id="170" nodeType="mainSeq">
                 <p:childTnLst>
+                  <p:par>
+                    <p:cTn fill="hold" id="171">
+                      <p:stCondLst>
+                        <p:cond delay="indefinite"/>
+                      </p:stCondLst>
+                      <p:childTnLst>
+                        <p:par>
+                          <p:cTn fill="hold" id="172">
+                            <p:stCondLst>
+                              <p:cond delay="0"/>
+                            </p:stCondLst>
+                            <p:childTnLst>
+                              <p:par>
+                                <p:cTn fill="hold" id="173" nodeType="clickEffect" presetClass="entr" presetID="1">
+                                  <p:stCondLst>
+                                    <p:cond delay="0"/>
+                                  </p:stCondLst>
+                                  <p:childTnLst>
+                                    <p:set>
+                                      <p:cBhvr>
+                                        <p:cTn dur="1" fill="hold" id="174">
+                                          <p:stCondLst>
+                                            <p:cond delay="0"/>
+                                          </p:stCondLst>
+                                        </p:cTn>
+                                        <p:tgtEl>
+                                          <p:spTgt spid="98">
+                                            <p:txEl>
+                                              <p:pRg end="75" st="0"/>
+                                            </p:txEl>
+                                          </p:spTgt>
+                                        </p:tgtEl>
+                                        <p:attrNameLst>
+                                          <p:attrName>style.visibility</p:attrName>
+                                        </p:attrNameLst>
+                                      </p:cBhvr>
+                                      <p:to>
+                                        <p:strVal val="visible"/>
+                                      </p:to>
+                                    </p:set>
+                                  </p:childTnLst>
+                                </p:cTn>
+                              </p:par>
+                            </p:childTnLst>
+                          </p:cTn>
+                        </p:par>
+                      </p:childTnLst>
+                    </p:cTn>
+                  </p:par>
+                  <p:par>
+                    <p:cTn fill="hold" id="175">
+                      <p:stCondLst>
+                        <p:cond delay="indefinite"/>
+                      </p:stCondLst>
+                      <p:childTnLst>
+                        <p:par>
+                          <p:cTn fill="hold" id="176">
+                            <p:stCondLst>
+                              <p:cond delay="0"/>
+                            </p:stCondLst>
+                            <p:childTnLst>
+                              <p:par>
+                                <p:cTn fill="hold" id="177" nodeType="clickEffect" presetClass="entr" presetID="1">
+                                  <p:stCondLst>
+                                    <p:cond delay="0"/>
+                                  </p:stCondLst>
+                                  <p:childTnLst>
+                                    <p:set>
+                                      <p:cBhvr>
+                                        <p:cTn dur="1" fill="hold" id="178">
+                                          <p:stCondLst>
+                                            <p:cond delay="0"/>
+                                          </p:stCondLst>
+                                        </p:cTn>
+                                        <p:tgtEl>
+                                          <p:spTgt spid="98">
+                                            <p:txEl>
+                                              <p:pRg end="487" st="487"/>
+                                            </p:txEl>
+                                          </p:spTgt>
+                                        </p:tgtEl>
+                                        <p:attrNameLst>
+                                          <p:attrName>style.visibility</p:attrName>
+                                        </p:attrNameLst>
+                                      </p:cBhvr>
+                                      <p:to>
+                                        <p:strVal val="visible"/>
+                                      </p:to>
+                                    </p:set>
+                                  </p:childTnLst>
+                                </p:cTn>
+                              </p:par>
+                            </p:childTnLst>
+                          </p:cTn>
+                        </p:par>
+                      </p:childTnLst>
+                    </p:cTn>
+                  </p:par>
+                  <p:par>
+                    <p:cTn fill="hold" id="179">
+                      <p:stCondLst>
+                        <p:cond delay="indefinite"/>
+                      </p:stCondLst>
+                      <p:childTnLst>
+                        <p:par>
+                          <p:cTn fill="hold" id="180">
+                            <p:stCondLst>
+                              <p:cond delay="0"/>
+                            </p:stCondLst>
+                            <p:childTnLst>
+                              <p:par>
+                                <p:cTn fill="hold" id="181" nodeType="clickEffect" presetClass="entr" presetID="1">
+                                  <p:stCondLst>
+                                    <p:cond delay="0"/>
+                                  </p:stCondLst>
+                                  <p:childTnLst>
+                                    <p:set>
+                                      <p:cBhvr>
+                                        <p:cTn dur="1" fill="hold" id="182">
+                                          <p:stCondLst>
+                                            <p:cond delay="0"/>
+                                          </p:stCondLst>
+                                        </p:cTn>
+                                        <p:tgtEl>
+                                          <p:spTgt spid="98">
+                                            <p:txEl>
+                                              <p:pRg end="487" st="487"/>
+                                            </p:txEl>
+                                          </p:spTgt>
+                                        </p:tgtEl>
+                                        <p:attrNameLst>
+                                          <p:attrName>style.visibility</p:attrName>
+                                        </p:attrNameLst>
+                                      </p:cBhvr>
+                                      <p:to>
+                                        <p:strVal val="visible"/>
+                                      </p:to>
+                                    </p:set>
+                                  </p:childTnLst>
+                                </p:cTn>
+                              </p:par>
+                            </p:childTnLst>
+                          </p:cTn>
+                        </p:par>
+                      </p:childTnLst>
+                    </p:cTn>
+                  </p:par>
                   <p:par>
                     <p:cTn fill="hold" id="183">
                       <p:stCondLst>
@@ -4858,7 +4825,7 @@
                                         <p:tgtEl>
                                           <p:spTgt spid="98">
                                             <p:txEl>
-                                              <p:pRg end="96" st="0"/>
+                                              <p:pRg end="487" st="487"/>
                                             </p:txEl>
                                           </p:spTgt>
                                         </p:tgtEl>
@@ -4907,7 +4874,7 @@
                                         <p:tgtEl>
                                           <p:spTgt spid="98">
                                             <p:txEl>
-                                              <p:pRg end="560" st="560"/>
+                                              <p:pRg end="487" st="487"/>
                                             </p:txEl>
                                           </p:spTgt>
                                         </p:tgtEl>
@@ -4956,7 +4923,7 @@
                                         <p:tgtEl>
                                           <p:spTgt spid="98">
                                             <p:txEl>
-                                              <p:pRg end="560" st="560"/>
+                                              <p:pRg end="487" st="487"/>
                                             </p:txEl>
                                           </p:spTgt>
                                         </p:tgtEl>
@@ -4971,26 +4938,39 @@
                                   </p:childTnLst>
                                 </p:cTn>
                               </p:par>
-                            </p:childTnLst>
-                          </p:cTn>
-                        </p:par>
-                      </p:childTnLst>
-                    </p:cTn>
-                  </p:par>
-                  <p:par>
-                    <p:cTn fill="hold" id="195">
-                      <p:stCondLst>
-                        <p:cond delay="indefinite"/>
-                      </p:stCondLst>
-                      <p:childTnLst>
-                        <p:par>
-                          <p:cTn fill="hold" id="196">
-                            <p:stCondLst>
-                              <p:cond delay="0"/>
-                            </p:stCondLst>
-                            <p:childTnLst>
                               <p:par>
-                                <p:cTn fill="hold" id="197" nodeType="clickEffect" presetClass="entr" presetID="1">
+                                <p:cTn fill="hold" id="195" nodeType="withEffect" presetClass="entr" presetID="1">
+                                  <p:stCondLst>
+                                    <p:cond delay="0"/>
+                                  </p:stCondLst>
+                                  <p:childTnLst>
+                                    <p:set>
+                                      <p:cBhvr>
+                                        <p:cTn dur="1" fill="hold" id="196">
+                                          <p:stCondLst>
+                                            <p:cond delay="0"/>
+                                          </p:stCondLst>
+                                        </p:cTn>
+                                        <p:tgtEl>
+                                          <p:spTgt spid="98">
+                                            <p:txEl>
+                                              <p:pRg end="487" st="487"/>
+                                            </p:txEl>
+                                          </p:spTgt>
+                                        </p:tgtEl>
+                                        <p:attrNameLst>
+                                          <p:attrName>style.visibility</p:attrName>
+                                        </p:attrNameLst>
+                                      </p:cBhvr>
+                                      <p:to>
+                                        <p:strVal val="visible"/>
+                                      </p:to>
+                                    </p:set>
+                                  </p:childTnLst>
+                                </p:cTn>
+                              </p:par>
+                              <p:par>
+                                <p:cTn fill="hold" id="197" nodeType="withEffect" presetClass="entr" presetID="1">
                                   <p:stCondLst>
                                     <p:cond delay="0"/>
                                   </p:stCondLst>
@@ -5005,7 +4985,7 @@
                                         <p:tgtEl>
                                           <p:spTgt spid="98">
                                             <p:txEl>
-                                              <p:pRg end="560" st="560"/>
+                                              <p:pRg end="487" st="487"/>
                                             </p:txEl>
                                           </p:spTgt>
                                         </p:tgtEl>
@@ -5076,8 +5056,8 @@
         </p:nvSpPr>
         <p:spPr>
           <a:xfrm>
-            <a:off x="457200" y="704160"/>
-            <a:ext cx="8228880" cy="996120"/>
+            <a:off x="467640" y="476640"/>
+            <a:ext cx="8228520" cy="718920"/>
           </a:xfrm>
           <a:prstGeom prst="rect">
             <a:avLst/>
@@ -5098,7 +5078,7 @@
                 </a:solidFill>
                 <a:latin typeface="Calibri"/>
               </a:rPr>
-              <a:t>Intellectual Property Rights, Exhaustion, and Parallel Imports</a:t>
+              <a:t>Contentious and  enforcement aspects of TRIPS</a:t>
             </a:r>
             <a:endParaRPr/>
           </a:p>
@@ -5112,8 +5092,8 @@
         </p:nvSpPr>
         <p:spPr>
           <a:xfrm>
-            <a:off x="457200" y="1700640"/>
-            <a:ext cx="8228880" cy="4623120"/>
+            <a:off x="457200" y="1484640"/>
+            <a:ext cx="8228520" cy="4838760"/>
           </a:xfrm>
           <a:prstGeom prst="rect">
             <a:avLst/>
@@ -5126,18 +5106,40 @@
               <a:lnSpc>
                 <a:spcPct val="100000"/>
               </a:lnSpc>
-              <a:buSzPct val="25000"/>
-              <a:buFont charset="2" typeface="Wingdings 2"/>
-              <a:buChar char=""/>
-            </a:pPr>
-            <a:r>
-              <a:rPr lang="en-US" sz="2600">
-                <a:solidFill>
-                  <a:srgbClr val="000000"/>
-                </a:solidFill>
-                <a:latin typeface="Constantia"/>
-              </a:rPr>
-              <a:t>Exhaustion means that, once a product with IP protection has been sold, the IP rights attached to it are exhausted and no longer offer any means of control to its producer</a:t>
+            </a:pPr>
+            <a:r>
+              <a:rPr b="1" lang="en-US" sz="2600">
+                <a:solidFill>
+                  <a:srgbClr val="000000"/>
+                </a:solidFill>
+                <a:latin typeface="Constantia"/>
+              </a:rPr>
+              <a:t>TRIPS only allows exceptions to IPRs if enforcement is contrary to a nations security interests</a:t>
+            </a:r>
+            <a:endParaRPr/>
+          </a:p>
+          <a:p>
+            <a:pPr>
+              <a:lnSpc>
+                <a:spcPct val="100000"/>
+              </a:lnSpc>
+            </a:pPr>
+            <a:endParaRPr/>
+          </a:p>
+          <a:p>
+            <a:pPr>
+              <a:lnSpc>
+                <a:spcPct val="100000"/>
+              </a:lnSpc>
+            </a:pPr>
+            <a:r>
+              <a:rPr b="1" lang="en-US" sz="2600">
+                <a:solidFill>
+                  <a:srgbClr val="000000"/>
+                </a:solidFill>
+                <a:latin typeface="Constantia"/>
+              </a:rPr>
+              <a:t>How can poor country improve access to patented but essential medicines for its population (e.g. for AIDS)?</a:t>
             </a:r>
             <a:endParaRPr/>
           </a:p>
@@ -5148,7 +5150,7 @@
               </a:lnSpc>
               <a:buSzPct val="25000"/>
               <a:buFont typeface="StarSymbol"/>
-              <a:buChar char=""/>
+              <a:buChar char="l"/>
             </a:pPr>
             <a:r>
               <a:rPr lang="en-US" sz="2400">
@@ -5157,7 +5159,27 @@
                 </a:solidFill>
                 <a:latin typeface="Constantia"/>
               </a:rPr>
-              <a:t>Product can be re-sold by the buyer without the permission of the owner(s) of the IPRs contained in the product</a:t>
+              <a:t>One route is to use ‘compulsory licensing’ which means the government intervenes to confer licence to produce patented drug – obviously not popular with rich countries!</a:t>
+            </a:r>
+            <a:endParaRPr/>
+          </a:p>
+          <a:p>
+            <a:pPr lvl="1">
+              <a:lnSpc>
+                <a:spcPct val="100000"/>
+              </a:lnSpc>
+              <a:buSzPct val="25000"/>
+              <a:buFont typeface="StarSymbol"/>
+              <a:buChar char="l"/>
+            </a:pPr>
+            <a:r>
+              <a:rPr lang="en-US" sz="2400">
+                <a:solidFill>
+                  <a:srgbClr val="000000"/>
+                </a:solidFill>
+                <a:latin typeface="Constantia"/>
+              </a:rPr>
+              <a:t>Another route is to encourage price discrimination by the rich country producer, but this can run into problems if buyers in poor country can arbitrage by re-exporting (see next slide)</a:t>
             </a:r>
             <a:endParaRPr/>
           </a:p>
@@ -5167,131 +5189,6 @@
                 <a:spcPct val="100000"/>
               </a:lnSpc>
             </a:pPr>
-            <a:r>
-              <a:rPr b="1" lang="en-US" sz="2600">
-                <a:solidFill>
-                  <a:srgbClr val="000000"/>
-                </a:solidFill>
-                <a:latin typeface="Constantia"/>
-              </a:rPr>
-              <a:t>Example of international exhaustion </a:t>
-            </a:r>
-            <a:endParaRPr/>
-          </a:p>
-          <a:p>
-            <a:pPr>
-              <a:lnSpc>
-                <a:spcPct val="100000"/>
-              </a:lnSpc>
-              <a:buSzPct val="25000"/>
-              <a:buFont charset="2" typeface="Wingdings 2"/>
-              <a:buChar char=""/>
-            </a:pPr>
-            <a:r>
-              <a:rPr lang="en-US" sz="2600">
-                <a:solidFill>
-                  <a:srgbClr val="000000"/>
-                </a:solidFill>
-                <a:latin typeface="Constantia"/>
-              </a:rPr>
-              <a:t>A patented product is sold in the US; this item can be resold to a buyer in Japan and is thus imported into Japan </a:t>
-            </a:r>
-            <a:endParaRPr/>
-          </a:p>
-          <a:p>
-            <a:pPr>
-              <a:lnSpc>
-                <a:spcPct val="100000"/>
-              </a:lnSpc>
-              <a:buSzPct val="25000"/>
-              <a:buFont charset="2" typeface="Wingdings 2"/>
-              <a:buChar char=""/>
-            </a:pPr>
-            <a:r>
-              <a:rPr lang="en-US" sz="2600">
-                <a:solidFill>
-                  <a:srgbClr val="000000"/>
-                </a:solidFill>
-                <a:latin typeface="Constantia"/>
-              </a:rPr>
-              <a:t>This leads to </a:t>
-            </a:r>
-            <a:r>
-              <a:rPr lang="en-US" sz="2600" u="sng">
-                <a:solidFill>
-                  <a:srgbClr val="000000"/>
-                </a:solidFill>
-                <a:latin typeface="Constantia"/>
-              </a:rPr>
-              <a:t>parallel imports </a:t>
-            </a:r>
-            <a:r>
-              <a:rPr lang="en-US" sz="2600">
-                <a:solidFill>
-                  <a:srgbClr val="000000"/>
-                </a:solidFill>
-                <a:latin typeface="Constantia"/>
-              </a:rPr>
-              <a:t>– sales from US producer and onward sales from US buyer can both reach Japan</a:t>
-            </a:r>
-            <a:endParaRPr/>
-          </a:p>
-          <a:p>
-            <a:pPr>
-              <a:lnSpc>
-                <a:spcPct val="100000"/>
-              </a:lnSpc>
-              <a:buSzPct val="25000"/>
-              <a:buFont charset="2" typeface="Wingdings 2"/>
-              <a:buChar char=""/>
-            </a:pPr>
-            <a:r>
-              <a:rPr lang="en-US" sz="2600">
-                <a:solidFill>
-                  <a:srgbClr val="000000"/>
-                </a:solidFill>
-                <a:latin typeface="Constantia"/>
-              </a:rPr>
-              <a:t>Result is </a:t>
-            </a:r>
-            <a:r>
-              <a:rPr b="1" lang="en-US" sz="2600">
-                <a:solidFill>
-                  <a:srgbClr val="000000"/>
-                </a:solidFill>
-                <a:latin typeface="Constantia"/>
-              </a:rPr>
-              <a:t>producer cannot separate his international markets</a:t>
-            </a:r>
-            <a:r>
-              <a:rPr lang="en-US" sz="2600">
-                <a:solidFill>
-                  <a:srgbClr val="000000"/>
-                </a:solidFill>
-                <a:latin typeface="Constantia"/>
-              </a:rPr>
-              <a:t>, even if he wants to do so in order to charge different prices</a:t>
-            </a:r>
-            <a:endParaRPr/>
-          </a:p>
-          <a:p>
-            <a:pPr>
-              <a:lnSpc>
-                <a:spcPct val="100000"/>
-              </a:lnSpc>
-              <a:buSzPct val="25000"/>
-              <a:buFont charset="2" typeface="Wingdings 2"/>
-              <a:buChar char=""/>
-            </a:pPr>
-            <a:r>
-              <a:rPr lang="en-US" sz="2600">
-                <a:solidFill>
-                  <a:srgbClr val="000000"/>
-                </a:solidFill>
-                <a:latin typeface="Constantia"/>
-              </a:rPr>
-              <a:t>At present WTO &amp; TRIPS allows each country to decide if it does, or does not, want to apply international exhaustion </a:t>
-            </a:r>
             <a:endParaRPr/>
           </a:p>
         </p:txBody>
@@ -5334,38 +5231,7 @@
                                         <p:tgtEl>
                                           <p:spTgt spid="100">
                                             <p:txEl>
-                                              <p:pRg end="172" st="0"/>
-                                            </p:txEl>
-                                          </p:spTgt>
-                                        </p:tgtEl>
-                                        <p:attrNameLst>
-                                          <p:attrName>style.visibility</p:attrName>
-                                        </p:attrNameLst>
-                                      </p:cBhvr>
-                                      <p:to>
-                                        <p:strVal val="visible"/>
-                                      </p:to>
-                                    </p:set>
-                                  </p:childTnLst>
-                                </p:cTn>
-                              </p:par>
-                              <p:par>
-                                <p:cTn fill="hold" id="205" nodeType="withEffect" presetClass="entr" presetID="1">
-                                  <p:stCondLst>
-                                    <p:cond delay="0"/>
-                                  </p:stCondLst>
-                                  <p:childTnLst>
-                                    <p:set>
-                                      <p:cBhvr>
-                                        <p:cTn dur="1" fill="hold" id="206">
-                                          <p:stCondLst>
-                                            <p:cond delay="0"/>
-                                          </p:stCondLst>
-                                        </p:cTn>
-                                        <p:tgtEl>
-                                          <p:spTgt spid="100">
-                                            <p:txEl>
-                                              <p:pRg end="786" st="786"/>
+                                              <p:pRg end="96" st="0"/>
                                             </p:txEl>
                                           </p:spTgt>
                                         </p:tgtEl>
@@ -5387,26 +5253,26 @@
                     </p:cTn>
                   </p:par>
                   <p:par>
-                    <p:cTn fill="hold" id="207">
+                    <p:cTn fill="hold" id="205">
                       <p:stCondLst>
                         <p:cond delay="indefinite"/>
                       </p:stCondLst>
                       <p:childTnLst>
                         <p:par>
-                          <p:cTn fill="hold" id="208">
+                          <p:cTn fill="hold" id="206">
                             <p:stCondLst>
                               <p:cond delay="0"/>
                             </p:stCondLst>
                             <p:childTnLst>
                               <p:par>
-                                <p:cTn fill="hold" id="209" nodeType="clickEffect" presetClass="entr" presetID="1">
+                                <p:cTn fill="hold" id="207" nodeType="clickEffect" presetClass="entr" presetID="1">
                                   <p:stCondLst>
                                     <p:cond delay="0"/>
                                   </p:stCondLst>
                                   <p:childTnLst>
                                     <p:set>
                                       <p:cBhvr>
-                                        <p:cTn dur="1" fill="hold" id="210">
+                                        <p:cTn dur="1" fill="hold" id="208">
                                           <p:stCondLst>
                                             <p:cond delay="0"/>
                                           </p:stCondLst>
@@ -5414,7 +5280,7 @@
                                         <p:tgtEl>
                                           <p:spTgt spid="100">
                                             <p:txEl>
-                                              <p:pRg end="786" st="786"/>
+                                              <p:pRg end="560" st="560"/>
                                             </p:txEl>
                                           </p:spTgt>
                                         </p:tgtEl>
@@ -5436,26 +5302,26 @@
                     </p:cTn>
                   </p:par>
                   <p:par>
-                    <p:cTn fill="hold" id="211">
+                    <p:cTn fill="hold" id="209">
                       <p:stCondLst>
                         <p:cond delay="indefinite"/>
                       </p:stCondLst>
                       <p:childTnLst>
                         <p:par>
-                          <p:cTn fill="hold" id="212">
+                          <p:cTn fill="hold" id="210">
                             <p:stCondLst>
                               <p:cond delay="0"/>
                             </p:stCondLst>
                             <p:childTnLst>
                               <p:par>
-                                <p:cTn fill="hold" id="213" nodeType="clickEffect" presetClass="entr" presetID="1">
+                                <p:cTn fill="hold" id="211" nodeType="clickEffect" presetClass="entr" presetID="1">
                                   <p:stCondLst>
                                     <p:cond delay="0"/>
                                   </p:stCondLst>
                                   <p:childTnLst>
                                     <p:set>
                                       <p:cBhvr>
-                                        <p:cTn dur="1" fill="hold" id="214">
+                                        <p:cTn dur="1" fill="hold" id="212">
                                           <p:stCondLst>
                                             <p:cond delay="0"/>
                                           </p:stCondLst>
@@ -5463,7 +5329,7 @@
                                         <p:tgtEl>
                                           <p:spTgt spid="100">
                                             <p:txEl>
-                                              <p:pRg end="786" st="786"/>
+                                              <p:pRg end="560" st="560"/>
                                             </p:txEl>
                                           </p:spTgt>
                                         </p:tgtEl>
@@ -5485,26 +5351,26 @@
                     </p:cTn>
                   </p:par>
                   <p:par>
-                    <p:cTn fill="hold" id="215">
+                    <p:cTn fill="hold" id="213">
                       <p:stCondLst>
                         <p:cond delay="indefinite"/>
                       </p:stCondLst>
                       <p:childTnLst>
                         <p:par>
-                          <p:cTn fill="hold" id="216">
+                          <p:cTn fill="hold" id="214">
                             <p:stCondLst>
                               <p:cond delay="0"/>
                             </p:stCondLst>
                             <p:childTnLst>
                               <p:par>
-                                <p:cTn fill="hold" id="217" nodeType="clickEffect" presetClass="entr" presetID="1">
+                                <p:cTn fill="hold" id="215" nodeType="clickEffect" presetClass="entr" presetID="1">
                                   <p:stCondLst>
                                     <p:cond delay="0"/>
                                   </p:stCondLst>
                                   <p:childTnLst>
                                     <p:set>
                                       <p:cBhvr>
-                                        <p:cTn dur="1" fill="hold" id="218">
+                                        <p:cTn dur="1" fill="hold" id="216">
                                           <p:stCondLst>
                                             <p:cond delay="0"/>
                                           </p:stCondLst>
@@ -5512,105 +5378,7 @@
                                         <p:tgtEl>
                                           <p:spTgt spid="100">
                                             <p:txEl>
-                                              <p:pRg end="786" st="786"/>
-                                            </p:txEl>
-                                          </p:spTgt>
-                                        </p:tgtEl>
-                                        <p:attrNameLst>
-                                          <p:attrName>style.visibility</p:attrName>
-                                        </p:attrNameLst>
-                                      </p:cBhvr>
-                                      <p:to>
-                                        <p:strVal val="visible"/>
-                                      </p:to>
-                                    </p:set>
-                                  </p:childTnLst>
-                                </p:cTn>
-                              </p:par>
-                            </p:childTnLst>
-                          </p:cTn>
-                        </p:par>
-                      </p:childTnLst>
-                    </p:cTn>
-                  </p:par>
-                  <p:par>
-                    <p:cTn fill="hold" id="219">
-                      <p:stCondLst>
-                        <p:cond delay="indefinite"/>
-                      </p:stCondLst>
-                      <p:childTnLst>
-                        <p:par>
-                          <p:cTn fill="hold" id="220">
-                            <p:stCondLst>
-                              <p:cond delay="0"/>
-                            </p:stCondLst>
-                            <p:childTnLst>
-                              <p:par>
-                                <p:cTn fill="hold" id="221" nodeType="clickEffect" presetClass="entr" presetID="1">
-                                  <p:stCondLst>
-                                    <p:cond delay="0"/>
-                                  </p:stCondLst>
-                                  <p:childTnLst>
-                                    <p:set>
-                                      <p:cBhvr>
-                                        <p:cTn dur="1" fill="hold" id="222">
-                                          <p:stCondLst>
-                                            <p:cond delay="0"/>
-                                          </p:stCondLst>
-                                        </p:cTn>
-                                        <p:tgtEl>
-                                          <p:spTgt spid="100">
-                                            <p:txEl>
-                                              <p:pRg end="786" st="786"/>
-                                            </p:txEl>
-                                          </p:spTgt>
-                                        </p:tgtEl>
-                                        <p:attrNameLst>
-                                          <p:attrName>style.visibility</p:attrName>
-                                        </p:attrNameLst>
-                                      </p:cBhvr>
-                                      <p:to>
-                                        <p:strVal val="visible"/>
-                                      </p:to>
-                                    </p:set>
-                                  </p:childTnLst>
-                                </p:cTn>
-                              </p:par>
-                            </p:childTnLst>
-                          </p:cTn>
-                        </p:par>
-                      </p:childTnLst>
-                    </p:cTn>
-                  </p:par>
-                  <p:par>
-                    <p:cTn fill="hold" id="223">
-                      <p:stCondLst>
-                        <p:cond delay="indefinite"/>
-                      </p:stCondLst>
-                      <p:childTnLst>
-                        <p:par>
-                          <p:cTn fill="hold" id="224">
-                            <p:stCondLst>
-                              <p:cond delay="0"/>
-                            </p:stCondLst>
-                            <p:childTnLst>
-                              <p:par>
-                                <p:cTn fill="hold" id="225" nodeType="clickEffect" presetClass="entr" presetID="1">
-                                  <p:stCondLst>
-                                    <p:cond delay="0"/>
-                                  </p:stCondLst>
-                                  <p:childTnLst>
-                                    <p:set>
-                                      <p:cBhvr>
-                                        <p:cTn dur="1" fill="hold" id="226">
-                                          <p:stCondLst>
-                                            <p:cond delay="0"/>
-                                          </p:stCondLst>
-                                        </p:cTn>
-                                        <p:tgtEl>
-                                          <p:spTgt spid="100">
-                                            <p:txEl>
-                                              <p:pRg end="786" st="786"/>
+                                              <p:pRg end="560" st="560"/>
                                             </p:txEl>
                                           </p:spTgt>
                                         </p:tgtEl>
@@ -5682,7 +5450,7 @@
         <p:spPr>
           <a:xfrm>
             <a:off x="457200" y="704160"/>
-            <a:ext cx="8228880" cy="636120"/>
+            <a:ext cx="8228520" cy="995760"/>
           </a:xfrm>
           <a:prstGeom prst="rect">
             <a:avLst/>
@@ -5703,7 +5471,7 @@
                 </a:solidFill>
                 <a:latin typeface="Calibri"/>
               </a:rPr>
-              <a:t>Piracy and Counterfeiting</a:t>
+              <a:t>Intellectual Property Rights, Exhaustion, and Parallel Imports</a:t>
             </a:r>
             <a:endParaRPr/>
           </a:p>
@@ -5717,8 +5485,8 @@
         </p:nvSpPr>
         <p:spPr>
           <a:xfrm>
-            <a:off x="457200" y="1484640"/>
-            <a:ext cx="8228880" cy="4839120"/>
+            <a:off x="457200" y="1700640"/>
+            <a:ext cx="8228520" cy="4622760"/>
           </a:xfrm>
           <a:prstGeom prst="rect">
             <a:avLst/>
@@ -5726,40 +5494,6 @@
         </p:spPr>
         <p:txBody>
           <a:bodyPr bIns="45000" lIns="90000" rIns="90000" tIns="45000"/>
-          <a:p>
-            <a:pPr>
-              <a:lnSpc>
-                <a:spcPct val="100000"/>
-              </a:lnSpc>
-            </a:pPr>
-            <a:endParaRPr/>
-          </a:p>
-          <a:p>
-            <a:pPr>
-              <a:lnSpc>
-                <a:spcPct val="100000"/>
-              </a:lnSpc>
-            </a:pPr>
-            <a:r>
-              <a:rPr b="1" lang="en-US" sz="2600">
-                <a:solidFill>
-                  <a:srgbClr val="000000"/>
-                </a:solidFill>
-                <a:latin typeface="Constantia"/>
-              </a:rPr>
-              <a:t>Piracy</a:t>
-            </a:r>
-            <a:r>
-              <a:rPr lang="en-US" sz="2600">
-                <a:solidFill>
-                  <a:srgbClr val="000000"/>
-                </a:solidFill>
-                <a:latin typeface="Constantia"/>
-              </a:rPr>
-              <a:t> refers to large-scale infringement of copyright</a:t>
-            </a:r>
-            <a:endParaRPr/>
-          </a:p>
           <a:p>
             <a:pPr>
               <a:lnSpc>
@@ -5776,59 +5510,7 @@
                 </a:solidFill>
                 <a:latin typeface="Constantia"/>
               </a:rPr>
-              <a:t>One area of interest is the </a:t>
-            </a:r>
-            <a:r>
-              <a:rPr b="1" lang="en-US" sz="2600">
-                <a:solidFill>
-                  <a:srgbClr val="000000"/>
-                </a:solidFill>
-                <a:latin typeface="Constantia"/>
-              </a:rPr>
-              <a:t>estimates of revenue losses </a:t>
-            </a:r>
-            <a:r>
-              <a:rPr lang="en-US" sz="2600">
-                <a:solidFill>
-                  <a:srgbClr val="000000"/>
-                </a:solidFill>
-                <a:latin typeface="Constantia"/>
-              </a:rPr>
-              <a:t>by such agencies as the International Federation of the Phonographic Industries (IFPI) – and specifically whether these estimates are too high </a:t>
-            </a:r>
-            <a:endParaRPr/>
-          </a:p>
-          <a:p>
-            <a:pPr>
-              <a:lnSpc>
-                <a:spcPct val="100000"/>
-              </a:lnSpc>
-            </a:pPr>
-            <a:endParaRPr/>
-          </a:p>
-          <a:p>
-            <a:pPr>
-              <a:lnSpc>
-                <a:spcPct val="100000"/>
-              </a:lnSpc>
-            </a:pPr>
-            <a:r>
-              <a:rPr b="1" lang="en-US" sz="2600">
-                <a:solidFill>
-                  <a:srgbClr val="000000"/>
-                </a:solidFill>
-                <a:latin typeface="Constantia"/>
-              </a:rPr>
-              <a:t>Counterfeit products </a:t>
-            </a:r>
-            <a:r>
-              <a:rPr lang="en-US" sz="2600">
-                <a:solidFill>
-                  <a:srgbClr val="000000"/>
-                </a:solidFill>
-                <a:latin typeface="Constantia"/>
-              </a:rPr>
-              <a:t>are those that imitate trademarked products in terms of design and packaging</a:t>
+              <a:t>Exhaustion means that, once a product with IP protection has been sold, the IP rights attached to it are exhausted and no longer offer any means of control to its producer</a:t>
             </a:r>
             <a:endParaRPr/>
           </a:p>
@@ -5839,17 +5521,8 @@
               </a:lnSpc>
               <a:buSzPct val="25000"/>
               <a:buFont typeface="StarSymbol"/>
-              <a:buChar char=""/>
-            </a:pPr>
-            <a:r>
-              <a:rPr b="1" lang="en-US" sz="2400">
-                <a:solidFill>
-                  <a:srgbClr val="000000"/>
-                </a:solidFill>
-                <a:latin typeface="Constantia"/>
-              </a:rPr>
-              <a:t>Deceptive counterfeits </a:t>
-            </a:r>
+              <a:buChar char="l"/>
+            </a:pPr>
             <a:r>
               <a:rPr lang="en-US" sz="2400">
                 <a:solidFill>
@@ -5857,36 +5530,44 @@
                 </a:solidFill>
                 <a:latin typeface="Constantia"/>
               </a:rPr>
-              <a:t>are assumed to be the real thing and this can be dangerous, for example if drugs, or spare parts </a:t>
-            </a:r>
-            <a:endParaRPr/>
-          </a:p>
-          <a:p>
-            <a:pPr lvl="1">
+              <a:t>Product can be re-sold by the buyer without the permission of the owner(s) of the IPRs contained in the product</a:t>
+            </a:r>
+            <a:endParaRPr/>
+          </a:p>
+          <a:p>
+            <a:pPr>
+              <a:lnSpc>
+                <a:spcPct val="100000"/>
+              </a:lnSpc>
+            </a:pPr>
+            <a:r>
+              <a:rPr b="1" lang="en-US" sz="2600">
+                <a:solidFill>
+                  <a:srgbClr val="000000"/>
+                </a:solidFill>
+                <a:latin typeface="Constantia"/>
+              </a:rPr>
+              <a:t>Example of international exhaustion </a:t>
+            </a:r>
+            <a:endParaRPr/>
+          </a:p>
+          <a:p>
+            <a:pPr>
               <a:lnSpc>
                 <a:spcPct val="100000"/>
               </a:lnSpc>
               <a:buSzPct val="25000"/>
-              <a:buFont typeface="StarSymbol"/>
-              <a:buChar char=""/>
-            </a:pPr>
-            <a:r>
-              <a:rPr b="1" lang="en-US" sz="2400">
-                <a:solidFill>
-                  <a:srgbClr val="000000"/>
-                </a:solidFill>
-                <a:latin typeface="Constantia"/>
-              </a:rPr>
-              <a:t>Non-deceptive counterfeits </a:t>
-            </a:r>
-            <a:r>
-              <a:rPr lang="en-US" sz="2400">
-                <a:solidFill>
-                  <a:srgbClr val="000000"/>
-                </a:solidFill>
-                <a:latin typeface="Constantia"/>
-              </a:rPr>
-              <a:t>may be less harmful, but original manufacturers can still be faced with loss of status for brand  </a:t>
+              <a:buFont charset="2" typeface="Wingdings 2"/>
+              <a:buChar char=""/>
+            </a:pPr>
+            <a:r>
+              <a:rPr lang="en-US" sz="2600">
+                <a:solidFill>
+                  <a:srgbClr val="000000"/>
+                </a:solidFill>
+                <a:latin typeface="Constantia"/>
+              </a:rPr>
+              <a:t>A patented product is sold in the US; this item can be resold to a buyer in Japan and is thus imported into Japan </a:t>
             </a:r>
             <a:endParaRPr/>
           </a:p>
@@ -5895,52 +5576,238 @@
               <a:lnSpc>
                 <a:spcPct val="100000"/>
               </a:lnSpc>
-            </a:pPr>
-            <a:r>
-              <a:rPr b="1" i="1" lang="en-US" sz="2600">
-                <a:solidFill>
-                  <a:srgbClr val="000000"/>
-                </a:solidFill>
-                <a:latin typeface="Constantia"/>
-              </a:rPr>
-              <a:t>Should developing countries be allowed to sell non-deceptive counterfeits?</a:t>
+              <a:buSzPct val="25000"/>
+              <a:buFont charset="2" typeface="Wingdings 2"/>
+              <a:buChar char=""/>
+            </a:pPr>
+            <a:r>
+              <a:rPr lang="en-US" sz="2600">
+                <a:solidFill>
+                  <a:srgbClr val="000000"/>
+                </a:solidFill>
+                <a:latin typeface="Constantia"/>
+              </a:rPr>
+              <a:t>This leads to </a:t>
+            </a:r>
+            <a:r>
+              <a:rPr lang="en-US" sz="2600" u="sng">
+                <a:solidFill>
+                  <a:srgbClr val="000000"/>
+                </a:solidFill>
+                <a:latin typeface="Constantia"/>
+              </a:rPr>
+              <a:t>parallel imports </a:t>
+            </a:r>
+            <a:r>
+              <a:rPr lang="en-US" sz="2600">
+                <a:solidFill>
+                  <a:srgbClr val="000000"/>
+                </a:solidFill>
+                <a:latin typeface="Constantia"/>
+              </a:rPr>
+              <a:t>– sales from US producer and onward sales from US buyer can both reach Japan</a:t>
+            </a:r>
+            <a:endParaRPr/>
+          </a:p>
+          <a:p>
+            <a:pPr>
+              <a:lnSpc>
+                <a:spcPct val="100000"/>
+              </a:lnSpc>
+              <a:buSzPct val="25000"/>
+              <a:buFont charset="2" typeface="Wingdings 2"/>
+              <a:buChar char=""/>
+            </a:pPr>
+            <a:r>
+              <a:rPr lang="en-US" sz="2600">
+                <a:solidFill>
+                  <a:srgbClr val="000000"/>
+                </a:solidFill>
+                <a:latin typeface="Constantia"/>
+              </a:rPr>
+              <a:t>Result is </a:t>
+            </a:r>
+            <a:r>
+              <a:rPr b="1" lang="en-US" sz="2600">
+                <a:solidFill>
+                  <a:srgbClr val="000000"/>
+                </a:solidFill>
+                <a:latin typeface="Constantia"/>
+              </a:rPr>
+              <a:t>producer cannot separate his international markets</a:t>
+            </a:r>
+            <a:r>
+              <a:rPr lang="en-US" sz="2600">
+                <a:solidFill>
+                  <a:srgbClr val="000000"/>
+                </a:solidFill>
+                <a:latin typeface="Constantia"/>
+              </a:rPr>
+              <a:t>, even if he wants to do so in order to charge different prices</a:t>
+            </a:r>
+            <a:endParaRPr/>
+          </a:p>
+          <a:p>
+            <a:pPr>
+              <a:lnSpc>
+                <a:spcPct val="100000"/>
+              </a:lnSpc>
+              <a:buSzPct val="25000"/>
+              <a:buFont charset="2" typeface="Wingdings 2"/>
+              <a:buChar char=""/>
+            </a:pPr>
+            <a:r>
+              <a:rPr lang="en-US" sz="2600">
+                <a:solidFill>
+                  <a:srgbClr val="000000"/>
+                </a:solidFill>
+                <a:latin typeface="Constantia"/>
+              </a:rPr>
+              <a:t>At present WTO &amp; TRIPS allows each country to decide if it does, or does not, want to apply international exhaustion </a:t>
             </a:r>
             <a:endParaRPr/>
           </a:p>
         </p:txBody>
       </p:sp>
-      <p:pic>
-        <p:nvPicPr>
-          <p:cNvPr descr="" id="103" name="Picture 2"/>
-          <p:cNvPicPr/>
-          <p:nvPr/>
-        </p:nvPicPr>
-        <p:blipFill>
-          <a:blip r:embed="rId1"/>
-          <a:stretch>
-            <a:fillRect/>
-          </a:stretch>
-        </p:blipFill>
-        <p:spPr>
-          <a:xfrm>
-            <a:off x="6444360" y="31320"/>
-            <a:ext cx="2375640" cy="1745280"/>
-          </a:xfrm>
-          <a:prstGeom prst="rect">
-            <a:avLst/>
-          </a:prstGeom>
-        </p:spPr>
-      </p:pic>
     </p:spTree>
   </p:cSld>
   <p:timing>
     <p:tnLst>
       <p:par>
-        <p:cTn dur="indefinite" id="227" nodeType="tmRoot" restart="never">
+        <p:cTn dur="indefinite" id="217" nodeType="tmRoot" restart="never">
           <p:childTnLst>
             <p:seq>
-              <p:cTn dur="indefinite" id="228" nodeType="mainSeq">
+              <p:cTn dur="indefinite" id="218" nodeType="mainSeq">
                 <p:childTnLst>
+                  <p:par>
+                    <p:cTn fill="hold" id="219">
+                      <p:stCondLst>
+                        <p:cond delay="indefinite"/>
+                      </p:stCondLst>
+                      <p:childTnLst>
+                        <p:par>
+                          <p:cTn fill="hold" id="220">
+                            <p:stCondLst>
+                              <p:cond delay="0"/>
+                            </p:stCondLst>
+                            <p:childTnLst>
+                              <p:par>
+                                <p:cTn fill="hold" id="221" nodeType="clickEffect" presetClass="entr" presetID="1">
+                                  <p:stCondLst>
+                                    <p:cond delay="0"/>
+                                  </p:stCondLst>
+                                  <p:childTnLst>
+                                    <p:set>
+                                      <p:cBhvr>
+                                        <p:cTn dur="1" fill="hold" id="222">
+                                          <p:stCondLst>
+                                            <p:cond delay="0"/>
+                                          </p:stCondLst>
+                                        </p:cTn>
+                                        <p:tgtEl>
+                                          <p:spTgt spid="102">
+                                            <p:txEl>
+                                              <p:pRg end="172" st="0"/>
+                                            </p:txEl>
+                                          </p:spTgt>
+                                        </p:tgtEl>
+                                        <p:attrNameLst>
+                                          <p:attrName>style.visibility</p:attrName>
+                                        </p:attrNameLst>
+                                      </p:cBhvr>
+                                      <p:to>
+                                        <p:strVal val="visible"/>
+                                      </p:to>
+                                    </p:set>
+                                  </p:childTnLst>
+                                </p:cTn>
+                              </p:par>
+                              <p:par>
+                                <p:cTn fill="hold" id="223" nodeType="withEffect" presetClass="entr" presetID="1">
+                                  <p:stCondLst>
+                                    <p:cond delay="0"/>
+                                  </p:stCondLst>
+                                  <p:childTnLst>
+                                    <p:set>
+                                      <p:cBhvr>
+                                        <p:cTn dur="1" fill="hold" id="224">
+                                          <p:stCondLst>
+                                            <p:cond delay="0"/>
+                                          </p:stCondLst>
+                                        </p:cTn>
+                                        <p:tgtEl>
+                                          <p:spTgt spid="102">
+                                            <p:txEl>
+                                              <p:pRg end="786" st="786"/>
+                                            </p:txEl>
+                                          </p:spTgt>
+                                        </p:tgtEl>
+                                        <p:attrNameLst>
+                                          <p:attrName>style.visibility</p:attrName>
+                                        </p:attrNameLst>
+                                      </p:cBhvr>
+                                      <p:to>
+                                        <p:strVal val="visible"/>
+                                      </p:to>
+                                    </p:set>
+                                  </p:childTnLst>
+                                </p:cTn>
+                              </p:par>
+                            </p:childTnLst>
+                          </p:cTn>
+                        </p:par>
+                      </p:childTnLst>
+                    </p:cTn>
+                  </p:par>
+                  <p:par>
+                    <p:cTn fill="hold" id="225">
+                      <p:stCondLst>
+                        <p:cond delay="indefinite"/>
+                      </p:stCondLst>
+                      <p:childTnLst>
+                        <p:par>
+                          <p:cTn fill="hold" id="226">
+                            <p:stCondLst>
+                              <p:cond delay="0"/>
+                            </p:stCondLst>
+                            <p:childTnLst>
+                              <p:par>
+                                <p:cTn fill="hold" id="227" nodeType="clickEffect" presetClass="entr" presetID="1">
+                                  <p:stCondLst>
+                                    <p:cond delay="0"/>
+                                  </p:stCondLst>
+                                  <p:childTnLst>
+                                    <p:set>
+                                      <p:cBhvr>
+                                        <p:cTn dur="1" fill="hold" id="228">
+                                          <p:stCondLst>
+                                            <p:cond delay="0"/>
+                                          </p:stCondLst>
+                                        </p:cTn>
+                                        <p:tgtEl>
+                                          <p:spTgt spid="102">
+                                            <p:txEl>
+                                              <p:pRg end="786" st="786"/>
+                                            </p:txEl>
+                                          </p:spTgt>
+                                        </p:tgtEl>
+                                        <p:attrNameLst>
+                                          <p:attrName>style.visibility</p:attrName>
+                                        </p:attrNameLst>
+                                      </p:cBhvr>
+                                      <p:to>
+                                        <p:strVal val="visible"/>
+                                      </p:to>
+                                    </p:set>
+                                  </p:childTnLst>
+                                </p:cTn>
+                              </p:par>
+                            </p:childTnLst>
+                          </p:cTn>
+                        </p:par>
+                      </p:childTnLst>
+                    </p:cTn>
+                  </p:par>
                   <p:par>
                     <p:cTn fill="hold" id="229">
                       <p:stCondLst>
@@ -5969,7 +5836,7 @@
                                         <p:tgtEl>
                                           <p:spTgt spid="102">
                                             <p:txEl>
-                                              <p:pRg end="56" st="1"/>
+                                              <p:pRg end="786" st="786"/>
                                             </p:txEl>
                                           </p:spTgt>
                                         </p:tgtEl>
@@ -6018,7 +5885,7 @@
                                         <p:tgtEl>
                                           <p:spTgt spid="102">
                                             <p:txEl>
-                                              <p:pRg end="677" st="677"/>
+                                              <p:pRg end="786" st="786"/>
                                             </p:txEl>
                                           </p:spTgt>
                                         </p:tgtEl>
@@ -6067,69 +5934,7 @@
                                         <p:tgtEl>
                                           <p:spTgt spid="102">
                                             <p:txEl>
-                                              <p:pRg end="677" st="677"/>
-                                            </p:txEl>
-                                          </p:spTgt>
-                                        </p:tgtEl>
-                                        <p:attrNameLst>
-                                          <p:attrName>style.visibility</p:attrName>
-                                        </p:attrNameLst>
-                                      </p:cBhvr>
-                                      <p:to>
-                                        <p:strVal val="visible"/>
-                                      </p:to>
-                                    </p:set>
-                                  </p:childTnLst>
-                                </p:cTn>
-                              </p:par>
-                              <p:par>
-                                <p:cTn fill="hold" id="241" nodeType="withEffect" presetClass="entr" presetID="1">
-                                  <p:stCondLst>
-                                    <p:cond delay="0"/>
-                                  </p:stCondLst>
-                                  <p:childTnLst>
-                                    <p:set>
-                                      <p:cBhvr>
-                                        <p:cTn dur="1" fill="hold" id="242">
-                                          <p:stCondLst>
-                                            <p:cond delay="0"/>
-                                          </p:stCondLst>
-                                        </p:cTn>
-                                        <p:tgtEl>
-                                          <p:spTgt spid="102">
-                                            <p:txEl>
-                                              <p:pRg end="677" st="677"/>
-                                            </p:txEl>
-                                          </p:spTgt>
-                                        </p:tgtEl>
-                                        <p:attrNameLst>
-                                          <p:attrName>style.visibility</p:attrName>
-                                        </p:attrNameLst>
-                                      </p:cBhvr>
-                                      <p:to>
-                                        <p:strVal val="visible"/>
-                                      </p:to>
-                                    </p:set>
-                                  </p:childTnLst>
-                                </p:cTn>
-                              </p:par>
-                              <p:par>
-                                <p:cTn fill="hold" id="243" nodeType="withEffect" presetClass="entr" presetID="1">
-                                  <p:stCondLst>
-                                    <p:cond delay="0"/>
-                                  </p:stCondLst>
-                                  <p:childTnLst>
-                                    <p:set>
-                                      <p:cBhvr>
-                                        <p:cTn dur="1" fill="hold" id="244">
-                                          <p:stCondLst>
-                                            <p:cond delay="0"/>
-                                          </p:stCondLst>
-                                        </p:cTn>
-                                        <p:tgtEl>
-                                          <p:spTgt spid="102">
-                                            <p:txEl>
-                                              <p:pRg end="677" st="677"/>
+                                              <p:pRg end="786" st="786"/>
                                             </p:txEl>
                                           </p:spTgt>
                                         </p:tgtEl>
@@ -6151,26 +5956,26 @@
                     </p:cTn>
                   </p:par>
                   <p:par>
-                    <p:cTn fill="hold" id="245">
+                    <p:cTn fill="hold" id="241">
                       <p:stCondLst>
                         <p:cond delay="indefinite"/>
                       </p:stCondLst>
                       <p:childTnLst>
                         <p:par>
-                          <p:cTn fill="hold" id="246">
+                          <p:cTn fill="hold" id="242">
                             <p:stCondLst>
                               <p:cond delay="0"/>
                             </p:stCondLst>
                             <p:childTnLst>
                               <p:par>
-                                <p:cTn fill="hold" id="247" nodeType="clickEffect" presetClass="entr" presetID="1">
+                                <p:cTn fill="hold" id="243" nodeType="clickEffect" presetClass="entr" presetID="1">
                                   <p:stCondLst>
                                     <p:cond delay="0"/>
                                   </p:stCondLst>
                                   <p:childTnLst>
                                     <p:set>
                                       <p:cBhvr>
-                                        <p:cTn dur="1" fill="hold" id="248">
+                                        <p:cTn dur="1" fill="hold" id="244">
                                           <p:stCondLst>
                                             <p:cond delay="0"/>
                                           </p:stCondLst>
@@ -6178,7 +5983,7 @@
                                         <p:tgtEl>
                                           <p:spTgt spid="102">
                                             <p:txEl>
-                                              <p:pRg end="677" st="677"/>
+                                              <p:pRg end="786" st="786"/>
                                             </p:txEl>
                                           </p:spTgt>
                                         </p:tgtEl>
@@ -6243,14 +6048,14 @@
       </p:grpSpPr>
       <p:sp>
         <p:nvSpPr>
-          <p:cNvPr id="104" name="CustomShape 1"/>
+          <p:cNvPr id="103" name="CustomShape 1"/>
           <p:cNvSpPr/>
           <p:nvPr/>
         </p:nvSpPr>
         <p:spPr>
           <a:xfrm>
             <a:off x="457200" y="704160"/>
-            <a:ext cx="8228880" cy="419760"/>
+            <a:ext cx="8228520" cy="635760"/>
           </a:xfrm>
           <a:prstGeom prst="rect">
             <a:avLst/>
@@ -6271,7 +6076,7 @@
                 </a:solidFill>
                 <a:latin typeface="Calibri"/>
               </a:rPr>
-              <a:t>R&amp;D in the Global Economy</a:t>
+              <a:t>Piracy and Counterfeiting</a:t>
             </a:r>
             <a:endParaRPr/>
           </a:p>
@@ -6279,14 +6084,14 @@
       </p:sp>
       <p:sp>
         <p:nvSpPr>
-          <p:cNvPr id="105" name="CustomShape 2"/>
+          <p:cNvPr id="104" name="CustomShape 2"/>
           <p:cNvSpPr/>
           <p:nvPr/>
         </p:nvSpPr>
         <p:spPr>
           <a:xfrm>
-            <a:off x="457200" y="1340640"/>
-            <a:ext cx="8228880" cy="4983120"/>
+            <a:off x="457200" y="1484640"/>
+            <a:ext cx="8228520" cy="4838760"/>
           </a:xfrm>
           <a:prstGeom prst="rect">
             <a:avLst/>
@@ -6300,6 +6105,14 @@
                 <a:spcPct val="100000"/>
               </a:lnSpc>
             </a:pPr>
+            <a:endParaRPr/>
+          </a:p>
+          <a:p>
+            <a:pPr>
+              <a:lnSpc>
+                <a:spcPct val="100000"/>
+              </a:lnSpc>
+            </a:pPr>
             <a:r>
               <a:rPr b="1" lang="en-US" sz="2600">
                 <a:solidFill>
@@ -6307,7 +6120,88 @@
                 </a:solidFill>
                 <a:latin typeface="Constantia"/>
               </a:rPr>
-              <a:t>Are R&amp;D spillovers global?</a:t>
+              <a:t>Piracy</a:t>
+            </a:r>
+            <a:r>
+              <a:rPr lang="en-US" sz="2600">
+                <a:solidFill>
+                  <a:srgbClr val="000000"/>
+                </a:solidFill>
+                <a:latin typeface="Constantia"/>
+              </a:rPr>
+              <a:t> refers to large-scale infringement of copyright</a:t>
+            </a:r>
+            <a:endParaRPr/>
+          </a:p>
+          <a:p>
+            <a:pPr>
+              <a:lnSpc>
+                <a:spcPct val="100000"/>
+              </a:lnSpc>
+              <a:buSzPct val="25000"/>
+              <a:buFont charset="2" typeface="Wingdings 2"/>
+              <a:buChar char=""/>
+            </a:pPr>
+            <a:r>
+              <a:rPr lang="en-US" sz="2600">
+                <a:solidFill>
+                  <a:srgbClr val="000000"/>
+                </a:solidFill>
+                <a:latin typeface="Constantia"/>
+              </a:rPr>
+              <a:t>One area of interest is the </a:t>
+            </a:r>
+            <a:r>
+              <a:rPr b="1" lang="en-US" sz="2600">
+                <a:solidFill>
+                  <a:srgbClr val="000000"/>
+                </a:solidFill>
+                <a:latin typeface="Constantia"/>
+              </a:rPr>
+              <a:t>estimates of revenue losses </a:t>
+            </a:r>
+            <a:r>
+              <a:rPr lang="en-US" sz="2600">
+                <a:solidFill>
+                  <a:srgbClr val="000000"/>
+                </a:solidFill>
+                <a:latin typeface="Constantia"/>
+              </a:rPr>
+              <a:t>by such agencies as the International Federation of the Phonographic Industries (IFPI) – and specifically whether these estimates are too high </a:t>
+            </a:r>
+            <a:endParaRPr/>
+          </a:p>
+          <a:p>
+            <a:pPr>
+              <a:lnSpc>
+                <a:spcPct val="100000"/>
+              </a:lnSpc>
+            </a:pPr>
+            <a:endParaRPr/>
+          </a:p>
+          <a:p>
+            <a:pPr>
+              <a:lnSpc>
+                <a:spcPct val="100000"/>
+              </a:lnSpc>
+            </a:pPr>
+            <a:r>
+              <a:rPr b="1" lang="en-US" sz="2600">
+                <a:solidFill>
+                  <a:srgbClr val="000000"/>
+                </a:solidFill>
+                <a:latin typeface="Constantia"/>
+              </a:rPr>
+              <a:t>Counterfeit products </a:t>
+            </a:r>
+            <a:r>
+              <a:rPr lang="en-US" sz="2600">
+                <a:solidFill>
+                  <a:srgbClr val="000000"/>
+                </a:solidFill>
+                <a:latin typeface="Constantia"/>
+              </a:rPr>
+              <a:t>are those that imitate trademarked products in terms of design and packaging</a:t>
             </a:r>
             <a:endParaRPr/>
           </a:p>
@@ -6318,8 +6212,17 @@
               </a:lnSpc>
               <a:buSzPct val="25000"/>
               <a:buFont typeface="StarSymbol"/>
-              <a:buChar char=""/>
-            </a:pPr>
+              <a:buChar char="l"/>
+            </a:pPr>
+            <a:r>
+              <a:rPr b="1" lang="en-US" sz="2400">
+                <a:solidFill>
+                  <a:srgbClr val="000000"/>
+                </a:solidFill>
+                <a:latin typeface="Constantia"/>
+              </a:rPr>
+              <a:t>Deceptive counterfeits </a:t>
+            </a:r>
             <a:r>
               <a:rPr lang="en-US" sz="2400">
                 <a:solidFill>
@@ -6327,7 +6230,7 @@
                 </a:solidFill>
                 <a:latin typeface="Constantia"/>
               </a:rPr>
-              <a:t>Evidence demonstrates spillovers between rich countries</a:t>
+              <a:t>are assumed to be the real thing and this can be dangerous, for example if drugs, or spare parts </a:t>
             </a:r>
             <a:endParaRPr/>
           </a:p>
@@ -6338,8 +6241,17 @@
               </a:lnSpc>
               <a:buSzPct val="25000"/>
               <a:buFont typeface="StarSymbol"/>
-              <a:buChar char=""/>
-            </a:pPr>
+              <a:buChar char="l"/>
+            </a:pPr>
+            <a:r>
+              <a:rPr b="1" lang="en-US" sz="2400">
+                <a:solidFill>
+                  <a:srgbClr val="000000"/>
+                </a:solidFill>
+                <a:latin typeface="Constantia"/>
+              </a:rPr>
+              <a:t>Non-deceptive counterfeits </a:t>
+            </a:r>
             <a:r>
               <a:rPr lang="en-US" sz="2400">
                 <a:solidFill>
@@ -6347,7 +6259,7 @@
                 </a:solidFill>
                 <a:latin typeface="Constantia"/>
               </a:rPr>
-              <a:t>Absorptive capacity is enhanced by trade and by presence of highly educated populations</a:t>
+              <a:t>may be less harmful, but original manufacturers can still be faced with loss of status for brand  </a:t>
             </a:r>
             <a:endParaRPr/>
           </a:p>
@@ -6357,251 +6269,100 @@
                 <a:spcPct val="100000"/>
               </a:lnSpc>
             </a:pPr>
-            <a:endParaRPr/>
-          </a:p>
-          <a:p>
-            <a:pPr>
-              <a:lnSpc>
-                <a:spcPct val="100000"/>
-              </a:lnSpc>
-            </a:pPr>
-            <a:r>
-              <a:rPr b="1" lang="en-US" sz="2600">
-                <a:solidFill>
-                  <a:srgbClr val="000000"/>
-                </a:solidFill>
-                <a:latin typeface="Constantia"/>
-              </a:rPr>
-              <a:t>The globalization of the innovation process</a:t>
-            </a:r>
-            <a:endParaRPr/>
-          </a:p>
-          <a:p>
-            <a:pPr lvl="1">
-              <a:lnSpc>
-                <a:spcPct val="100000"/>
-              </a:lnSpc>
-              <a:buSzPct val="25000"/>
-              <a:buFont typeface="StarSymbol"/>
-              <a:buChar char=""/>
-            </a:pPr>
-            <a:r>
-              <a:rPr lang="en-US" sz="2400">
-                <a:solidFill>
-                  <a:srgbClr val="000000"/>
-                </a:solidFill>
-                <a:latin typeface="Constantia"/>
-              </a:rPr>
-              <a:t>Since 1950s/60s the emergence of trans-national corporations (TNCs) has led to spreading of R&amp;D facilities across rich countries</a:t>
-            </a:r>
-            <a:endParaRPr/>
-          </a:p>
-          <a:p>
-            <a:pPr lvl="1">
-              <a:lnSpc>
-                <a:spcPct val="100000"/>
-              </a:lnSpc>
-              <a:buSzPct val="25000"/>
-              <a:buFont typeface="StarSymbol"/>
-              <a:buChar char=""/>
-            </a:pPr>
-            <a:r>
-              <a:rPr lang="en-US" sz="2400">
-                <a:solidFill>
-                  <a:srgbClr val="000000"/>
-                </a:solidFill>
-                <a:latin typeface="Constantia"/>
-              </a:rPr>
-              <a:t>UNCTAD (2005) study contains a mass of information and background to this and also shows new trends</a:t>
-            </a:r>
-            <a:endParaRPr/>
-          </a:p>
-          <a:p>
-            <a:pPr lvl="2">
-              <a:lnSpc>
-                <a:spcPct val="100000"/>
-              </a:lnSpc>
-              <a:buSzPct val="25000"/>
-              <a:buFont typeface="StarSymbol"/>
-              <a:buChar char=""/>
-            </a:pPr>
-            <a:r>
-              <a:rPr lang="en-US" sz="2100">
-                <a:solidFill>
-                  <a:srgbClr val="000000"/>
-                </a:solidFill>
-                <a:latin typeface="Constantia"/>
-              </a:rPr>
-              <a:t>Worlds largest R&amp;D firms do 28% R&amp;D overseas</a:t>
-            </a:r>
-            <a:endParaRPr/>
-          </a:p>
-          <a:p>
-            <a:pPr lvl="3">
-              <a:lnSpc>
-                <a:spcPct val="100000"/>
-              </a:lnSpc>
-              <a:buSzPct val="25000"/>
-              <a:buFont typeface="StarSymbol"/>
-              <a:buChar char=""/>
-            </a:pPr>
-            <a:r>
-              <a:rPr lang="en-US" sz="2000">
-                <a:solidFill>
-                  <a:srgbClr val="000000"/>
-                </a:solidFill>
-                <a:latin typeface="Constantia"/>
-              </a:rPr>
-              <a:t>Euro firms 41%, US firms 24%, Japanese firms 15%</a:t>
-            </a:r>
-            <a:endParaRPr/>
-          </a:p>
-          <a:p>
-            <a:pPr lvl="1">
-              <a:lnSpc>
-                <a:spcPct val="100000"/>
-              </a:lnSpc>
-              <a:buSzPct val="25000"/>
-              <a:buFont typeface="StarSymbol"/>
-              <a:buChar char=""/>
-            </a:pPr>
-            <a:r>
-              <a:rPr lang="en-US" sz="2400">
-                <a:solidFill>
-                  <a:srgbClr val="000000"/>
-                </a:solidFill>
-                <a:latin typeface="Constantia"/>
-              </a:rPr>
-              <a:t>24 hour R&amp;D advantage!</a:t>
-            </a:r>
-            <a:endParaRPr/>
-          </a:p>
-          <a:p>
-            <a:pPr>
-              <a:lnSpc>
-                <a:spcPct val="100000"/>
-              </a:lnSpc>
-            </a:pPr>
-            <a:endParaRPr/>
-          </a:p>
-          <a:p>
-            <a:pPr>
-              <a:lnSpc>
-                <a:spcPct val="100000"/>
-              </a:lnSpc>
-            </a:pPr>
-            <a:r>
-              <a:rPr b="1" lang="en-US" sz="2600">
-                <a:solidFill>
-                  <a:srgbClr val="000000"/>
-                </a:solidFill>
-                <a:latin typeface="Constantia"/>
-              </a:rPr>
-              <a:t>Globalisation of R&amp;D to China and India:</a:t>
-            </a:r>
-            <a:r>
-              <a:rPr lang="en-US" sz="2600">
-                <a:solidFill>
-                  <a:srgbClr val="000000"/>
-                </a:solidFill>
-                <a:latin typeface="Constantia"/>
-              </a:rPr>
-              <a:t>	</a:t>
-            </a:r>
-            <a:endParaRPr/>
-          </a:p>
-          <a:p>
-            <a:pPr lvl="1">
-              <a:lnSpc>
-                <a:spcPct val="100000"/>
-              </a:lnSpc>
-              <a:buSzPct val="25000"/>
-              <a:buFont typeface="StarSymbol"/>
-              <a:buChar char=""/>
-            </a:pPr>
-            <a:r>
-              <a:rPr lang="en-US" sz="2400">
-                <a:solidFill>
-                  <a:srgbClr val="000000"/>
-                </a:solidFill>
-                <a:latin typeface="Constantia"/>
-              </a:rPr>
-              <a:t>China: rising R&amp;D in Beijing, Shanghai, Guangzhou </a:t>
-            </a:r>
-            <a:endParaRPr/>
-          </a:p>
-          <a:p>
-            <a:pPr lvl="2">
-              <a:lnSpc>
-                <a:spcPct val="100000"/>
-              </a:lnSpc>
-              <a:buSzPct val="25000"/>
-              <a:buFont typeface="StarSymbol"/>
-              <a:buChar char=""/>
-            </a:pPr>
-            <a:r>
-              <a:rPr lang="en-US" sz="2100">
-                <a:solidFill>
-                  <a:srgbClr val="000000"/>
-                </a:solidFill>
-                <a:latin typeface="Constantia"/>
-              </a:rPr>
-              <a:t>R&amp;D US firms: $7 million (1994) -&gt; $646 million (2002)</a:t>
-            </a:r>
-            <a:endParaRPr/>
-          </a:p>
-          <a:p>
-            <a:pPr lvl="1">
-              <a:lnSpc>
-                <a:spcPct val="100000"/>
-              </a:lnSpc>
-              <a:buSzPct val="25000"/>
-              <a:buFont typeface="StarSymbol"/>
-              <a:buChar char=""/>
-            </a:pPr>
-            <a:r>
-              <a:rPr lang="en-US" sz="2400">
-                <a:solidFill>
-                  <a:srgbClr val="000000"/>
-                </a:solidFill>
-                <a:latin typeface="Constantia"/>
-              </a:rPr>
-              <a:t>India: rising R&amp;D concentration around Bangalore</a:t>
-            </a:r>
-            <a:endParaRPr/>
-          </a:p>
-          <a:p>
-            <a:pPr lvl="2">
-              <a:lnSpc>
-                <a:spcPct val="100000"/>
-              </a:lnSpc>
-              <a:buSzPct val="25000"/>
-              <a:buFont typeface="StarSymbol"/>
-              <a:buChar char=""/>
-            </a:pPr>
-            <a:r>
-              <a:rPr lang="en-US" sz="2100">
-                <a:solidFill>
-                  <a:srgbClr val="000000"/>
-                </a:solidFill>
-                <a:latin typeface="Constantia"/>
-              </a:rPr>
-              <a:t>R&amp;D US firms: $5 million (1994) -&gt; $80million (2002)</a:t>
+            <a:r>
+              <a:rPr b="1" i="1" lang="en-US" sz="2600">
+                <a:solidFill>
+                  <a:srgbClr val="000000"/>
+                </a:solidFill>
+                <a:latin typeface="Constantia"/>
+              </a:rPr>
+              <a:t>Should developing countries be allowed to sell non-deceptive counterfeits?</a:t>
             </a:r>
             <a:endParaRPr/>
           </a:p>
         </p:txBody>
       </p:sp>
+      <p:pic>
+        <p:nvPicPr>
+          <p:cNvPr descr="" id="105" name="Picture 2"/>
+          <p:cNvPicPr/>
+          <p:nvPr/>
+        </p:nvPicPr>
+        <p:blipFill>
+          <a:blip r:embed="rId1"/>
+          <a:stretch>
+            <a:fillRect/>
+          </a:stretch>
+        </p:blipFill>
+        <p:spPr>
+          <a:xfrm>
+            <a:off x="6444360" y="31320"/>
+            <a:ext cx="2375280" cy="1744920"/>
+          </a:xfrm>
+          <a:prstGeom prst="rect">
+            <a:avLst/>
+          </a:prstGeom>
+        </p:spPr>
+      </p:pic>
     </p:spTree>
   </p:cSld>
   <p:timing>
     <p:tnLst>
       <p:par>
-        <p:cTn dur="indefinite" id="249" nodeType="tmRoot" restart="never">
+        <p:cTn dur="indefinite" id="245" nodeType="tmRoot" restart="never">
           <p:childTnLst>
             <p:seq>
-              <p:cTn dur="indefinite" id="250" nodeType="mainSeq">
+              <p:cTn dur="indefinite" id="246" nodeType="mainSeq">
                 <p:childTnLst>
+                  <p:par>
+                    <p:cTn fill="hold" id="247">
+                      <p:stCondLst>
+                        <p:cond delay="indefinite"/>
+                      </p:stCondLst>
+                      <p:childTnLst>
+                        <p:par>
+                          <p:cTn fill="hold" id="248">
+                            <p:stCondLst>
+                              <p:cond delay="0"/>
+                            </p:stCondLst>
+                            <p:childTnLst>
+                              <p:par>
+                                <p:cTn fill="hold" id="249" nodeType="clickEffect" presetClass="entr" presetID="1">
+                                  <p:stCondLst>
+                                    <p:cond delay="0"/>
+                                  </p:stCondLst>
+                                  <p:childTnLst>
+                                    <p:set>
+                                      <p:cBhvr>
+                                        <p:cTn dur="1" fill="hold" id="250">
+                                          <p:stCondLst>
+                                            <p:cond delay="0"/>
+                                          </p:stCondLst>
+                                        </p:cTn>
+                                        <p:tgtEl>
+                                          <p:spTgt spid="104">
+                                            <p:txEl>
+                                              <p:pRg end="56" st="1"/>
+                                            </p:txEl>
+                                          </p:spTgt>
+                                        </p:tgtEl>
+                                        <p:attrNameLst>
+                                          <p:attrName>style.visibility</p:attrName>
+                                        </p:attrNameLst>
+                                      </p:cBhvr>
+                                      <p:to>
+                                        <p:strVal val="visible"/>
+                                      </p:to>
+                                    </p:set>
+                                  </p:childTnLst>
+                                </p:cTn>
+                              </p:par>
+                            </p:childTnLst>
+                          </p:cTn>
+                        </p:par>
+                      </p:childTnLst>
+                    </p:cTn>
+                  </p:par>
                   <p:par>
                     <p:cTn fill="hold" id="251">
                       <p:stCondLst>
@@ -6628,71 +6389,9 @@
                                           </p:stCondLst>
                                         </p:cTn>
                                         <p:tgtEl>
-                                          <p:spTgt spid="105">
+                                          <p:spTgt spid="104">
                                             <p:txEl>
-                                              <p:pRg end="27" st="0"/>
-                                            </p:txEl>
-                                          </p:spTgt>
-                                        </p:tgtEl>
-                                        <p:attrNameLst>
-                                          <p:attrName>style.visibility</p:attrName>
-                                        </p:attrNameLst>
-                                      </p:cBhvr>
-                                      <p:to>
-                                        <p:strVal val="visible"/>
-                                      </p:to>
-                                    </p:set>
-                                  </p:childTnLst>
-                                </p:cTn>
-                              </p:par>
-                              <p:par>
-                                <p:cTn fill="hold" id="255" nodeType="withEffect" presetClass="entr" presetID="1">
-                                  <p:stCondLst>
-                                    <p:cond delay="0"/>
-                                  </p:stCondLst>
-                                  <p:childTnLst>
-                                    <p:set>
-                                      <p:cBhvr>
-                                        <p:cTn dur="1" fill="hold" id="256">
-                                          <p:stCondLst>
-                                            <p:cond delay="0"/>
-                                          </p:stCondLst>
-                                        </p:cTn>
-                                        <p:tgtEl>
-                                          <p:spTgt spid="105">
-                                            <p:txEl>
-                                              <p:pRg end="813" st="813"/>
-                                            </p:txEl>
-                                          </p:spTgt>
-                                        </p:tgtEl>
-                                        <p:attrNameLst>
-                                          <p:attrName>style.visibility</p:attrName>
-                                        </p:attrNameLst>
-                                      </p:cBhvr>
-                                      <p:to>
-                                        <p:strVal val="visible"/>
-                                      </p:to>
-                                    </p:set>
-                                  </p:childTnLst>
-                                </p:cTn>
-                              </p:par>
-                              <p:par>
-                                <p:cTn fill="hold" id="257" nodeType="withEffect" presetClass="entr" presetID="1">
-                                  <p:stCondLst>
-                                    <p:cond delay="0"/>
-                                  </p:stCondLst>
-                                  <p:childTnLst>
-                                    <p:set>
-                                      <p:cBhvr>
-                                        <p:cTn dur="1" fill="hold" id="258">
-                                          <p:stCondLst>
-                                            <p:cond delay="0"/>
-                                          </p:stCondLst>
-                                        </p:cTn>
-                                        <p:tgtEl>
-                                          <p:spTgt spid="105">
-                                            <p:txEl>
-                                              <p:pRg end="813" st="813"/>
+                                              <p:pRg end="677" st="677"/>
                                             </p:txEl>
                                           </p:spTgt>
                                         </p:tgtEl>
@@ -6714,34 +6413,34 @@
                     </p:cTn>
                   </p:par>
                   <p:par>
-                    <p:cTn fill="hold" id="259">
+                    <p:cTn fill="hold" id="255">
                       <p:stCondLst>
                         <p:cond delay="indefinite"/>
                       </p:stCondLst>
                       <p:childTnLst>
                         <p:par>
-                          <p:cTn fill="hold" id="260">
+                          <p:cTn fill="hold" id="256">
                             <p:stCondLst>
                               <p:cond delay="0"/>
                             </p:stCondLst>
                             <p:childTnLst>
                               <p:par>
-                                <p:cTn fill="hold" id="261" nodeType="clickEffect" presetClass="entr" presetID="1">
+                                <p:cTn fill="hold" id="257" nodeType="clickEffect" presetClass="entr" presetID="1">
                                   <p:stCondLst>
                                     <p:cond delay="0"/>
                                   </p:stCondLst>
                                   <p:childTnLst>
                                     <p:set>
                                       <p:cBhvr>
-                                        <p:cTn dur="1" fill="hold" id="262">
+                                        <p:cTn dur="1" fill="hold" id="258">
                                           <p:stCondLst>
                                             <p:cond delay="0"/>
                                           </p:stCondLst>
                                         </p:cTn>
                                         <p:tgtEl>
-                                          <p:spTgt spid="105">
+                                          <p:spTgt spid="104">
                                             <p:txEl>
-                                              <p:pRg end="813" st="813"/>
+                                              <p:pRg end="677" st="677"/>
                                             </p:txEl>
                                           </p:spTgt>
                                         </p:tgtEl>
@@ -6757,22 +6456,22 @@
                                 </p:cTn>
                               </p:par>
                               <p:par>
-                                <p:cTn fill="hold" id="263" nodeType="withEffect" presetClass="entr" presetID="1">
+                                <p:cTn fill="hold" id="259" nodeType="withEffect" presetClass="entr" presetID="1">
                                   <p:stCondLst>
                                     <p:cond delay="0"/>
                                   </p:stCondLst>
                                   <p:childTnLst>
                                     <p:set>
                                       <p:cBhvr>
-                                        <p:cTn dur="1" fill="hold" id="264">
+                                        <p:cTn dur="1" fill="hold" id="260">
                                           <p:stCondLst>
                                             <p:cond delay="0"/>
                                           </p:stCondLst>
                                         </p:cTn>
                                         <p:tgtEl>
-                                          <p:spTgt spid="105">
+                                          <p:spTgt spid="104">
                                             <p:txEl>
-                                              <p:pRg end="813" st="813"/>
+                                              <p:pRg end="677" st="677"/>
                                             </p:txEl>
                                           </p:spTgt>
                                         </p:tgtEl>
@@ -6788,115 +6487,22 @@
                                 </p:cTn>
                               </p:par>
                               <p:par>
-                                <p:cTn fill="hold" id="265" nodeType="withEffect" presetClass="entr" presetID="1">
+                                <p:cTn fill="hold" id="261" nodeType="withEffect" presetClass="entr" presetID="1">
                                   <p:stCondLst>
                                     <p:cond delay="0"/>
                                   </p:stCondLst>
                                   <p:childTnLst>
                                     <p:set>
                                       <p:cBhvr>
-                                        <p:cTn dur="1" fill="hold" id="266">
+                                        <p:cTn dur="1" fill="hold" id="262">
                                           <p:stCondLst>
                                             <p:cond delay="0"/>
                                           </p:stCondLst>
                                         </p:cTn>
                                         <p:tgtEl>
-                                          <p:spTgt spid="105">
+                                          <p:spTgt spid="104">
                                             <p:txEl>
-                                              <p:pRg end="813" st="813"/>
-                                            </p:txEl>
-                                          </p:spTgt>
-                                        </p:tgtEl>
-                                        <p:attrNameLst>
-                                          <p:attrName>style.visibility</p:attrName>
-                                        </p:attrNameLst>
-                                      </p:cBhvr>
-                                      <p:to>
-                                        <p:strVal val="visible"/>
-                                      </p:to>
-                                    </p:set>
-                                  </p:childTnLst>
-                                </p:cTn>
-                              </p:par>
-                              <p:par>
-                                <p:cTn fill="hold" id="267" nodeType="withEffect" presetClass="entr" presetID="1">
-                                  <p:stCondLst>
-                                    <p:cond delay="0"/>
-                                  </p:stCondLst>
-                                  <p:childTnLst>
-                                    <p:set>
-                                      <p:cBhvr>
-                                        <p:cTn dur="1" fill="hold" id="268">
-                                          <p:stCondLst>
-                                            <p:cond delay="0"/>
-                                          </p:stCondLst>
-                                        </p:cTn>
-                                        <p:tgtEl>
-                                          <p:spTgt spid="105">
-                                            <p:txEl>
-                                              <p:pRg end="813" st="813"/>
-                                            </p:txEl>
-                                          </p:spTgt>
-                                        </p:tgtEl>
-                                        <p:attrNameLst>
-                                          <p:attrName>style.visibility</p:attrName>
-                                        </p:attrNameLst>
-                                      </p:cBhvr>
-                                      <p:to>
-                                        <p:strVal val="visible"/>
-                                      </p:to>
-                                    </p:set>
-                                  </p:childTnLst>
-                                </p:cTn>
-                              </p:par>
-                              <p:par>
-                                <p:cTn fill="hold" id="269" nodeType="withEffect" presetClass="entr" presetID="1">
-                                  <p:stCondLst>
-                                    <p:cond delay="0"/>
-                                  </p:stCondLst>
-                                  <p:childTnLst>
-                                    <p:set>
-                                      <p:cBhvr>
-                                        <p:cTn dur="1" fill="hold" id="270">
-                                          <p:stCondLst>
-                                            <p:cond delay="0"/>
-                                          </p:stCondLst>
-                                        </p:cTn>
-                                        <p:tgtEl>
-                                          <p:spTgt spid="105">
-                                            <p:txEl>
-                                              <p:pRg end="813" st="813"/>
-                                            </p:txEl>
-                                          </p:spTgt>
-                                        </p:tgtEl>
-                                        <p:attrNameLst>
-                                          <p:attrName>style.visibility</p:attrName>
-                                        </p:attrNameLst>
-                                      </p:cBhvr>
-                                      <p:to>
-                                        <p:strVal val="visible"/>
-                                      </p:to>
-                                    </p:set>
-                                  </p:childTnLst>
-                                </p:cTn>
-                              </p:par>
-                              <p:par>
-                                <p:cTn fill="hold" id="271" nodeType="withEffect" presetClass="entr" presetID="1">
-                                  <p:stCondLst>
-                                    <p:cond delay="0"/>
-                                  </p:stCondLst>
-                                  <p:childTnLst>
-                                    <p:set>
-                                      <p:cBhvr>
-                                        <p:cTn dur="1" fill="hold" id="272">
-                                          <p:stCondLst>
-                                            <p:cond delay="0"/>
-                                          </p:stCondLst>
-                                        </p:cTn>
-                                        <p:tgtEl>
-                                          <p:spTgt spid="105">
-                                            <p:txEl>
-                                              <p:pRg end="813" st="813"/>
+                                              <p:pRg end="677" st="677"/>
                                             </p:txEl>
                                           </p:spTgt>
                                         </p:tgtEl>
@@ -6918,158 +6524,34 @@
                     </p:cTn>
                   </p:par>
                   <p:par>
-                    <p:cTn fill="hold" id="273">
+                    <p:cTn fill="hold" id="263">
                       <p:stCondLst>
                         <p:cond delay="indefinite"/>
                       </p:stCondLst>
                       <p:childTnLst>
                         <p:par>
-                          <p:cTn fill="hold" id="274">
+                          <p:cTn fill="hold" id="264">
                             <p:stCondLst>
                               <p:cond delay="0"/>
                             </p:stCondLst>
                             <p:childTnLst>
                               <p:par>
-                                <p:cTn fill="hold" id="275" nodeType="clickEffect" presetClass="entr" presetID="1">
+                                <p:cTn fill="hold" id="265" nodeType="clickEffect" presetClass="entr" presetID="1">
                                   <p:stCondLst>
                                     <p:cond delay="0"/>
                                   </p:stCondLst>
                                   <p:childTnLst>
                                     <p:set>
                                       <p:cBhvr>
-                                        <p:cTn dur="1" fill="hold" id="276">
+                                        <p:cTn dur="1" fill="hold" id="266">
                                           <p:stCondLst>
                                             <p:cond delay="0"/>
                                           </p:stCondLst>
                                         </p:cTn>
                                         <p:tgtEl>
-                                          <p:spTgt spid="105">
+                                          <p:spTgt spid="104">
                                             <p:txEl>
-                                              <p:pRg end="813" st="813"/>
-                                            </p:txEl>
-                                          </p:spTgt>
-                                        </p:tgtEl>
-                                        <p:attrNameLst>
-                                          <p:attrName>style.visibility</p:attrName>
-                                        </p:attrNameLst>
-                                      </p:cBhvr>
-                                      <p:to>
-                                        <p:strVal val="visible"/>
-                                      </p:to>
-                                    </p:set>
-                                  </p:childTnLst>
-                                </p:cTn>
-                              </p:par>
-                              <p:par>
-                                <p:cTn fill="hold" id="277" nodeType="withEffect" presetClass="entr" presetID="1">
-                                  <p:stCondLst>
-                                    <p:cond delay="0"/>
-                                  </p:stCondLst>
-                                  <p:childTnLst>
-                                    <p:set>
-                                      <p:cBhvr>
-                                        <p:cTn dur="1" fill="hold" id="278">
-                                          <p:stCondLst>
-                                            <p:cond delay="0"/>
-                                          </p:stCondLst>
-                                        </p:cTn>
-                                        <p:tgtEl>
-                                          <p:spTgt spid="105">
-                                            <p:txEl>
-                                              <p:pRg end="813" st="813"/>
-                                            </p:txEl>
-                                          </p:spTgt>
-                                        </p:tgtEl>
-                                        <p:attrNameLst>
-                                          <p:attrName>style.visibility</p:attrName>
-                                        </p:attrNameLst>
-                                      </p:cBhvr>
-                                      <p:to>
-                                        <p:strVal val="visible"/>
-                                      </p:to>
-                                    </p:set>
-                                  </p:childTnLst>
-                                </p:cTn>
-                              </p:par>
-                              <p:par>
-                                <p:cTn fill="hold" id="279" nodeType="withEffect" presetClass="entr" presetID="1">
-                                  <p:stCondLst>
-                                    <p:cond delay="0"/>
-                                  </p:stCondLst>
-                                  <p:childTnLst>
-                                    <p:set>
-                                      <p:cBhvr>
-                                        <p:cTn dur="1" fill="hold" id="280">
-                                          <p:stCondLst>
-                                            <p:cond delay="0"/>
-                                          </p:stCondLst>
-                                        </p:cTn>
-                                        <p:tgtEl>
-                                          <p:spTgt spid="105">
-                                            <p:txEl>
-                                              <p:pRg end="813" st="813"/>
-                                            </p:txEl>
-                                          </p:spTgt>
-                                        </p:tgtEl>
-                                        <p:attrNameLst>
-                                          <p:attrName>style.visibility</p:attrName>
-                                        </p:attrNameLst>
-                                      </p:cBhvr>
-                                      <p:to>
-                                        <p:strVal val="visible"/>
-                                      </p:to>
-                                    </p:set>
-                                  </p:childTnLst>
-                                </p:cTn>
-                              </p:par>
-                              <p:par>
-                                <p:cTn fill="hold" id="281" nodeType="withEffect" presetClass="entr" presetID="1">
-                                  <p:stCondLst>
-                                    <p:cond delay="0"/>
-                                  </p:stCondLst>
-                                  <p:childTnLst>
-                                    <p:set>
-                                      <p:cBhvr>
-                                        <p:cTn dur="1" fill="hold" id="282">
-                                          <p:stCondLst>
-                                            <p:cond delay="0"/>
-                                          </p:stCondLst>
-                                        </p:cTn>
-                                        <p:tgtEl>
-                                          <p:spTgt spid="105">
-                                            <p:txEl>
-                                              <p:pRg end="813" st="813"/>
-                                            </p:txEl>
-                                          </p:spTgt>
-                                        </p:tgtEl>
-                                        <p:attrNameLst>
-                                          <p:attrName>style.visibility</p:attrName>
-                                        </p:attrNameLst>
-                                      </p:cBhvr>
-                                      <p:to>
-                                        <p:strVal val="visible"/>
-                                      </p:to>
-                                    </p:set>
-                                  </p:childTnLst>
-                                </p:cTn>
-                              </p:par>
-                              <p:par>
-                                <p:cTn fill="hold" id="283" nodeType="withEffect" presetClass="entr" presetID="1">
-                                  <p:stCondLst>
-                                    <p:cond delay="0"/>
-                                  </p:stCondLst>
-                                  <p:childTnLst>
-                                    <p:set>
-                                      <p:cBhvr>
-                                        <p:cTn dur="1" fill="hold" id="284">
-                                          <p:stCondLst>
-                                            <p:cond delay="0"/>
-                                          </p:stCondLst>
-                                        </p:cTn>
-                                        <p:tgtEl>
-                                          <p:spTgt spid="105">
-                                            <p:txEl>
-                                              <p:pRg end="813" st="813"/>
+                                              <p:pRg end="677" st="677"/>
                                             </p:txEl>
                                           </p:spTgt>
                                         </p:tgtEl>
@@ -7140,8 +6622,8 @@
         </p:nvSpPr>
         <p:spPr>
           <a:xfrm>
-            <a:off x="467640" y="476640"/>
-            <a:ext cx="8228880" cy="564120"/>
+            <a:off x="457200" y="704160"/>
+            <a:ext cx="8228520" cy="419400"/>
           </a:xfrm>
           <a:prstGeom prst="rect">
             <a:avLst/>
@@ -7162,7 +6644,7 @@
                 </a:solidFill>
                 <a:latin typeface="Calibri"/>
               </a:rPr>
-              <a:t>International migration of skilled labour</a:t>
+              <a:t>R&amp;D in the Global Economy</a:t>
             </a:r>
             <a:endParaRPr/>
           </a:p>
@@ -7176,8 +6658,8 @@
         </p:nvSpPr>
         <p:spPr>
           <a:xfrm>
-            <a:off x="539640" y="1052640"/>
-            <a:ext cx="8228880" cy="4983120"/>
+            <a:off x="457200" y="1340640"/>
+            <a:ext cx="8228520" cy="4982760"/>
           </a:xfrm>
           <a:prstGeom prst="rect">
             <a:avLst/>
@@ -7190,18 +6672,55 @@
               <a:lnSpc>
                 <a:spcPct val="100000"/>
               </a:lnSpc>
+            </a:pPr>
+            <a:r>
+              <a:rPr b="1" lang="en-US" sz="2200">
+                <a:solidFill>
+                  <a:srgbClr val="000000"/>
+                </a:solidFill>
+                <a:latin typeface="Constantia"/>
+              </a:rPr>
+              <a:t>Are R&amp;D spillovers global?</a:t>
+            </a:r>
+            <a:endParaRPr/>
+          </a:p>
+          <a:p>
+            <a:pPr lvl="1">
+              <a:lnSpc>
+                <a:spcPct val="100000"/>
+              </a:lnSpc>
               <a:buSzPct val="25000"/>
-              <a:buFont charset="2" typeface="Wingdings 2"/>
-              <a:buChar char=""/>
-            </a:pPr>
-            <a:r>
-              <a:rPr lang="en-US" sz="2400">
-                <a:solidFill>
-                  <a:srgbClr val="000000"/>
-                </a:solidFill>
-                <a:latin typeface="Constantia"/>
-              </a:rPr>
-              <a:t>Two way international flows of workers accompany the geographical clustering of innovation</a:t>
+              <a:buFont typeface="StarSymbol"/>
+              <a:buChar char="l"/>
+            </a:pPr>
+            <a:r>
+              <a:rPr lang="en-US" sz="2000">
+                <a:solidFill>
+                  <a:srgbClr val="000000"/>
+                </a:solidFill>
+                <a:latin typeface="Constantia"/>
+              </a:rPr>
+              <a:t>Evidence demonstrates spillovers between rich countries</a:t>
+            </a:r>
+            <a:endParaRPr/>
+          </a:p>
+          <a:p>
+            <a:pPr lvl="1">
+              <a:lnSpc>
+                <a:spcPct val="100000"/>
+              </a:lnSpc>
+              <a:buSzPct val="25000"/>
+              <a:buFont typeface="StarSymbol"/>
+              <a:buChar char="l"/>
+            </a:pPr>
+            <a:r>
+              <a:rPr lang="en-US" sz="2000">
+                <a:solidFill>
+                  <a:srgbClr val="000000"/>
+                </a:solidFill>
+                <a:latin typeface="Constantia"/>
+              </a:rPr>
+              <a:t>Absorptive capacity is enhanced by trade and by presence of highly educated populations</a:t>
             </a:r>
             <a:endParaRPr/>
           </a:p>
@@ -7210,36 +6729,123 @@
               <a:lnSpc>
                 <a:spcPct val="100000"/>
               </a:lnSpc>
+            </a:pPr>
+            <a:endParaRPr/>
+          </a:p>
+          <a:p>
+            <a:pPr>
+              <a:lnSpc>
+                <a:spcPct val="100000"/>
+              </a:lnSpc>
+            </a:pPr>
+            <a:r>
+              <a:rPr b="1" lang="en-US" sz="2200">
+                <a:solidFill>
+                  <a:srgbClr val="000000"/>
+                </a:solidFill>
+                <a:latin typeface="Constantia"/>
+              </a:rPr>
+              <a:t>The globalization of the innovation process</a:t>
+            </a:r>
+            <a:endParaRPr/>
+          </a:p>
+          <a:p>
+            <a:pPr lvl="1">
+              <a:lnSpc>
+                <a:spcPct val="100000"/>
+              </a:lnSpc>
               <a:buSzPct val="25000"/>
-              <a:buFont charset="2" typeface="Wingdings 2"/>
-              <a:buChar char=""/>
-            </a:pPr>
-            <a:r>
-              <a:rPr lang="en-US" sz="2400">
-                <a:solidFill>
-                  <a:srgbClr val="000000"/>
-                </a:solidFill>
-                <a:latin typeface="Constantia"/>
-              </a:rPr>
-              <a:t>Skilled personnel from innovative regions travel abroad, taking their </a:t>
-            </a:r>
-            <a:r>
-              <a:rPr b="1" lang="en-US" sz="2400">
-                <a:solidFill>
-                  <a:srgbClr val="000000"/>
-                </a:solidFill>
-                <a:latin typeface="Constantia"/>
-              </a:rPr>
-              <a:t>tacit knowledge </a:t>
-            </a:r>
-            <a:r>
-              <a:rPr lang="en-US" sz="2400">
-                <a:solidFill>
-                  <a:srgbClr val="000000"/>
-                </a:solidFill>
-                <a:latin typeface="Constantia"/>
-              </a:rPr>
-              <a:t>for which employers elsewhere are willing to pay them high wages – laws in UK used to try to prevent this!</a:t>
+              <a:buFont typeface="StarSymbol"/>
+              <a:buChar char="l"/>
+            </a:pPr>
+            <a:r>
+              <a:rPr lang="en-US" sz="2000">
+                <a:solidFill>
+                  <a:srgbClr val="000000"/>
+                </a:solidFill>
+                <a:latin typeface="Constantia"/>
+              </a:rPr>
+              <a:t>Since 1950s/60s the emergence of trans-national corporations (TNCs) has led to spreading of R&amp;D facilities across rich countries</a:t>
+            </a:r>
+            <a:endParaRPr/>
+          </a:p>
+          <a:p>
+            <a:pPr lvl="1">
+              <a:lnSpc>
+                <a:spcPct val="100000"/>
+              </a:lnSpc>
+              <a:buSzPct val="25000"/>
+              <a:buFont typeface="StarSymbol"/>
+              <a:buChar char="l"/>
+            </a:pPr>
+            <a:r>
+              <a:rPr lang="en-US" sz="2000">
+                <a:solidFill>
+                  <a:srgbClr val="000000"/>
+                </a:solidFill>
+                <a:latin typeface="Constantia"/>
+              </a:rPr>
+              <a:t>UNCTAD (2005) study contains a mass of information and background to this and also shows new trends</a:t>
+            </a:r>
+            <a:endParaRPr/>
+          </a:p>
+          <a:p>
+            <a:pPr lvl="1">
+              <a:lnSpc>
+                <a:spcPct val="100000"/>
+              </a:lnSpc>
+              <a:buSzPct val="25000"/>
+              <a:buFont typeface="StarSymbol"/>
+              <a:buChar char="l"/>
+            </a:pPr>
+            <a:r>
+              <a:rPr lang="en-US">
+                <a:solidFill>
+                  <a:srgbClr val="000000"/>
+                </a:solidFill>
+                <a:latin typeface="Constantia"/>
+              </a:rPr>
+              <a:t>Worlds largest R&amp;D firms do 28% R&amp;D overseas</a:t>
+            </a:r>
+            <a:endParaRPr/>
+          </a:p>
+          <a:p>
+            <a:pPr lvl="2">
+              <a:lnSpc>
+                <a:spcPct val="100000"/>
+              </a:lnSpc>
+              <a:buSzPct val="25000"/>
+              <a:buFont typeface="StarSymbol"/>
+              <a:buChar char="l"/>
+            </a:pPr>
+            <a:r>
+              <a:rPr lang="en-US" sz="1600">
+                <a:solidFill>
+                  <a:srgbClr val="000000"/>
+                </a:solidFill>
+                <a:latin typeface="Constantia"/>
+              </a:rPr>
+              <a:t>Euro firms 41%, US firms 24%, Japanese firms 15%</a:t>
+            </a:r>
+            <a:endParaRPr/>
+          </a:p>
+          <a:p>
+            <a:pPr lvl="1">
+              <a:lnSpc>
+                <a:spcPct val="100000"/>
+              </a:lnSpc>
+              <a:buSzPct val="25000"/>
+              <a:buFont typeface="StarSymbol"/>
+              <a:buChar char="l"/>
+            </a:pPr>
+            <a:r>
+              <a:rPr lang="en-US" sz="2000">
+                <a:solidFill>
+                  <a:srgbClr val="000000"/>
+                </a:solidFill>
+                <a:latin typeface="Constantia"/>
+              </a:rPr>
+              <a:t>24 hour R&amp;D advantage!</a:t>
             </a:r>
             <a:endParaRPr/>
           </a:p>
@@ -7248,85 +6854,407 @@
               <a:lnSpc>
                 <a:spcPct val="100000"/>
               </a:lnSpc>
+            </a:pPr>
+            <a:endParaRPr/>
+          </a:p>
+          <a:p>
+            <a:pPr>
+              <a:lnSpc>
+                <a:spcPct val="100000"/>
+              </a:lnSpc>
+            </a:pPr>
+            <a:r>
+              <a:rPr b="1" lang="en-US" sz="2200">
+                <a:solidFill>
+                  <a:srgbClr val="000000"/>
+                </a:solidFill>
+                <a:latin typeface="Constantia"/>
+              </a:rPr>
+              <a:t>Globalisation of R&amp;D to China and India:</a:t>
+            </a:r>
+            <a:r>
+              <a:rPr lang="en-US" sz="2200">
+                <a:solidFill>
+                  <a:srgbClr val="000000"/>
+                </a:solidFill>
+                <a:latin typeface="Constantia"/>
+              </a:rPr>
+              <a:t>	</a:t>
+            </a:r>
+            <a:endParaRPr/>
+          </a:p>
+          <a:p>
+            <a:pPr lvl="1">
+              <a:lnSpc>
+                <a:spcPct val="100000"/>
+              </a:lnSpc>
               <a:buSzPct val="25000"/>
-              <a:buFont charset="2" typeface="Wingdings 2"/>
-              <a:buChar char=""/>
-            </a:pPr>
-            <a:r>
-              <a:rPr lang="en-US" sz="2400">
-                <a:solidFill>
-                  <a:srgbClr val="000000"/>
-                </a:solidFill>
-                <a:latin typeface="Constantia"/>
-              </a:rPr>
-              <a:t>Innovative regions attract inward migration of high skilled workers who want to learn the latest techniques and discoveries</a:t>
-            </a:r>
-            <a:endParaRPr/>
-          </a:p>
-          <a:p>
-            <a:pPr>
-              <a:lnSpc>
-                <a:spcPct val="100000"/>
-              </a:lnSpc>
-            </a:pPr>
-            <a:endParaRPr/>
-          </a:p>
-          <a:p>
-            <a:pPr>
-              <a:lnSpc>
-                <a:spcPct val="100000"/>
-              </a:lnSpc>
-            </a:pPr>
+              <a:buFont typeface="StarSymbol"/>
+              <a:buChar char="l"/>
+            </a:pPr>
+            <a:r>
+              <a:rPr lang="en-US" sz="2000">
+                <a:solidFill>
+                  <a:srgbClr val="000000"/>
+                </a:solidFill>
+                <a:latin typeface="Constantia"/>
+              </a:rPr>
+              <a:t>China: rising R&amp;D in Beijing, Shanghai, Guangzhou </a:t>
+            </a:r>
+            <a:endParaRPr/>
+          </a:p>
+          <a:p>
+            <a:pPr lvl="1">
+              <a:lnSpc>
+                <a:spcPct val="100000"/>
+              </a:lnSpc>
+              <a:buSzPct val="25000"/>
+              <a:buFont typeface="StarSymbol"/>
+              <a:buChar char="l"/>
+            </a:pPr>
+            <a:r>
+              <a:rPr lang="en-US">
+                <a:solidFill>
+                  <a:srgbClr val="000000"/>
+                </a:solidFill>
+                <a:latin typeface="Constantia"/>
+              </a:rPr>
+              <a:t>R&amp;D US firms: $7 million (1994) -&gt; $646 million (2002)</a:t>
+            </a:r>
+            <a:endParaRPr/>
+          </a:p>
+          <a:p>
+            <a:pPr lvl="1">
+              <a:lnSpc>
+                <a:spcPct val="100000"/>
+              </a:lnSpc>
+              <a:buSzPct val="25000"/>
+              <a:buFont typeface="StarSymbol"/>
+              <a:buChar char="l"/>
+            </a:pPr>
+            <a:r>
+              <a:rPr lang="en-US" sz="2000">
+                <a:solidFill>
+                  <a:srgbClr val="000000"/>
+                </a:solidFill>
+                <a:latin typeface="Constantia"/>
+              </a:rPr>
+              <a:t>India: rising R&amp;D concentration around Bangalore</a:t>
+            </a:r>
+            <a:endParaRPr/>
+          </a:p>
+          <a:p>
+            <a:pPr lvl="1">
+              <a:lnSpc>
+                <a:spcPct val="100000"/>
+              </a:lnSpc>
+              <a:buSzPct val="25000"/>
+              <a:buFont typeface="StarSymbol"/>
+              <a:buChar char="l"/>
+            </a:pPr>
+            <a:r>
+              <a:rPr lang="en-US">
+                <a:solidFill>
+                  <a:srgbClr val="000000"/>
+                </a:solidFill>
+                <a:latin typeface="Constantia"/>
+              </a:rPr>
+              <a:t>R&amp;D US firms: $5 million (1994) -&gt; $80million (2002)</a:t>
+            </a:r>
             <a:endParaRPr/>
           </a:p>
         </p:txBody>
       </p:sp>
-      <p:pic>
-        <p:nvPicPr>
-          <p:cNvPr descr="" id="108" name="Picture 1"/>
-          <p:cNvPicPr/>
-          <p:nvPr/>
-        </p:nvPicPr>
-        <p:blipFill>
-          <a:blip r:embed="rId1"/>
-          <a:stretch>
-            <a:fillRect/>
-          </a:stretch>
-        </p:blipFill>
-        <p:spPr>
-          <a:xfrm>
-            <a:off x="3780000" y="4293000"/>
-            <a:ext cx="3599640" cy="2483640"/>
-          </a:xfrm>
-          <a:prstGeom prst="rect">
-            <a:avLst/>
-          </a:prstGeom>
-        </p:spPr>
-      </p:pic>
     </p:spTree>
   </p:cSld>
   <p:timing>
     <p:tnLst>
       <p:par>
-        <p:cTn dur="indefinite" id="285" nodeType="tmRoot" restart="never">
+        <p:cTn dur="indefinite" id="267" nodeType="tmRoot" restart="never">
           <p:childTnLst>
             <p:seq>
-              <p:cTn dur="indefinite" id="286" nodeType="mainSeq">
+              <p:cTn dur="indefinite" id="268" nodeType="mainSeq">
                 <p:childTnLst>
                   <p:par>
-                    <p:cTn fill="hold" id="287">
+                    <p:cTn fill="hold" id="269">
                       <p:stCondLst>
                         <p:cond delay="indefinite"/>
                       </p:stCondLst>
                       <p:childTnLst>
                         <p:par>
-                          <p:cTn fill="hold" id="288">
+                          <p:cTn fill="hold" id="270">
                             <p:stCondLst>
                               <p:cond delay="0"/>
                             </p:stCondLst>
                             <p:childTnLst>
                               <p:par>
-                                <p:cTn fill="hold" id="289" nodeType="clickEffect" presetClass="entr" presetID="1">
+                                <p:cTn fill="hold" id="271" nodeType="clickEffect" presetClass="entr" presetID="1">
+                                  <p:stCondLst>
+                                    <p:cond delay="0"/>
+                                  </p:stCondLst>
+                                  <p:childTnLst>
+                                    <p:set>
+                                      <p:cBhvr>
+                                        <p:cTn dur="1" fill="hold" id="272">
+                                          <p:stCondLst>
+                                            <p:cond delay="0"/>
+                                          </p:stCondLst>
+                                        </p:cTn>
+                                        <p:tgtEl>
+                                          <p:spTgt spid="107">
+                                            <p:txEl>
+                                              <p:pRg end="27" st="0"/>
+                                            </p:txEl>
+                                          </p:spTgt>
+                                        </p:tgtEl>
+                                        <p:attrNameLst>
+                                          <p:attrName>style.visibility</p:attrName>
+                                        </p:attrNameLst>
+                                      </p:cBhvr>
+                                      <p:to>
+                                        <p:strVal val="visible"/>
+                                      </p:to>
+                                    </p:set>
+                                  </p:childTnLst>
+                                </p:cTn>
+                              </p:par>
+                              <p:par>
+                                <p:cTn fill="hold" id="273" nodeType="withEffect" presetClass="entr" presetID="1">
+                                  <p:stCondLst>
+                                    <p:cond delay="0"/>
+                                  </p:stCondLst>
+                                  <p:childTnLst>
+                                    <p:set>
+                                      <p:cBhvr>
+                                        <p:cTn dur="1" fill="hold" id="274">
+                                          <p:stCondLst>
+                                            <p:cond delay="0"/>
+                                          </p:stCondLst>
+                                        </p:cTn>
+                                        <p:tgtEl>
+                                          <p:spTgt spid="107">
+                                            <p:txEl>
+                                              <p:pRg end="813" st="813"/>
+                                            </p:txEl>
+                                          </p:spTgt>
+                                        </p:tgtEl>
+                                        <p:attrNameLst>
+                                          <p:attrName>style.visibility</p:attrName>
+                                        </p:attrNameLst>
+                                      </p:cBhvr>
+                                      <p:to>
+                                        <p:strVal val="visible"/>
+                                      </p:to>
+                                    </p:set>
+                                  </p:childTnLst>
+                                </p:cTn>
+                              </p:par>
+                              <p:par>
+                                <p:cTn fill="hold" id="275" nodeType="withEffect" presetClass="entr" presetID="1">
+                                  <p:stCondLst>
+                                    <p:cond delay="0"/>
+                                  </p:stCondLst>
+                                  <p:childTnLst>
+                                    <p:set>
+                                      <p:cBhvr>
+                                        <p:cTn dur="1" fill="hold" id="276">
+                                          <p:stCondLst>
+                                            <p:cond delay="0"/>
+                                          </p:stCondLst>
+                                        </p:cTn>
+                                        <p:tgtEl>
+                                          <p:spTgt spid="107">
+                                            <p:txEl>
+                                              <p:pRg end="813" st="813"/>
+                                            </p:txEl>
+                                          </p:spTgt>
+                                        </p:tgtEl>
+                                        <p:attrNameLst>
+                                          <p:attrName>style.visibility</p:attrName>
+                                        </p:attrNameLst>
+                                      </p:cBhvr>
+                                      <p:to>
+                                        <p:strVal val="visible"/>
+                                      </p:to>
+                                    </p:set>
+                                  </p:childTnLst>
+                                </p:cTn>
+                              </p:par>
+                            </p:childTnLst>
+                          </p:cTn>
+                        </p:par>
+                      </p:childTnLst>
+                    </p:cTn>
+                  </p:par>
+                  <p:par>
+                    <p:cTn fill="hold" id="277">
+                      <p:stCondLst>
+                        <p:cond delay="indefinite"/>
+                      </p:stCondLst>
+                      <p:childTnLst>
+                        <p:par>
+                          <p:cTn fill="hold" id="278">
+                            <p:stCondLst>
+                              <p:cond delay="0"/>
+                            </p:stCondLst>
+                            <p:childTnLst>
+                              <p:par>
+                                <p:cTn fill="hold" id="279" nodeType="clickEffect" presetClass="entr" presetID="1">
+                                  <p:stCondLst>
+                                    <p:cond delay="0"/>
+                                  </p:stCondLst>
+                                  <p:childTnLst>
+                                    <p:set>
+                                      <p:cBhvr>
+                                        <p:cTn dur="1" fill="hold" id="280">
+                                          <p:stCondLst>
+                                            <p:cond delay="0"/>
+                                          </p:stCondLst>
+                                        </p:cTn>
+                                        <p:tgtEl>
+                                          <p:spTgt spid="107">
+                                            <p:txEl>
+                                              <p:pRg end="813" st="813"/>
+                                            </p:txEl>
+                                          </p:spTgt>
+                                        </p:tgtEl>
+                                        <p:attrNameLst>
+                                          <p:attrName>style.visibility</p:attrName>
+                                        </p:attrNameLst>
+                                      </p:cBhvr>
+                                      <p:to>
+                                        <p:strVal val="visible"/>
+                                      </p:to>
+                                    </p:set>
+                                  </p:childTnLst>
+                                </p:cTn>
+                              </p:par>
+                              <p:par>
+                                <p:cTn fill="hold" id="281" nodeType="withEffect" presetClass="entr" presetID="1">
+                                  <p:stCondLst>
+                                    <p:cond delay="0"/>
+                                  </p:stCondLst>
+                                  <p:childTnLst>
+                                    <p:set>
+                                      <p:cBhvr>
+                                        <p:cTn dur="1" fill="hold" id="282">
+                                          <p:stCondLst>
+                                            <p:cond delay="0"/>
+                                          </p:stCondLst>
+                                        </p:cTn>
+                                        <p:tgtEl>
+                                          <p:spTgt spid="107">
+                                            <p:txEl>
+                                              <p:pRg end="813" st="813"/>
+                                            </p:txEl>
+                                          </p:spTgt>
+                                        </p:tgtEl>
+                                        <p:attrNameLst>
+                                          <p:attrName>style.visibility</p:attrName>
+                                        </p:attrNameLst>
+                                      </p:cBhvr>
+                                      <p:to>
+                                        <p:strVal val="visible"/>
+                                      </p:to>
+                                    </p:set>
+                                  </p:childTnLst>
+                                </p:cTn>
+                              </p:par>
+                              <p:par>
+                                <p:cTn fill="hold" id="283" nodeType="withEffect" presetClass="entr" presetID="1">
+                                  <p:stCondLst>
+                                    <p:cond delay="0"/>
+                                  </p:stCondLst>
+                                  <p:childTnLst>
+                                    <p:set>
+                                      <p:cBhvr>
+                                        <p:cTn dur="1" fill="hold" id="284">
+                                          <p:stCondLst>
+                                            <p:cond delay="0"/>
+                                          </p:stCondLst>
+                                        </p:cTn>
+                                        <p:tgtEl>
+                                          <p:spTgt spid="107">
+                                            <p:txEl>
+                                              <p:pRg end="813" st="813"/>
+                                            </p:txEl>
+                                          </p:spTgt>
+                                        </p:tgtEl>
+                                        <p:attrNameLst>
+                                          <p:attrName>style.visibility</p:attrName>
+                                        </p:attrNameLst>
+                                      </p:cBhvr>
+                                      <p:to>
+                                        <p:strVal val="visible"/>
+                                      </p:to>
+                                    </p:set>
+                                  </p:childTnLst>
+                                </p:cTn>
+                              </p:par>
+                              <p:par>
+                                <p:cTn fill="hold" id="285" nodeType="withEffect" presetClass="entr" presetID="1">
+                                  <p:stCondLst>
+                                    <p:cond delay="0"/>
+                                  </p:stCondLst>
+                                  <p:childTnLst>
+                                    <p:set>
+                                      <p:cBhvr>
+                                        <p:cTn dur="1" fill="hold" id="286">
+                                          <p:stCondLst>
+                                            <p:cond delay="0"/>
+                                          </p:stCondLst>
+                                        </p:cTn>
+                                        <p:tgtEl>
+                                          <p:spTgt spid="107">
+                                            <p:txEl>
+                                              <p:pRg end="813" st="813"/>
+                                            </p:txEl>
+                                          </p:spTgt>
+                                        </p:tgtEl>
+                                        <p:attrNameLst>
+                                          <p:attrName>style.visibility</p:attrName>
+                                        </p:attrNameLst>
+                                      </p:cBhvr>
+                                      <p:to>
+                                        <p:strVal val="visible"/>
+                                      </p:to>
+                                    </p:set>
+                                  </p:childTnLst>
+                                </p:cTn>
+                              </p:par>
+                              <p:par>
+                                <p:cTn fill="hold" id="287" nodeType="withEffect" presetClass="entr" presetID="1">
+                                  <p:stCondLst>
+                                    <p:cond delay="0"/>
+                                  </p:stCondLst>
+                                  <p:childTnLst>
+                                    <p:set>
+                                      <p:cBhvr>
+                                        <p:cTn dur="1" fill="hold" id="288">
+                                          <p:stCondLst>
+                                            <p:cond delay="0"/>
+                                          </p:stCondLst>
+                                        </p:cTn>
+                                        <p:tgtEl>
+                                          <p:spTgt spid="107">
+                                            <p:txEl>
+                                              <p:pRg end="813" st="813"/>
+                                            </p:txEl>
+                                          </p:spTgt>
+                                        </p:tgtEl>
+                                        <p:attrNameLst>
+                                          <p:attrName>style.visibility</p:attrName>
+                                        </p:attrNameLst>
+                                      </p:cBhvr>
+                                      <p:to>
+                                        <p:strVal val="visible"/>
+                                      </p:to>
+                                    </p:set>
+                                  </p:childTnLst>
+                                </p:cTn>
+                              </p:par>
+                              <p:par>
+                                <p:cTn fill="hold" id="289" nodeType="withEffect" presetClass="entr" presetID="1">
                                   <p:stCondLst>
                                     <p:cond delay="0"/>
                                   </p:stCondLst>
@@ -7341,7 +7269,7 @@
                                         <p:tgtEl>
                                           <p:spTgt spid="107">
                                             <p:txEl>
-                                              <p:pRg end="91" st="0"/>
+                                              <p:pRg end="813" st="813"/>
                                             </p:txEl>
                                           </p:spTgt>
                                         </p:tgtEl>
@@ -7390,7 +7318,7 @@
                                         <p:tgtEl>
                                           <p:spTgt spid="107">
                                             <p:txEl>
-                                              <p:pRg end="410" st="410"/>
+                                              <p:pRg end="813" st="813"/>
                                             </p:txEl>
                                           </p:spTgt>
                                         </p:tgtEl>
@@ -7405,26 +7333,39 @@
                                   </p:childTnLst>
                                 </p:cTn>
                               </p:par>
-                            </p:childTnLst>
-                          </p:cTn>
-                        </p:par>
-                      </p:childTnLst>
-                    </p:cTn>
-                  </p:par>
-                  <p:par>
-                    <p:cTn fill="hold" id="295">
-                      <p:stCondLst>
-                        <p:cond delay="indefinite"/>
-                      </p:stCondLst>
-                      <p:childTnLst>
-                        <p:par>
-                          <p:cTn fill="hold" id="296">
-                            <p:stCondLst>
-                              <p:cond delay="0"/>
-                            </p:stCondLst>
-                            <p:childTnLst>
                               <p:par>
-                                <p:cTn fill="hold" id="297" nodeType="clickEffect" presetClass="entr" presetID="1">
+                                <p:cTn fill="hold" id="295" nodeType="withEffect" presetClass="entr" presetID="1">
+                                  <p:stCondLst>
+                                    <p:cond delay="0"/>
+                                  </p:stCondLst>
+                                  <p:childTnLst>
+                                    <p:set>
+                                      <p:cBhvr>
+                                        <p:cTn dur="1" fill="hold" id="296">
+                                          <p:stCondLst>
+                                            <p:cond delay="0"/>
+                                          </p:stCondLst>
+                                        </p:cTn>
+                                        <p:tgtEl>
+                                          <p:spTgt spid="107">
+                                            <p:txEl>
+                                              <p:pRg end="813" st="813"/>
+                                            </p:txEl>
+                                          </p:spTgt>
+                                        </p:tgtEl>
+                                        <p:attrNameLst>
+                                          <p:attrName>style.visibility</p:attrName>
+                                        </p:attrNameLst>
+                                      </p:cBhvr>
+                                      <p:to>
+                                        <p:strVal val="visible"/>
+                                      </p:to>
+                                    </p:set>
+                                  </p:childTnLst>
+                                </p:cTn>
+                              </p:par>
+                              <p:par>
+                                <p:cTn fill="hold" id="297" nodeType="withEffect" presetClass="entr" presetID="1">
                                   <p:stCondLst>
                                     <p:cond delay="0"/>
                                   </p:stCondLst>
@@ -7439,7 +7380,69 @@
                                         <p:tgtEl>
                                           <p:spTgt spid="107">
                                             <p:txEl>
-                                              <p:pRg end="410" st="410"/>
+                                              <p:pRg end="813" st="813"/>
+                                            </p:txEl>
+                                          </p:spTgt>
+                                        </p:tgtEl>
+                                        <p:attrNameLst>
+                                          <p:attrName>style.visibility</p:attrName>
+                                        </p:attrNameLst>
+                                      </p:cBhvr>
+                                      <p:to>
+                                        <p:strVal val="visible"/>
+                                      </p:to>
+                                    </p:set>
+                                  </p:childTnLst>
+                                </p:cTn>
+                              </p:par>
+                              <p:par>
+                                <p:cTn fill="hold" id="299" nodeType="withEffect" presetClass="entr" presetID="1">
+                                  <p:stCondLst>
+                                    <p:cond delay="0"/>
+                                  </p:stCondLst>
+                                  <p:childTnLst>
+                                    <p:set>
+                                      <p:cBhvr>
+                                        <p:cTn dur="1" fill="hold" id="300">
+                                          <p:stCondLst>
+                                            <p:cond delay="0"/>
+                                          </p:stCondLst>
+                                        </p:cTn>
+                                        <p:tgtEl>
+                                          <p:spTgt spid="107">
+                                            <p:txEl>
+                                              <p:pRg end="813" st="813"/>
+                                            </p:txEl>
+                                          </p:spTgt>
+                                        </p:tgtEl>
+                                        <p:attrNameLst>
+                                          <p:attrName>style.visibility</p:attrName>
+                                        </p:attrNameLst>
+                                      </p:cBhvr>
+                                      <p:to>
+                                        <p:strVal val="visible"/>
+                                      </p:to>
+                                    </p:set>
+                                  </p:childTnLst>
+                                </p:cTn>
+                              </p:par>
+                              <p:par>
+                                <p:cTn fill="hold" id="301" nodeType="withEffect" presetClass="entr" presetID="1">
+                                  <p:stCondLst>
+                                    <p:cond delay="0"/>
+                                  </p:stCondLst>
+                                  <p:childTnLst>
+                                    <p:set>
+                                      <p:cBhvr>
+                                        <p:cTn dur="1" fill="hold" id="302">
+                                          <p:stCondLst>
+                                            <p:cond delay="0"/>
+                                          </p:stCondLst>
+                                        </p:cTn>
+                                        <p:tgtEl>
+                                          <p:spTgt spid="107">
+                                            <p:txEl>
+                                              <p:pRg end="813" st="813"/>
                                             </p:txEl>
                                           </p:spTgt>
                                         </p:tgtEl>
@@ -7504,14 +7507,14 @@
       </p:grpSpPr>
       <p:sp>
         <p:nvSpPr>
-          <p:cNvPr id="109" name="CustomShape 1"/>
+          <p:cNvPr id="108" name="CustomShape 1"/>
           <p:cNvSpPr/>
           <p:nvPr/>
         </p:nvSpPr>
         <p:spPr>
           <a:xfrm>
-            <a:off x="611640" y="548640"/>
-            <a:ext cx="8228880" cy="636120"/>
+            <a:off x="467640" y="476640"/>
+            <a:ext cx="8228520" cy="563760"/>
           </a:xfrm>
           <a:prstGeom prst="rect">
             <a:avLst/>
@@ -7526,22 +7529,13 @@
               </a:lnSpc>
             </a:pPr>
             <a:r>
-              <a:rPr lang="en-US" sz="5000">
+              <a:rPr lang="en-US" sz="3600">
                 <a:solidFill>
                   <a:srgbClr val="04617b"/>
                 </a:solidFill>
                 <a:latin typeface="Calibri"/>
               </a:rPr>
-              <a:t>“</a:t>
-            </a:r>
-            <a:r>
-              <a:rPr lang="en-US" sz="5000">
-                <a:solidFill>
-                  <a:srgbClr val="04617b"/>
-                </a:solidFill>
-                <a:latin typeface="Calibri"/>
-              </a:rPr>
-              <a:t>Brain drain”</a:t>
+              <a:t>International migration of skilled labour</a:t>
             </a:r>
             <a:endParaRPr/>
           </a:p>
@@ -7549,14 +7543,14 @@
       </p:sp>
       <p:sp>
         <p:nvSpPr>
-          <p:cNvPr id="110" name="CustomShape 2"/>
+          <p:cNvPr id="109" name="CustomShape 2"/>
           <p:cNvSpPr/>
           <p:nvPr/>
         </p:nvSpPr>
         <p:spPr>
           <a:xfrm>
-            <a:off x="539640" y="1124640"/>
-            <a:ext cx="8228880" cy="4551120"/>
+            <a:off x="539640" y="1052640"/>
+            <a:ext cx="8228520" cy="4982760"/>
           </a:xfrm>
           <a:prstGeom prst="rect">
             <a:avLst/>
@@ -7574,31 +7568,13 @@
               <a:buChar char=""/>
             </a:pPr>
             <a:r>
-              <a:rPr lang="en-US" sz="2600">
-                <a:solidFill>
-                  <a:srgbClr val="000000"/>
-                </a:solidFill>
-                <a:latin typeface="Constantia"/>
-              </a:rPr>
-              <a:t>Developing countries concerned about their ‘</a:t>
-            </a:r>
-            <a:r>
-              <a:rPr lang="en-US" sz="2600" u="sng">
-                <a:solidFill>
-                  <a:srgbClr val="000000"/>
-                </a:solidFill>
-                <a:latin typeface="Constantia"/>
-              </a:rPr>
-              <a:t>brain drain</a:t>
-            </a:r>
-            <a:r>
-              <a:rPr lang="en-US" sz="2600">
-                <a:solidFill>
-                  <a:srgbClr val="000000"/>
-                </a:solidFill>
-                <a:latin typeface="Constantia"/>
-              </a:rPr>
-              <a:t>’ problem </a:t>
+              <a:rPr lang="en-US" sz="2400">
+                <a:solidFill>
+                  <a:srgbClr val="000000"/>
+                </a:solidFill>
+                <a:latin typeface="Constantia"/>
+              </a:rPr>
+              <a:t>Two way international flows of workers accompany the geographical clustering of innovation</a:t>
             </a:r>
             <a:endParaRPr/>
           </a:p>
@@ -7612,24 +7588,42 @@
               <a:buChar char=""/>
             </a:pPr>
             <a:r>
-              <a:rPr lang="en-US" sz="2600">
-                <a:solidFill>
-                  <a:srgbClr val="000000"/>
-                </a:solidFill>
-                <a:latin typeface="Constantia"/>
-              </a:rPr>
-              <a:t>Benefits can be the establishment of new firms and new trade links, as migrants often retain links with former countries</a:t>
-            </a:r>
-            <a:endParaRPr/>
-          </a:p>
-          <a:p>
-            <a:pPr lvl="1">
+              <a:rPr lang="en-US" sz="2400">
+                <a:solidFill>
+                  <a:srgbClr val="000000"/>
+                </a:solidFill>
+                <a:latin typeface="Constantia"/>
+              </a:rPr>
+              <a:t>Skilled personnel from innovative regions travel abroad, taking their </a:t>
+            </a:r>
+            <a:r>
+              <a:rPr b="1" lang="en-US" sz="2400">
+                <a:solidFill>
+                  <a:srgbClr val="000000"/>
+                </a:solidFill>
+                <a:latin typeface="Constantia"/>
+              </a:rPr>
+              <a:t>tacit knowledge </a:t>
+            </a:r>
+            <a:r>
+              <a:rPr lang="en-US" sz="2400">
+                <a:solidFill>
+                  <a:srgbClr val="000000"/>
+                </a:solidFill>
+                <a:latin typeface="Constantia"/>
+              </a:rPr>
+              <a:t>for which employers elsewhere are willing to pay them high wages – laws in UK used to try to prevent this!</a:t>
+            </a:r>
+            <a:endParaRPr/>
+          </a:p>
+          <a:p>
+            <a:pPr>
               <a:lnSpc>
                 <a:spcPct val="100000"/>
               </a:lnSpc>
               <a:buSzPct val="25000"/>
-              <a:buFont typeface="StarSymbol"/>
-              <a:buChar char=""/>
+              <a:buFont charset="2" typeface="Wingdings 2"/>
+              <a:buChar char=""/>
             </a:pPr>
             <a:r>
               <a:rPr lang="en-US" sz="2400">
@@ -7638,75 +7632,31 @@
                 </a:solidFill>
                 <a:latin typeface="Constantia"/>
               </a:rPr>
-              <a:t>Migrants often return home and start companies and can spur the economy forward</a:t>
-            </a:r>
-            <a:endParaRPr/>
-          </a:p>
-          <a:p>
-            <a:pPr lvl="1">
-              <a:lnSpc>
-                <a:spcPct val="100000"/>
-              </a:lnSpc>
-              <a:buSzPct val="25000"/>
-              <a:buFont typeface="StarSymbol"/>
-              <a:buChar char=""/>
-            </a:pPr>
-            <a:r>
-              <a:rPr lang="en-US" sz="2400">
-                <a:solidFill>
-                  <a:srgbClr val="000000"/>
-                </a:solidFill>
-                <a:latin typeface="Constantia"/>
-              </a:rPr>
-              <a:t>Example – Silicon Valley in California has high population of ‘non-resident Indians’ who have set up companies in both the US and India</a:t>
-            </a:r>
-            <a:endParaRPr/>
-          </a:p>
-          <a:p>
-            <a:pPr lvl="2">
-              <a:lnSpc>
-                <a:spcPct val="100000"/>
-              </a:lnSpc>
-              <a:buSzPct val="25000"/>
-              <a:buFont typeface="StarSymbol"/>
-              <a:buChar char=""/>
-            </a:pPr>
-            <a:r>
-              <a:rPr lang="en-US" sz="2100">
-                <a:solidFill>
-                  <a:srgbClr val="000000"/>
-                </a:solidFill>
-                <a:latin typeface="Constantia"/>
-              </a:rPr>
-              <a:t>50% of high-tech workforce in Silicon Valley was foreign born in 2000</a:t>
-            </a:r>
-            <a:endParaRPr/>
-          </a:p>
-          <a:p>
-            <a:pPr lvl="2">
-              <a:lnSpc>
-                <a:spcPct val="100000"/>
-              </a:lnSpc>
-              <a:buSzPct val="25000"/>
-              <a:buFont typeface="StarSymbol"/>
-              <a:buChar char=""/>
-            </a:pPr>
-            <a:r>
-              <a:rPr lang="en-US" sz="2100">
-                <a:solidFill>
-                  <a:srgbClr val="000000"/>
-                </a:solidFill>
-                <a:latin typeface="Constantia"/>
-              </a:rPr>
-              <a:t>Reduction in U.S. H-1B visas post 9/11 from 195,000 to 65,000</a:t>
-            </a:r>
+              <a:t>Innovative regions attract inward migration of high skilled workers who want to learn the latest techniques and discoveries</a:t>
+            </a:r>
+            <a:endParaRPr/>
+          </a:p>
+          <a:p>
+            <a:pPr>
+              <a:lnSpc>
+                <a:spcPct val="100000"/>
+              </a:lnSpc>
+            </a:pPr>
+            <a:endParaRPr/>
+          </a:p>
+          <a:p>
+            <a:pPr>
+              <a:lnSpc>
+                <a:spcPct val="100000"/>
+              </a:lnSpc>
+            </a:pPr>
             <a:endParaRPr/>
           </a:p>
         </p:txBody>
       </p:sp>
       <p:pic>
         <p:nvPicPr>
-          <p:cNvPr descr="" id="111" name="Picture 3"/>
+          <p:cNvPr descr="" id="110" name="Picture 1"/>
           <p:cNvPicPr/>
           <p:nvPr/>
         </p:nvPicPr>
@@ -7718,8 +7668,431 @@
         </p:blipFill>
         <p:spPr>
           <a:xfrm>
+            <a:off x="3780000" y="4293000"/>
+            <a:ext cx="3599280" cy="2483280"/>
+          </a:xfrm>
+          <a:prstGeom prst="rect">
+            <a:avLst/>
+          </a:prstGeom>
+        </p:spPr>
+      </p:pic>
+    </p:spTree>
+  </p:cSld>
+  <p:timing>
+    <p:tnLst>
+      <p:par>
+        <p:cTn dur="indefinite" id="303" nodeType="tmRoot" restart="never">
+          <p:childTnLst>
+            <p:seq>
+              <p:cTn dur="indefinite" id="304" nodeType="mainSeq">
+                <p:childTnLst>
+                  <p:par>
+                    <p:cTn fill="hold" id="305">
+                      <p:stCondLst>
+                        <p:cond delay="indefinite"/>
+                      </p:stCondLst>
+                      <p:childTnLst>
+                        <p:par>
+                          <p:cTn fill="hold" id="306">
+                            <p:stCondLst>
+                              <p:cond delay="0"/>
+                            </p:stCondLst>
+                            <p:childTnLst>
+                              <p:par>
+                                <p:cTn fill="hold" id="307" nodeType="clickEffect" presetClass="entr" presetID="1">
+                                  <p:stCondLst>
+                                    <p:cond delay="0"/>
+                                  </p:stCondLst>
+                                  <p:childTnLst>
+                                    <p:set>
+                                      <p:cBhvr>
+                                        <p:cTn dur="1" fill="hold" id="308">
+                                          <p:stCondLst>
+                                            <p:cond delay="0"/>
+                                          </p:stCondLst>
+                                        </p:cTn>
+                                        <p:tgtEl>
+                                          <p:spTgt spid="109">
+                                            <p:txEl>
+                                              <p:pRg end="91" st="0"/>
+                                            </p:txEl>
+                                          </p:spTgt>
+                                        </p:tgtEl>
+                                        <p:attrNameLst>
+                                          <p:attrName>style.visibility</p:attrName>
+                                        </p:attrNameLst>
+                                      </p:cBhvr>
+                                      <p:to>
+                                        <p:strVal val="visible"/>
+                                      </p:to>
+                                    </p:set>
+                                  </p:childTnLst>
+                                </p:cTn>
+                              </p:par>
+                            </p:childTnLst>
+                          </p:cTn>
+                        </p:par>
+                      </p:childTnLst>
+                    </p:cTn>
+                  </p:par>
+                  <p:par>
+                    <p:cTn fill="hold" id="309">
+                      <p:stCondLst>
+                        <p:cond delay="indefinite"/>
+                      </p:stCondLst>
+                      <p:childTnLst>
+                        <p:par>
+                          <p:cTn fill="hold" id="310">
+                            <p:stCondLst>
+                              <p:cond delay="0"/>
+                            </p:stCondLst>
+                            <p:childTnLst>
+                              <p:par>
+                                <p:cTn fill="hold" id="311" nodeType="clickEffect" presetClass="entr" presetID="1">
+                                  <p:stCondLst>
+                                    <p:cond delay="0"/>
+                                  </p:stCondLst>
+                                  <p:childTnLst>
+                                    <p:set>
+                                      <p:cBhvr>
+                                        <p:cTn dur="1" fill="hold" id="312">
+                                          <p:stCondLst>
+                                            <p:cond delay="0"/>
+                                          </p:stCondLst>
+                                        </p:cTn>
+                                        <p:tgtEl>
+                                          <p:spTgt spid="109">
+                                            <p:txEl>
+                                              <p:pRg end="410" st="410"/>
+                                            </p:txEl>
+                                          </p:spTgt>
+                                        </p:tgtEl>
+                                        <p:attrNameLst>
+                                          <p:attrName>style.visibility</p:attrName>
+                                        </p:attrNameLst>
+                                      </p:cBhvr>
+                                      <p:to>
+                                        <p:strVal val="visible"/>
+                                      </p:to>
+                                    </p:set>
+                                  </p:childTnLst>
+                                </p:cTn>
+                              </p:par>
+                            </p:childTnLst>
+                          </p:cTn>
+                        </p:par>
+                      </p:childTnLst>
+                    </p:cTn>
+                  </p:par>
+                  <p:par>
+                    <p:cTn fill="hold" id="313">
+                      <p:stCondLst>
+                        <p:cond delay="indefinite"/>
+                      </p:stCondLst>
+                      <p:childTnLst>
+                        <p:par>
+                          <p:cTn fill="hold" id="314">
+                            <p:stCondLst>
+                              <p:cond delay="0"/>
+                            </p:stCondLst>
+                            <p:childTnLst>
+                              <p:par>
+                                <p:cTn fill="hold" id="315" nodeType="clickEffect" presetClass="entr" presetID="1">
+                                  <p:stCondLst>
+                                    <p:cond delay="0"/>
+                                  </p:stCondLst>
+                                  <p:childTnLst>
+                                    <p:set>
+                                      <p:cBhvr>
+                                        <p:cTn dur="1" fill="hold" id="316">
+                                          <p:stCondLst>
+                                            <p:cond delay="0"/>
+                                          </p:stCondLst>
+                                        </p:cTn>
+                                        <p:tgtEl>
+                                          <p:spTgt spid="109">
+                                            <p:txEl>
+                                              <p:pRg end="410" st="410"/>
+                                            </p:txEl>
+                                          </p:spTgt>
+                                        </p:tgtEl>
+                                        <p:attrNameLst>
+                                          <p:attrName>style.visibility</p:attrName>
+                                        </p:attrNameLst>
+                                      </p:cBhvr>
+                                      <p:to>
+                                        <p:strVal val="visible"/>
+                                      </p:to>
+                                    </p:set>
+                                  </p:childTnLst>
+                                </p:cTn>
+                              </p:par>
+                            </p:childTnLst>
+                          </p:cTn>
+                        </p:par>
+                      </p:childTnLst>
+                    </p:cTn>
+                  </p:par>
+                </p:childTnLst>
+              </p:cTn>
+              <p:prevCondLst>
+                <p:cond delay="0" evt="onPrev">
+                  <p:tgtEl>
+                    <p:sldTgt/>
+                  </p:tgtEl>
+                </p:cond>
+              </p:prevCondLst>
+              <p:nextCondLst>
+                <p:cond delay="0" evt="onNext">
+                  <p:tgtEl>
+                    <p:sldTgt/>
+                  </p:tgtEl>
+                </p:cond>
+              </p:nextCondLst>
+            </p:seq>
+          </p:childTnLst>
+        </p:cTn>
+      </p:par>
+    </p:tnLst>
+  </p:timing>
+</p:sld>
+</file>
+
+<file path=ppt/slides/slide19.xml><?xml version="1.0" encoding="utf-8"?>
+<p:sld xmlns:a="http://schemas.openxmlformats.org/drawingml/2006/main" xmlns:p="http://schemas.openxmlformats.org/presentationml/2006/main" xmlns:r="http://schemas.openxmlformats.org/officeDocument/2006/relationships">
+  <p:cSld>
+    <p:spTree>
+      <p:nvGrpSpPr>
+        <p:cNvPr id="1" name=""/>
+        <p:cNvGrpSpPr/>
+        <p:nvPr/>
+      </p:nvGrpSpPr>
+      <p:grpSpPr>
+        <a:xfrm>
+          <a:off x="0" y="0"/>
+          <a:ext cx="0" cy="0"/>
+          <a:chOff x="0" y="0"/>
+          <a:chExt cx="0" cy="0"/>
+        </a:xfrm>
+      </p:grpSpPr>
+      <p:sp>
+        <p:nvSpPr>
+          <p:cNvPr id="111" name="CustomShape 1"/>
+          <p:cNvSpPr/>
+          <p:nvPr/>
+        </p:nvSpPr>
+        <p:spPr>
+          <a:xfrm>
+            <a:off x="611640" y="548640"/>
+            <a:ext cx="8228520" cy="635760"/>
+          </a:xfrm>
+          <a:prstGeom prst="rect">
+            <a:avLst/>
+          </a:prstGeom>
+        </p:spPr>
+        <p:txBody>
+          <a:bodyPr anchor="b" bIns="0" lIns="0" rIns="0" tIns="45000"/>
+          <a:p>
+            <a:pPr>
+              <a:lnSpc>
+                <a:spcPct val="100000"/>
+              </a:lnSpc>
+            </a:pPr>
+            <a:r>
+              <a:rPr lang="en-US" sz="5000">
+                <a:solidFill>
+                  <a:srgbClr val="04617b"/>
+                </a:solidFill>
+                <a:latin typeface="Calibri"/>
+              </a:rPr>
+              <a:t>“</a:t>
+            </a:r>
+            <a:r>
+              <a:rPr lang="en-US" sz="5000">
+                <a:solidFill>
+                  <a:srgbClr val="04617b"/>
+                </a:solidFill>
+                <a:latin typeface="Calibri"/>
+              </a:rPr>
+              <a:t>Brain drain”</a:t>
+            </a:r>
+            <a:endParaRPr/>
+          </a:p>
+        </p:txBody>
+      </p:sp>
+      <p:sp>
+        <p:nvSpPr>
+          <p:cNvPr id="112" name="CustomShape 2"/>
+          <p:cNvSpPr/>
+          <p:nvPr/>
+        </p:nvSpPr>
+        <p:spPr>
+          <a:xfrm>
+            <a:off x="539640" y="1124640"/>
+            <a:ext cx="8228520" cy="4550760"/>
+          </a:xfrm>
+          <a:prstGeom prst="rect">
+            <a:avLst/>
+          </a:prstGeom>
+        </p:spPr>
+        <p:txBody>
+          <a:bodyPr bIns="45000" lIns="90000" rIns="90000" tIns="45000"/>
+          <a:p>
+            <a:pPr>
+              <a:lnSpc>
+                <a:spcPct val="100000"/>
+              </a:lnSpc>
+              <a:buSzPct val="25000"/>
+              <a:buFont charset="2" typeface="Wingdings 2"/>
+              <a:buChar char=""/>
+            </a:pPr>
+            <a:r>
+              <a:rPr lang="en-US" sz="2600">
+                <a:solidFill>
+                  <a:srgbClr val="000000"/>
+                </a:solidFill>
+                <a:latin typeface="Constantia"/>
+              </a:rPr>
+              <a:t>Developing countries concerned about their ‘</a:t>
+            </a:r>
+            <a:r>
+              <a:rPr lang="en-US" sz="2600" u="sng">
+                <a:solidFill>
+                  <a:srgbClr val="000000"/>
+                </a:solidFill>
+                <a:latin typeface="Constantia"/>
+              </a:rPr>
+              <a:t>brain drain</a:t>
+            </a:r>
+            <a:r>
+              <a:rPr lang="en-US" sz="2600">
+                <a:solidFill>
+                  <a:srgbClr val="000000"/>
+                </a:solidFill>
+                <a:latin typeface="Constantia"/>
+              </a:rPr>
+              <a:t>’ problem </a:t>
+            </a:r>
+            <a:endParaRPr/>
+          </a:p>
+          <a:p>
+            <a:pPr>
+              <a:lnSpc>
+                <a:spcPct val="100000"/>
+              </a:lnSpc>
+              <a:buSzPct val="25000"/>
+              <a:buFont charset="2" typeface="Wingdings 2"/>
+              <a:buChar char=""/>
+            </a:pPr>
+            <a:r>
+              <a:rPr lang="en-US" sz="2600">
+                <a:solidFill>
+                  <a:srgbClr val="000000"/>
+                </a:solidFill>
+                <a:latin typeface="Constantia"/>
+              </a:rPr>
+              <a:t>Benefits can be the establishment of new firms and new trade links, as migrants often retain links with former countries</a:t>
+            </a:r>
+            <a:endParaRPr/>
+          </a:p>
+          <a:p>
+            <a:pPr lvl="1">
+              <a:lnSpc>
+                <a:spcPct val="100000"/>
+              </a:lnSpc>
+              <a:buSzPct val="25000"/>
+              <a:buFont typeface="StarSymbol"/>
+              <a:buChar char="l"/>
+            </a:pPr>
+            <a:r>
+              <a:rPr lang="en-US" sz="2400">
+                <a:solidFill>
+                  <a:srgbClr val="000000"/>
+                </a:solidFill>
+                <a:latin typeface="Constantia"/>
+              </a:rPr>
+              <a:t>Migrants often return home and start companies and can spur the economy forward</a:t>
+            </a:r>
+            <a:endParaRPr/>
+          </a:p>
+          <a:p>
+            <a:pPr lvl="1">
+              <a:lnSpc>
+                <a:spcPct val="100000"/>
+              </a:lnSpc>
+              <a:buSzPct val="25000"/>
+              <a:buFont typeface="StarSymbol"/>
+              <a:buChar char="l"/>
+            </a:pPr>
+            <a:r>
+              <a:rPr lang="en-US" sz="2400">
+                <a:solidFill>
+                  <a:srgbClr val="000000"/>
+                </a:solidFill>
+                <a:latin typeface="Constantia"/>
+              </a:rPr>
+              <a:t>Example – Silicon Valley in California has high population of ‘non-resident Indians’ who have set up companies in both the US and India</a:t>
+            </a:r>
+            <a:endParaRPr/>
+          </a:p>
+          <a:p>
+            <a:pPr lvl="1">
+              <a:lnSpc>
+                <a:spcPct val="100000"/>
+              </a:lnSpc>
+              <a:buSzPct val="25000"/>
+              <a:buFont typeface="StarSymbol"/>
+              <a:buChar char="l"/>
+            </a:pPr>
+            <a:r>
+              <a:rPr lang="en-US" sz="2100">
+                <a:solidFill>
+                  <a:srgbClr val="000000"/>
+                </a:solidFill>
+                <a:latin typeface="Constantia"/>
+              </a:rPr>
+              <a:t>50% of high-tech workforce in Silicon Valley was foreign born in 2000</a:t>
+            </a:r>
+            <a:endParaRPr/>
+          </a:p>
+          <a:p>
+            <a:pPr lvl="1">
+              <a:lnSpc>
+                <a:spcPct val="100000"/>
+              </a:lnSpc>
+              <a:buSzPct val="25000"/>
+              <a:buFont typeface="StarSymbol"/>
+              <a:buChar char="l"/>
+            </a:pPr>
+            <a:r>
+              <a:rPr lang="en-US" sz="2100">
+                <a:solidFill>
+                  <a:srgbClr val="000000"/>
+                </a:solidFill>
+                <a:latin typeface="Constantia"/>
+              </a:rPr>
+              <a:t>Reduction in U.S. H-1B visas post 9/11 from 195,000 to 65,000</a:t>
+            </a:r>
+            <a:endParaRPr/>
+          </a:p>
+        </p:txBody>
+      </p:sp>
+      <p:pic>
+        <p:nvPicPr>
+          <p:cNvPr descr="" id="113" name="Picture 3"/>
+          <p:cNvPicPr/>
+          <p:nvPr/>
+        </p:nvPicPr>
+        <p:blipFill>
+          <a:blip r:embed="rId1"/>
+          <a:stretch>
+            <a:fillRect/>
+          </a:stretch>
+        </p:blipFill>
+        <p:spPr>
+          <a:xfrm>
             <a:off x="7548480" y="5445360"/>
-            <a:ext cx="1387800" cy="1270080"/>
+            <a:ext cx="1387440" cy="1269720"/>
           </a:xfrm>
           <a:prstGeom prst="rect">
             <a:avLst/>
@@ -7757,7 +8130,7 @@
         <p:spPr>
           <a:xfrm>
             <a:off x="395640" y="260640"/>
-            <a:ext cx="8228880" cy="1142280"/>
+            <a:ext cx="8228520" cy="1141920"/>
           </a:xfrm>
           <a:prstGeom prst="rect">
             <a:avLst/>
@@ -7793,7 +8166,7 @@
         <p:spPr>
           <a:xfrm>
             <a:off x="457200" y="1935360"/>
-            <a:ext cx="8228880" cy="4388400"/>
+            <a:ext cx="8228520" cy="4388040"/>
           </a:xfrm>
           <a:prstGeom prst="rect">
             <a:avLst/>
@@ -7825,7 +8198,7 @@
               </a:lnSpc>
               <a:buSzPct val="25000"/>
               <a:buFont typeface="StarSymbol"/>
-              <a:buChar char=""/>
+              <a:buChar char="l"/>
             </a:pPr>
             <a:r>
               <a:rPr lang="en-US" sz="2400">
@@ -7845,7 +8218,7 @@
               </a:lnSpc>
               <a:buSzPct val="25000"/>
               <a:buFont typeface="StarSymbol"/>
-              <a:buChar char=""/>
+              <a:buChar char="l"/>
             </a:pPr>
             <a:r>
               <a:rPr lang="en-US" sz="2400">
@@ -7865,7 +8238,7 @@
               </a:lnSpc>
               <a:buSzPct val="25000"/>
               <a:buFont typeface="StarSymbol"/>
-              <a:buChar char=""/>
+              <a:buChar char="l"/>
             </a:pPr>
             <a:r>
               <a:rPr lang="en-US" sz="2400">
@@ -7885,7 +8258,7 @@
               </a:lnSpc>
               <a:buSzPct val="25000"/>
               <a:buFont typeface="StarSymbol"/>
-              <a:buChar char=""/>
+              <a:buChar char="l"/>
             </a:pPr>
             <a:r>
               <a:rPr lang="en-US" sz="2400">
@@ -7905,7 +8278,7 @@
               </a:lnSpc>
               <a:buSzPct val="25000"/>
               <a:buFont typeface="StarSymbol"/>
-              <a:buChar char=""/>
+              <a:buChar char="l"/>
             </a:pPr>
             <a:r>
               <a:rPr lang="en-US" sz="2400">
@@ -7925,7 +8298,7 @@
               </a:lnSpc>
               <a:buSzPct val="25000"/>
               <a:buFont typeface="StarSymbol"/>
-              <a:buChar char=""/>
+              <a:buChar char="l"/>
             </a:pPr>
             <a:r>
               <a:rPr lang="en-US" sz="2400">
@@ -7971,7 +8344,7 @@
         <p:spPr>
           <a:xfrm>
             <a:off x="457200" y="704160"/>
-            <a:ext cx="8228880" cy="564120"/>
+            <a:ext cx="8228520" cy="563760"/>
           </a:xfrm>
           <a:prstGeom prst="rect">
             <a:avLst/>
@@ -8007,7 +8380,7 @@
         <p:spPr>
           <a:xfrm>
             <a:off x="457200" y="1268640"/>
-            <a:ext cx="8228880" cy="5055120"/>
+            <a:ext cx="8228520" cy="5054760"/>
           </a:xfrm>
           <a:prstGeom prst="rect">
             <a:avLst/>
@@ -8047,7 +8420,7 @@
               </a:lnSpc>
               <a:buSzPct val="25000"/>
               <a:buFont typeface="StarSymbol"/>
-              <a:buChar char=""/>
+              <a:buChar char="l"/>
             </a:pPr>
             <a:r>
               <a:rPr lang="en-US" sz="2400">
@@ -8067,7 +8440,7 @@
               </a:lnSpc>
               <a:buSzPct val="25000"/>
               <a:buFont typeface="StarSymbol"/>
-              <a:buChar char=""/>
+              <a:buChar char="l"/>
             </a:pPr>
             <a:r>
               <a:rPr lang="en-US" sz="2400">
@@ -8087,7 +8460,7 @@
               </a:lnSpc>
               <a:buSzPct val="25000"/>
               <a:buFont typeface="StarSymbol"/>
-              <a:buChar char=""/>
+              <a:buChar char="l"/>
             </a:pPr>
             <a:r>
               <a:rPr lang="en-US" sz="2400">
@@ -8384,7 +8757,7 @@
         <p:spPr>
           <a:xfrm>
             <a:off x="457200" y="704160"/>
-            <a:ext cx="8228880" cy="708120"/>
+            <a:ext cx="8228520" cy="707760"/>
           </a:xfrm>
           <a:prstGeom prst="rect">
             <a:avLst/>
@@ -8420,7 +8793,7 @@
         <p:spPr>
           <a:xfrm>
             <a:off x="457200" y="1628640"/>
-            <a:ext cx="8228880" cy="4695120"/>
+            <a:ext cx="8228520" cy="4694760"/>
           </a:xfrm>
           <a:prstGeom prst="rect">
             <a:avLst/>
@@ -8842,7 +9215,7 @@
         <p:spPr>
           <a:xfrm>
             <a:off x="457200" y="704160"/>
-            <a:ext cx="8228880" cy="636120"/>
+            <a:ext cx="8228520" cy="635760"/>
           </a:xfrm>
           <a:prstGeom prst="rect">
             <a:avLst/>
@@ -8884,7 +9257,7 @@
         <p:spPr>
           <a:xfrm>
             <a:off x="816120" y="1628640"/>
-            <a:ext cx="7214400" cy="4285440"/>
+            <a:ext cx="7214040" cy="4285080"/>
           </a:xfrm>
           <a:prstGeom prst="rect">
             <a:avLst/>
@@ -8922,7 +9295,7 @@
         <p:spPr>
           <a:xfrm>
             <a:off x="457200" y="704160"/>
-            <a:ext cx="8228880" cy="564120"/>
+            <a:ext cx="8228520" cy="563760"/>
           </a:xfrm>
           <a:prstGeom prst="rect">
             <a:avLst/>
@@ -8958,7 +9331,7 @@
         <p:spPr>
           <a:xfrm>
             <a:off x="457200" y="1484640"/>
-            <a:ext cx="8228880" cy="4839120"/>
+            <a:ext cx="8228520" cy="4838760"/>
           </a:xfrm>
           <a:prstGeom prst="rect">
             <a:avLst/>
@@ -8976,7 +9349,7 @@
               <a:buChar char=""/>
             </a:pPr>
             <a:r>
-              <a:rPr lang="en-US" sz="2600">
+              <a:rPr lang="en-US" sz="2200">
                 <a:solidFill>
                   <a:srgbClr val="000000"/>
                 </a:solidFill>
@@ -8996,7 +9369,7 @@
               <a:buChar char=""/>
             </a:pPr>
             <a:r>
-              <a:rPr lang="en-US" sz="2600">
+              <a:rPr lang="en-US" sz="2200">
                 <a:solidFill>
                   <a:srgbClr val="000000"/>
                 </a:solidFill>
@@ -9016,7 +9389,7 @@
               <a:buChar char=""/>
             </a:pPr>
             <a:r>
-              <a:rPr lang="en-US" sz="2600">
+              <a:rPr lang="en-US" sz="2200">
                 <a:solidFill>
                   <a:srgbClr val="000000"/>
                 </a:solidFill>
@@ -9033,10 +9406,10 @@
               </a:lnSpc>
               <a:buSzPct val="25000"/>
               <a:buFont typeface="StarSymbol"/>
-              <a:buChar char=""/>
-            </a:pPr>
-            <a:r>
-              <a:rPr lang="en-US" sz="2400">
+              <a:buChar char="l"/>
+            </a:pPr>
+            <a:r>
+              <a:rPr lang="en-US" sz="2000">
                 <a:solidFill>
                   <a:srgbClr val="000000"/>
                 </a:solidFill>
@@ -9053,10 +9426,10 @@
               </a:lnSpc>
               <a:buSzPct val="25000"/>
               <a:buFont typeface="StarSymbol"/>
-              <a:buChar char=""/>
-            </a:pPr>
-            <a:r>
-              <a:rPr lang="en-US" sz="2400">
+              <a:buChar char="l"/>
+            </a:pPr>
+            <a:r>
+              <a:rPr lang="en-US" sz="2000">
                 <a:solidFill>
                   <a:srgbClr val="000000"/>
                 </a:solidFill>
@@ -9076,7 +9449,7 @@
               <a:buChar char=""/>
             </a:pPr>
             <a:r>
-              <a:rPr lang="en-US" sz="2600">
+              <a:rPr lang="en-US" sz="2200">
                 <a:solidFill>
                   <a:srgbClr val="000000"/>
                 </a:solidFill>
@@ -9407,7 +9780,7 @@
         <p:spPr>
           <a:xfrm>
             <a:off x="457200" y="704160"/>
-            <a:ext cx="8228880" cy="780120"/>
+            <a:ext cx="8228520" cy="779760"/>
           </a:xfrm>
           <a:prstGeom prst="rect">
             <a:avLst/>
@@ -9443,7 +9816,7 @@
         <p:spPr>
           <a:xfrm>
             <a:off x="457200" y="1628640"/>
-            <a:ext cx="8228880" cy="4695120"/>
+            <a:ext cx="8228520" cy="4694760"/>
           </a:xfrm>
           <a:prstGeom prst="rect">
             <a:avLst/>
@@ -9569,7 +9942,7 @@
         <p:spPr>
           <a:xfrm>
             <a:off x="395640" y="1124640"/>
-            <a:ext cx="8228880" cy="636120"/>
+            <a:ext cx="8228520" cy="635760"/>
           </a:xfrm>
           <a:prstGeom prst="rect">
             <a:avLst/>
@@ -9605,7 +9978,7 @@
         <p:spPr>
           <a:xfrm>
             <a:off x="457200" y="1935360"/>
-            <a:ext cx="8228880" cy="4388400"/>
+            <a:ext cx="8228520" cy="4388040"/>
           </a:xfrm>
           <a:prstGeom prst="rect">
             <a:avLst/>
@@ -9959,8 +10332,8 @@
         </p:nvSpPr>
         <p:spPr>
           <a:xfrm>
-            <a:off x="467640" y="836640"/>
-            <a:ext cx="8228880" cy="852120"/>
+            <a:off x="395640" y="1124640"/>
+            <a:ext cx="8228520" cy="635760"/>
           </a:xfrm>
           <a:prstGeom prst="rect">
             <a:avLst/>
@@ -9995,8 +10368,8 @@
         </p:nvSpPr>
         <p:spPr>
           <a:xfrm>
-            <a:off x="457200" y="1772640"/>
-            <a:ext cx="8228880" cy="4551120"/>
+            <a:off x="457200" y="1935360"/>
+            <a:ext cx="8228520" cy="4388040"/>
           </a:xfrm>
           <a:prstGeom prst="rect">
             <a:avLst/>
@@ -10004,23 +10377,6 @@
         </p:spPr>
         <p:txBody>
           <a:bodyPr bIns="45000" lIns="90000" rIns="90000" tIns="45000"/>
-          <a:p>
-            <a:pPr>
-              <a:lnSpc>
-                <a:spcPct val="100000"/>
-              </a:lnSpc>
-            </a:pPr>
-            <a:r>
-              <a:rPr b="1" lang="en-US" sz="2600">
-                <a:solidFill>
-                  <a:srgbClr val="000000"/>
-                </a:solidFill>
-                <a:latin typeface="Constantia"/>
-              </a:rPr>
-              <a:t>Differential impacts of TRIPS </a:t>
-            </a:r>
-            <a:endParaRPr/>
-          </a:p>
           <a:p>
             <a:pPr>
               <a:lnSpc>
@@ -10037,36 +10393,8 @@
                 </a:solidFill>
                 <a:latin typeface="Constantia"/>
               </a:rPr>
-              <a:t>The direct effect of strengthening IPRs should be to increase the flow of royalties to intellectual property producing countries (mostly developed countries)</a:t>
-            </a:r>
-            <a:endParaRPr/>
-          </a:p>
-          <a:p>
-            <a:pPr lvl="1">
-              <a:lnSpc>
-                <a:spcPct val="100000"/>
-              </a:lnSpc>
-              <a:buSzPct val="25000"/>
-              <a:buFont typeface="StarSymbol"/>
-              <a:buChar char=""/>
-            </a:pPr>
-            <a:r>
-              <a:rPr lang="en-US" sz="2400">
-                <a:solidFill>
-                  <a:srgbClr val="000000"/>
-                </a:solidFill>
-                <a:latin typeface="Constantia"/>
-              </a:rPr>
-              <a:t>USA largest surplus with $28 billion in 2003</a:t>
-            </a:r>
-            <a:endParaRPr/>
-          </a:p>
-          <a:p>
-            <a:pPr>
-              <a:lnSpc>
-                <a:spcPct val="100000"/>
-              </a:lnSpc>
-            </a:pPr>
+              <a:t>TRIPS agreement 1996 - membership of the World Trade Organisation (WTO) was made conditional on signing it</a:t>
+            </a:r>
             <a:endParaRPr/>
           </a:p>
           <a:p>
@@ -10085,8 +10413,56 @@
                 </a:solidFill>
                 <a:latin typeface="Constantia"/>
               </a:rPr>
-              <a:t>Poorest countries (esp. Africa) suffered most, because of higher prices for protected products and technologies, e.g., Pharmaceutical drugs</a:t>
-            </a:r>
+              <a:t>TRIPS agreement established minimum standards of IPR protection in all WTO member countries</a:t>
+            </a:r>
+            <a:endParaRPr/>
+          </a:p>
+          <a:p>
+            <a:pPr>
+              <a:lnSpc>
+                <a:spcPct val="100000"/>
+              </a:lnSpc>
+              <a:buSzPct val="25000"/>
+              <a:buFont charset="2" typeface="Wingdings 2"/>
+              <a:buChar char=""/>
+            </a:pPr>
+            <a:r>
+              <a:rPr lang="en-US" sz="2600">
+                <a:solidFill>
+                  <a:srgbClr val="000000"/>
+                </a:solidFill>
+                <a:latin typeface="Constantia"/>
+              </a:rPr>
+              <a:t>Developing countries were given time to make the transition, but grace periods generally expired within a few years of such countries joining the WTO</a:t>
+            </a:r>
+            <a:endParaRPr/>
+          </a:p>
+          <a:p>
+            <a:pPr>
+              <a:lnSpc>
+                <a:spcPct val="100000"/>
+              </a:lnSpc>
+              <a:buSzPct val="25000"/>
+              <a:buFont charset="2" typeface="Wingdings 2"/>
+              <a:buChar char=""/>
+            </a:pPr>
+            <a:r>
+              <a:rPr lang="en-US" sz="2600">
+                <a:solidFill>
+                  <a:srgbClr val="000000"/>
+                </a:solidFill>
+                <a:latin typeface="Constantia"/>
+              </a:rPr>
+              <a:t>China and India have both become members of WTO/TRIPS</a:t>
+            </a:r>
+            <a:endParaRPr/>
+          </a:p>
+          <a:p>
+            <a:pPr>
+              <a:lnSpc>
+                <a:spcPct val="100000"/>
+              </a:lnSpc>
+            </a:pPr>
             <a:endParaRPr/>
           </a:p>
         </p:txBody>
@@ -10129,7 +10505,7 @@
                                         <p:tgtEl>
                                           <p:spTgt spid="90">
                                             <p:txEl>
-                                              <p:pRg end="31" st="0"/>
+                                              <p:pRg end="107" st="0"/>
                                             </p:txEl>
                                           </p:spTgt>
                                         </p:tgtEl>
@@ -10178,38 +10554,7 @@
                                         <p:tgtEl>
                                           <p:spTgt spid="90">
                                             <p:txEl>
-                                              <p:pRg end="375" st="375"/>
-                                            </p:txEl>
-                                          </p:spTgt>
-                                        </p:tgtEl>
-                                        <p:attrNameLst>
-                                          <p:attrName>style.visibility</p:attrName>
-                                        </p:attrNameLst>
-                                      </p:cBhvr>
-                                      <p:to>
-                                        <p:strVal val="visible"/>
-                                      </p:to>
-                                    </p:set>
-                                  </p:childTnLst>
-                                </p:cTn>
-                              </p:par>
-                              <p:par>
-                                <p:cTn fill="hold" id="93" nodeType="withEffect" presetClass="entr" presetID="1">
-                                  <p:stCondLst>
-                                    <p:cond delay="0"/>
-                                  </p:stCondLst>
-                                  <p:childTnLst>
-                                    <p:set>
-                                      <p:cBhvr>
-                                        <p:cTn dur="1" fill="hold" id="94">
-                                          <p:stCondLst>
-                                            <p:cond delay="0"/>
-                                          </p:stCondLst>
-                                        </p:cTn>
-                                        <p:tgtEl>
-                                          <p:spTgt spid="90">
-                                            <p:txEl>
-                                              <p:pRg end="375" st="375"/>
+                                              <p:pRg end="404" st="404"/>
                                             </p:txEl>
                                           </p:spTgt>
                                         </p:tgtEl>
@@ -10231,26 +10576,26 @@
                     </p:cTn>
                   </p:par>
                   <p:par>
-                    <p:cTn fill="hold" id="95">
+                    <p:cTn fill="hold" id="93">
                       <p:stCondLst>
                         <p:cond delay="indefinite"/>
                       </p:stCondLst>
                       <p:childTnLst>
                         <p:par>
-                          <p:cTn fill="hold" id="96">
+                          <p:cTn fill="hold" id="94">
                             <p:stCondLst>
                               <p:cond delay="0"/>
                             </p:stCondLst>
                             <p:childTnLst>
                               <p:par>
-                                <p:cTn fill="hold" id="97" nodeType="clickEffect" presetClass="entr" presetID="1">
+                                <p:cTn fill="hold" id="95" nodeType="clickEffect" presetClass="entr" presetID="1">
                                   <p:stCondLst>
                                     <p:cond delay="0"/>
                                   </p:stCondLst>
                                   <p:childTnLst>
                                     <p:set>
                                       <p:cBhvr>
-                                        <p:cTn dur="1" fill="hold" id="98">
+                                        <p:cTn dur="1" fill="hold" id="96">
                                           <p:stCondLst>
                                             <p:cond delay="0"/>
                                           </p:stCondLst>
@@ -10258,7 +10603,56 @@
                                         <p:tgtEl>
                                           <p:spTgt spid="90">
                                             <p:txEl>
-                                              <p:pRg end="375" st="375"/>
+                                              <p:pRg end="404" st="404"/>
+                                            </p:txEl>
+                                          </p:spTgt>
+                                        </p:tgtEl>
+                                        <p:attrNameLst>
+                                          <p:attrName>style.visibility</p:attrName>
+                                        </p:attrNameLst>
+                                      </p:cBhvr>
+                                      <p:to>
+                                        <p:strVal val="visible"/>
+                                      </p:to>
+                                    </p:set>
+                                  </p:childTnLst>
+                                </p:cTn>
+                              </p:par>
+                            </p:childTnLst>
+                          </p:cTn>
+                        </p:par>
+                      </p:childTnLst>
+                    </p:cTn>
+                  </p:par>
+                  <p:par>
+                    <p:cTn fill="hold" id="97">
+                      <p:stCondLst>
+                        <p:cond delay="indefinite"/>
+                      </p:stCondLst>
+                      <p:childTnLst>
+                        <p:par>
+                          <p:cTn fill="hold" id="98">
+                            <p:stCondLst>
+                              <p:cond delay="0"/>
+                            </p:stCondLst>
+                            <p:childTnLst>
+                              <p:par>
+                                <p:cTn fill="hold" id="99" nodeType="clickEffect" presetClass="entr" presetID="1">
+                                  <p:stCondLst>
+                                    <p:cond delay="0"/>
+                                  </p:stCondLst>
+                                  <p:childTnLst>
+                                    <p:set>
+                                      <p:cBhvr>
+                                        <p:cTn dur="1" fill="hold" id="100">
+                                          <p:stCondLst>
+                                            <p:cond delay="0"/>
+                                          </p:stCondLst>
+                                        </p:cTn>
+                                        <p:tgtEl>
+                                          <p:spTgt spid="90">
+                                            <p:txEl>
+                                              <p:pRg end="404" st="404"/>
                                             </p:txEl>
                                           </p:spTgt>
                                         </p:tgtEl>
